--- a/811M-Ch05_PlottingAndVisualization.pptx
+++ b/811M-Ch05_PlottingAndVisualization.pptx
@@ -297,7 +297,7 @@
                 <a:ea typeface="Tahoma" pitchFamily="34" charset="0"/>
                 <a:cs typeface="Tahoma" pitchFamily="34" charset="0"/>
               </a:rPr>
-              <a:t>592: Data Science with Python</a:t>
+              <a:t>811M: Python for Data Scientists</a:t>
             </a:r>
           </a:p>
         </p:txBody>
@@ -819,7 +819,7 @@
                 </a:solidFill>
                 <a:latin typeface="Tahoma" pitchFamily="34" charset="0"/>
               </a:rPr>
-              <a:t>592: Data Science with Python</a:t>
+              <a:t>811M: Python for Data Scientists</a:t>
             </a:r>
           </a:p>
         </p:txBody>
@@ -6752,7 +6752,7 @@
                 <a:ea typeface="Tahoma" panose="020B0604030504040204" pitchFamily="34" charset="0"/>
                 <a:cs typeface="Tahoma" panose="020B0604030504040204" pitchFamily="34" charset="0"/>
               </a:rPr>
-              <a:t>592: Data Science with Python</a:t>
+              <a:t>811M: Python for Data Scientists</a:t>
             </a:r>
           </a:p>
         </p:txBody>
@@ -7462,7 +7462,7 @@
       </a:lvl9pPr>
     </p:otherStyle>
   </p:txStyles>
-  <p:extLst mod="1">
+  <p:extLst>
     <p:ext uri="{27BBF7A9-308A-43DC-89C8-2F10F3537804}">
       <p15:sldGuideLst xmlns:p15="http://schemas.microsoft.com/office/powerpoint/2012/main"/>
     </p:ext>
@@ -7536,7 +7536,7 @@
           <a:p>
             <a:r>
               <a:rPr lang="en-US" dirty="0"/>
-              <a:t>Data Science with Python</a:t>
+              <a:t>Python for Data Scientists</a:t>
             </a:r>
           </a:p>
         </p:txBody>
@@ -8392,17 +8392,15 @@
           </a:lstStyle>
           <a:p>
             <a:r>
-              <a:rPr lang="en-US" sz="1800" dirty="0">
+              <a:rPr lang="en-US" sz="1800" dirty="0" err="1">
                 <a:solidFill>
                   <a:schemeClr val="tx1"/>
                 </a:solidFill>
                 <a:latin typeface="Courier New"/>
                 <a:cs typeface="Courier New"/>
               </a:rPr>
-              <a:t>In [1]: pylab</a:t>
-            </a:r>
-          </a:p>
-          <a:p>
+              <a:t>pylab</a:t>
+            </a:r>
             <a:endParaRPr lang="en-US" sz="1800" dirty="0">
               <a:solidFill>
                 <a:schemeClr val="tx1"/>
@@ -8412,18 +8410,6 @@
             </a:endParaRPr>
           </a:p>
           <a:p>
-            <a:r>
-              <a:rPr lang="en-US" sz="1800" dirty="0">
-                <a:solidFill>
-                  <a:schemeClr val="tx1"/>
-                </a:solidFill>
-                <a:latin typeface="Courier New"/>
-                <a:cs typeface="Courier New"/>
-              </a:rPr>
-              <a:t>In [2]: import numpy as np</a:t>
-            </a:r>
-          </a:p>
-          <a:p>
             <a:endParaRPr lang="en-US" sz="1800" dirty="0">
               <a:solidFill>
                 <a:schemeClr val="tx1"/>
@@ -8441,7 +8427,7 @@
                 <a:latin typeface="Courier New"/>
                 <a:cs typeface="Courier New"/>
               </a:rPr>
-              <a:t>In [3]: import pandas as pd</a:t>
+              <a:t>import numpy as np</a:t>
             </a:r>
           </a:p>
           <a:p>
@@ -8462,7 +8448,7 @@
                 <a:latin typeface="Courier New"/>
                 <a:cs typeface="Courier New"/>
               </a:rPr>
-              <a:t>In [4]: from pandas import Series, DataFrame</a:t>
+              <a:t>import pandas as pd</a:t>
             </a:r>
           </a:p>
           <a:p>
@@ -8483,27 +8469,7 @@
                 <a:latin typeface="Courier New"/>
                 <a:cs typeface="Courier New"/>
               </a:rPr>
-              <a:t>In [5]: ts = </a:t>
-            </a:r>
-            <a:r>
-              <a:rPr lang="en-US" sz="1800" b="1" dirty="0">
-                <a:solidFill>
-                  <a:schemeClr val="tx1"/>
-                </a:solidFill>
-                <a:latin typeface="Courier New"/>
-                <a:cs typeface="Courier New"/>
-              </a:rPr>
-              <a:t>Series</a:t>
-            </a:r>
-            <a:r>
-              <a:rPr lang="en-US" sz="1800" dirty="0">
-                <a:solidFill>
-                  <a:schemeClr val="tx1"/>
-                </a:solidFill>
-                <a:latin typeface="Courier New"/>
-                <a:cs typeface="Courier New"/>
-              </a:rPr>
-              <a:t>(np.random.randn(1000), 			index=pd.date_range('1/1/2000', periods=1000))</a:t>
+              <a:t>from pandas import Series, DataFrame</a:t>
             </a:r>
           </a:p>
           <a:p>
@@ -8517,6 +8483,16 @@
           </a:p>
           <a:p>
             <a:r>
+              <a:rPr lang="en-US" sz="1800" dirty="0" err="1">
+                <a:solidFill>
+                  <a:schemeClr val="tx1"/>
+                </a:solidFill>
+                <a:latin typeface="Courier New"/>
+                <a:cs typeface="Courier New"/>
+              </a:rPr>
+              <a:t>ts</a:t>
+            </a:r>
+            <a:r>
               <a:rPr lang="en-US" sz="1800" dirty="0">
                 <a:solidFill>
                   <a:schemeClr val="tx1"/>
@@ -8524,7 +8500,27 @@
                 <a:latin typeface="Courier New"/>
                 <a:cs typeface="Courier New"/>
               </a:rPr>
-              <a:t>In[6]: ts.cumsum()</a:t>
+              <a:t> = </a:t>
+            </a:r>
+            <a:r>
+              <a:rPr lang="en-US" sz="1800" b="1" dirty="0">
+                <a:solidFill>
+                  <a:schemeClr val="tx1"/>
+                </a:solidFill>
+                <a:latin typeface="Courier New"/>
+                <a:cs typeface="Courier New"/>
+              </a:rPr>
+              <a:t>Series</a:t>
+            </a:r>
+            <a:r>
+              <a:rPr lang="en-US" sz="1800" dirty="0">
+                <a:solidFill>
+                  <a:schemeClr val="tx1"/>
+                </a:solidFill>
+                <a:latin typeface="Courier New"/>
+                <a:cs typeface="Courier New"/>
+              </a:rPr>
+              <a:t>(np.random.randn(1000), \ 			index=pd.date_range('1/1/2000', periods=1000))</a:t>
             </a:r>
           </a:p>
           <a:p>
@@ -8538,14 +8534,45 @@
           </a:p>
           <a:p>
             <a:r>
-              <a:rPr lang="mr-IN" sz="1800" dirty="0">
+              <a:rPr lang="en-US" sz="1800" dirty="0" err="1">
                 <a:solidFill>
                   <a:schemeClr val="tx1"/>
                 </a:solidFill>
                 <a:latin typeface="Courier New"/>
                 <a:cs typeface="Courier New"/>
               </a:rPr>
-              <a:t>In [6]: </a:t>
+              <a:t>ts.cumsum</a:t>
+            </a:r>
+            <a:r>
+              <a:rPr lang="en-US" sz="1800" dirty="0">
+                <a:solidFill>
+                  <a:schemeClr val="tx1"/>
+                </a:solidFill>
+                <a:latin typeface="Courier New"/>
+                <a:cs typeface="Courier New"/>
+              </a:rPr>
+              <a:t>()</a:t>
+            </a:r>
+          </a:p>
+          <a:p>
+            <a:endParaRPr lang="en-US" sz="1800" dirty="0">
+              <a:solidFill>
+                <a:schemeClr val="tx1"/>
+              </a:solidFill>
+              <a:latin typeface="Courier New"/>
+              <a:cs typeface="Courier New"/>
+            </a:endParaRPr>
+          </a:p>
+          <a:p>
+            <a:r>
+              <a:rPr lang="mr-IN" sz="1800" b="1" dirty="0" err="1">
+                <a:solidFill>
+                  <a:schemeClr val="tx1"/>
+                </a:solidFill>
+                <a:latin typeface="Courier New"/>
+                <a:cs typeface="Courier New"/>
+              </a:rPr>
+              <a:t>ts.plot</a:t>
             </a:r>
             <a:r>
               <a:rPr lang="mr-IN" sz="1800" b="1" dirty="0">
@@ -8555,7 +8582,7 @@
                 <a:latin typeface="Courier New"/>
                 <a:cs typeface="Courier New"/>
               </a:rPr>
-              <a:t>ts.plot()</a:t>
+              <a:t>()</a:t>
             </a:r>
           </a:p>
         </p:txBody>
@@ -8570,7 +8597,7 @@
         </p:nvSpPr>
         <p:spPr bwMode="auto">
           <a:xfrm>
-            <a:off x="4945422" y="4910913"/>
+            <a:off x="3740405" y="4878545"/>
             <a:ext cx="1726982" cy="338554"/>
           </a:xfrm>
           <a:prstGeom prst="wedgeRectCallout">
@@ -8812,7 +8839,7 @@
         <p:spPr bwMode="auto">
           <a:xfrm>
             <a:off x="315410" y="2281778"/>
-            <a:ext cx="8521034" cy="2308324"/>
+            <a:ext cx="8521034" cy="2585323"/>
           </a:xfrm>
           <a:prstGeom prst="rect">
             <a:avLst/>
@@ -8944,6 +8971,16 @@
           </a:lstStyle>
           <a:p>
             <a:r>
+              <a:rPr lang="en-US" sz="1800" b="1" dirty="0" err="1">
+                <a:solidFill>
+                  <a:schemeClr val="tx1"/>
+                </a:solidFill>
+                <a:latin typeface="Courier New"/>
+                <a:cs typeface="Courier New"/>
+              </a:rPr>
+              <a:t>ts</a:t>
+            </a:r>
+            <a:r>
               <a:rPr lang="en-US" sz="1800" dirty="0">
                 <a:solidFill>
                   <a:schemeClr val="tx1"/>
@@ -8951,18 +8988,17 @@
                 <a:latin typeface="Courier New"/>
                 <a:cs typeface="Courier New"/>
               </a:rPr>
-              <a:t>In [17]: </a:t>
-            </a:r>
-            <a:r>
-              <a:rPr lang="en-US" sz="1800" b="1" dirty="0">
+              <a:t> = Series(np.random.randn(1000), \</a:t>
+            </a:r>
+            <a:br>
+              <a:rPr lang="en-US" sz="1800" dirty="0">
                 <a:solidFill>
                   <a:schemeClr val="tx1"/>
                 </a:solidFill>
                 <a:latin typeface="Courier New"/>
                 <a:cs typeface="Courier New"/>
               </a:rPr>
-              <a:t>ts</a:t>
-            </a:r>
+            </a:br>
             <a:r>
               <a:rPr lang="en-US" sz="1800" dirty="0">
                 <a:solidFill>
@@ -8971,91 +9007,7 @@
                 <a:latin typeface="Courier New"/>
                 <a:cs typeface="Courier New"/>
               </a:rPr>
-              <a:t> = Series(np.random.randn(1000), 			  	       index=pd.date_range('1/1/2000', periods=1000))</a:t>
-            </a:r>
-          </a:p>
-          <a:p>
-            <a:r>
-              <a:rPr lang="en-US" sz="1800" dirty="0">
-                <a:solidFill>
-                  <a:schemeClr val="tx1"/>
-                </a:solidFill>
-                <a:latin typeface="Courier New"/>
-                <a:cs typeface="Courier New"/>
-              </a:rPr>
-              <a:t>In [18]: df = </a:t>
-            </a:r>
-            <a:r>
-              <a:rPr lang="en-US" sz="1800" b="1" dirty="0">
-                <a:solidFill>
-                  <a:schemeClr val="tx1"/>
-                </a:solidFill>
-                <a:latin typeface="Courier New"/>
-                <a:cs typeface="Courier New"/>
-              </a:rPr>
-              <a:t>DataFrame</a:t>
-            </a:r>
-            <a:r>
-              <a:rPr lang="en-US" sz="1800" dirty="0">
-                <a:solidFill>
-                  <a:schemeClr val="tx1"/>
-                </a:solidFill>
-                <a:latin typeface="Courier New"/>
-                <a:cs typeface="Courier New"/>
-              </a:rPr>
-              <a:t>(np.random.randn(1000,</a:t>
-            </a:r>
-            <a:r>
-              <a:rPr lang="en-US" sz="1800" b="1" dirty="0">
-                <a:solidFill>
-                  <a:schemeClr val="tx1"/>
-                </a:solidFill>
-                <a:latin typeface="Courier New"/>
-                <a:cs typeface="Courier New"/>
-              </a:rPr>
-              <a:t>4</a:t>
-            </a:r>
-            <a:r>
-              <a:rPr lang="en-US" sz="1800" dirty="0">
-                <a:solidFill>
-                  <a:schemeClr val="tx1"/>
-                </a:solidFill>
-                <a:latin typeface="Courier New"/>
-                <a:cs typeface="Courier New"/>
-              </a:rPr>
-              <a:t>), </a:t>
-            </a:r>
-          </a:p>
-          <a:p>
-            <a:r>
-              <a:rPr lang="en-US" sz="1800" dirty="0">
-                <a:solidFill>
-                  <a:schemeClr val="tx1"/>
-                </a:solidFill>
-                <a:latin typeface="Courier New"/>
-                <a:cs typeface="Courier New"/>
-              </a:rPr>
-              <a:t>			index= </a:t>
-            </a:r>
-            <a:r>
-              <a:rPr lang="en-US" sz="1800" b="1" dirty="0">
-                <a:solidFill>
-                  <a:schemeClr val="tx1"/>
-                </a:solidFill>
-                <a:latin typeface="Courier New"/>
-                <a:cs typeface="Courier New"/>
-              </a:rPr>
-              <a:t>ts.index</a:t>
-            </a:r>
-            <a:r>
-              <a:rPr lang="en-US" sz="1800" dirty="0">
-                <a:solidFill>
-                  <a:schemeClr val="tx1"/>
-                </a:solidFill>
-                <a:latin typeface="Courier New"/>
-                <a:cs typeface="Courier New"/>
-              </a:rPr>
-              <a:t>, columns=list('ABCD'))</a:t>
+              <a:t>          index=pd.date_range('1/1/2000', periods=1000))</a:t>
             </a:r>
           </a:p>
           <a:p>
@@ -9069,6 +9021,119 @@
           </a:p>
           <a:p>
             <a:r>
+              <a:rPr lang="en-US" sz="1800" dirty="0" err="1">
+                <a:solidFill>
+                  <a:schemeClr val="tx1"/>
+                </a:solidFill>
+                <a:latin typeface="Courier New"/>
+                <a:cs typeface="Courier New"/>
+              </a:rPr>
+              <a:t>df</a:t>
+            </a:r>
+            <a:r>
+              <a:rPr lang="en-US" sz="1800" dirty="0">
+                <a:solidFill>
+                  <a:schemeClr val="tx1"/>
+                </a:solidFill>
+                <a:latin typeface="Courier New"/>
+                <a:cs typeface="Courier New"/>
+              </a:rPr>
+              <a:t> = </a:t>
+            </a:r>
+            <a:r>
+              <a:rPr lang="en-US" sz="1800" b="1" dirty="0">
+                <a:solidFill>
+                  <a:schemeClr val="tx1"/>
+                </a:solidFill>
+                <a:latin typeface="Courier New"/>
+                <a:cs typeface="Courier New"/>
+              </a:rPr>
+              <a:t>DataFrame</a:t>
+            </a:r>
+            <a:r>
+              <a:rPr lang="en-US" sz="1800" dirty="0">
+                <a:solidFill>
+                  <a:schemeClr val="tx1"/>
+                </a:solidFill>
+                <a:latin typeface="Courier New"/>
+                <a:cs typeface="Courier New"/>
+              </a:rPr>
+              <a:t>(np.random.randn(1000,</a:t>
+            </a:r>
+            <a:r>
+              <a:rPr lang="en-US" sz="1800" b="1" dirty="0">
+                <a:solidFill>
+                  <a:schemeClr val="tx1"/>
+                </a:solidFill>
+                <a:latin typeface="Courier New"/>
+                <a:cs typeface="Courier New"/>
+              </a:rPr>
+              <a:t>4</a:t>
+            </a:r>
+            <a:r>
+              <a:rPr lang="en-US" sz="1800" dirty="0">
+                <a:solidFill>
+                  <a:schemeClr val="tx1"/>
+                </a:solidFill>
+                <a:latin typeface="Courier New"/>
+                <a:cs typeface="Courier New"/>
+              </a:rPr>
+              <a:t>), \</a:t>
+            </a:r>
+          </a:p>
+          <a:p>
+            <a:r>
+              <a:rPr lang="en-US" sz="1800" dirty="0">
+                <a:solidFill>
+                  <a:schemeClr val="tx1"/>
+                </a:solidFill>
+                <a:latin typeface="Courier New"/>
+                <a:cs typeface="Courier New"/>
+              </a:rPr>
+              <a:t>          index= </a:t>
+            </a:r>
+            <a:r>
+              <a:rPr lang="en-US" sz="1800" b="1" dirty="0">
+                <a:solidFill>
+                  <a:schemeClr val="tx1"/>
+                </a:solidFill>
+                <a:latin typeface="Courier New"/>
+                <a:cs typeface="Courier New"/>
+              </a:rPr>
+              <a:t>ts.index</a:t>
+            </a:r>
+            <a:r>
+              <a:rPr lang="en-US" sz="1800" dirty="0">
+                <a:solidFill>
+                  <a:schemeClr val="tx1"/>
+                </a:solidFill>
+                <a:latin typeface="Courier New"/>
+                <a:cs typeface="Courier New"/>
+              </a:rPr>
+              <a:t>, columns=list('ABCD'))</a:t>
+            </a:r>
+          </a:p>
+          <a:p>
+            <a:endParaRPr lang="en-US" sz="1800" dirty="0">
+              <a:solidFill>
+                <a:schemeClr val="tx1"/>
+              </a:solidFill>
+              <a:latin typeface="Courier New"/>
+              <a:cs typeface="Courier New"/>
+            </a:endParaRPr>
+          </a:p>
+          <a:p>
+            <a:r>
+              <a:rPr lang="mr-IN" sz="1800" dirty="0" err="1">
+                <a:solidFill>
+                  <a:schemeClr val="tx1"/>
+                </a:solidFill>
+                <a:latin typeface="Courier New"/>
+                <a:cs typeface="Courier New"/>
+              </a:rPr>
+              <a:t>df</a:t>
+            </a:r>
+            <a:r>
               <a:rPr lang="mr-IN" sz="1800" dirty="0">
                 <a:solidFill>
                   <a:schemeClr val="tx1"/>
@@ -9076,7 +9141,7 @@
                 <a:latin typeface="Courier New"/>
                 <a:cs typeface="Courier New"/>
               </a:rPr>
-              <a:t>In [19]: df = df.cumsum()</a:t>
+              <a:t> = df.cumsum()</a:t>
             </a:r>
           </a:p>
           <a:p>
@@ -9090,6 +9155,16 @@
           </a:p>
           <a:p>
             <a:r>
+              <a:rPr lang="mr-IN" sz="1800" dirty="0" err="1">
+                <a:solidFill>
+                  <a:schemeClr val="tx1"/>
+                </a:solidFill>
+                <a:latin typeface="Courier New"/>
+                <a:cs typeface="Courier New"/>
+              </a:rPr>
+              <a:t>df.plot</a:t>
+            </a:r>
+            <a:r>
               <a:rPr lang="mr-IN" sz="1800" dirty="0">
                 <a:solidFill>
                   <a:schemeClr val="tx1"/>
@@ -9097,7 +9172,7 @@
                 <a:latin typeface="Courier New"/>
                 <a:cs typeface="Courier New"/>
               </a:rPr>
-              <a:t>In [20]: df.plot()</a:t>
+              <a:t>()</a:t>
             </a:r>
           </a:p>
         </p:txBody>
@@ -9112,7 +9187,7 @@
         </p:nvSpPr>
         <p:spPr bwMode="auto">
           <a:xfrm>
-            <a:off x="5785164" y="4945725"/>
+            <a:off x="4320505" y="5156322"/>
             <a:ext cx="1675548" cy="338554"/>
           </a:xfrm>
           <a:prstGeom prst="wedgeRectCallout">
@@ -9387,14 +9462,14 @@
             <a:pPr lvl="2"/>
             <a:r>
               <a:rPr lang="en-US" dirty="0"/>
-              <a:t>String such as ‘</a:t>
+              <a:t>String such as </a:t>
             </a:r>
             <a:r>
               <a:rPr lang="en-US" dirty="0">
                 <a:latin typeface="Courier New"/>
                 <a:cs typeface="Courier New"/>
               </a:rPr>
-              <a:t>g—’</a:t>
+              <a:t>'g—'</a:t>
             </a:r>
             <a:r>
               <a:rPr lang="en-US" dirty="0"/>
@@ -9961,6 +10036,16 @@
           </a:lstStyle>
           <a:p>
             <a:r>
+              <a:rPr lang="pl-PL" sz="1800" dirty="0" err="1">
+                <a:solidFill>
+                  <a:schemeClr val="tx1"/>
+                </a:solidFill>
+                <a:latin typeface="Courier New"/>
+                <a:cs typeface="Courier New"/>
+              </a:rPr>
+              <a:t>df</a:t>
+            </a:r>
+            <a:r>
               <a:rPr lang="pl-PL" sz="1800" dirty="0">
                 <a:solidFill>
                   <a:schemeClr val="tx1"/>
@@ -9968,17 +10053,27 @@
                 <a:latin typeface="Courier New"/>
                 <a:cs typeface="Courier New"/>
               </a:rPr>
-              <a:t>In [</a:t>
-            </a:r>
-            <a:r>
-              <a:rPr lang="pl-PL" sz="1800" b="1" dirty="0">
+              <a:t> = </a:t>
+            </a:r>
+            <a:r>
+              <a:rPr lang="pl-PL" sz="1800" dirty="0" err="1">
                 <a:solidFill>
                   <a:schemeClr val="tx1"/>
                 </a:solidFill>
                 <a:latin typeface="Courier New"/>
                 <a:cs typeface="Courier New"/>
               </a:rPr>
-              <a:t>22</a:t>
+              <a:t>pd.</a:t>
+            </a:r>
+            <a:r>
+              <a:rPr lang="pl-PL" sz="1800" b="1" dirty="0" err="1">
+                <a:solidFill>
+                  <a:schemeClr val="tx1"/>
+                </a:solidFill>
+                <a:latin typeface="Courier New"/>
+                <a:cs typeface="Courier New"/>
+              </a:rPr>
+              <a:t>DataFrame</a:t>
             </a:r>
             <a:r>
               <a:rPr lang="pl-PL" sz="1800" dirty="0">
@@ -9988,7 +10083,7 @@
                 <a:latin typeface="Courier New"/>
                 <a:cs typeface="Courier New"/>
               </a:rPr>
-              <a:t>]: </a:t>
+              <a:t>({'A': </a:t>
             </a:r>
             <a:r>
               <a:rPr lang="pl-PL" sz="1800" dirty="0" err="1">
@@ -9998,7 +10093,7 @@
                 <a:latin typeface="Courier New"/>
                 <a:cs typeface="Courier New"/>
               </a:rPr>
-              <a:t>df</a:t>
+              <a:t>np.random.randn</a:t>
             </a:r>
             <a:r>
               <a:rPr lang="pl-PL" sz="1800" dirty="0">
@@ -10008,7 +10103,19 @@
                 <a:latin typeface="Courier New"/>
                 <a:cs typeface="Courier New"/>
               </a:rPr>
-              <a:t> = </a:t>
+              <a:t>(1000) + 1, \</a:t>
+            </a:r>
+          </a:p>
+          <a:p>
+            <a:r>
+              <a:rPr lang="pl-PL" sz="1800" dirty="0">
+                <a:solidFill>
+                  <a:schemeClr val="tx1"/>
+                </a:solidFill>
+                <a:latin typeface="Courier New"/>
+                <a:cs typeface="Courier New"/>
+              </a:rPr>
+              <a:t>	 'B': </a:t>
             </a:r>
             <a:r>
               <a:rPr lang="pl-PL" sz="1800" dirty="0" err="1">
@@ -10018,79 +10125,17 @@
                 <a:latin typeface="Courier New"/>
                 <a:cs typeface="Courier New"/>
               </a:rPr>
-              <a:t>pd.</a:t>
-            </a:r>
-            <a:r>
-              <a:rPr lang="pl-PL" sz="1800" b="1" dirty="0" err="1">
+              <a:t>np.random.randn</a:t>
+            </a:r>
+            <a:r>
+              <a:rPr lang="pl-PL" sz="1800" dirty="0">
                 <a:solidFill>
                   <a:schemeClr val="tx1"/>
                 </a:solidFill>
                 <a:latin typeface="Courier New"/>
                 <a:cs typeface="Courier New"/>
               </a:rPr>
-              <a:t>DataFrame</a:t>
-            </a:r>
-            <a:r>
-              <a:rPr lang="pl-PL" sz="1800" dirty="0">
-                <a:solidFill>
-                  <a:schemeClr val="tx1"/>
-                </a:solidFill>
-                <a:latin typeface="Courier New"/>
-                <a:cs typeface="Courier New"/>
-              </a:rPr>
-              <a:t>({'A': </a:t>
-            </a:r>
-            <a:r>
-              <a:rPr lang="pl-PL" sz="1800" dirty="0" err="1">
-                <a:solidFill>
-                  <a:schemeClr val="tx1"/>
-                </a:solidFill>
-                <a:latin typeface="Courier New"/>
-                <a:cs typeface="Courier New"/>
-              </a:rPr>
-              <a:t>np.random.randn</a:t>
-            </a:r>
-            <a:r>
-              <a:rPr lang="pl-PL" sz="1800" dirty="0">
-                <a:solidFill>
-                  <a:schemeClr val="tx1"/>
-                </a:solidFill>
-                <a:latin typeface="Courier New"/>
-                <a:cs typeface="Courier New"/>
-              </a:rPr>
-              <a:t>(1000) + 1,</a:t>
-            </a:r>
-          </a:p>
-          <a:p>
-            <a:r>
-              <a:rPr lang="pl-PL" sz="1800" dirty="0">
-                <a:solidFill>
-                  <a:schemeClr val="tx1"/>
-                </a:solidFill>
-                <a:latin typeface="Courier New"/>
-                <a:cs typeface="Courier New"/>
-              </a:rPr>
-              <a:t>	 'B': </a:t>
-            </a:r>
-            <a:r>
-              <a:rPr lang="pl-PL" sz="1800" dirty="0" err="1">
-                <a:solidFill>
-                  <a:schemeClr val="tx1"/>
-                </a:solidFill>
-                <a:latin typeface="Courier New"/>
-                <a:cs typeface="Courier New"/>
-              </a:rPr>
-              <a:t>np.random.randn</a:t>
-            </a:r>
-            <a:r>
-              <a:rPr lang="pl-PL" sz="1800" dirty="0">
-                <a:solidFill>
-                  <a:schemeClr val="tx1"/>
-                </a:solidFill>
-                <a:latin typeface="Courier New"/>
-                <a:cs typeface="Courier New"/>
-              </a:rPr>
-              <a:t>(1000), </a:t>
+              <a:t>(1000), \</a:t>
             </a:r>
           </a:p>
           <a:p>
@@ -10136,6 +10181,16 @@
           </a:p>
           <a:p>
             <a:r>
+              <a:rPr lang="en-US" sz="1800" b="1" dirty="0">
+                <a:solidFill>
+                  <a:schemeClr val="tx1"/>
+                </a:solidFill>
+                <a:latin typeface="Courier New"/>
+                <a:cs typeface="Courier New"/>
+              </a:rPr>
+              <a:t>print</a:t>
+            </a:r>
+            <a:r>
               <a:rPr lang="en-US" sz="1800" dirty="0">
                 <a:solidFill>
                   <a:schemeClr val="tx1"/>
@@ -10143,17 +10198,17 @@
                 <a:latin typeface="Courier New"/>
                 <a:cs typeface="Courier New"/>
               </a:rPr>
-              <a:t>In [</a:t>
-            </a:r>
-            <a:r>
-              <a:rPr lang="en-US" sz="1800" b="1" dirty="0">
+              <a:t> (</a:t>
+            </a:r>
+            <a:r>
+              <a:rPr lang="en-US" sz="1800" dirty="0" err="1">
                 <a:solidFill>
                   <a:schemeClr val="tx1"/>
                 </a:solidFill>
                 <a:latin typeface="Courier New"/>
                 <a:cs typeface="Courier New"/>
               </a:rPr>
-              <a:t>23</a:t>
+              <a:t>df.head</a:t>
             </a:r>
             <a:r>
               <a:rPr lang="en-US" sz="1800" dirty="0">
@@ -10163,27 +10218,7 @@
                 <a:latin typeface="Courier New"/>
                 <a:cs typeface="Courier New"/>
               </a:rPr>
-              <a:t>]: </a:t>
-            </a:r>
-            <a:r>
-              <a:rPr lang="en-US" sz="1800" b="1" dirty="0">
-                <a:solidFill>
-                  <a:schemeClr val="tx1"/>
-                </a:solidFill>
-                <a:latin typeface="Courier New"/>
-                <a:cs typeface="Courier New"/>
-              </a:rPr>
-              <a:t>print</a:t>
-            </a:r>
-            <a:r>
-              <a:rPr lang="en-US" sz="1800" dirty="0">
-                <a:solidFill>
-                  <a:schemeClr val="tx1"/>
-                </a:solidFill>
-                <a:latin typeface="Courier New"/>
-                <a:cs typeface="Courier New"/>
-              </a:rPr>
-              <a:t> df.head()</a:t>
+              <a:t>())</a:t>
             </a:r>
           </a:p>
           <a:p>
@@ -10278,6 +10313,16 @@
           </a:p>
           <a:p>
             <a:r>
+              <a:rPr lang="fi-FI" sz="1800" dirty="0" err="1">
+                <a:solidFill>
+                  <a:schemeClr val="tx1"/>
+                </a:solidFill>
+                <a:latin typeface="Courier New"/>
+                <a:cs typeface="Courier New"/>
+              </a:rPr>
+              <a:t>df.plot</a:t>
+            </a:r>
+            <a:r>
               <a:rPr lang="fi-FI" sz="1800" dirty="0">
                 <a:solidFill>
                   <a:schemeClr val="tx1"/>
@@ -10285,17 +10330,17 @@
                 <a:latin typeface="Courier New"/>
                 <a:cs typeface="Courier New"/>
               </a:rPr>
-              <a:t>In [</a:t>
-            </a:r>
-            <a:r>
-              <a:rPr lang="fi-FI" sz="1800" b="1" dirty="0">
+              <a:t>(</a:t>
+            </a:r>
+            <a:r>
+              <a:rPr lang="fi-FI" sz="1800" dirty="0" err="1">
                 <a:solidFill>
                   <a:schemeClr val="tx1"/>
                 </a:solidFill>
                 <a:latin typeface="Courier New"/>
                 <a:cs typeface="Courier New"/>
               </a:rPr>
-              <a:t>24</a:t>
+              <a:t>kind</a:t>
             </a:r>
             <a:r>
               <a:rPr lang="fi-FI" sz="1800" dirty="0">
@@ -10305,17 +10350,7 @@
                 <a:latin typeface="Courier New"/>
                 <a:cs typeface="Courier New"/>
               </a:rPr>
-              <a:t>]: </a:t>
-            </a:r>
-            <a:r>
-              <a:rPr lang="fi-FI" sz="1800" dirty="0" err="1">
-                <a:solidFill>
-                  <a:schemeClr val="tx1"/>
-                </a:solidFill>
-                <a:latin typeface="Courier New"/>
-                <a:cs typeface="Courier New"/>
-              </a:rPr>
-              <a:t>df.plot(kind='</a:t>
+              <a:t>='</a:t>
             </a:r>
             <a:r>
               <a:rPr lang="fi-FI" sz="1800" b="1" dirty="0" err="1">
@@ -10357,7 +10392,7 @@
         </p:nvSpPr>
         <p:spPr bwMode="auto">
           <a:xfrm>
-            <a:off x="4009691" y="5633675"/>
+            <a:off x="2868714" y="5617208"/>
             <a:ext cx="1876864" cy="338554"/>
           </a:xfrm>
           <a:prstGeom prst="wedgeRectCallout">
@@ -10839,14 +10874,14 @@
           </a:lstStyle>
           <a:p>
             <a:r>
-              <a:rPr lang="mr-IN" sz="1800" dirty="0">
+              <a:rPr lang="mr-IN" sz="1800" b="1" dirty="0" err="1">
                 <a:solidFill>
                   <a:schemeClr val="tx1"/>
                 </a:solidFill>
                 <a:latin typeface="Courier New"/>
                 <a:cs typeface="Courier New"/>
               </a:rPr>
-              <a:t>In [</a:t>
+              <a:t>df.head</a:t>
             </a:r>
             <a:r>
               <a:rPr lang="mr-IN" sz="1800" b="1" dirty="0">
@@ -10856,50 +10891,17 @@
                 <a:latin typeface="Courier New"/>
                 <a:cs typeface="Courier New"/>
               </a:rPr>
-              <a:t>30</a:t>
-            </a:r>
-            <a:r>
-              <a:rPr lang="mr-IN" sz="1800" dirty="0">
-                <a:solidFill>
-                  <a:schemeClr val="tx1"/>
-                </a:solidFill>
-                <a:latin typeface="Courier New"/>
-                <a:cs typeface="Courier New"/>
-              </a:rPr>
-              <a:t>]: df.head()</a:t>
-            </a:r>
-          </a:p>
-          <a:p>
-            <a:r>
-              <a:rPr lang="mr-IN" sz="1800" dirty="0">
-                <a:solidFill>
-                  <a:schemeClr val="tx1"/>
-                </a:solidFill>
-                <a:latin typeface="Courier New"/>
-                <a:cs typeface="Courier New"/>
-              </a:rPr>
-              <a:t>Out[</a:t>
-            </a:r>
-            <a:r>
-              <a:rPr lang="mr-IN" sz="1800" b="1" dirty="0">
-                <a:solidFill>
-                  <a:schemeClr val="tx1"/>
-                </a:solidFill>
-                <a:latin typeface="Courier New"/>
-                <a:cs typeface="Courier New"/>
-              </a:rPr>
-              <a:t>30</a:t>
-            </a:r>
-            <a:r>
-              <a:rPr lang="mr-IN" sz="1800" dirty="0">
-                <a:solidFill>
-                  <a:schemeClr val="tx1"/>
-                </a:solidFill>
-                <a:latin typeface="Courier New"/>
-                <a:cs typeface="Courier New"/>
-              </a:rPr>
-              <a:t>]: </a:t>
-            </a:r>
+              <a:t>()</a:t>
+            </a:r>
+          </a:p>
+          <a:p>
+            <a:endParaRPr lang="en-US" sz="1800" dirty="0">
+              <a:solidFill>
+                <a:schemeClr val="tx1"/>
+              </a:solidFill>
+              <a:latin typeface="Courier New"/>
+              <a:cs typeface="Courier New"/>
+            </a:endParaRPr>
           </a:p>
           <a:p>
             <a:r>
@@ -10984,14 +10986,14 @@
           </a:p>
           <a:p>
             <a:r>
-              <a:rPr lang="mr-IN" sz="1800" dirty="0">
+              <a:rPr lang="mr-IN" sz="1800" b="1" dirty="0" err="1">
                 <a:solidFill>
                   <a:schemeClr val="tx1"/>
                 </a:solidFill>
                 <a:latin typeface="Courier New"/>
                 <a:cs typeface="Courier New"/>
               </a:rPr>
-              <a:t>In [</a:t>
+              <a:t>plt.scatter</a:t>
             </a:r>
             <a:r>
               <a:rPr lang="mr-IN" sz="1800" b="1" dirty="0">
@@ -11001,27 +11003,7 @@
                 <a:latin typeface="Courier New"/>
                 <a:cs typeface="Courier New"/>
               </a:rPr>
-              <a:t>31</a:t>
-            </a:r>
-            <a:r>
-              <a:rPr lang="mr-IN" sz="1800" dirty="0">
-                <a:solidFill>
-                  <a:schemeClr val="tx1"/>
-                </a:solidFill>
-                <a:latin typeface="Courier New"/>
-                <a:cs typeface="Courier New"/>
-              </a:rPr>
-              <a:t>]: </a:t>
-            </a:r>
-            <a:r>
-              <a:rPr lang="mr-IN" sz="1800" b="1" dirty="0">
-                <a:solidFill>
-                  <a:schemeClr val="tx1"/>
-                </a:solidFill>
-                <a:latin typeface="Courier New"/>
-                <a:cs typeface="Courier New"/>
-              </a:rPr>
-              <a:t>plt.scatter(df['A'], df['B'])</a:t>
+              <a:t>(df['A'], df['B'])</a:t>
             </a:r>
           </a:p>
           <a:p>
@@ -11035,6 +11017,16 @@
           </a:p>
           <a:p>
             <a:r>
+              <a:rPr lang="en-US" sz="1800" dirty="0" err="1">
+                <a:solidFill>
+                  <a:schemeClr val="tx1"/>
+                </a:solidFill>
+                <a:latin typeface="Courier New"/>
+                <a:cs typeface="Courier New"/>
+              </a:rPr>
+              <a:t>plt.title</a:t>
+            </a:r>
+            <a:r>
               <a:rPr lang="en-US" sz="1800" dirty="0">
                 <a:solidFill>
                   <a:schemeClr val="tx1"/>
@@ -11042,27 +11034,7 @@
                 <a:latin typeface="Courier New"/>
                 <a:cs typeface="Courier New"/>
               </a:rPr>
-              <a:t>In [</a:t>
-            </a:r>
-            <a:r>
-              <a:rPr lang="en-US" sz="1800" b="1" dirty="0">
-                <a:solidFill>
-                  <a:schemeClr val="tx1"/>
-                </a:solidFill>
-                <a:latin typeface="Courier New"/>
-                <a:cs typeface="Courier New"/>
-              </a:rPr>
-              <a:t>32</a:t>
-            </a:r>
-            <a:r>
-              <a:rPr lang="en-US" sz="1800" dirty="0">
-                <a:solidFill>
-                  <a:schemeClr val="tx1"/>
-                </a:solidFill>
-                <a:latin typeface="Courier New"/>
-                <a:cs typeface="Courier New"/>
-              </a:rPr>
-              <a:t>]: plt.title('Changes in A v changes in B') </a:t>
+              <a:t>('Changes in A v changes in B') </a:t>
             </a:r>
           </a:p>
         </p:txBody>
@@ -11077,13 +11049,13 @@
         </p:nvSpPr>
         <p:spPr bwMode="auto">
           <a:xfrm>
-            <a:off x="5856954" y="4495913"/>
+            <a:off x="5419984" y="4487821"/>
             <a:ext cx="1376760" cy="338554"/>
           </a:xfrm>
           <a:prstGeom prst="wedgeRectCallout">
             <a:avLst>
-              <a:gd name="adj1" fmla="val -211733"/>
-              <a:gd name="adj2" fmla="val 93091"/>
+              <a:gd name="adj1" fmla="val -276974"/>
+              <a:gd name="adj2" fmla="val 105042"/>
             </a:avLst>
           </a:prstGeom>
           <a:solidFill>
@@ -11468,27 +11440,34 @@
           </a:lstStyle>
           <a:p>
             <a:r>
-              <a:rPr lang="mr-IN" sz="1800" dirty="0">
+              <a:rPr lang="mr-IN" sz="1800" b="1" dirty="0" err="1">
                 <a:solidFill>
                   <a:schemeClr val="tx1"/>
                 </a:solidFill>
                 <a:latin typeface="Courier New"/>
                 <a:cs typeface="Courier New"/>
               </a:rPr>
-              <a:t>In [38]: df.head()</a:t>
-            </a:r>
-          </a:p>
-          <a:p>
-            <a:r>
-              <a:rPr lang="mr-IN" sz="1800" dirty="0">
+              <a:t>df.head</a:t>
+            </a:r>
+            <a:r>
+              <a:rPr lang="mr-IN" sz="1800" b="1" dirty="0">
                 <a:solidFill>
                   <a:schemeClr val="tx1"/>
                 </a:solidFill>
                 <a:latin typeface="Courier New"/>
                 <a:cs typeface="Courier New"/>
               </a:rPr>
-              <a:t>Out[38]: </a:t>
-            </a:r>
+              <a:t>()</a:t>
+            </a:r>
+          </a:p>
+          <a:p>
+            <a:endParaRPr lang="en-US" sz="1800" dirty="0">
+              <a:solidFill>
+                <a:schemeClr val="tx1"/>
+              </a:solidFill>
+              <a:latin typeface="Courier New"/>
+              <a:cs typeface="Courier New"/>
+            </a:endParaRPr>
           </a:p>
           <a:p>
             <a:r>
@@ -11573,6 +11552,16 @@
           </a:p>
           <a:p>
             <a:r>
+              <a:rPr lang="fi-FI" sz="1800" b="1" dirty="0" err="1">
+                <a:solidFill>
+                  <a:schemeClr val="tx1"/>
+                </a:solidFill>
+                <a:latin typeface="Courier New"/>
+                <a:cs typeface="Courier New"/>
+              </a:rPr>
+              <a:t>pd.scatter_matrix</a:t>
+            </a:r>
+            <a:r>
               <a:rPr lang="fi-FI" sz="1800" dirty="0">
                 <a:solidFill>
                   <a:schemeClr val="tx1"/>
@@ -11580,27 +11569,17 @@
                 <a:latin typeface="Courier New"/>
                 <a:cs typeface="Courier New"/>
               </a:rPr>
-              <a:t>In [39]: </a:t>
-            </a:r>
-            <a:r>
-              <a:rPr lang="fi-FI" sz="1800" b="1" dirty="0" err="1">
+              <a:t>(</a:t>
+            </a:r>
+            <a:r>
+              <a:rPr lang="fi-FI" sz="1800" dirty="0" err="1">
                 <a:solidFill>
                   <a:schemeClr val="tx1"/>
                 </a:solidFill>
                 <a:latin typeface="Courier New"/>
                 <a:cs typeface="Courier New"/>
               </a:rPr>
-              <a:t>pd.scatter_matrix</a:t>
-            </a:r>
-            <a:r>
-              <a:rPr lang="fi-FI" sz="1800" dirty="0" err="1">
-                <a:solidFill>
-                  <a:schemeClr val="tx1"/>
-                </a:solidFill>
-                <a:latin typeface="Courier New"/>
-                <a:cs typeface="Courier New"/>
-              </a:rPr>
-              <a:t>(df</a:t>
+              <a:t>df</a:t>
             </a:r>
             <a:r>
               <a:rPr lang="fi-FI" sz="1800" dirty="0">
@@ -11637,8 +11616,8 @@
           </a:xfrm>
           <a:prstGeom prst="wedgeRectCallout">
             <a:avLst>
-              <a:gd name="adj1" fmla="val -37006"/>
-              <a:gd name="adj2" fmla="val 210529"/>
+              <a:gd name="adj1" fmla="val -111041"/>
+              <a:gd name="adj2" fmla="val 218832"/>
             </a:avLst>
           </a:prstGeom>
           <a:solidFill>
@@ -14050,27 +14029,7 @@
                 <a:latin typeface="Courier New"/>
                 <a:cs typeface="Courier New"/>
               </a:rPr>
-              <a:t>In [</a:t>
-            </a:r>
-            <a:r>
-              <a:rPr lang="en-US" sz="1800" b="1" dirty="0">
-                <a:solidFill>
-                  <a:schemeClr val="tx1"/>
-                </a:solidFill>
-                <a:latin typeface="Courier New"/>
-                <a:cs typeface="Courier New"/>
-              </a:rPr>
-              <a:t>75</a:t>
-            </a:r>
-            <a:r>
-              <a:rPr lang="en-US" sz="1800" dirty="0">
-                <a:solidFill>
-                  <a:schemeClr val="tx1"/>
-                </a:solidFill>
-                <a:latin typeface="Courier New"/>
-                <a:cs typeface="Courier New"/>
-              </a:rPr>
-              <a:t>]: figure = plt.figure()</a:t>
+              <a:t>figure = plt.figure()</a:t>
             </a:r>
           </a:p>
           <a:p>
@@ -14091,7 +14050,7 @@
                 <a:latin typeface="Courier New"/>
                 <a:cs typeface="Courier New"/>
               </a:rPr>
-              <a:t>In [</a:t>
+              <a:t>sp1 = figure.a</a:t>
             </a:r>
             <a:r>
               <a:rPr lang="mr-IN" sz="1800" b="1" dirty="0">
@@ -14101,7 +14060,7 @@
                 <a:latin typeface="Courier New"/>
                 <a:cs typeface="Courier New"/>
               </a:rPr>
-              <a:t>76</a:t>
+              <a:t>dd_subplot</a:t>
             </a:r>
             <a:r>
               <a:rPr lang="mr-IN" sz="1800" dirty="0">
@@ -14111,18 +14070,22 @@
                 <a:latin typeface="Courier New"/>
                 <a:cs typeface="Courier New"/>
               </a:rPr>
-              <a:t>]: sp1 = figure.a</a:t>
-            </a:r>
-            <a:r>
-              <a:rPr lang="mr-IN" sz="1800" b="1" dirty="0">
+              <a:t>(2,2,1)</a:t>
+            </a:r>
+          </a:p>
+          <a:p>
+            <a:r>
+              <a:rPr lang="mr-IN" sz="1800" dirty="0">
                 <a:solidFill>
                   <a:schemeClr val="tx1"/>
                 </a:solidFill>
                 <a:latin typeface="Courier New"/>
                 <a:cs typeface="Courier New"/>
               </a:rPr>
-              <a:t>dd_subplot</a:t>
-            </a:r>
+              <a:t>sp2 = figure.add_subplot(2,2,2)</a:t>
+            </a:r>
+          </a:p>
+          <a:p>
             <a:r>
               <a:rPr lang="mr-IN" sz="1800" dirty="0">
                 <a:solidFill>
@@ -14131,7 +14094,7 @@
                 <a:latin typeface="Courier New"/>
                 <a:cs typeface="Courier New"/>
               </a:rPr>
-              <a:t>(2,2,1)</a:t>
+              <a:t>sp3 = figure.add_subplot(2,2,3)</a:t>
             </a:r>
           </a:p>
           <a:p>
@@ -14143,91 +14106,7 @@
                 <a:latin typeface="Courier New"/>
                 <a:cs typeface="Courier New"/>
               </a:rPr>
-              <a:t>In [</a:t>
-            </a:r>
-            <a:r>
-              <a:rPr lang="mr-IN" sz="1800" b="1" dirty="0">
-                <a:solidFill>
-                  <a:schemeClr val="tx1"/>
-                </a:solidFill>
-                <a:latin typeface="Courier New"/>
-                <a:cs typeface="Courier New"/>
-              </a:rPr>
-              <a:t>77</a:t>
-            </a:r>
-            <a:r>
-              <a:rPr lang="mr-IN" sz="1800" dirty="0">
-                <a:solidFill>
-                  <a:schemeClr val="tx1"/>
-                </a:solidFill>
-                <a:latin typeface="Courier New"/>
-                <a:cs typeface="Courier New"/>
-              </a:rPr>
-              <a:t>]: sp2 = figure.add_subplot(2,2,2)</a:t>
-            </a:r>
-          </a:p>
-          <a:p>
-            <a:r>
-              <a:rPr lang="mr-IN" sz="1800" dirty="0">
-                <a:solidFill>
-                  <a:schemeClr val="tx1"/>
-                </a:solidFill>
-                <a:latin typeface="Courier New"/>
-                <a:cs typeface="Courier New"/>
-              </a:rPr>
-              <a:t>In [</a:t>
-            </a:r>
-            <a:r>
-              <a:rPr lang="mr-IN" sz="1800" b="1" dirty="0">
-                <a:solidFill>
-                  <a:schemeClr val="tx1"/>
-                </a:solidFill>
-                <a:latin typeface="Courier New"/>
-                <a:cs typeface="Courier New"/>
-              </a:rPr>
-              <a:t>78</a:t>
-            </a:r>
-            <a:r>
-              <a:rPr lang="mr-IN" sz="1800" dirty="0">
-                <a:solidFill>
-                  <a:schemeClr val="tx1"/>
-                </a:solidFill>
-                <a:latin typeface="Courier New"/>
-                <a:cs typeface="Courier New"/>
-              </a:rPr>
-              <a:t>]: sp3 = figure.add_subplot(2,2,3)</a:t>
-            </a:r>
-          </a:p>
-          <a:p>
-            <a:r>
-              <a:rPr lang="mr-IN" sz="1800" dirty="0">
-                <a:solidFill>
-                  <a:schemeClr val="tx1"/>
-                </a:solidFill>
-                <a:latin typeface="Courier New"/>
-                <a:cs typeface="Courier New"/>
-              </a:rPr>
-              <a:t>In [</a:t>
-            </a:r>
-            <a:r>
-              <a:rPr lang="mr-IN" sz="1800" b="1" dirty="0">
-                <a:solidFill>
-                  <a:schemeClr val="tx1"/>
-                </a:solidFill>
-                <a:latin typeface="Courier New"/>
-                <a:cs typeface="Courier New"/>
-              </a:rPr>
-              <a:t>79</a:t>
-            </a:r>
-            <a:r>
-              <a:rPr lang="mr-IN" sz="1800" dirty="0">
-                <a:solidFill>
-                  <a:schemeClr val="tx1"/>
-                </a:solidFill>
-                <a:latin typeface="Courier New"/>
-                <a:cs typeface="Courier New"/>
-              </a:rPr>
-              <a:t>]: sp4 = figure.add_subplot(2,2,4)</a:t>
+              <a:t>sp4 = figure.add_subplot(2,2,4)</a:t>
             </a:r>
           </a:p>
           <a:p>
@@ -14248,27 +14127,7 @@
                 <a:latin typeface="Courier New"/>
                 <a:cs typeface="Courier New"/>
               </a:rPr>
-              <a:t>In [</a:t>
-            </a:r>
-            <a:r>
-              <a:rPr lang="mr-IN" sz="1800" b="1" dirty="0">
-                <a:solidFill>
-                  <a:schemeClr val="tx1"/>
-                </a:solidFill>
-                <a:latin typeface="Courier New"/>
-                <a:cs typeface="Courier New"/>
-              </a:rPr>
-              <a:t>80</a:t>
-            </a:r>
-            <a:r>
-              <a:rPr lang="mr-IN" sz="1800" dirty="0">
-                <a:solidFill>
-                  <a:schemeClr val="tx1"/>
-                </a:solidFill>
-                <a:latin typeface="Courier New"/>
-                <a:cs typeface="Courier New"/>
-              </a:rPr>
-              <a:t>]: sp1.</a:t>
+              <a:t>sp1.</a:t>
             </a:r>
             <a:r>
               <a:rPr lang="mr-IN" sz="1800" b="1" dirty="0">
@@ -14327,27 +14186,7 @@
                 <a:latin typeface="Courier New"/>
                 <a:cs typeface="Courier New"/>
               </a:rPr>
-              <a:t>In [</a:t>
-            </a:r>
-            <a:r>
-              <a:rPr lang="mr-IN" sz="1800" b="1" dirty="0">
-                <a:solidFill>
-                  <a:schemeClr val="tx1"/>
-                </a:solidFill>
-                <a:latin typeface="Courier New"/>
-                <a:cs typeface="Courier New"/>
-              </a:rPr>
-              <a:t>81</a:t>
-            </a:r>
-            <a:r>
-              <a:rPr lang="mr-IN" sz="1800" dirty="0">
-                <a:solidFill>
-                  <a:schemeClr val="tx1"/>
-                </a:solidFill>
-                <a:latin typeface="Courier New"/>
-                <a:cs typeface="Courier New"/>
-              </a:rPr>
-              <a:t>]: sp2.</a:t>
+              <a:t>sp2.</a:t>
             </a:r>
             <a:r>
               <a:rPr lang="mr-IN" sz="1800" b="1" dirty="0">
@@ -14386,7 +14225,7 @@
                 <a:latin typeface="Courier New"/>
                 <a:cs typeface="Courier New"/>
               </a:rPr>
-              <a:t>In [</a:t>
+              <a:t>sp3.</a:t>
             </a:r>
             <a:r>
               <a:rPr lang="mr-IN" sz="1800" b="1" dirty="0">
@@ -14396,7 +14235,7 @@
                 <a:latin typeface="Courier New"/>
                 <a:cs typeface="Courier New"/>
               </a:rPr>
-              <a:t>82</a:t>
+              <a:t>scatter</a:t>
             </a:r>
             <a:r>
               <a:rPr lang="mr-IN" sz="1800" dirty="0">
@@ -14406,59 +14245,19 @@
                 <a:latin typeface="Courier New"/>
                 <a:cs typeface="Courier New"/>
               </a:rPr>
-              <a:t>]: sp3.</a:t>
-            </a:r>
-            <a:r>
-              <a:rPr lang="mr-IN" sz="1800" b="1" dirty="0">
+              <a:t>(randn(100), randn(100)-5*randn(100))</a:t>
+            </a:r>
+          </a:p>
+          <a:p>
+            <a:r>
+              <a:rPr lang="mr-IN" sz="1800" dirty="0">
                 <a:solidFill>
                   <a:schemeClr val="tx1"/>
                 </a:solidFill>
                 <a:latin typeface="Courier New"/>
                 <a:cs typeface="Courier New"/>
               </a:rPr>
-              <a:t>scatter</a:t>
-            </a:r>
-            <a:r>
-              <a:rPr lang="mr-IN" sz="1800" dirty="0">
-                <a:solidFill>
-                  <a:schemeClr val="tx1"/>
-                </a:solidFill>
-                <a:latin typeface="Courier New"/>
-                <a:cs typeface="Courier New"/>
-              </a:rPr>
-              <a:t>(randn(100), randn(100)-5*randn(100))</a:t>
-            </a:r>
-          </a:p>
-          <a:p>
-            <a:r>
-              <a:rPr lang="mr-IN" sz="1800" dirty="0">
-                <a:solidFill>
-                  <a:schemeClr val="tx1"/>
-                </a:solidFill>
-                <a:latin typeface="Courier New"/>
-                <a:cs typeface="Courier New"/>
-              </a:rPr>
-              <a:t>In [</a:t>
-            </a:r>
-            <a:r>
-              <a:rPr lang="mr-IN" sz="1800" b="1" dirty="0">
-                <a:solidFill>
-                  <a:schemeClr val="tx1"/>
-                </a:solidFill>
-                <a:latin typeface="Courier New"/>
-                <a:cs typeface="Courier New"/>
-              </a:rPr>
-              <a:t>83</a:t>
-            </a:r>
-            <a:r>
-              <a:rPr lang="mr-IN" sz="1800" dirty="0">
-                <a:solidFill>
-                  <a:schemeClr val="tx1"/>
-                </a:solidFill>
-                <a:latin typeface="Courier New"/>
-                <a:cs typeface="Courier New"/>
-              </a:rPr>
-              <a:t>]: sp4.hist(randn(100), bins=20, color=</a:t>
+              <a:t>sp4.hist(randn(100), bins=20, color=</a:t>
             </a:r>
             <a:r>
               <a:rPr lang="en-US" sz="1800" dirty="0">
@@ -14513,7 +14312,7 @@
         </p:nvSpPr>
         <p:spPr bwMode="auto">
           <a:xfrm>
-            <a:off x="7163514" y="2531781"/>
+            <a:off x="6079182" y="2532127"/>
             <a:ext cx="1545913" cy="584776"/>
           </a:xfrm>
           <a:prstGeom prst="wedgeRectCallout">
@@ -14569,7 +14368,7 @@
         </p:nvSpPr>
         <p:spPr bwMode="auto">
           <a:xfrm>
-            <a:off x="7186824" y="3694911"/>
+            <a:off x="6106195" y="3667659"/>
             <a:ext cx="1499292" cy="584776"/>
           </a:xfrm>
           <a:prstGeom prst="wedgeRectCallout">
@@ -15151,59 +14950,19 @@
                 <a:latin typeface="Courier New"/>
                 <a:cs typeface="Courier New"/>
               </a:rPr>
-              <a:t>In [</a:t>
-            </a:r>
-            <a:r>
-              <a:rPr lang="en-US" sz="1800" b="1" dirty="0">
+              <a:t>figure = plt.figure()</a:t>
+            </a:r>
+          </a:p>
+          <a:p>
+            <a:r>
+              <a:rPr lang="mr-IN" sz="1800" dirty="0">
                 <a:solidFill>
                   <a:schemeClr val="tx1"/>
                 </a:solidFill>
                 <a:latin typeface="Courier New"/>
                 <a:cs typeface="Courier New"/>
               </a:rPr>
-              <a:t>128</a:t>
-            </a:r>
-            <a:r>
-              <a:rPr lang="en-US" sz="1800" dirty="0">
-                <a:solidFill>
-                  <a:schemeClr val="tx1"/>
-                </a:solidFill>
-                <a:latin typeface="Courier New"/>
-                <a:cs typeface="Courier New"/>
-              </a:rPr>
-              <a:t>]: figure = plt.figure()</a:t>
-            </a:r>
-          </a:p>
-          <a:p>
-            <a:r>
-              <a:rPr lang="mr-IN" sz="1800" dirty="0">
-                <a:solidFill>
-                  <a:schemeClr val="tx1"/>
-                </a:solidFill>
-                <a:latin typeface="Courier New"/>
-                <a:cs typeface="Courier New"/>
-              </a:rPr>
-              <a:t>In [</a:t>
-            </a:r>
-            <a:r>
-              <a:rPr lang="mr-IN" sz="1800" b="1" dirty="0">
-                <a:solidFill>
-                  <a:schemeClr val="tx1"/>
-                </a:solidFill>
-                <a:latin typeface="Courier New"/>
-                <a:cs typeface="Courier New"/>
-              </a:rPr>
-              <a:t>129</a:t>
-            </a:r>
-            <a:r>
-              <a:rPr lang="mr-IN" sz="1800" dirty="0">
-                <a:solidFill>
-                  <a:schemeClr val="tx1"/>
-                </a:solidFill>
-                <a:latin typeface="Courier New"/>
-                <a:cs typeface="Courier New"/>
-              </a:rPr>
-              <a:t>]: p1 = figure.add_subplot(1,1,1)</a:t>
+              <a:t>p1 = figure.add_subplot(1,1,1)</a:t>
             </a:r>
           </a:p>
           <a:p>
@@ -15224,59 +14983,19 @@
                 <a:latin typeface="Courier New"/>
                 <a:cs typeface="Courier New"/>
               </a:rPr>
-              <a:t>In [</a:t>
-            </a:r>
-            <a:r>
-              <a:rPr lang="mr-IN" sz="1800" b="1" dirty="0">
+              <a:t>p1.plot(randn(1000).cumsum())</a:t>
+            </a:r>
+          </a:p>
+          <a:p>
+            <a:r>
+              <a:rPr lang="en-US" sz="1800" dirty="0">
                 <a:solidFill>
                   <a:schemeClr val="tx1"/>
                 </a:solidFill>
                 <a:latin typeface="Courier New"/>
                 <a:cs typeface="Courier New"/>
               </a:rPr>
-              <a:t>130</a:t>
-            </a:r>
-            <a:r>
-              <a:rPr lang="mr-IN" sz="1800" dirty="0">
-                <a:solidFill>
-                  <a:schemeClr val="tx1"/>
-                </a:solidFill>
-                <a:latin typeface="Courier New"/>
-                <a:cs typeface="Courier New"/>
-              </a:rPr>
-              <a:t>]: p1.plot(randn(1000).cumsum())</a:t>
-            </a:r>
-          </a:p>
-          <a:p>
-            <a:r>
-              <a:rPr lang="en-US" sz="1800" dirty="0">
-                <a:solidFill>
-                  <a:schemeClr val="tx1"/>
-                </a:solidFill>
-                <a:latin typeface="Courier New"/>
-                <a:cs typeface="Courier New"/>
-              </a:rPr>
-              <a:t>In [</a:t>
-            </a:r>
-            <a:r>
-              <a:rPr lang="en-US" sz="1800" b="1" dirty="0">
-                <a:solidFill>
-                  <a:schemeClr val="tx1"/>
-                </a:solidFill>
-                <a:latin typeface="Courier New"/>
-                <a:cs typeface="Courier New"/>
-              </a:rPr>
-              <a:t>131</a:t>
-            </a:r>
-            <a:r>
-              <a:rPr lang="en-US" sz="1800" dirty="0">
-                <a:solidFill>
-                  <a:schemeClr val="tx1"/>
-                </a:solidFill>
-                <a:latin typeface="Courier New"/>
-                <a:cs typeface="Courier New"/>
-              </a:rPr>
-              <a:t>]: p1.</a:t>
+              <a:t>p1.</a:t>
             </a:r>
             <a:r>
               <a:rPr lang="en-US" sz="1800" b="1" dirty="0">
@@ -15317,27 +15036,7 @@
                 <a:latin typeface="Courier New"/>
                 <a:cs typeface="Courier New"/>
               </a:rPr>
-              <a:t>In [</a:t>
-            </a:r>
-            <a:r>
-              <a:rPr lang="mr-IN" sz="1800" b="1" dirty="0">
-                <a:solidFill>
-                  <a:schemeClr val="tx1"/>
-                </a:solidFill>
-                <a:latin typeface="Courier New"/>
-                <a:cs typeface="Courier New"/>
-              </a:rPr>
-              <a:t>132</a:t>
-            </a:r>
-            <a:r>
-              <a:rPr lang="mr-IN" sz="1800" dirty="0">
-                <a:solidFill>
-                  <a:schemeClr val="tx1"/>
-                </a:solidFill>
-                <a:latin typeface="Courier New"/>
-                <a:cs typeface="Courier New"/>
-              </a:rPr>
-              <a:t>]: p1.</a:t>
+              <a:t>p1.</a:t>
             </a:r>
             <a:r>
               <a:rPr lang="mr-IN" sz="1800" b="1" dirty="0">
@@ -15378,27 +15077,7 @@
                 <a:latin typeface="Courier New"/>
                 <a:cs typeface="Courier New"/>
               </a:rPr>
-              <a:t>In [</a:t>
-            </a:r>
-            <a:r>
-              <a:rPr lang="pt-BR" sz="1800" b="1" dirty="0">
-                <a:solidFill>
-                  <a:schemeClr val="tx1"/>
-                </a:solidFill>
-                <a:latin typeface="Courier New"/>
-                <a:cs typeface="Courier New"/>
-              </a:rPr>
-              <a:t>133</a:t>
-            </a:r>
-            <a:r>
-              <a:rPr lang="pt-BR" sz="1800" dirty="0">
-                <a:solidFill>
-                  <a:schemeClr val="tx1"/>
-                </a:solidFill>
-                <a:latin typeface="Courier New"/>
-                <a:cs typeface="Courier New"/>
-              </a:rPr>
-              <a:t>]: p1.</a:t>
+              <a:t>p1.</a:t>
             </a:r>
             <a:r>
               <a:rPr lang="pt-BR" sz="1800" b="1" dirty="0">
@@ -15459,27 +15138,7 @@
                 <a:latin typeface="Courier New"/>
                 <a:cs typeface="Courier New"/>
               </a:rPr>
-              <a:t>In [</a:t>
-            </a:r>
-            <a:r>
-              <a:rPr lang="pt-BR" sz="1800" b="1" dirty="0">
-                <a:solidFill>
-                  <a:schemeClr val="tx1"/>
-                </a:solidFill>
-                <a:latin typeface="Courier New"/>
-                <a:cs typeface="Courier New"/>
-              </a:rPr>
-              <a:t>134</a:t>
-            </a:r>
-            <a:r>
-              <a:rPr lang="pt-BR" sz="1800" dirty="0">
-                <a:solidFill>
-                  <a:schemeClr val="tx1"/>
-                </a:solidFill>
-                <a:latin typeface="Courier New"/>
-                <a:cs typeface="Courier New"/>
-              </a:rPr>
-              <a:t>]: p1.</a:t>
+              <a:t>p1.</a:t>
             </a:r>
             <a:r>
               <a:rPr lang="pt-BR" sz="1800" b="1" dirty="0">
@@ -15517,7 +15176,7 @@
         </p:nvSpPr>
         <p:spPr bwMode="auto">
           <a:xfrm>
-            <a:off x="7029072" y="3454261"/>
+            <a:off x="5604874" y="3408501"/>
             <a:ext cx="1571717" cy="584776"/>
           </a:xfrm>
           <a:prstGeom prst="wedgeRectCallout">

--- a/811M-Ch05_PlottingAndVisualization.pptx
+++ b/811M-Ch05_PlottingAndVisualization.pptx
@@ -1215,7 +1215,7 @@
           <a:bodyPr/>
           <a:lstStyle/>
           <a:p>
-            <a:endParaRPr lang="en-US"/>
+            <a:endParaRPr lang="en-US" dirty="0"/>
           </a:p>
         </p:txBody>
       </p:sp>
@@ -1281,7 +1281,7 @@
           <a:bodyPr/>
           <a:lstStyle/>
           <a:p>
-            <a:endParaRPr lang="en-US"/>
+            <a:endParaRPr lang="en-US" dirty="0"/>
           </a:p>
         </p:txBody>
       </p:sp>
@@ -1347,7 +1347,7 @@
           <a:bodyPr/>
           <a:lstStyle/>
           <a:p>
-            <a:endParaRPr lang="en-US"/>
+            <a:endParaRPr lang="en-US" dirty="0"/>
           </a:p>
         </p:txBody>
       </p:sp>
@@ -1413,7 +1413,7 @@
           <a:bodyPr/>
           <a:lstStyle/>
           <a:p>
-            <a:endParaRPr lang="en-US"/>
+            <a:endParaRPr lang="en-US" dirty="0"/>
           </a:p>
         </p:txBody>
       </p:sp>
@@ -1479,7 +1479,7 @@
           <a:bodyPr/>
           <a:lstStyle/>
           <a:p>
-            <a:endParaRPr lang="en-US"/>
+            <a:endParaRPr lang="en-US" dirty="0"/>
           </a:p>
         </p:txBody>
       </p:sp>
@@ -1545,7 +1545,7 @@
           <a:bodyPr/>
           <a:lstStyle/>
           <a:p>
-            <a:endParaRPr lang="en-US"/>
+            <a:endParaRPr lang="en-US" dirty="0"/>
           </a:p>
         </p:txBody>
       </p:sp>
@@ -1611,7 +1611,7 @@
           <a:bodyPr/>
           <a:lstStyle/>
           <a:p>
-            <a:endParaRPr lang="en-US"/>
+            <a:endParaRPr lang="en-US" dirty="0"/>
           </a:p>
         </p:txBody>
       </p:sp>
@@ -1677,7 +1677,7 @@
           <a:bodyPr/>
           <a:lstStyle/>
           <a:p>
-            <a:endParaRPr lang="en-US"/>
+            <a:endParaRPr lang="en-US" dirty="0"/>
           </a:p>
         </p:txBody>
       </p:sp>
@@ -1743,7 +1743,7 @@
           <a:bodyPr/>
           <a:lstStyle/>
           <a:p>
-            <a:endParaRPr lang="en-US"/>
+            <a:endParaRPr lang="en-US" dirty="0"/>
           </a:p>
         </p:txBody>
       </p:sp>
@@ -1809,7 +1809,7 @@
           <a:bodyPr/>
           <a:lstStyle/>
           <a:p>
-            <a:endParaRPr lang="en-US"/>
+            <a:endParaRPr lang="en-US" dirty="0"/>
           </a:p>
         </p:txBody>
       </p:sp>
@@ -1875,7 +1875,7 @@
           <a:bodyPr/>
           <a:lstStyle/>
           <a:p>
-            <a:endParaRPr lang="en-US"/>
+            <a:endParaRPr lang="en-US" dirty="0"/>
           </a:p>
         </p:txBody>
       </p:sp>
@@ -1941,7 +1941,7 @@
           <a:bodyPr/>
           <a:lstStyle/>
           <a:p>
-            <a:endParaRPr lang="en-US"/>
+            <a:endParaRPr lang="en-US" dirty="0"/>
           </a:p>
         </p:txBody>
       </p:sp>
@@ -2007,7 +2007,7 @@
           <a:bodyPr/>
           <a:lstStyle/>
           <a:p>
-            <a:endParaRPr lang="en-US"/>
+            <a:endParaRPr lang="en-US" dirty="0"/>
           </a:p>
         </p:txBody>
       </p:sp>
@@ -2073,7 +2073,7 @@
           <a:bodyPr/>
           <a:lstStyle/>
           <a:p>
-            <a:endParaRPr lang="en-US"/>
+            <a:endParaRPr lang="en-US" dirty="0"/>
           </a:p>
         </p:txBody>
       </p:sp>
@@ -2139,7 +2139,7 @@
           <a:bodyPr/>
           <a:lstStyle/>
           <a:p>
-            <a:endParaRPr lang="en-US"/>
+            <a:endParaRPr lang="en-US" dirty="0"/>
           </a:p>
         </p:txBody>
       </p:sp>
@@ -2205,7 +2205,7 @@
           <a:bodyPr/>
           <a:lstStyle/>
           <a:p>
-            <a:endParaRPr lang="en-US"/>
+            <a:endParaRPr lang="en-US" dirty="0"/>
           </a:p>
         </p:txBody>
       </p:sp>
@@ -2271,7 +2271,7 @@
           <a:bodyPr/>
           <a:lstStyle/>
           <a:p>
-            <a:endParaRPr lang="en-US"/>
+            <a:endParaRPr lang="en-US" dirty="0"/>
           </a:p>
         </p:txBody>
       </p:sp>
@@ -2337,7 +2337,7 @@
           <a:bodyPr/>
           <a:lstStyle/>
           <a:p>
-            <a:endParaRPr lang="en-US"/>
+            <a:endParaRPr lang="en-US" dirty="0"/>
           </a:p>
         </p:txBody>
       </p:sp>
@@ -2403,7 +2403,7 @@
           <a:bodyPr/>
           <a:lstStyle/>
           <a:p>
-            <a:endParaRPr lang="en-US"/>
+            <a:endParaRPr lang="en-US" dirty="0"/>
           </a:p>
         </p:txBody>
       </p:sp>
@@ -2469,7 +2469,7 @@
           <a:bodyPr/>
           <a:lstStyle/>
           <a:p>
-            <a:endParaRPr lang="en-US"/>
+            <a:endParaRPr lang="en-US" dirty="0"/>
           </a:p>
         </p:txBody>
       </p:sp>
@@ -2535,7 +2535,7 @@
           <a:bodyPr/>
           <a:lstStyle/>
           <a:p>
-            <a:endParaRPr lang="en-US"/>
+            <a:endParaRPr lang="en-US" dirty="0"/>
           </a:p>
         </p:txBody>
       </p:sp>
@@ -2601,7 +2601,7 @@
           <a:bodyPr/>
           <a:lstStyle/>
           <a:p>
-            <a:endParaRPr lang="en-US"/>
+            <a:endParaRPr lang="en-US" dirty="0"/>
           </a:p>
         </p:txBody>
       </p:sp>
@@ -2667,7 +2667,7 @@
           <a:bodyPr/>
           <a:lstStyle/>
           <a:p>
-            <a:endParaRPr lang="en-US"/>
+            <a:endParaRPr lang="en-US" dirty="0"/>
           </a:p>
         </p:txBody>
       </p:sp>
@@ -2733,7 +2733,7 @@
           <a:bodyPr/>
           <a:lstStyle/>
           <a:p>
-            <a:endParaRPr lang="en-US"/>
+            <a:endParaRPr lang="en-US" dirty="0"/>
           </a:p>
         </p:txBody>
       </p:sp>
@@ -2799,7 +2799,7 @@
           <a:bodyPr/>
           <a:lstStyle/>
           <a:p>
-            <a:endParaRPr lang="en-US"/>
+            <a:endParaRPr lang="en-US" dirty="0"/>
           </a:p>
         </p:txBody>
       </p:sp>
@@ -2865,7 +2865,7 @@
           <a:bodyPr/>
           <a:lstStyle/>
           <a:p>
-            <a:endParaRPr lang="en-US"/>
+            <a:endParaRPr lang="en-US" dirty="0"/>
           </a:p>
         </p:txBody>
       </p:sp>
@@ -2931,7 +2931,7 @@
           <a:bodyPr/>
           <a:lstStyle/>
           <a:p>
-            <a:endParaRPr lang="en-US"/>
+            <a:endParaRPr lang="en-US" dirty="0"/>
           </a:p>
         </p:txBody>
       </p:sp>
@@ -2997,7 +2997,7 @@
           <a:bodyPr/>
           <a:lstStyle/>
           <a:p>
-            <a:endParaRPr lang="en-US"/>
+            <a:endParaRPr lang="en-US" dirty="0"/>
           </a:p>
         </p:txBody>
       </p:sp>
@@ -7593,444 +7593,274 @@
           </a:p>
         </p:txBody>
       </p:sp>
-      <p:sp>
-        <p:nvSpPr>
-          <p:cNvPr id="10" name="Text Placeholder 2"/>
-          <p:cNvSpPr>
-            <a:spLocks noGrp="1"/>
-          </p:cNvSpPr>
+      <p:graphicFrame>
+        <p:nvGraphicFramePr>
+          <p:cNvPr id="9" name="Table 8">
+            <a:extLst>
+              <a:ext uri="{FF2B5EF4-FFF2-40B4-BE49-F238E27FC236}">
+                <a16:creationId xmlns:a16="http://schemas.microsoft.com/office/drawing/2014/main" id="{A43C619E-360A-4F21-A4F9-7ACB9D27B1F7}"/>
+              </a:ext>
+            </a:extLst>
+          </p:cNvPr>
+          <p:cNvGraphicFramePr>
+            <a:graphicFrameLocks noGrp="1"/>
+          </p:cNvGraphicFramePr>
           <p:nvPr>
-            <p:ph type="body" sz="quarter" idx="11"/>
+            <p:extLst>
+              <p:ext uri="{D42A27DB-BD31-4B8C-83A1-F6EECF244321}">
+                <p14:modId xmlns:p14="http://schemas.microsoft.com/office/powerpoint/2010/main" val="2725022029"/>
+              </p:ext>
+            </p:extLst>
           </p:nvPr>
-        </p:nvSpPr>
-        <p:spPr>
-          <a:xfrm>
-            <a:off x="2499953" y="1585913"/>
-            <a:ext cx="5741988" cy="4102100"/>
-          </a:xfrm>
-        </p:spPr>
-        <p:txBody>
-          <a:bodyPr/>
-          <a:lstStyle/>
-          <a:p>
-            <a:pPr eaLnBrk="1" hangingPunct="1">
-              <a:spcAft>
-                <a:spcPts val="1200"/>
-              </a:spcAft>
-            </a:pPr>
-            <a:r>
-              <a:rPr lang="en-US" b="0" dirty="0"/>
-              <a:t>Introducing Matplotlib</a:t>
-            </a:r>
-            <a:r>
-              <a:rPr lang="en-GB" b="0" dirty="0"/>
-              <a:t> </a:t>
-            </a:r>
-          </a:p>
-          <a:p>
-            <a:pPr lvl="0">
-              <a:spcAft>
-                <a:spcPts val="1200"/>
-              </a:spcAft>
-            </a:pPr>
-            <a:r>
-              <a:rPr lang="en-US" dirty="0"/>
-              <a:t>Plotting Functions in Pandas</a:t>
-            </a:r>
-            <a:endParaRPr lang="en-GB" dirty="0"/>
-          </a:p>
-          <a:p>
-            <a:pPr lvl="0">
-              <a:spcAft>
-                <a:spcPts val="1200"/>
-              </a:spcAft>
-            </a:pPr>
-            <a:r>
-              <a:rPr lang="en-US" b="0" dirty="0"/>
-              <a:t>Python Visualization Tool Ecosystem</a:t>
-            </a:r>
-            <a:endParaRPr lang="en-GB" sz="2400" b="0" dirty="0"/>
-          </a:p>
-          <a:p>
-            <a:pPr lvl="1" eaLnBrk="1" hangingPunct="1">
-              <a:spcAft>
-                <a:spcPts val="1200"/>
-              </a:spcAft>
-            </a:pPr>
-            <a:r>
-              <a:rPr lang="en-US" altLang="en-US" dirty="0"/>
-              <a:t>Chapter Summary</a:t>
-            </a:r>
-          </a:p>
-        </p:txBody>
-      </p:sp>
-      <p:grpSp>
-        <p:nvGrpSpPr>
-          <p:cNvPr id="11" name="Group 10"/>
-          <p:cNvGrpSpPr/>
-          <p:nvPr/>
-        </p:nvGrpSpPr>
-        <p:grpSpPr>
-          <a:xfrm>
-            <a:off x="2071579" y="2377206"/>
-            <a:ext cx="410322" cy="377482"/>
-            <a:chOff x="1766887" y="1515010"/>
-            <a:chExt cx="741316" cy="700622"/>
-          </a:xfrm>
-          <a:solidFill>
-            <a:schemeClr val="accent4"/>
-          </a:solidFill>
-          <a:scene3d>
-            <a:camera prst="orthographicFront">
-              <a:rot lat="0" lon="0" rev="0"/>
-            </a:camera>
-            <a:lightRig rig="balanced" dir="t">
-              <a:rot lat="0" lon="0" rev="8700000"/>
-            </a:lightRig>
-          </a:scene3d>
-        </p:grpSpPr>
-        <p:sp>
-          <p:nvSpPr>
-            <p:cNvPr id="12" name="AutoShape 10"/>
-            <p:cNvSpPr>
-              <a:spLocks noChangeArrowheads="1"/>
-            </p:cNvSpPr>
-            <p:nvPr/>
-          </p:nvSpPr>
-          <p:spPr bwMode="black">
-            <a:xfrm rot="5400000">
-              <a:off x="1787234" y="1494663"/>
-              <a:ext cx="700622" cy="741316"/>
-            </a:xfrm>
-            <a:custGeom>
-              <a:avLst/>
-              <a:gdLst>
-                <a:gd name="connsiteX0" fmla="*/ 0 w 264955"/>
-                <a:gd name="connsiteY0" fmla="*/ 311498 h 311498"/>
-                <a:gd name="connsiteX1" fmla="*/ 132478 w 264955"/>
-                <a:gd name="connsiteY1" fmla="*/ 0 h 311498"/>
-                <a:gd name="connsiteX2" fmla="*/ 264955 w 264955"/>
-                <a:gd name="connsiteY2" fmla="*/ 311498 h 311498"/>
-                <a:gd name="connsiteX3" fmla="*/ 0 w 264955"/>
-                <a:gd name="connsiteY3" fmla="*/ 311498 h 311498"/>
-                <a:gd name="connsiteX0" fmla="*/ 0 w 264955"/>
-                <a:gd name="connsiteY0" fmla="*/ 311498 h 312908"/>
-                <a:gd name="connsiteX1" fmla="*/ 132478 w 264955"/>
-                <a:gd name="connsiteY1" fmla="*/ 0 h 312908"/>
-                <a:gd name="connsiteX2" fmla="*/ 264955 w 264955"/>
-                <a:gd name="connsiteY2" fmla="*/ 311498 h 312908"/>
-                <a:gd name="connsiteX3" fmla="*/ 124553 w 264955"/>
-                <a:gd name="connsiteY3" fmla="*/ 312908 h 312908"/>
-                <a:gd name="connsiteX4" fmla="*/ 0 w 264955"/>
-                <a:gd name="connsiteY4" fmla="*/ 311498 h 312908"/>
-                <a:gd name="connsiteX0" fmla="*/ 0 w 264955"/>
-                <a:gd name="connsiteY0" fmla="*/ 311498 h 311498"/>
-                <a:gd name="connsiteX1" fmla="*/ 132478 w 264955"/>
-                <a:gd name="connsiteY1" fmla="*/ 0 h 311498"/>
-                <a:gd name="connsiteX2" fmla="*/ 264955 w 264955"/>
-                <a:gd name="connsiteY2" fmla="*/ 311498 h 311498"/>
-                <a:gd name="connsiteX3" fmla="*/ 138844 w 264955"/>
-                <a:gd name="connsiteY3" fmla="*/ 253377 h 311498"/>
-                <a:gd name="connsiteX4" fmla="*/ 0 w 264955"/>
-                <a:gd name="connsiteY4" fmla="*/ 311498 h 311498"/>
-              </a:gdLst>
-              <a:ahLst/>
-              <a:cxnLst>
-                <a:cxn ang="0">
-                  <a:pos x="connsiteX0" y="connsiteY0"/>
-                </a:cxn>
-                <a:cxn ang="0">
-                  <a:pos x="connsiteX1" y="connsiteY1"/>
-                </a:cxn>
-                <a:cxn ang="0">
-                  <a:pos x="connsiteX2" y="connsiteY2"/>
-                </a:cxn>
-                <a:cxn ang="0">
-                  <a:pos x="connsiteX3" y="connsiteY3"/>
-                </a:cxn>
-                <a:cxn ang="0">
-                  <a:pos x="connsiteX4" y="connsiteY4"/>
-                </a:cxn>
-              </a:cxnLst>
-              <a:rect l="l" t="t" r="r" b="b"/>
-              <a:pathLst>
-                <a:path w="264955" h="311498">
-                  <a:moveTo>
-                    <a:pt x="0" y="311498"/>
-                  </a:moveTo>
-                  <a:lnTo>
-                    <a:pt x="132478" y="0"/>
-                  </a:lnTo>
-                  <a:lnTo>
-                    <a:pt x="264955" y="311498"/>
-                  </a:lnTo>
-                  <a:lnTo>
-                    <a:pt x="138844" y="253377"/>
-                  </a:lnTo>
-                  <a:lnTo>
-                    <a:pt x="0" y="311498"/>
-                  </a:lnTo>
-                  <a:close/>
-                </a:path>
-              </a:pathLst>
-            </a:custGeom>
-            <a:grpFill/>
-            <a:ln w="19050">
-              <a:noFill/>
-              <a:miter lim="800000"/>
-              <a:headEnd/>
-              <a:tailEnd/>
-            </a:ln>
-            <a:effectLst>
-              <a:outerShdw blurRad="44450" dist="27940" dir="5400000" algn="ctr">
-                <a:srgbClr val="000000">
-                  <a:alpha val="32000"/>
-                </a:srgbClr>
-              </a:outerShdw>
-            </a:effectLst>
-            <a:sp3d>
-              <a:bevelT w="190500" h="38100"/>
-            </a:sp3d>
-          </p:spPr>
-          <p:txBody>
-            <a:bodyPr rot="10800000" vert="eaVert" wrap="none" anchor="ctr"/>
-            <a:lstStyle/>
-            <a:p>
-              <a:pPr>
-                <a:defRPr/>
-              </a:pPr>
-              <a:endParaRPr lang="en-GB" dirty="0">
-                <a:solidFill>
-                  <a:schemeClr val="accent6"/>
-                </a:solidFill>
-                <a:ea typeface="+mn-ea"/>
-              </a:endParaRPr>
-            </a:p>
-          </p:txBody>
-        </p:sp>
-        <p:sp>
-          <p:nvSpPr>
-            <p:cNvPr id="14" name="Freeform 11"/>
-            <p:cNvSpPr>
-              <a:spLocks/>
-            </p:cNvSpPr>
-            <p:nvPr/>
-          </p:nvSpPr>
-          <p:spPr bwMode="hidden">
-            <a:xfrm>
-              <a:off x="1802606" y="1545430"/>
-              <a:ext cx="701117" cy="344477"/>
-            </a:xfrm>
-            <a:custGeom>
-              <a:avLst/>
-              <a:gdLst>
-                <a:gd name="T0" fmla="*/ 0 w 245"/>
-                <a:gd name="T1" fmla="*/ 0 h 158"/>
-                <a:gd name="T2" fmla="*/ 245 w 245"/>
-                <a:gd name="T3" fmla="*/ 146 h 158"/>
-                <a:gd name="T4" fmla="*/ 226 w 245"/>
-                <a:gd name="T5" fmla="*/ 158 h 158"/>
-                <a:gd name="T6" fmla="*/ 0 w 245"/>
-                <a:gd name="T7" fmla="*/ 23 h 158"/>
-                <a:gd name="T8" fmla="*/ 0 w 245"/>
-                <a:gd name="T9" fmla="*/ 0 h 158"/>
-                <a:gd name="T10" fmla="*/ 0 60000 65536"/>
-                <a:gd name="T11" fmla="*/ 0 60000 65536"/>
-                <a:gd name="T12" fmla="*/ 0 60000 65536"/>
-                <a:gd name="T13" fmla="*/ 0 60000 65536"/>
-                <a:gd name="T14" fmla="*/ 0 60000 65536"/>
-                <a:gd name="T15" fmla="*/ 0 w 245"/>
-                <a:gd name="T16" fmla="*/ 0 h 158"/>
-                <a:gd name="T17" fmla="*/ 245 w 245"/>
-                <a:gd name="T18" fmla="*/ 158 h 158"/>
-              </a:gdLst>
-              <a:ahLst/>
-              <a:cxnLst>
-                <a:cxn ang="T10">
-                  <a:pos x="T0" y="T1"/>
-                </a:cxn>
-                <a:cxn ang="T11">
-                  <a:pos x="T2" y="T3"/>
-                </a:cxn>
-                <a:cxn ang="T12">
-                  <a:pos x="T4" y="T5"/>
-                </a:cxn>
-                <a:cxn ang="T13">
-                  <a:pos x="T6" y="T7"/>
-                </a:cxn>
-                <a:cxn ang="T14">
-                  <a:pos x="T8" y="T9"/>
-                </a:cxn>
-              </a:cxnLst>
-              <a:rect l="T15" t="T16" r="T17" b="T18"/>
-              <a:pathLst>
-                <a:path w="245" h="158">
-                  <a:moveTo>
-                    <a:pt x="0" y="0"/>
-                  </a:moveTo>
-                  <a:lnTo>
-                    <a:pt x="245" y="146"/>
-                  </a:lnTo>
-                  <a:lnTo>
-                    <a:pt x="226" y="158"/>
-                  </a:lnTo>
-                  <a:lnTo>
-                    <a:pt x="0" y="23"/>
-                  </a:lnTo>
-                  <a:lnTo>
-                    <a:pt x="0" y="0"/>
-                  </a:lnTo>
-                  <a:close/>
-                </a:path>
-              </a:pathLst>
-            </a:custGeom>
-            <a:grpFill/>
-            <a:ln w="28575" cap="flat" cmpd="sng">
-              <a:noFill/>
-              <a:prstDash val="solid"/>
-              <a:round/>
-              <a:headEnd type="none" w="med" len="med"/>
-              <a:tailEnd type="none" w="med" len="med"/>
-            </a:ln>
-            <a:effectLst>
-              <a:outerShdw blurRad="44450" dist="27940" dir="5400000" algn="ctr">
-                <a:srgbClr val="000000">
-                  <a:alpha val="32000"/>
-                </a:srgbClr>
-              </a:outerShdw>
-            </a:effectLst>
-            <a:sp3d>
-              <a:bevelT w="190500" h="38100"/>
-            </a:sp3d>
-          </p:spPr>
-          <p:txBody>
-            <a:bodyPr/>
-            <a:lstStyle/>
-            <a:p>
-              <a:pPr>
-                <a:defRPr/>
-              </a:pPr>
-              <a:endParaRPr lang="en-US" dirty="0">
-                <a:solidFill>
-                  <a:schemeClr val="accent6"/>
-                </a:solidFill>
-                <a:ea typeface="+mn-ea"/>
-              </a:endParaRPr>
-            </a:p>
-          </p:txBody>
-        </p:sp>
-        <p:sp>
-          <p:nvSpPr>
-            <p:cNvPr id="15" name="Freeform 12"/>
-            <p:cNvSpPr>
-              <a:spLocks/>
-            </p:cNvSpPr>
-            <p:nvPr/>
-          </p:nvSpPr>
-          <p:spPr bwMode="hidden">
-            <a:xfrm>
-              <a:off x="1797843" y="1840589"/>
-              <a:ext cx="710079" cy="357304"/>
-            </a:xfrm>
-            <a:custGeom>
-              <a:avLst/>
-              <a:gdLst>
-                <a:gd name="T0" fmla="*/ 248 w 248"/>
-                <a:gd name="T1" fmla="*/ 12 h 156"/>
-                <a:gd name="T2" fmla="*/ 0 w 248"/>
-                <a:gd name="T3" fmla="*/ 156 h 156"/>
-                <a:gd name="T4" fmla="*/ 3 w 248"/>
-                <a:gd name="T5" fmla="*/ 131 h 156"/>
-                <a:gd name="T6" fmla="*/ 229 w 248"/>
-                <a:gd name="T7" fmla="*/ 0 h 156"/>
-                <a:gd name="T8" fmla="*/ 248 w 248"/>
-                <a:gd name="T9" fmla="*/ 12 h 156"/>
-                <a:gd name="T10" fmla="*/ 0 60000 65536"/>
-                <a:gd name="T11" fmla="*/ 0 60000 65536"/>
-                <a:gd name="T12" fmla="*/ 0 60000 65536"/>
-                <a:gd name="T13" fmla="*/ 0 60000 65536"/>
-                <a:gd name="T14" fmla="*/ 0 60000 65536"/>
-                <a:gd name="T15" fmla="*/ 0 w 248"/>
-                <a:gd name="T16" fmla="*/ 0 h 156"/>
-                <a:gd name="T17" fmla="*/ 248 w 248"/>
-                <a:gd name="T18" fmla="*/ 156 h 156"/>
-              </a:gdLst>
-              <a:ahLst/>
-              <a:cxnLst>
-                <a:cxn ang="T10">
-                  <a:pos x="T0" y="T1"/>
-                </a:cxn>
-                <a:cxn ang="T11">
-                  <a:pos x="T2" y="T3"/>
-                </a:cxn>
-                <a:cxn ang="T12">
-                  <a:pos x="T4" y="T5"/>
-                </a:cxn>
-                <a:cxn ang="T13">
-                  <a:pos x="T6" y="T7"/>
-                </a:cxn>
-                <a:cxn ang="T14">
-                  <a:pos x="T8" y="T9"/>
-                </a:cxn>
-              </a:cxnLst>
-              <a:rect l="T15" t="T16" r="T17" b="T18"/>
-              <a:pathLst>
-                <a:path w="248" h="156">
-                  <a:moveTo>
-                    <a:pt x="248" y="12"/>
-                  </a:moveTo>
-                  <a:lnTo>
-                    <a:pt x="0" y="156"/>
-                  </a:lnTo>
-                  <a:lnTo>
-                    <a:pt x="3" y="131"/>
-                  </a:lnTo>
-                  <a:lnTo>
-                    <a:pt x="229" y="0"/>
-                  </a:lnTo>
-                  <a:lnTo>
-                    <a:pt x="248" y="12"/>
-                  </a:lnTo>
-                  <a:close/>
-                </a:path>
-              </a:pathLst>
-            </a:custGeom>
-            <a:grpFill/>
-            <a:ln w="28575" cap="flat" cmpd="sng">
-              <a:noFill/>
-              <a:prstDash val="solid"/>
-              <a:round/>
-              <a:headEnd type="none" w="med" len="med"/>
-              <a:tailEnd type="none" w="med" len="med"/>
-            </a:ln>
-            <a:effectLst>
-              <a:outerShdw blurRad="44450" dist="27940" dir="5400000" algn="ctr">
-                <a:srgbClr val="000000">
-                  <a:alpha val="32000"/>
-                </a:srgbClr>
-              </a:outerShdw>
-            </a:effectLst>
-            <a:sp3d>
-              <a:bevelT w="190500" h="38100"/>
-            </a:sp3d>
-          </p:spPr>
-          <p:txBody>
-            <a:bodyPr/>
-            <a:lstStyle/>
-            <a:p>
-              <a:pPr>
-                <a:defRPr/>
-              </a:pPr>
-              <a:endParaRPr lang="en-US" dirty="0">
-                <a:solidFill>
-                  <a:schemeClr val="accent6"/>
-                </a:solidFill>
-                <a:ea typeface="+mn-ea"/>
-              </a:endParaRPr>
-            </a:p>
-          </p:txBody>
-        </p:sp>
-      </p:grpSp>
+        </p:nvGraphicFramePr>
+        <p:xfrm>
+          <a:off x="2061972" y="1447543"/>
+          <a:ext cx="5020056" cy="2194560"/>
+        </p:xfrm>
+        <a:graphic>
+          <a:graphicData uri="http://schemas.openxmlformats.org/drawingml/2006/table">
+            <a:tbl>
+              <a:tblPr>
+                <a:tableStyleId>{00A15C55-8517-42AA-B614-E9B94910E393}</a:tableStyleId>
+              </a:tblPr>
+              <a:tblGrid>
+                <a:gridCol w="5020056">
+                  <a:extLst>
+                    <a:ext uri="{9D8B030D-6E8A-4147-A177-3AD203B41FA5}">
+                      <a16:colId xmlns:a16="http://schemas.microsoft.com/office/drawing/2014/main" val="1695728431"/>
+                    </a:ext>
+                  </a:extLst>
+                </a:gridCol>
+              </a:tblGrid>
+              <a:tr h="548640">
+                <a:tc>
+                  <a:txBody>
+                    <a:bodyPr/>
+                    <a:lstStyle/>
+                    <a:p>
+                      <a:pPr>
+                        <a:lnSpc>
+                          <a:spcPct val="100000"/>
+                        </a:lnSpc>
+                        <a:spcAft>
+                          <a:spcPts val="0"/>
+                        </a:spcAft>
+                      </a:pPr>
+                      <a:r>
+                        <a:rPr lang="en-US" sz="2000" b="0" dirty="0">
+                          <a:solidFill>
+                            <a:schemeClr val="bg1">
+                              <a:lumMod val="65000"/>
+                            </a:schemeClr>
+                          </a:solidFill>
+                        </a:rPr>
+                        <a:t>Introducing Matplotlib </a:t>
+                      </a:r>
+                    </a:p>
+                  </a:txBody>
+                  <a:tcPr anchor="ctr">
+                    <a:lnB w="12700" cap="flat" cmpd="sng" algn="ctr">
+                      <a:solidFill>
+                        <a:schemeClr val="bg1">
+                          <a:lumMod val="65000"/>
+                        </a:schemeClr>
+                      </a:solidFill>
+                      <a:prstDash val="solid"/>
+                      <a:round/>
+                      <a:headEnd type="none" w="med" len="med"/>
+                      <a:tailEnd type="none" w="med" len="med"/>
+                    </a:lnB>
+                    <a:noFill/>
+                  </a:tcPr>
+                </a:tc>
+                <a:extLst>
+                  <a:ext uri="{0D108BD9-81ED-4DB2-BD59-A6C34878D82A}">
+                    <a16:rowId xmlns:a16="http://schemas.microsoft.com/office/drawing/2014/main" val="2307098774"/>
+                  </a:ext>
+                </a:extLst>
+              </a:tr>
+              <a:tr h="548640">
+                <a:tc>
+                  <a:txBody>
+                    <a:bodyPr/>
+                    <a:lstStyle/>
+                    <a:p>
+                      <a:pPr>
+                        <a:lnSpc>
+                          <a:spcPct val="100000"/>
+                        </a:lnSpc>
+                        <a:spcAft>
+                          <a:spcPts val="0"/>
+                        </a:spcAft>
+                      </a:pPr>
+                      <a:r>
+                        <a:rPr lang="en-US" sz="2000" b="1" kern="1200" dirty="0">
+                          <a:solidFill>
+                            <a:schemeClr val="tx1"/>
+                          </a:solidFill>
+                          <a:latin typeface="+mn-lt"/>
+                          <a:ea typeface="+mn-ea"/>
+                          <a:cs typeface="+mn-cs"/>
+                        </a:rPr>
+                        <a:t>Plotting Functions in Pandas</a:t>
+                      </a:r>
+                    </a:p>
+                  </a:txBody>
+                  <a:tcPr anchor="ctr">
+                    <a:lnT w="12700" cap="flat" cmpd="sng" algn="ctr">
+                      <a:solidFill>
+                        <a:schemeClr val="bg1">
+                          <a:lumMod val="65000"/>
+                        </a:schemeClr>
+                      </a:solidFill>
+                      <a:prstDash val="solid"/>
+                      <a:round/>
+                      <a:headEnd type="none" w="med" len="med"/>
+                      <a:tailEnd type="none" w="med" len="med"/>
+                    </a:lnT>
+                    <a:lnB w="12700" cap="flat" cmpd="sng" algn="ctr">
+                      <a:solidFill>
+                        <a:schemeClr val="bg1">
+                          <a:lumMod val="65000"/>
+                        </a:schemeClr>
+                      </a:solidFill>
+                      <a:prstDash val="solid"/>
+                      <a:round/>
+                      <a:headEnd type="none" w="med" len="med"/>
+                      <a:tailEnd type="none" w="med" len="med"/>
+                    </a:lnB>
+                    <a:noFill/>
+                  </a:tcPr>
+                </a:tc>
+                <a:extLst>
+                  <a:ext uri="{0D108BD9-81ED-4DB2-BD59-A6C34878D82A}">
+                    <a16:rowId xmlns:a16="http://schemas.microsoft.com/office/drawing/2014/main" val="1466711860"/>
+                  </a:ext>
+                </a:extLst>
+              </a:tr>
+              <a:tr h="548640">
+                <a:tc>
+                  <a:txBody>
+                    <a:bodyPr/>
+                    <a:lstStyle/>
+                    <a:p>
+                      <a:pPr>
+                        <a:lnSpc>
+                          <a:spcPct val="100000"/>
+                        </a:lnSpc>
+                        <a:spcAft>
+                          <a:spcPts val="0"/>
+                        </a:spcAft>
+                      </a:pPr>
+                      <a:r>
+                        <a:rPr lang="en-US" sz="2000" kern="1200" dirty="0">
+                          <a:solidFill>
+                            <a:schemeClr val="bg1">
+                              <a:lumMod val="65000"/>
+                            </a:schemeClr>
+                          </a:solidFill>
+                          <a:latin typeface="+mn-lt"/>
+                          <a:ea typeface="+mn-ea"/>
+                          <a:cs typeface="+mn-cs"/>
+                        </a:rPr>
+                        <a:t>Python Visualization Tool Ecosystem</a:t>
+                      </a:r>
+                    </a:p>
+                  </a:txBody>
+                  <a:tcPr anchor="ctr">
+                    <a:lnT w="12700" cap="flat" cmpd="sng" algn="ctr">
+                      <a:solidFill>
+                        <a:schemeClr val="bg1">
+                          <a:lumMod val="65000"/>
+                        </a:schemeClr>
+                      </a:solidFill>
+                      <a:prstDash val="solid"/>
+                      <a:round/>
+                      <a:headEnd type="none" w="med" len="med"/>
+                      <a:tailEnd type="none" w="med" len="med"/>
+                    </a:lnT>
+                    <a:lnB w="12700" cap="flat" cmpd="sng" algn="ctr">
+                      <a:solidFill>
+                        <a:schemeClr val="bg1">
+                          <a:lumMod val="65000"/>
+                        </a:schemeClr>
+                      </a:solidFill>
+                      <a:prstDash val="solid"/>
+                      <a:round/>
+                      <a:headEnd type="none" w="med" len="med"/>
+                      <a:tailEnd type="none" w="med" len="med"/>
+                    </a:lnB>
+                    <a:noFill/>
+                  </a:tcPr>
+                </a:tc>
+                <a:extLst>
+                  <a:ext uri="{0D108BD9-81ED-4DB2-BD59-A6C34878D82A}">
+                    <a16:rowId xmlns:a16="http://schemas.microsoft.com/office/drawing/2014/main" val="1924402624"/>
+                  </a:ext>
+                </a:extLst>
+              </a:tr>
+              <a:tr h="548640">
+                <a:tc>
+                  <a:txBody>
+                    <a:bodyPr/>
+                    <a:lstStyle/>
+                    <a:p>
+                      <a:pPr>
+                        <a:lnSpc>
+                          <a:spcPct val="100000"/>
+                        </a:lnSpc>
+                        <a:spcAft>
+                          <a:spcPts val="0"/>
+                        </a:spcAft>
+                      </a:pPr>
+                      <a:r>
+                        <a:rPr lang="en-US" sz="2000" dirty="0">
+                          <a:solidFill>
+                            <a:schemeClr val="bg1">
+                              <a:lumMod val="65000"/>
+                            </a:schemeClr>
+                          </a:solidFill>
+                        </a:rPr>
+                        <a:t>Chapter Summary</a:t>
+                      </a:r>
+                    </a:p>
+                  </a:txBody>
+                  <a:tcPr anchor="ctr">
+                    <a:lnT w="12700" cap="flat" cmpd="sng" algn="ctr">
+                      <a:solidFill>
+                        <a:schemeClr val="bg1">
+                          <a:lumMod val="65000"/>
+                        </a:schemeClr>
+                      </a:solidFill>
+                      <a:prstDash val="solid"/>
+                      <a:round/>
+                      <a:headEnd type="none" w="med" len="med"/>
+                      <a:tailEnd type="none" w="med" len="med"/>
+                    </a:lnT>
+                    <a:lnB w="12700" cap="flat" cmpd="sng" algn="ctr">
+                      <a:solidFill>
+                        <a:schemeClr val="bg1">
+                          <a:lumMod val="65000"/>
+                        </a:schemeClr>
+                      </a:solidFill>
+                      <a:prstDash val="solid"/>
+                      <a:round/>
+                      <a:headEnd type="none" w="med" len="med"/>
+                      <a:tailEnd type="none" w="med" len="med"/>
+                    </a:lnB>
+                    <a:noFill/>
+                  </a:tcPr>
+                </a:tc>
+                <a:extLst>
+                  <a:ext uri="{0D108BD9-81ED-4DB2-BD59-A6C34878D82A}">
+                    <a16:rowId xmlns:a16="http://schemas.microsoft.com/office/drawing/2014/main" val="376303497"/>
+                  </a:ext>
+                </a:extLst>
+              </a:tr>
+            </a:tbl>
+          </a:graphicData>
+        </a:graphic>
+      </p:graphicFrame>
     </p:spTree>
     <p:extLst>
       <p:ext uri="{BB962C8B-B14F-4D97-AF65-F5344CB8AC3E}">
@@ -8108,7 +7938,7 @@
             <a:pPr lvl="1"/>
             <a:r>
               <a:rPr lang="en-US" dirty="0"/>
-              <a:t>Simplify working with matplotlib</a:t>
+              <a:t>Simplify working with Matplotlib</a:t>
             </a:r>
           </a:p>
           <a:p>
@@ -8259,8 +8089,8 @@
         </p:nvSpPr>
         <p:spPr bwMode="auto">
           <a:xfrm>
-            <a:off x="675136" y="1699666"/>
-            <a:ext cx="7793728" cy="3970318"/>
+            <a:off x="745474" y="1699666"/>
+            <a:ext cx="7566187" cy="3970318"/>
           </a:xfrm>
           <a:prstGeom prst="rect">
             <a:avLst/>
@@ -8392,7 +8222,7 @@
           </a:lstStyle>
           <a:p>
             <a:r>
-              <a:rPr lang="en-US" sz="1800" dirty="0" err="1">
+              <a:rPr lang="en-US" sz="1800" dirty="0">
                 <a:solidFill>
                   <a:schemeClr val="tx1"/>
                 </a:solidFill>
@@ -8401,6 +8231,8 @@
               </a:rPr>
               <a:t>pylab</a:t>
             </a:r>
+          </a:p>
+          <a:p>
             <a:endParaRPr lang="en-US" sz="1800" dirty="0">
               <a:solidFill>
                 <a:schemeClr val="tx1"/>
@@ -8410,6 +8242,18 @@
             </a:endParaRPr>
           </a:p>
           <a:p>
+            <a:r>
+              <a:rPr lang="en-US" sz="1800" dirty="0">
+                <a:solidFill>
+                  <a:schemeClr val="tx1"/>
+                </a:solidFill>
+                <a:latin typeface="Courier New"/>
+                <a:cs typeface="Courier New"/>
+              </a:rPr>
+              <a:t>import numpy as np</a:t>
+            </a:r>
+          </a:p>
+          <a:p>
             <a:endParaRPr lang="en-US" sz="1800" dirty="0">
               <a:solidFill>
                 <a:schemeClr val="tx1"/>
@@ -8427,7 +8271,7 @@
                 <a:latin typeface="Courier New"/>
                 <a:cs typeface="Courier New"/>
               </a:rPr>
-              <a:t>import numpy as np</a:t>
+              <a:t>import pandas as pd</a:t>
             </a:r>
           </a:p>
           <a:p>
@@ -8448,7 +8292,7 @@
                 <a:latin typeface="Courier New"/>
                 <a:cs typeface="Courier New"/>
               </a:rPr>
-              <a:t>import pandas as pd</a:t>
+              <a:t>from pandas import Series, DataFrame</a:t>
             </a:r>
           </a:p>
           <a:p>
@@ -8469,7 +8313,27 @@
                 <a:latin typeface="Courier New"/>
                 <a:cs typeface="Courier New"/>
               </a:rPr>
-              <a:t>from pandas import Series, DataFrame</a:t>
+              <a:t>ts = </a:t>
+            </a:r>
+            <a:r>
+              <a:rPr lang="en-US" sz="1800" b="1" dirty="0">
+                <a:solidFill>
+                  <a:schemeClr val="tx1"/>
+                </a:solidFill>
+                <a:latin typeface="Courier New"/>
+                <a:cs typeface="Courier New"/>
+              </a:rPr>
+              <a:t>Series</a:t>
+            </a:r>
+            <a:r>
+              <a:rPr lang="en-US" sz="1800" dirty="0">
+                <a:solidFill>
+                  <a:schemeClr val="tx1"/>
+                </a:solidFill>
+                <a:latin typeface="Courier New"/>
+                <a:cs typeface="Courier New"/>
+              </a:rPr>
+              <a:t>(np.random.randn(1000), \ 			index=pd.date_range('1/1/2000', periods=1000))</a:t>
             </a:r>
           </a:p>
           <a:p>
@@ -8483,44 +8347,14 @@
           </a:p>
           <a:p>
             <a:r>
-              <a:rPr lang="en-US" sz="1800" dirty="0" err="1">
+              <a:rPr lang="en-US" sz="1800" dirty="0">
                 <a:solidFill>
                   <a:schemeClr val="tx1"/>
                 </a:solidFill>
                 <a:latin typeface="Courier New"/>
                 <a:cs typeface="Courier New"/>
               </a:rPr>
-              <a:t>ts</a:t>
-            </a:r>
-            <a:r>
-              <a:rPr lang="en-US" sz="1800" dirty="0">
-                <a:solidFill>
-                  <a:schemeClr val="tx1"/>
-                </a:solidFill>
-                <a:latin typeface="Courier New"/>
-                <a:cs typeface="Courier New"/>
-              </a:rPr>
-              <a:t> = </a:t>
-            </a:r>
-            <a:r>
-              <a:rPr lang="en-US" sz="1800" b="1" dirty="0">
-                <a:solidFill>
-                  <a:schemeClr val="tx1"/>
-                </a:solidFill>
-                <a:latin typeface="Courier New"/>
-                <a:cs typeface="Courier New"/>
-              </a:rPr>
-              <a:t>Series</a:t>
-            </a:r>
-            <a:r>
-              <a:rPr lang="en-US" sz="1800" dirty="0">
-                <a:solidFill>
-                  <a:schemeClr val="tx1"/>
-                </a:solidFill>
-                <a:latin typeface="Courier New"/>
-                <a:cs typeface="Courier New"/>
-              </a:rPr>
-              <a:t>(np.random.randn(1000), \ 			index=pd.date_range('1/1/2000', periods=1000))</a:t>
+              <a:t>ts.cumsum()</a:t>
             </a:r>
           </a:p>
           <a:p>
@@ -8534,37 +8368,6 @@
           </a:p>
           <a:p>
             <a:r>
-              <a:rPr lang="en-US" sz="1800" dirty="0" err="1">
-                <a:solidFill>
-                  <a:schemeClr val="tx1"/>
-                </a:solidFill>
-                <a:latin typeface="Courier New"/>
-                <a:cs typeface="Courier New"/>
-              </a:rPr>
-              <a:t>ts.cumsum</a:t>
-            </a:r>
-            <a:r>
-              <a:rPr lang="en-US" sz="1800" dirty="0">
-                <a:solidFill>
-                  <a:schemeClr val="tx1"/>
-                </a:solidFill>
-                <a:latin typeface="Courier New"/>
-                <a:cs typeface="Courier New"/>
-              </a:rPr>
-              <a:t>()</a:t>
-            </a:r>
-          </a:p>
-          <a:p>
-            <a:endParaRPr lang="en-US" sz="1800" dirty="0">
-              <a:solidFill>
-                <a:schemeClr val="tx1"/>
-              </a:solidFill>
-              <a:latin typeface="Courier New"/>
-              <a:cs typeface="Courier New"/>
-            </a:endParaRPr>
-          </a:p>
-          <a:p>
-            <a:r>
               <a:rPr lang="mr-IN" sz="1800" b="1" dirty="0" err="1">
                 <a:solidFill>
                   <a:schemeClr val="tx1"/>
@@ -8597,7 +8400,7 @@
         </p:nvSpPr>
         <p:spPr bwMode="auto">
           <a:xfrm>
-            <a:off x="3740405" y="4878545"/>
+            <a:off x="3810743" y="4925437"/>
             <a:ext cx="1726982" cy="338554"/>
           </a:xfrm>
           <a:prstGeom prst="wedgeRectCallout">
@@ -8838,8 +8641,8 @@
         </p:nvSpPr>
         <p:spPr bwMode="auto">
           <a:xfrm>
-            <a:off x="315410" y="2281778"/>
-            <a:ext cx="8521034" cy="2585323"/>
+            <a:off x="643654" y="2281778"/>
+            <a:ext cx="7902467" cy="2585323"/>
           </a:xfrm>
           <a:prstGeom prst="rect">
             <a:avLst/>
@@ -8971,7 +8774,7 @@
           </a:lstStyle>
           <a:p>
             <a:r>
-              <a:rPr lang="en-US" sz="1800" b="1" dirty="0" err="1">
+              <a:rPr lang="en-US" sz="1800" b="1" dirty="0">
                 <a:solidFill>
                   <a:schemeClr val="tx1"/>
                 </a:solidFill>
@@ -9021,24 +8824,14 @@
           </a:p>
           <a:p>
             <a:r>
-              <a:rPr lang="en-US" sz="1800" dirty="0" err="1">
+              <a:rPr lang="en-US" sz="1800" dirty="0">
                 <a:solidFill>
                   <a:schemeClr val="tx1"/>
                 </a:solidFill>
                 <a:latin typeface="Courier New"/>
                 <a:cs typeface="Courier New"/>
               </a:rPr>
-              <a:t>df</a:t>
-            </a:r>
-            <a:r>
-              <a:rPr lang="en-US" sz="1800" dirty="0">
-                <a:solidFill>
-                  <a:schemeClr val="tx1"/>
-                </a:solidFill>
-                <a:latin typeface="Courier New"/>
-                <a:cs typeface="Courier New"/>
-              </a:rPr>
-              <a:t> = </a:t>
+              <a:t>df = </a:t>
             </a:r>
             <a:r>
               <a:rPr lang="en-US" sz="1800" b="1" dirty="0">
@@ -9187,7 +8980,7 @@
         </p:nvSpPr>
         <p:spPr bwMode="auto">
           <a:xfrm>
-            <a:off x="4320505" y="5156322"/>
+            <a:off x="4648749" y="5156322"/>
             <a:ext cx="1675548" cy="338554"/>
           </a:xfrm>
           <a:prstGeom prst="wedgeRectCallout">
@@ -9473,7 +9266,7 @@
             </a:r>
             <a:r>
               <a:rPr lang="en-US" dirty="0"/>
-              <a:t> for matplotlib</a:t>
+              <a:t> for Matplotlib</a:t>
             </a:r>
           </a:p>
           <a:p>
@@ -9903,8 +9696,8 @@
         </p:nvSpPr>
         <p:spPr bwMode="auto">
           <a:xfrm>
-            <a:off x="275725" y="1355691"/>
-            <a:ext cx="8521034" cy="3970318"/>
+            <a:off x="768091" y="1355691"/>
+            <a:ext cx="7520121" cy="3970318"/>
           </a:xfrm>
           <a:prstGeom prst="rect">
             <a:avLst/>
@@ -10036,7 +9829,7 @@
           </a:lstStyle>
           <a:p>
             <a:r>
-              <a:rPr lang="pl-PL" sz="1800" dirty="0" err="1">
+              <a:rPr lang="pl-PL" sz="1800" b="1" dirty="0" err="1">
                 <a:solidFill>
                   <a:schemeClr val="tx1"/>
                 </a:solidFill>
@@ -10046,7 +9839,7 @@
               <a:t>df</a:t>
             </a:r>
             <a:r>
-              <a:rPr lang="pl-PL" sz="1800" dirty="0">
+              <a:rPr lang="pl-PL" sz="1800" b="1" dirty="0">
                 <a:solidFill>
                   <a:schemeClr val="tx1"/>
                 </a:solidFill>
@@ -10056,14 +9849,24 @@
               <a:t> = </a:t>
             </a:r>
             <a:r>
-              <a:rPr lang="pl-PL" sz="1800" dirty="0" err="1">
+              <a:rPr lang="pl-PL" sz="1800" b="1" dirty="0" err="1">
                 <a:solidFill>
                   <a:schemeClr val="tx1"/>
                 </a:solidFill>
                 <a:latin typeface="Courier New"/>
                 <a:cs typeface="Courier New"/>
               </a:rPr>
-              <a:t>pd.</a:t>
+              <a:t>pd.DataFrame</a:t>
+            </a:r>
+            <a:r>
+              <a:rPr lang="pl-PL" sz="1800" b="1" dirty="0">
+                <a:solidFill>
+                  <a:schemeClr val="tx1"/>
+                </a:solidFill>
+                <a:latin typeface="Courier New"/>
+                <a:cs typeface="Courier New"/>
+              </a:rPr>
+              <a:t>({'A': </a:t>
             </a:r>
             <a:r>
               <a:rPr lang="pl-PL" sz="1800" b="1" dirty="0" err="1">
@@ -10073,105 +9876,85 @@
                 <a:latin typeface="Courier New"/>
                 <a:cs typeface="Courier New"/>
               </a:rPr>
-              <a:t>DataFrame</a:t>
-            </a:r>
-            <a:r>
-              <a:rPr lang="pl-PL" sz="1800" dirty="0">
+              <a:t>np.random.randn</a:t>
+            </a:r>
+            <a:r>
+              <a:rPr lang="pl-PL" sz="1800" b="1" dirty="0">
                 <a:solidFill>
                   <a:schemeClr val="tx1"/>
                 </a:solidFill>
                 <a:latin typeface="Courier New"/>
                 <a:cs typeface="Courier New"/>
               </a:rPr>
-              <a:t>({'A': </a:t>
-            </a:r>
-            <a:r>
-              <a:rPr lang="pl-PL" sz="1800" dirty="0" err="1">
+              <a:t>(1000) + 1, \</a:t>
+            </a:r>
+          </a:p>
+          <a:p>
+            <a:r>
+              <a:rPr lang="pl-PL" sz="1800" b="1" dirty="0">
                 <a:solidFill>
                   <a:schemeClr val="tx1"/>
                 </a:solidFill>
                 <a:latin typeface="Courier New"/>
                 <a:cs typeface="Courier New"/>
               </a:rPr>
+              <a:t>	 'B': </a:t>
+            </a:r>
+            <a:r>
+              <a:rPr lang="pl-PL" sz="1800" b="1" dirty="0" err="1">
+                <a:solidFill>
+                  <a:schemeClr val="tx1"/>
+                </a:solidFill>
+                <a:latin typeface="Courier New"/>
+                <a:cs typeface="Courier New"/>
+              </a:rPr>
               <a:t>np.random.randn</a:t>
             </a:r>
             <a:r>
-              <a:rPr lang="pl-PL" sz="1800" dirty="0">
+              <a:rPr lang="pl-PL" sz="1800" b="1" dirty="0">
                 <a:solidFill>
                   <a:schemeClr val="tx1"/>
                 </a:solidFill>
                 <a:latin typeface="Courier New"/>
                 <a:cs typeface="Courier New"/>
               </a:rPr>
-              <a:t>(1000) + 1, \</a:t>
-            </a:r>
-          </a:p>
-          <a:p>
-            <a:r>
-              <a:rPr lang="pl-PL" sz="1800" dirty="0">
+              <a:t>(1000), \</a:t>
+            </a:r>
+          </a:p>
+          <a:p>
+            <a:r>
+              <a:rPr lang="pl-PL" sz="1800" b="1" dirty="0">
                 <a:solidFill>
                   <a:schemeClr val="tx1"/>
                 </a:solidFill>
                 <a:latin typeface="Courier New"/>
                 <a:cs typeface="Courier New"/>
               </a:rPr>
-              <a:t>	 'B': </a:t>
-            </a:r>
-            <a:r>
-              <a:rPr lang="pl-PL" sz="1800" dirty="0" err="1">
+              <a:t>	 'C': </a:t>
+            </a:r>
+            <a:r>
+              <a:rPr lang="pl-PL" sz="1800" b="1" dirty="0" err="1">
                 <a:solidFill>
                   <a:schemeClr val="tx1"/>
                 </a:solidFill>
                 <a:latin typeface="Courier New"/>
                 <a:cs typeface="Courier New"/>
               </a:rPr>
-              <a:t>np.random.randn</a:t>
-            </a:r>
-            <a:r>
-              <a:rPr lang="pl-PL" sz="1800" dirty="0">
+              <a:t>np.ran</a:t>
+            </a:r>
+            <a:r>
+              <a:rPr lang="mr-IN" sz="1800" b="1" dirty="0">
                 <a:solidFill>
                   <a:schemeClr val="tx1"/>
                 </a:solidFill>
                 <a:latin typeface="Courier New"/>
                 <a:cs typeface="Courier New"/>
               </a:rPr>
-              <a:t>(1000), \</a:t>
-            </a:r>
-          </a:p>
-          <a:p>
-            <a:r>
-              <a:rPr lang="pl-PL" sz="1800" dirty="0">
-                <a:solidFill>
-                  <a:schemeClr val="tx1"/>
-                </a:solidFill>
-                <a:latin typeface="Courier New"/>
-                <a:cs typeface="Courier New"/>
-              </a:rPr>
-              <a:t>	 'C': </a:t>
-            </a:r>
-            <a:r>
-              <a:rPr lang="pl-PL" sz="1800" dirty="0" err="1">
-                <a:solidFill>
-                  <a:schemeClr val="tx1"/>
-                </a:solidFill>
-                <a:latin typeface="Courier New"/>
-                <a:cs typeface="Courier New"/>
-              </a:rPr>
-              <a:t>np.ran</a:t>
-            </a:r>
-            <a:r>
-              <a:rPr lang="mr-IN" sz="1800" dirty="0">
-                <a:solidFill>
-                  <a:schemeClr val="tx1"/>
-                </a:solidFill>
-                <a:latin typeface="Courier New"/>
-                <a:cs typeface="Courier New"/>
-              </a:rPr>
               <a:t>dom.randn(1000)-1})</a:t>
             </a:r>
           </a:p>
           <a:p>
-            <a:endParaRPr lang="mr-IN" sz="1800" dirty="0">
+            <a:endParaRPr lang="mr-IN" sz="1800" b="1" dirty="0">
               <a:solidFill>
                 <a:schemeClr val="tx1"/>
               </a:solidFill>
@@ -10188,37 +9971,7 @@
                 <a:latin typeface="Courier New"/>
                 <a:cs typeface="Courier New"/>
               </a:rPr>
-              <a:t>print</a:t>
-            </a:r>
-            <a:r>
-              <a:rPr lang="en-US" sz="1800" dirty="0">
-                <a:solidFill>
-                  <a:schemeClr val="tx1"/>
-                </a:solidFill>
-                <a:latin typeface="Courier New"/>
-                <a:cs typeface="Courier New"/>
-              </a:rPr>
-              <a:t> (</a:t>
-            </a:r>
-            <a:r>
-              <a:rPr lang="en-US" sz="1800" dirty="0" err="1">
-                <a:solidFill>
-                  <a:schemeClr val="tx1"/>
-                </a:solidFill>
-                <a:latin typeface="Courier New"/>
-                <a:cs typeface="Courier New"/>
-              </a:rPr>
-              <a:t>df.head</a:t>
-            </a:r>
-            <a:r>
-              <a:rPr lang="en-US" sz="1800" dirty="0">
-                <a:solidFill>
-                  <a:schemeClr val="tx1"/>
-                </a:solidFill>
-                <a:latin typeface="Courier New"/>
-                <a:cs typeface="Courier New"/>
-              </a:rPr>
-              <a:t>())</a:t>
+              <a:t>print (df.head())</a:t>
             </a:r>
           </a:p>
           <a:p>
@@ -10313,7 +10066,7 @@
           </a:p>
           <a:p>
             <a:r>
-              <a:rPr lang="fi-FI" sz="1800" dirty="0" err="1">
+              <a:rPr lang="fi-FI" sz="1800" b="1" dirty="0" err="1">
                 <a:solidFill>
                   <a:schemeClr val="tx1"/>
                 </a:solidFill>
@@ -10323,7 +10076,7 @@
               <a:t>df.plot</a:t>
             </a:r>
             <a:r>
-              <a:rPr lang="fi-FI" sz="1800" dirty="0">
+              <a:rPr lang="fi-FI" sz="1800" b="1" dirty="0">
                 <a:solidFill>
                   <a:schemeClr val="tx1"/>
                 </a:solidFill>
@@ -10333,7 +10086,7 @@
               <a:t>(</a:t>
             </a:r>
             <a:r>
-              <a:rPr lang="fi-FI" sz="1800" dirty="0" err="1">
+              <a:rPr lang="fi-FI" sz="1800" b="1" dirty="0" err="1">
                 <a:solidFill>
                   <a:schemeClr val="tx1"/>
                 </a:solidFill>
@@ -10343,7 +10096,7 @@
               <a:t>kind</a:t>
             </a:r>
             <a:r>
-              <a:rPr lang="fi-FI" sz="1800" dirty="0">
+              <a:rPr lang="fi-FI" sz="1800" b="1" dirty="0">
                 <a:solidFill>
                   <a:schemeClr val="tx1"/>
                 </a:solidFill>
@@ -10363,7 +10116,7 @@
               <a:t>hist</a:t>
             </a:r>
             <a:r>
-              <a:rPr lang="fi-FI" sz="1800" dirty="0">
+              <a:rPr lang="fi-FI" sz="1800" b="1" dirty="0">
                 <a:solidFill>
                   <a:schemeClr val="tx1"/>
                 </a:solidFill>
@@ -10372,7 +10125,7 @@
               </a:rPr>
               <a:t>')</a:t>
             </a:r>
-            <a:endParaRPr lang="mr-IN" sz="1800" dirty="0">
+            <a:endParaRPr lang="mr-IN" sz="1800" b="1" dirty="0">
               <a:solidFill>
                 <a:schemeClr val="tx1"/>
               </a:solidFill>
@@ -10392,7 +10145,7 @@
         </p:nvSpPr>
         <p:spPr bwMode="auto">
           <a:xfrm>
-            <a:off x="2868714" y="5617208"/>
+            <a:off x="3361080" y="5617208"/>
             <a:ext cx="1876864" cy="338554"/>
           </a:xfrm>
           <a:prstGeom prst="wedgeRectCallout">
@@ -10741,8 +10494,8 @@
         </p:nvSpPr>
         <p:spPr bwMode="auto">
           <a:xfrm>
-            <a:off x="985362" y="2466994"/>
-            <a:ext cx="7072218" cy="3416320"/>
+            <a:off x="1770803" y="2466994"/>
+            <a:ext cx="5661623" cy="3416320"/>
           </a:xfrm>
           <a:prstGeom prst="rect">
             <a:avLst/>
@@ -11017,24 +10770,14 @@
           </a:p>
           <a:p>
             <a:r>
-              <a:rPr lang="en-US" sz="1800" dirty="0" err="1">
+              <a:rPr lang="en-US" sz="1800" dirty="0">
                 <a:solidFill>
                   <a:schemeClr val="tx1"/>
                 </a:solidFill>
                 <a:latin typeface="Courier New"/>
                 <a:cs typeface="Courier New"/>
               </a:rPr>
-              <a:t>plt.title</a:t>
-            </a:r>
-            <a:r>
-              <a:rPr lang="en-US" sz="1800" dirty="0">
-                <a:solidFill>
-                  <a:schemeClr val="tx1"/>
-                </a:solidFill>
-                <a:latin typeface="Courier New"/>
-                <a:cs typeface="Courier New"/>
-              </a:rPr>
-              <a:t>('Changes in A v changes in B') </a:t>
+              <a:t>plt.title('Changes in A v changes in B') </a:t>
             </a:r>
           </a:p>
         </p:txBody>
@@ -11049,7 +10792,7 @@
         </p:nvSpPr>
         <p:spPr bwMode="auto">
           <a:xfrm>
-            <a:off x="5419984" y="4487821"/>
+            <a:off x="6205425" y="4487821"/>
             <a:ext cx="1376760" cy="338554"/>
           </a:xfrm>
           <a:prstGeom prst="wedgeRectCallout">
@@ -11307,8 +11050,8 @@
         </p:nvSpPr>
         <p:spPr bwMode="auto">
           <a:xfrm>
-            <a:off x="701940" y="3411210"/>
-            <a:ext cx="7889796" cy="2862323"/>
+            <a:off x="1123968" y="3411210"/>
+            <a:ext cx="6847722" cy="2862323"/>
           </a:xfrm>
           <a:prstGeom prst="rect">
             <a:avLst/>
@@ -11611,7 +11354,7 @@
         </p:nvSpPr>
         <p:spPr bwMode="auto">
           <a:xfrm>
-            <a:off x="6388145" y="4377001"/>
+            <a:off x="6810173" y="4377001"/>
             <a:ext cx="1497419" cy="584776"/>
           </a:xfrm>
           <a:prstGeom prst="wedgeRectCallout">
@@ -11792,444 +11535,268 @@
           </a:p>
         </p:txBody>
       </p:sp>
-      <p:sp>
-        <p:nvSpPr>
-          <p:cNvPr id="10" name="Text Placeholder 2"/>
-          <p:cNvSpPr>
-            <a:spLocks noGrp="1"/>
-          </p:cNvSpPr>
+      <p:graphicFrame>
+        <p:nvGraphicFramePr>
+          <p:cNvPr id="9" name="Table 8">
+            <a:extLst>
+              <a:ext uri="{FF2B5EF4-FFF2-40B4-BE49-F238E27FC236}">
+                <a16:creationId xmlns:a16="http://schemas.microsoft.com/office/drawing/2014/main" id="{D08AC4D9-C0D9-4123-8B9C-50DC204DE4FF}"/>
+              </a:ext>
+            </a:extLst>
+          </p:cNvPr>
+          <p:cNvGraphicFramePr>
+            <a:graphicFrameLocks noGrp="1"/>
+          </p:cNvGraphicFramePr>
           <p:nvPr>
-            <p:ph type="body" sz="quarter" idx="11"/>
+            <p:extLst>
+              <p:ext uri="{D42A27DB-BD31-4B8C-83A1-F6EECF244321}">
+                <p14:modId xmlns:p14="http://schemas.microsoft.com/office/powerpoint/2010/main" val="4242891958"/>
+              </p:ext>
+            </p:extLst>
           </p:nvPr>
-        </p:nvSpPr>
-        <p:spPr>
-          <a:xfrm>
-            <a:off x="2499953" y="1585913"/>
-            <a:ext cx="5741988" cy="4102100"/>
-          </a:xfrm>
-        </p:spPr>
-        <p:txBody>
-          <a:bodyPr/>
-          <a:lstStyle/>
-          <a:p>
-            <a:pPr eaLnBrk="1" hangingPunct="1">
-              <a:spcAft>
-                <a:spcPts val="1200"/>
-              </a:spcAft>
-            </a:pPr>
-            <a:r>
-              <a:rPr lang="en-US" b="0" dirty="0"/>
-              <a:t>Introducing Matplotlib</a:t>
-            </a:r>
-            <a:r>
-              <a:rPr lang="en-GB" b="0" dirty="0"/>
-              <a:t> </a:t>
-            </a:r>
-          </a:p>
-          <a:p>
-            <a:pPr lvl="0">
-              <a:spcAft>
-                <a:spcPts val="1200"/>
-              </a:spcAft>
-            </a:pPr>
-            <a:r>
-              <a:rPr lang="en-US" b="0" dirty="0"/>
-              <a:t>Plotting Functions in Pandas</a:t>
-            </a:r>
-            <a:endParaRPr lang="en-GB" b="0" dirty="0"/>
-          </a:p>
-          <a:p>
-            <a:pPr lvl="0">
-              <a:spcAft>
-                <a:spcPts val="1200"/>
-              </a:spcAft>
-            </a:pPr>
-            <a:r>
-              <a:rPr lang="en-US" dirty="0"/>
-              <a:t>Python Visualization Tool Ecosystem</a:t>
-            </a:r>
-            <a:endParaRPr lang="en-GB" sz="2400" dirty="0"/>
-          </a:p>
-          <a:p>
-            <a:pPr lvl="1" eaLnBrk="1" hangingPunct="1">
-              <a:spcAft>
-                <a:spcPts val="1200"/>
-              </a:spcAft>
-            </a:pPr>
-            <a:r>
-              <a:rPr lang="en-US" altLang="en-US" dirty="0"/>
-              <a:t>Chapter Summary</a:t>
-            </a:r>
-          </a:p>
-        </p:txBody>
-      </p:sp>
-      <p:grpSp>
-        <p:nvGrpSpPr>
-          <p:cNvPr id="11" name="Group 10"/>
-          <p:cNvGrpSpPr/>
-          <p:nvPr/>
-        </p:nvGrpSpPr>
-        <p:grpSpPr>
-          <a:xfrm>
-            <a:off x="2071579" y="3056219"/>
-            <a:ext cx="410322" cy="377482"/>
-            <a:chOff x="1766887" y="1515010"/>
-            <a:chExt cx="741316" cy="700622"/>
-          </a:xfrm>
-          <a:solidFill>
-            <a:schemeClr val="accent4"/>
-          </a:solidFill>
-          <a:scene3d>
-            <a:camera prst="orthographicFront">
-              <a:rot lat="0" lon="0" rev="0"/>
-            </a:camera>
-            <a:lightRig rig="balanced" dir="t">
-              <a:rot lat="0" lon="0" rev="8700000"/>
-            </a:lightRig>
-          </a:scene3d>
-        </p:grpSpPr>
-        <p:sp>
-          <p:nvSpPr>
-            <p:cNvPr id="12" name="AutoShape 10"/>
-            <p:cNvSpPr>
-              <a:spLocks noChangeArrowheads="1"/>
-            </p:cNvSpPr>
-            <p:nvPr/>
-          </p:nvSpPr>
-          <p:spPr bwMode="black">
-            <a:xfrm rot="5400000">
-              <a:off x="1787234" y="1494663"/>
-              <a:ext cx="700622" cy="741316"/>
-            </a:xfrm>
-            <a:custGeom>
-              <a:avLst/>
-              <a:gdLst>
-                <a:gd name="connsiteX0" fmla="*/ 0 w 264955"/>
-                <a:gd name="connsiteY0" fmla="*/ 311498 h 311498"/>
-                <a:gd name="connsiteX1" fmla="*/ 132478 w 264955"/>
-                <a:gd name="connsiteY1" fmla="*/ 0 h 311498"/>
-                <a:gd name="connsiteX2" fmla="*/ 264955 w 264955"/>
-                <a:gd name="connsiteY2" fmla="*/ 311498 h 311498"/>
-                <a:gd name="connsiteX3" fmla="*/ 0 w 264955"/>
-                <a:gd name="connsiteY3" fmla="*/ 311498 h 311498"/>
-                <a:gd name="connsiteX0" fmla="*/ 0 w 264955"/>
-                <a:gd name="connsiteY0" fmla="*/ 311498 h 312908"/>
-                <a:gd name="connsiteX1" fmla="*/ 132478 w 264955"/>
-                <a:gd name="connsiteY1" fmla="*/ 0 h 312908"/>
-                <a:gd name="connsiteX2" fmla="*/ 264955 w 264955"/>
-                <a:gd name="connsiteY2" fmla="*/ 311498 h 312908"/>
-                <a:gd name="connsiteX3" fmla="*/ 124553 w 264955"/>
-                <a:gd name="connsiteY3" fmla="*/ 312908 h 312908"/>
-                <a:gd name="connsiteX4" fmla="*/ 0 w 264955"/>
-                <a:gd name="connsiteY4" fmla="*/ 311498 h 312908"/>
-                <a:gd name="connsiteX0" fmla="*/ 0 w 264955"/>
-                <a:gd name="connsiteY0" fmla="*/ 311498 h 311498"/>
-                <a:gd name="connsiteX1" fmla="*/ 132478 w 264955"/>
-                <a:gd name="connsiteY1" fmla="*/ 0 h 311498"/>
-                <a:gd name="connsiteX2" fmla="*/ 264955 w 264955"/>
-                <a:gd name="connsiteY2" fmla="*/ 311498 h 311498"/>
-                <a:gd name="connsiteX3" fmla="*/ 138844 w 264955"/>
-                <a:gd name="connsiteY3" fmla="*/ 253377 h 311498"/>
-                <a:gd name="connsiteX4" fmla="*/ 0 w 264955"/>
-                <a:gd name="connsiteY4" fmla="*/ 311498 h 311498"/>
-              </a:gdLst>
-              <a:ahLst/>
-              <a:cxnLst>
-                <a:cxn ang="0">
-                  <a:pos x="connsiteX0" y="connsiteY0"/>
-                </a:cxn>
-                <a:cxn ang="0">
-                  <a:pos x="connsiteX1" y="connsiteY1"/>
-                </a:cxn>
-                <a:cxn ang="0">
-                  <a:pos x="connsiteX2" y="connsiteY2"/>
-                </a:cxn>
-                <a:cxn ang="0">
-                  <a:pos x="connsiteX3" y="connsiteY3"/>
-                </a:cxn>
-                <a:cxn ang="0">
-                  <a:pos x="connsiteX4" y="connsiteY4"/>
-                </a:cxn>
-              </a:cxnLst>
-              <a:rect l="l" t="t" r="r" b="b"/>
-              <a:pathLst>
-                <a:path w="264955" h="311498">
-                  <a:moveTo>
-                    <a:pt x="0" y="311498"/>
-                  </a:moveTo>
-                  <a:lnTo>
-                    <a:pt x="132478" y="0"/>
-                  </a:lnTo>
-                  <a:lnTo>
-                    <a:pt x="264955" y="311498"/>
-                  </a:lnTo>
-                  <a:lnTo>
-                    <a:pt x="138844" y="253377"/>
-                  </a:lnTo>
-                  <a:lnTo>
-                    <a:pt x="0" y="311498"/>
-                  </a:lnTo>
-                  <a:close/>
-                </a:path>
-              </a:pathLst>
-            </a:custGeom>
-            <a:grpFill/>
-            <a:ln w="19050">
-              <a:noFill/>
-              <a:miter lim="800000"/>
-              <a:headEnd/>
-              <a:tailEnd/>
-            </a:ln>
-            <a:effectLst>
-              <a:outerShdw blurRad="44450" dist="27940" dir="5400000" algn="ctr">
-                <a:srgbClr val="000000">
-                  <a:alpha val="32000"/>
-                </a:srgbClr>
-              </a:outerShdw>
-            </a:effectLst>
-            <a:sp3d>
-              <a:bevelT w="190500" h="38100"/>
-            </a:sp3d>
-          </p:spPr>
-          <p:txBody>
-            <a:bodyPr rot="10800000" vert="eaVert" wrap="none" anchor="ctr"/>
-            <a:lstStyle/>
-            <a:p>
-              <a:pPr>
-                <a:defRPr/>
-              </a:pPr>
-              <a:endParaRPr lang="en-GB" dirty="0">
-                <a:solidFill>
-                  <a:schemeClr val="accent6"/>
-                </a:solidFill>
-                <a:ea typeface="+mn-ea"/>
-              </a:endParaRPr>
-            </a:p>
-          </p:txBody>
-        </p:sp>
-        <p:sp>
-          <p:nvSpPr>
-            <p:cNvPr id="14" name="Freeform 11"/>
-            <p:cNvSpPr>
-              <a:spLocks/>
-            </p:cNvSpPr>
-            <p:nvPr/>
-          </p:nvSpPr>
-          <p:spPr bwMode="hidden">
-            <a:xfrm>
-              <a:off x="1802606" y="1545430"/>
-              <a:ext cx="701117" cy="344477"/>
-            </a:xfrm>
-            <a:custGeom>
-              <a:avLst/>
-              <a:gdLst>
-                <a:gd name="T0" fmla="*/ 0 w 245"/>
-                <a:gd name="T1" fmla="*/ 0 h 158"/>
-                <a:gd name="T2" fmla="*/ 245 w 245"/>
-                <a:gd name="T3" fmla="*/ 146 h 158"/>
-                <a:gd name="T4" fmla="*/ 226 w 245"/>
-                <a:gd name="T5" fmla="*/ 158 h 158"/>
-                <a:gd name="T6" fmla="*/ 0 w 245"/>
-                <a:gd name="T7" fmla="*/ 23 h 158"/>
-                <a:gd name="T8" fmla="*/ 0 w 245"/>
-                <a:gd name="T9" fmla="*/ 0 h 158"/>
-                <a:gd name="T10" fmla="*/ 0 60000 65536"/>
-                <a:gd name="T11" fmla="*/ 0 60000 65536"/>
-                <a:gd name="T12" fmla="*/ 0 60000 65536"/>
-                <a:gd name="T13" fmla="*/ 0 60000 65536"/>
-                <a:gd name="T14" fmla="*/ 0 60000 65536"/>
-                <a:gd name="T15" fmla="*/ 0 w 245"/>
-                <a:gd name="T16" fmla="*/ 0 h 158"/>
-                <a:gd name="T17" fmla="*/ 245 w 245"/>
-                <a:gd name="T18" fmla="*/ 158 h 158"/>
-              </a:gdLst>
-              <a:ahLst/>
-              <a:cxnLst>
-                <a:cxn ang="T10">
-                  <a:pos x="T0" y="T1"/>
-                </a:cxn>
-                <a:cxn ang="T11">
-                  <a:pos x="T2" y="T3"/>
-                </a:cxn>
-                <a:cxn ang="T12">
-                  <a:pos x="T4" y="T5"/>
-                </a:cxn>
-                <a:cxn ang="T13">
-                  <a:pos x="T6" y="T7"/>
-                </a:cxn>
-                <a:cxn ang="T14">
-                  <a:pos x="T8" y="T9"/>
-                </a:cxn>
-              </a:cxnLst>
-              <a:rect l="T15" t="T16" r="T17" b="T18"/>
-              <a:pathLst>
-                <a:path w="245" h="158">
-                  <a:moveTo>
-                    <a:pt x="0" y="0"/>
-                  </a:moveTo>
-                  <a:lnTo>
-                    <a:pt x="245" y="146"/>
-                  </a:lnTo>
-                  <a:lnTo>
-                    <a:pt x="226" y="158"/>
-                  </a:lnTo>
-                  <a:lnTo>
-                    <a:pt x="0" y="23"/>
-                  </a:lnTo>
-                  <a:lnTo>
-                    <a:pt x="0" y="0"/>
-                  </a:lnTo>
-                  <a:close/>
-                </a:path>
-              </a:pathLst>
-            </a:custGeom>
-            <a:grpFill/>
-            <a:ln w="28575" cap="flat" cmpd="sng">
-              <a:noFill/>
-              <a:prstDash val="solid"/>
-              <a:round/>
-              <a:headEnd type="none" w="med" len="med"/>
-              <a:tailEnd type="none" w="med" len="med"/>
-            </a:ln>
-            <a:effectLst>
-              <a:outerShdw blurRad="44450" dist="27940" dir="5400000" algn="ctr">
-                <a:srgbClr val="000000">
-                  <a:alpha val="32000"/>
-                </a:srgbClr>
-              </a:outerShdw>
-            </a:effectLst>
-            <a:sp3d>
-              <a:bevelT w="190500" h="38100"/>
-            </a:sp3d>
-          </p:spPr>
-          <p:txBody>
-            <a:bodyPr/>
-            <a:lstStyle/>
-            <a:p>
-              <a:pPr>
-                <a:defRPr/>
-              </a:pPr>
-              <a:endParaRPr lang="en-US" dirty="0">
-                <a:solidFill>
-                  <a:schemeClr val="accent6"/>
-                </a:solidFill>
-                <a:ea typeface="+mn-ea"/>
-              </a:endParaRPr>
-            </a:p>
-          </p:txBody>
-        </p:sp>
-        <p:sp>
-          <p:nvSpPr>
-            <p:cNvPr id="15" name="Freeform 12"/>
-            <p:cNvSpPr>
-              <a:spLocks/>
-            </p:cNvSpPr>
-            <p:nvPr/>
-          </p:nvSpPr>
-          <p:spPr bwMode="hidden">
-            <a:xfrm>
-              <a:off x="1797843" y="1840589"/>
-              <a:ext cx="710079" cy="357304"/>
-            </a:xfrm>
-            <a:custGeom>
-              <a:avLst/>
-              <a:gdLst>
-                <a:gd name="T0" fmla="*/ 248 w 248"/>
-                <a:gd name="T1" fmla="*/ 12 h 156"/>
-                <a:gd name="T2" fmla="*/ 0 w 248"/>
-                <a:gd name="T3" fmla="*/ 156 h 156"/>
-                <a:gd name="T4" fmla="*/ 3 w 248"/>
-                <a:gd name="T5" fmla="*/ 131 h 156"/>
-                <a:gd name="T6" fmla="*/ 229 w 248"/>
-                <a:gd name="T7" fmla="*/ 0 h 156"/>
-                <a:gd name="T8" fmla="*/ 248 w 248"/>
-                <a:gd name="T9" fmla="*/ 12 h 156"/>
-                <a:gd name="T10" fmla="*/ 0 60000 65536"/>
-                <a:gd name="T11" fmla="*/ 0 60000 65536"/>
-                <a:gd name="T12" fmla="*/ 0 60000 65536"/>
-                <a:gd name="T13" fmla="*/ 0 60000 65536"/>
-                <a:gd name="T14" fmla="*/ 0 60000 65536"/>
-                <a:gd name="T15" fmla="*/ 0 w 248"/>
-                <a:gd name="T16" fmla="*/ 0 h 156"/>
-                <a:gd name="T17" fmla="*/ 248 w 248"/>
-                <a:gd name="T18" fmla="*/ 156 h 156"/>
-              </a:gdLst>
-              <a:ahLst/>
-              <a:cxnLst>
-                <a:cxn ang="T10">
-                  <a:pos x="T0" y="T1"/>
-                </a:cxn>
-                <a:cxn ang="T11">
-                  <a:pos x="T2" y="T3"/>
-                </a:cxn>
-                <a:cxn ang="T12">
-                  <a:pos x="T4" y="T5"/>
-                </a:cxn>
-                <a:cxn ang="T13">
-                  <a:pos x="T6" y="T7"/>
-                </a:cxn>
-                <a:cxn ang="T14">
-                  <a:pos x="T8" y="T9"/>
-                </a:cxn>
-              </a:cxnLst>
-              <a:rect l="T15" t="T16" r="T17" b="T18"/>
-              <a:pathLst>
-                <a:path w="248" h="156">
-                  <a:moveTo>
-                    <a:pt x="248" y="12"/>
-                  </a:moveTo>
-                  <a:lnTo>
-                    <a:pt x="0" y="156"/>
-                  </a:lnTo>
-                  <a:lnTo>
-                    <a:pt x="3" y="131"/>
-                  </a:lnTo>
-                  <a:lnTo>
-                    <a:pt x="229" y="0"/>
-                  </a:lnTo>
-                  <a:lnTo>
-                    <a:pt x="248" y="12"/>
-                  </a:lnTo>
-                  <a:close/>
-                </a:path>
-              </a:pathLst>
-            </a:custGeom>
-            <a:grpFill/>
-            <a:ln w="28575" cap="flat" cmpd="sng">
-              <a:noFill/>
-              <a:prstDash val="solid"/>
-              <a:round/>
-              <a:headEnd type="none" w="med" len="med"/>
-              <a:tailEnd type="none" w="med" len="med"/>
-            </a:ln>
-            <a:effectLst>
-              <a:outerShdw blurRad="44450" dist="27940" dir="5400000" algn="ctr">
-                <a:srgbClr val="000000">
-                  <a:alpha val="32000"/>
-                </a:srgbClr>
-              </a:outerShdw>
-            </a:effectLst>
-            <a:sp3d>
-              <a:bevelT w="190500" h="38100"/>
-            </a:sp3d>
-          </p:spPr>
-          <p:txBody>
-            <a:bodyPr/>
-            <a:lstStyle/>
-            <a:p>
-              <a:pPr>
-                <a:defRPr/>
-              </a:pPr>
-              <a:endParaRPr lang="en-US" dirty="0">
-                <a:solidFill>
-                  <a:schemeClr val="accent6"/>
-                </a:solidFill>
-                <a:ea typeface="+mn-ea"/>
-              </a:endParaRPr>
-            </a:p>
-          </p:txBody>
-        </p:sp>
-      </p:grpSp>
+        </p:nvGraphicFramePr>
+        <p:xfrm>
+          <a:off x="2061972" y="1447543"/>
+          <a:ext cx="5020056" cy="2194560"/>
+        </p:xfrm>
+        <a:graphic>
+          <a:graphicData uri="http://schemas.openxmlformats.org/drawingml/2006/table">
+            <a:tbl>
+              <a:tblPr>
+                <a:tableStyleId>{00A15C55-8517-42AA-B614-E9B94910E393}</a:tableStyleId>
+              </a:tblPr>
+              <a:tblGrid>
+                <a:gridCol w="5020056">
+                  <a:extLst>
+                    <a:ext uri="{9D8B030D-6E8A-4147-A177-3AD203B41FA5}">
+                      <a16:colId xmlns:a16="http://schemas.microsoft.com/office/drawing/2014/main" val="1695728431"/>
+                    </a:ext>
+                  </a:extLst>
+                </a:gridCol>
+              </a:tblGrid>
+              <a:tr h="548640">
+                <a:tc>
+                  <a:txBody>
+                    <a:bodyPr/>
+                    <a:lstStyle/>
+                    <a:p>
+                      <a:pPr>
+                        <a:lnSpc>
+                          <a:spcPct val="100000"/>
+                        </a:lnSpc>
+                        <a:spcAft>
+                          <a:spcPts val="0"/>
+                        </a:spcAft>
+                      </a:pPr>
+                      <a:r>
+                        <a:rPr lang="en-US" sz="2000" b="0" dirty="0">
+                          <a:solidFill>
+                            <a:schemeClr val="bg1">
+                              <a:lumMod val="65000"/>
+                            </a:schemeClr>
+                          </a:solidFill>
+                        </a:rPr>
+                        <a:t>Introducing Matplotlib </a:t>
+                      </a:r>
+                    </a:p>
+                  </a:txBody>
+                  <a:tcPr anchor="ctr">
+                    <a:lnB w="12700" cap="flat" cmpd="sng" algn="ctr">
+                      <a:solidFill>
+                        <a:schemeClr val="bg1">
+                          <a:lumMod val="65000"/>
+                        </a:schemeClr>
+                      </a:solidFill>
+                      <a:prstDash val="solid"/>
+                      <a:round/>
+                      <a:headEnd type="none" w="med" len="med"/>
+                      <a:tailEnd type="none" w="med" len="med"/>
+                    </a:lnB>
+                    <a:noFill/>
+                  </a:tcPr>
+                </a:tc>
+                <a:extLst>
+                  <a:ext uri="{0D108BD9-81ED-4DB2-BD59-A6C34878D82A}">
+                    <a16:rowId xmlns:a16="http://schemas.microsoft.com/office/drawing/2014/main" val="2307098774"/>
+                  </a:ext>
+                </a:extLst>
+              </a:tr>
+              <a:tr h="548640">
+                <a:tc>
+                  <a:txBody>
+                    <a:bodyPr/>
+                    <a:lstStyle/>
+                    <a:p>
+                      <a:pPr>
+                        <a:lnSpc>
+                          <a:spcPct val="100000"/>
+                        </a:lnSpc>
+                        <a:spcAft>
+                          <a:spcPts val="0"/>
+                        </a:spcAft>
+                      </a:pPr>
+                      <a:r>
+                        <a:rPr lang="en-US" sz="2000" dirty="0">
+                          <a:solidFill>
+                            <a:schemeClr val="bg1">
+                              <a:lumMod val="65000"/>
+                            </a:schemeClr>
+                          </a:solidFill>
+                        </a:rPr>
+                        <a:t>Plotting Functions in Pandas</a:t>
+                      </a:r>
+                    </a:p>
+                  </a:txBody>
+                  <a:tcPr anchor="ctr">
+                    <a:lnT w="12700" cap="flat" cmpd="sng" algn="ctr">
+                      <a:solidFill>
+                        <a:schemeClr val="bg1">
+                          <a:lumMod val="65000"/>
+                        </a:schemeClr>
+                      </a:solidFill>
+                      <a:prstDash val="solid"/>
+                      <a:round/>
+                      <a:headEnd type="none" w="med" len="med"/>
+                      <a:tailEnd type="none" w="med" len="med"/>
+                    </a:lnT>
+                    <a:lnB w="12700" cap="flat" cmpd="sng" algn="ctr">
+                      <a:solidFill>
+                        <a:schemeClr val="bg1">
+                          <a:lumMod val="65000"/>
+                        </a:schemeClr>
+                      </a:solidFill>
+                      <a:prstDash val="solid"/>
+                      <a:round/>
+                      <a:headEnd type="none" w="med" len="med"/>
+                      <a:tailEnd type="none" w="med" len="med"/>
+                    </a:lnB>
+                    <a:noFill/>
+                  </a:tcPr>
+                </a:tc>
+                <a:extLst>
+                  <a:ext uri="{0D108BD9-81ED-4DB2-BD59-A6C34878D82A}">
+                    <a16:rowId xmlns:a16="http://schemas.microsoft.com/office/drawing/2014/main" val="1466711860"/>
+                  </a:ext>
+                </a:extLst>
+              </a:tr>
+              <a:tr h="548640">
+                <a:tc>
+                  <a:txBody>
+                    <a:bodyPr/>
+                    <a:lstStyle/>
+                    <a:p>
+                      <a:pPr>
+                        <a:lnSpc>
+                          <a:spcPct val="100000"/>
+                        </a:lnSpc>
+                        <a:spcAft>
+                          <a:spcPts val="0"/>
+                        </a:spcAft>
+                      </a:pPr>
+                      <a:r>
+                        <a:rPr lang="en-US" sz="2000" b="1" dirty="0">
+                          <a:solidFill>
+                            <a:schemeClr val="tx1"/>
+                          </a:solidFill>
+                        </a:rPr>
+                        <a:t>Python Visualization Tool Ecosystem</a:t>
+                      </a:r>
+                    </a:p>
+                  </a:txBody>
+                  <a:tcPr anchor="ctr">
+                    <a:lnT w="12700" cap="flat" cmpd="sng" algn="ctr">
+                      <a:solidFill>
+                        <a:schemeClr val="bg1">
+                          <a:lumMod val="65000"/>
+                        </a:schemeClr>
+                      </a:solidFill>
+                      <a:prstDash val="solid"/>
+                      <a:round/>
+                      <a:headEnd type="none" w="med" len="med"/>
+                      <a:tailEnd type="none" w="med" len="med"/>
+                    </a:lnT>
+                    <a:lnB w="12700" cap="flat" cmpd="sng" algn="ctr">
+                      <a:solidFill>
+                        <a:schemeClr val="bg1">
+                          <a:lumMod val="65000"/>
+                        </a:schemeClr>
+                      </a:solidFill>
+                      <a:prstDash val="solid"/>
+                      <a:round/>
+                      <a:headEnd type="none" w="med" len="med"/>
+                      <a:tailEnd type="none" w="med" len="med"/>
+                    </a:lnB>
+                    <a:noFill/>
+                  </a:tcPr>
+                </a:tc>
+                <a:extLst>
+                  <a:ext uri="{0D108BD9-81ED-4DB2-BD59-A6C34878D82A}">
+                    <a16:rowId xmlns:a16="http://schemas.microsoft.com/office/drawing/2014/main" val="1924402624"/>
+                  </a:ext>
+                </a:extLst>
+              </a:tr>
+              <a:tr h="548640">
+                <a:tc>
+                  <a:txBody>
+                    <a:bodyPr/>
+                    <a:lstStyle/>
+                    <a:p>
+                      <a:pPr>
+                        <a:lnSpc>
+                          <a:spcPct val="100000"/>
+                        </a:lnSpc>
+                        <a:spcAft>
+                          <a:spcPts val="0"/>
+                        </a:spcAft>
+                      </a:pPr>
+                      <a:r>
+                        <a:rPr lang="en-US" sz="2000" dirty="0">
+                          <a:solidFill>
+                            <a:schemeClr val="bg1">
+                              <a:lumMod val="65000"/>
+                            </a:schemeClr>
+                          </a:solidFill>
+                        </a:rPr>
+                        <a:t>Chapter Summary</a:t>
+                      </a:r>
+                    </a:p>
+                  </a:txBody>
+                  <a:tcPr anchor="ctr">
+                    <a:lnT w="12700" cap="flat" cmpd="sng" algn="ctr">
+                      <a:solidFill>
+                        <a:schemeClr val="bg1">
+                          <a:lumMod val="65000"/>
+                        </a:schemeClr>
+                      </a:solidFill>
+                      <a:prstDash val="solid"/>
+                      <a:round/>
+                      <a:headEnd type="none" w="med" len="med"/>
+                      <a:tailEnd type="none" w="med" len="med"/>
+                    </a:lnT>
+                    <a:lnB w="12700" cap="flat" cmpd="sng" algn="ctr">
+                      <a:solidFill>
+                        <a:schemeClr val="bg1">
+                          <a:lumMod val="65000"/>
+                        </a:schemeClr>
+                      </a:solidFill>
+                      <a:prstDash val="solid"/>
+                      <a:round/>
+                      <a:headEnd type="none" w="med" len="med"/>
+                      <a:tailEnd type="none" w="med" len="med"/>
+                    </a:lnB>
+                    <a:noFill/>
+                  </a:tcPr>
+                </a:tc>
+                <a:extLst>
+                  <a:ext uri="{0D108BD9-81ED-4DB2-BD59-A6C34878D82A}">
+                    <a16:rowId xmlns:a16="http://schemas.microsoft.com/office/drawing/2014/main" val="376303497"/>
+                  </a:ext>
+                </a:extLst>
+              </a:tr>
+            </a:tbl>
+          </a:graphicData>
+        </a:graphic>
+      </p:graphicFrame>
     </p:spTree>
     <p:extLst>
       <p:ext uri="{BB962C8B-B14F-4D97-AF65-F5344CB8AC3E}">
@@ -12415,24 +11982,9 @@
           <a:p>
             <a:r>
               <a:rPr lang="en-US" altLang="en-US" dirty="0"/>
-              <a:t>Please turn to the Exercise Manual and complete </a:t>
-            </a:r>
-            <a:r>
-              <a:rPr lang="en-US" altLang="en-US" b="1" dirty="0"/>
-              <a:t>Exercise 5.1: </a:t>
-            </a:r>
-            <a:br>
-              <a:rPr lang="en-US" altLang="en-US" b="1" dirty="0"/>
-            </a:br>
-            <a:r>
-              <a:rPr altLang="en-US" b="1" dirty="0"/>
-              <a:t>Working with </a:t>
-            </a:r>
-            <a:r>
-              <a:rPr lang="en-US" altLang="en-US" b="1" dirty="0"/>
-              <a:t>Matplotlib</a:t>
-            </a:r>
-            <a:endParaRPr altLang="en-US" b="1" dirty="0"/>
+              <a:t>Please turn to the Exercise Manual and complete Exercise 5.1</a:t>
+            </a:r>
+            <a:endParaRPr altLang="en-US" dirty="0"/>
           </a:p>
         </p:txBody>
       </p:sp>
@@ -12453,7 +12005,7 @@
           <a:p>
             <a:r>
               <a:rPr lang="en-US" altLang="en-US" dirty="0"/>
-              <a:t>Exercise 5.1</a:t>
+              <a:t>Exercise 5.1: Working with Matplotlib </a:t>
             </a:r>
           </a:p>
         </p:txBody>
@@ -12510,444 +12062,271 @@
           </a:p>
         </p:txBody>
       </p:sp>
-      <p:sp>
-        <p:nvSpPr>
-          <p:cNvPr id="10" name="Text Placeholder 2"/>
-          <p:cNvSpPr>
-            <a:spLocks noGrp="1"/>
-          </p:cNvSpPr>
+      <p:graphicFrame>
+        <p:nvGraphicFramePr>
+          <p:cNvPr id="9" name="Table 8">
+            <a:extLst>
+              <a:ext uri="{FF2B5EF4-FFF2-40B4-BE49-F238E27FC236}">
+                <a16:creationId xmlns:a16="http://schemas.microsoft.com/office/drawing/2014/main" id="{D0C31336-2D6F-4189-979E-2F010D4E7546}"/>
+              </a:ext>
+            </a:extLst>
+          </p:cNvPr>
+          <p:cNvGraphicFramePr>
+            <a:graphicFrameLocks noGrp="1"/>
+          </p:cNvGraphicFramePr>
           <p:nvPr>
-            <p:ph type="body" sz="quarter" idx="11"/>
+            <p:extLst>
+              <p:ext uri="{D42A27DB-BD31-4B8C-83A1-F6EECF244321}">
+                <p14:modId xmlns:p14="http://schemas.microsoft.com/office/powerpoint/2010/main" val="467461144"/>
+              </p:ext>
+            </p:extLst>
           </p:nvPr>
-        </p:nvSpPr>
-        <p:spPr>
-          <a:xfrm>
-            <a:off x="2499953" y="1585913"/>
-            <a:ext cx="5741988" cy="4102100"/>
-          </a:xfrm>
-        </p:spPr>
-        <p:txBody>
-          <a:bodyPr/>
-          <a:lstStyle/>
-          <a:p>
-            <a:pPr eaLnBrk="1" hangingPunct="1">
-              <a:spcAft>
-                <a:spcPts val="1200"/>
-              </a:spcAft>
-            </a:pPr>
-            <a:r>
-              <a:rPr lang="en-US" b="0" dirty="0"/>
-              <a:t>Introducing Matplotlib</a:t>
-            </a:r>
-            <a:r>
-              <a:rPr lang="en-GB" b="0" dirty="0"/>
-              <a:t> </a:t>
-            </a:r>
-          </a:p>
-          <a:p>
-            <a:pPr lvl="0">
-              <a:spcAft>
-                <a:spcPts val="1200"/>
-              </a:spcAft>
-            </a:pPr>
-            <a:r>
-              <a:rPr lang="en-US" b="0" dirty="0"/>
-              <a:t>Plotting Functions in Pandas</a:t>
-            </a:r>
-            <a:endParaRPr lang="en-GB" b="0" dirty="0"/>
-          </a:p>
-          <a:p>
-            <a:pPr lvl="0">
-              <a:spcAft>
-                <a:spcPts val="1200"/>
-              </a:spcAft>
-            </a:pPr>
-            <a:r>
-              <a:rPr lang="en-US" b="0" dirty="0"/>
-              <a:t>Python Visualization Tool Ecosystem</a:t>
-            </a:r>
-            <a:endParaRPr lang="en-GB" sz="2400" b="0" dirty="0"/>
-          </a:p>
-          <a:p>
-            <a:pPr lvl="1" eaLnBrk="1" hangingPunct="1">
-              <a:spcAft>
-                <a:spcPts val="1200"/>
-              </a:spcAft>
-            </a:pPr>
-            <a:r>
-              <a:rPr lang="en-US" altLang="en-US" b="1" dirty="0"/>
-              <a:t>Chapter Summary</a:t>
-            </a:r>
-          </a:p>
-        </p:txBody>
-      </p:sp>
-      <p:grpSp>
-        <p:nvGrpSpPr>
-          <p:cNvPr id="11" name="Group 10"/>
-          <p:cNvGrpSpPr/>
-          <p:nvPr/>
-        </p:nvGrpSpPr>
-        <p:grpSpPr>
-          <a:xfrm>
-            <a:off x="2071579" y="3744285"/>
-            <a:ext cx="410322" cy="377482"/>
-            <a:chOff x="1766887" y="1515010"/>
-            <a:chExt cx="741316" cy="700622"/>
-          </a:xfrm>
-          <a:solidFill>
-            <a:schemeClr val="accent4"/>
-          </a:solidFill>
-          <a:scene3d>
-            <a:camera prst="orthographicFront">
-              <a:rot lat="0" lon="0" rev="0"/>
-            </a:camera>
-            <a:lightRig rig="balanced" dir="t">
-              <a:rot lat="0" lon="0" rev="8700000"/>
-            </a:lightRig>
-          </a:scene3d>
-        </p:grpSpPr>
-        <p:sp>
-          <p:nvSpPr>
-            <p:cNvPr id="12" name="AutoShape 10"/>
-            <p:cNvSpPr>
-              <a:spLocks noChangeArrowheads="1"/>
-            </p:cNvSpPr>
-            <p:nvPr/>
-          </p:nvSpPr>
-          <p:spPr bwMode="black">
-            <a:xfrm rot="5400000">
-              <a:off x="1787234" y="1494663"/>
-              <a:ext cx="700622" cy="741316"/>
-            </a:xfrm>
-            <a:custGeom>
-              <a:avLst/>
-              <a:gdLst>
-                <a:gd name="connsiteX0" fmla="*/ 0 w 264955"/>
-                <a:gd name="connsiteY0" fmla="*/ 311498 h 311498"/>
-                <a:gd name="connsiteX1" fmla="*/ 132478 w 264955"/>
-                <a:gd name="connsiteY1" fmla="*/ 0 h 311498"/>
-                <a:gd name="connsiteX2" fmla="*/ 264955 w 264955"/>
-                <a:gd name="connsiteY2" fmla="*/ 311498 h 311498"/>
-                <a:gd name="connsiteX3" fmla="*/ 0 w 264955"/>
-                <a:gd name="connsiteY3" fmla="*/ 311498 h 311498"/>
-                <a:gd name="connsiteX0" fmla="*/ 0 w 264955"/>
-                <a:gd name="connsiteY0" fmla="*/ 311498 h 312908"/>
-                <a:gd name="connsiteX1" fmla="*/ 132478 w 264955"/>
-                <a:gd name="connsiteY1" fmla="*/ 0 h 312908"/>
-                <a:gd name="connsiteX2" fmla="*/ 264955 w 264955"/>
-                <a:gd name="connsiteY2" fmla="*/ 311498 h 312908"/>
-                <a:gd name="connsiteX3" fmla="*/ 124553 w 264955"/>
-                <a:gd name="connsiteY3" fmla="*/ 312908 h 312908"/>
-                <a:gd name="connsiteX4" fmla="*/ 0 w 264955"/>
-                <a:gd name="connsiteY4" fmla="*/ 311498 h 312908"/>
-                <a:gd name="connsiteX0" fmla="*/ 0 w 264955"/>
-                <a:gd name="connsiteY0" fmla="*/ 311498 h 311498"/>
-                <a:gd name="connsiteX1" fmla="*/ 132478 w 264955"/>
-                <a:gd name="connsiteY1" fmla="*/ 0 h 311498"/>
-                <a:gd name="connsiteX2" fmla="*/ 264955 w 264955"/>
-                <a:gd name="connsiteY2" fmla="*/ 311498 h 311498"/>
-                <a:gd name="connsiteX3" fmla="*/ 138844 w 264955"/>
-                <a:gd name="connsiteY3" fmla="*/ 253377 h 311498"/>
-                <a:gd name="connsiteX4" fmla="*/ 0 w 264955"/>
-                <a:gd name="connsiteY4" fmla="*/ 311498 h 311498"/>
-              </a:gdLst>
-              <a:ahLst/>
-              <a:cxnLst>
-                <a:cxn ang="0">
-                  <a:pos x="connsiteX0" y="connsiteY0"/>
-                </a:cxn>
-                <a:cxn ang="0">
-                  <a:pos x="connsiteX1" y="connsiteY1"/>
-                </a:cxn>
-                <a:cxn ang="0">
-                  <a:pos x="connsiteX2" y="connsiteY2"/>
-                </a:cxn>
-                <a:cxn ang="0">
-                  <a:pos x="connsiteX3" y="connsiteY3"/>
-                </a:cxn>
-                <a:cxn ang="0">
-                  <a:pos x="connsiteX4" y="connsiteY4"/>
-                </a:cxn>
-              </a:cxnLst>
-              <a:rect l="l" t="t" r="r" b="b"/>
-              <a:pathLst>
-                <a:path w="264955" h="311498">
-                  <a:moveTo>
-                    <a:pt x="0" y="311498"/>
-                  </a:moveTo>
-                  <a:lnTo>
-                    <a:pt x="132478" y="0"/>
-                  </a:lnTo>
-                  <a:lnTo>
-                    <a:pt x="264955" y="311498"/>
-                  </a:lnTo>
-                  <a:lnTo>
-                    <a:pt x="138844" y="253377"/>
-                  </a:lnTo>
-                  <a:lnTo>
-                    <a:pt x="0" y="311498"/>
-                  </a:lnTo>
-                  <a:close/>
-                </a:path>
-              </a:pathLst>
-            </a:custGeom>
-            <a:grpFill/>
-            <a:ln w="19050">
-              <a:noFill/>
-              <a:miter lim="800000"/>
-              <a:headEnd/>
-              <a:tailEnd/>
-            </a:ln>
-            <a:effectLst>
-              <a:outerShdw blurRad="44450" dist="27940" dir="5400000" algn="ctr">
-                <a:srgbClr val="000000">
-                  <a:alpha val="32000"/>
-                </a:srgbClr>
-              </a:outerShdw>
-            </a:effectLst>
-            <a:sp3d>
-              <a:bevelT w="190500" h="38100"/>
-            </a:sp3d>
-          </p:spPr>
-          <p:txBody>
-            <a:bodyPr rot="10800000" vert="eaVert" wrap="none" anchor="ctr"/>
-            <a:lstStyle/>
-            <a:p>
-              <a:pPr>
-                <a:defRPr/>
-              </a:pPr>
-              <a:endParaRPr lang="en-GB" dirty="0">
-                <a:solidFill>
-                  <a:schemeClr val="accent6"/>
-                </a:solidFill>
-                <a:ea typeface="+mn-ea"/>
-              </a:endParaRPr>
-            </a:p>
-          </p:txBody>
-        </p:sp>
-        <p:sp>
-          <p:nvSpPr>
-            <p:cNvPr id="14" name="Freeform 11"/>
-            <p:cNvSpPr>
-              <a:spLocks/>
-            </p:cNvSpPr>
-            <p:nvPr/>
-          </p:nvSpPr>
-          <p:spPr bwMode="hidden">
-            <a:xfrm>
-              <a:off x="1802606" y="1545430"/>
-              <a:ext cx="701117" cy="344477"/>
-            </a:xfrm>
-            <a:custGeom>
-              <a:avLst/>
-              <a:gdLst>
-                <a:gd name="T0" fmla="*/ 0 w 245"/>
-                <a:gd name="T1" fmla="*/ 0 h 158"/>
-                <a:gd name="T2" fmla="*/ 245 w 245"/>
-                <a:gd name="T3" fmla="*/ 146 h 158"/>
-                <a:gd name="T4" fmla="*/ 226 w 245"/>
-                <a:gd name="T5" fmla="*/ 158 h 158"/>
-                <a:gd name="T6" fmla="*/ 0 w 245"/>
-                <a:gd name="T7" fmla="*/ 23 h 158"/>
-                <a:gd name="T8" fmla="*/ 0 w 245"/>
-                <a:gd name="T9" fmla="*/ 0 h 158"/>
-                <a:gd name="T10" fmla="*/ 0 60000 65536"/>
-                <a:gd name="T11" fmla="*/ 0 60000 65536"/>
-                <a:gd name="T12" fmla="*/ 0 60000 65536"/>
-                <a:gd name="T13" fmla="*/ 0 60000 65536"/>
-                <a:gd name="T14" fmla="*/ 0 60000 65536"/>
-                <a:gd name="T15" fmla="*/ 0 w 245"/>
-                <a:gd name="T16" fmla="*/ 0 h 158"/>
-                <a:gd name="T17" fmla="*/ 245 w 245"/>
-                <a:gd name="T18" fmla="*/ 158 h 158"/>
-              </a:gdLst>
-              <a:ahLst/>
-              <a:cxnLst>
-                <a:cxn ang="T10">
-                  <a:pos x="T0" y="T1"/>
-                </a:cxn>
-                <a:cxn ang="T11">
-                  <a:pos x="T2" y="T3"/>
-                </a:cxn>
-                <a:cxn ang="T12">
-                  <a:pos x="T4" y="T5"/>
-                </a:cxn>
-                <a:cxn ang="T13">
-                  <a:pos x="T6" y="T7"/>
-                </a:cxn>
-                <a:cxn ang="T14">
-                  <a:pos x="T8" y="T9"/>
-                </a:cxn>
-              </a:cxnLst>
-              <a:rect l="T15" t="T16" r="T17" b="T18"/>
-              <a:pathLst>
-                <a:path w="245" h="158">
-                  <a:moveTo>
-                    <a:pt x="0" y="0"/>
-                  </a:moveTo>
-                  <a:lnTo>
-                    <a:pt x="245" y="146"/>
-                  </a:lnTo>
-                  <a:lnTo>
-                    <a:pt x="226" y="158"/>
-                  </a:lnTo>
-                  <a:lnTo>
-                    <a:pt x="0" y="23"/>
-                  </a:lnTo>
-                  <a:lnTo>
-                    <a:pt x="0" y="0"/>
-                  </a:lnTo>
-                  <a:close/>
-                </a:path>
-              </a:pathLst>
-            </a:custGeom>
-            <a:grpFill/>
-            <a:ln w="28575" cap="flat" cmpd="sng">
-              <a:noFill/>
-              <a:prstDash val="solid"/>
-              <a:round/>
-              <a:headEnd type="none" w="med" len="med"/>
-              <a:tailEnd type="none" w="med" len="med"/>
-            </a:ln>
-            <a:effectLst>
-              <a:outerShdw blurRad="44450" dist="27940" dir="5400000" algn="ctr">
-                <a:srgbClr val="000000">
-                  <a:alpha val="32000"/>
-                </a:srgbClr>
-              </a:outerShdw>
-            </a:effectLst>
-            <a:sp3d>
-              <a:bevelT w="190500" h="38100"/>
-            </a:sp3d>
-          </p:spPr>
-          <p:txBody>
-            <a:bodyPr/>
-            <a:lstStyle/>
-            <a:p>
-              <a:pPr>
-                <a:defRPr/>
-              </a:pPr>
-              <a:endParaRPr lang="en-US" dirty="0">
-                <a:solidFill>
-                  <a:schemeClr val="accent6"/>
-                </a:solidFill>
-                <a:ea typeface="+mn-ea"/>
-              </a:endParaRPr>
-            </a:p>
-          </p:txBody>
-        </p:sp>
-        <p:sp>
-          <p:nvSpPr>
-            <p:cNvPr id="15" name="Freeform 12"/>
-            <p:cNvSpPr>
-              <a:spLocks/>
-            </p:cNvSpPr>
-            <p:nvPr/>
-          </p:nvSpPr>
-          <p:spPr bwMode="hidden">
-            <a:xfrm>
-              <a:off x="1797843" y="1840589"/>
-              <a:ext cx="710079" cy="357304"/>
-            </a:xfrm>
-            <a:custGeom>
-              <a:avLst/>
-              <a:gdLst>
-                <a:gd name="T0" fmla="*/ 248 w 248"/>
-                <a:gd name="T1" fmla="*/ 12 h 156"/>
-                <a:gd name="T2" fmla="*/ 0 w 248"/>
-                <a:gd name="T3" fmla="*/ 156 h 156"/>
-                <a:gd name="T4" fmla="*/ 3 w 248"/>
-                <a:gd name="T5" fmla="*/ 131 h 156"/>
-                <a:gd name="T6" fmla="*/ 229 w 248"/>
-                <a:gd name="T7" fmla="*/ 0 h 156"/>
-                <a:gd name="T8" fmla="*/ 248 w 248"/>
-                <a:gd name="T9" fmla="*/ 12 h 156"/>
-                <a:gd name="T10" fmla="*/ 0 60000 65536"/>
-                <a:gd name="T11" fmla="*/ 0 60000 65536"/>
-                <a:gd name="T12" fmla="*/ 0 60000 65536"/>
-                <a:gd name="T13" fmla="*/ 0 60000 65536"/>
-                <a:gd name="T14" fmla="*/ 0 60000 65536"/>
-                <a:gd name="T15" fmla="*/ 0 w 248"/>
-                <a:gd name="T16" fmla="*/ 0 h 156"/>
-                <a:gd name="T17" fmla="*/ 248 w 248"/>
-                <a:gd name="T18" fmla="*/ 156 h 156"/>
-              </a:gdLst>
-              <a:ahLst/>
-              <a:cxnLst>
-                <a:cxn ang="T10">
-                  <a:pos x="T0" y="T1"/>
-                </a:cxn>
-                <a:cxn ang="T11">
-                  <a:pos x="T2" y="T3"/>
-                </a:cxn>
-                <a:cxn ang="T12">
-                  <a:pos x="T4" y="T5"/>
-                </a:cxn>
-                <a:cxn ang="T13">
-                  <a:pos x="T6" y="T7"/>
-                </a:cxn>
-                <a:cxn ang="T14">
-                  <a:pos x="T8" y="T9"/>
-                </a:cxn>
-              </a:cxnLst>
-              <a:rect l="T15" t="T16" r="T17" b="T18"/>
-              <a:pathLst>
-                <a:path w="248" h="156">
-                  <a:moveTo>
-                    <a:pt x="248" y="12"/>
-                  </a:moveTo>
-                  <a:lnTo>
-                    <a:pt x="0" y="156"/>
-                  </a:lnTo>
-                  <a:lnTo>
-                    <a:pt x="3" y="131"/>
-                  </a:lnTo>
-                  <a:lnTo>
-                    <a:pt x="229" y="0"/>
-                  </a:lnTo>
-                  <a:lnTo>
-                    <a:pt x="248" y="12"/>
-                  </a:lnTo>
-                  <a:close/>
-                </a:path>
-              </a:pathLst>
-            </a:custGeom>
-            <a:grpFill/>
-            <a:ln w="28575" cap="flat" cmpd="sng">
-              <a:noFill/>
-              <a:prstDash val="solid"/>
-              <a:round/>
-              <a:headEnd type="none" w="med" len="med"/>
-              <a:tailEnd type="none" w="med" len="med"/>
-            </a:ln>
-            <a:effectLst>
-              <a:outerShdw blurRad="44450" dist="27940" dir="5400000" algn="ctr">
-                <a:srgbClr val="000000">
-                  <a:alpha val="32000"/>
-                </a:srgbClr>
-              </a:outerShdw>
-            </a:effectLst>
-            <a:sp3d>
-              <a:bevelT w="190500" h="38100"/>
-            </a:sp3d>
-          </p:spPr>
-          <p:txBody>
-            <a:bodyPr/>
-            <a:lstStyle/>
-            <a:p>
-              <a:pPr>
-                <a:defRPr/>
-              </a:pPr>
-              <a:endParaRPr lang="en-US" dirty="0">
-                <a:solidFill>
-                  <a:schemeClr val="accent6"/>
-                </a:solidFill>
-                <a:ea typeface="+mn-ea"/>
-              </a:endParaRPr>
-            </a:p>
-          </p:txBody>
-        </p:sp>
-      </p:grpSp>
+        </p:nvGraphicFramePr>
+        <p:xfrm>
+          <a:off x="2061972" y="1447543"/>
+          <a:ext cx="5020056" cy="2194560"/>
+        </p:xfrm>
+        <a:graphic>
+          <a:graphicData uri="http://schemas.openxmlformats.org/drawingml/2006/table">
+            <a:tbl>
+              <a:tblPr>
+                <a:tableStyleId>{00A15C55-8517-42AA-B614-E9B94910E393}</a:tableStyleId>
+              </a:tblPr>
+              <a:tblGrid>
+                <a:gridCol w="5020056">
+                  <a:extLst>
+                    <a:ext uri="{9D8B030D-6E8A-4147-A177-3AD203B41FA5}">
+                      <a16:colId xmlns:a16="http://schemas.microsoft.com/office/drawing/2014/main" val="1695728431"/>
+                    </a:ext>
+                  </a:extLst>
+                </a:gridCol>
+              </a:tblGrid>
+              <a:tr h="548640">
+                <a:tc>
+                  <a:txBody>
+                    <a:bodyPr/>
+                    <a:lstStyle/>
+                    <a:p>
+                      <a:pPr>
+                        <a:lnSpc>
+                          <a:spcPct val="100000"/>
+                        </a:lnSpc>
+                        <a:spcAft>
+                          <a:spcPts val="0"/>
+                        </a:spcAft>
+                      </a:pPr>
+                      <a:r>
+                        <a:rPr lang="en-US" sz="2000" b="0" dirty="0">
+                          <a:solidFill>
+                            <a:schemeClr val="bg1">
+                              <a:lumMod val="65000"/>
+                            </a:schemeClr>
+                          </a:solidFill>
+                        </a:rPr>
+                        <a:t>Introducing Matplotlib </a:t>
+                      </a:r>
+                    </a:p>
+                  </a:txBody>
+                  <a:tcPr anchor="ctr">
+                    <a:lnB w="12700" cap="flat" cmpd="sng" algn="ctr">
+                      <a:solidFill>
+                        <a:schemeClr val="bg1">
+                          <a:lumMod val="65000"/>
+                        </a:schemeClr>
+                      </a:solidFill>
+                      <a:prstDash val="solid"/>
+                      <a:round/>
+                      <a:headEnd type="none" w="med" len="med"/>
+                      <a:tailEnd type="none" w="med" len="med"/>
+                    </a:lnB>
+                    <a:noFill/>
+                  </a:tcPr>
+                </a:tc>
+                <a:extLst>
+                  <a:ext uri="{0D108BD9-81ED-4DB2-BD59-A6C34878D82A}">
+                    <a16:rowId xmlns:a16="http://schemas.microsoft.com/office/drawing/2014/main" val="2307098774"/>
+                  </a:ext>
+                </a:extLst>
+              </a:tr>
+              <a:tr h="548640">
+                <a:tc>
+                  <a:txBody>
+                    <a:bodyPr/>
+                    <a:lstStyle/>
+                    <a:p>
+                      <a:pPr>
+                        <a:lnSpc>
+                          <a:spcPct val="100000"/>
+                        </a:lnSpc>
+                        <a:spcAft>
+                          <a:spcPts val="0"/>
+                        </a:spcAft>
+                      </a:pPr>
+                      <a:r>
+                        <a:rPr lang="en-US" sz="2000" dirty="0">
+                          <a:solidFill>
+                            <a:schemeClr val="bg1">
+                              <a:lumMod val="65000"/>
+                            </a:schemeClr>
+                          </a:solidFill>
+                        </a:rPr>
+                        <a:t>Plotting Functions in Pandas</a:t>
+                      </a:r>
+                    </a:p>
+                  </a:txBody>
+                  <a:tcPr anchor="ctr">
+                    <a:lnT w="12700" cap="flat" cmpd="sng" algn="ctr">
+                      <a:solidFill>
+                        <a:schemeClr val="bg1">
+                          <a:lumMod val="65000"/>
+                        </a:schemeClr>
+                      </a:solidFill>
+                      <a:prstDash val="solid"/>
+                      <a:round/>
+                      <a:headEnd type="none" w="med" len="med"/>
+                      <a:tailEnd type="none" w="med" len="med"/>
+                    </a:lnT>
+                    <a:lnB w="12700" cap="flat" cmpd="sng" algn="ctr">
+                      <a:solidFill>
+                        <a:schemeClr val="bg1">
+                          <a:lumMod val="65000"/>
+                        </a:schemeClr>
+                      </a:solidFill>
+                      <a:prstDash val="solid"/>
+                      <a:round/>
+                      <a:headEnd type="none" w="med" len="med"/>
+                      <a:tailEnd type="none" w="med" len="med"/>
+                    </a:lnB>
+                    <a:noFill/>
+                  </a:tcPr>
+                </a:tc>
+                <a:extLst>
+                  <a:ext uri="{0D108BD9-81ED-4DB2-BD59-A6C34878D82A}">
+                    <a16:rowId xmlns:a16="http://schemas.microsoft.com/office/drawing/2014/main" val="1466711860"/>
+                  </a:ext>
+                </a:extLst>
+              </a:tr>
+              <a:tr h="548640">
+                <a:tc>
+                  <a:txBody>
+                    <a:bodyPr/>
+                    <a:lstStyle/>
+                    <a:p>
+                      <a:pPr>
+                        <a:lnSpc>
+                          <a:spcPct val="100000"/>
+                        </a:lnSpc>
+                        <a:spcAft>
+                          <a:spcPts val="0"/>
+                        </a:spcAft>
+                      </a:pPr>
+                      <a:r>
+                        <a:rPr lang="en-US" sz="2000" kern="1200" dirty="0">
+                          <a:solidFill>
+                            <a:schemeClr val="bg1">
+                              <a:lumMod val="65000"/>
+                            </a:schemeClr>
+                          </a:solidFill>
+                          <a:latin typeface="+mn-lt"/>
+                          <a:ea typeface="+mn-ea"/>
+                          <a:cs typeface="+mn-cs"/>
+                        </a:rPr>
+                        <a:t>Python Visualization Tool Ecosystem</a:t>
+                      </a:r>
+                    </a:p>
+                  </a:txBody>
+                  <a:tcPr anchor="ctr">
+                    <a:lnT w="12700" cap="flat" cmpd="sng" algn="ctr">
+                      <a:solidFill>
+                        <a:schemeClr val="bg1">
+                          <a:lumMod val="65000"/>
+                        </a:schemeClr>
+                      </a:solidFill>
+                      <a:prstDash val="solid"/>
+                      <a:round/>
+                      <a:headEnd type="none" w="med" len="med"/>
+                      <a:tailEnd type="none" w="med" len="med"/>
+                    </a:lnT>
+                    <a:lnB w="12700" cap="flat" cmpd="sng" algn="ctr">
+                      <a:solidFill>
+                        <a:schemeClr val="bg1">
+                          <a:lumMod val="65000"/>
+                        </a:schemeClr>
+                      </a:solidFill>
+                      <a:prstDash val="solid"/>
+                      <a:round/>
+                      <a:headEnd type="none" w="med" len="med"/>
+                      <a:tailEnd type="none" w="med" len="med"/>
+                    </a:lnB>
+                    <a:noFill/>
+                  </a:tcPr>
+                </a:tc>
+                <a:extLst>
+                  <a:ext uri="{0D108BD9-81ED-4DB2-BD59-A6C34878D82A}">
+                    <a16:rowId xmlns:a16="http://schemas.microsoft.com/office/drawing/2014/main" val="1924402624"/>
+                  </a:ext>
+                </a:extLst>
+              </a:tr>
+              <a:tr h="548640">
+                <a:tc>
+                  <a:txBody>
+                    <a:bodyPr/>
+                    <a:lstStyle/>
+                    <a:p>
+                      <a:pPr>
+                        <a:lnSpc>
+                          <a:spcPct val="100000"/>
+                        </a:lnSpc>
+                        <a:spcAft>
+                          <a:spcPts val="0"/>
+                        </a:spcAft>
+                      </a:pPr>
+                      <a:r>
+                        <a:rPr lang="en-US" sz="2000" b="1" dirty="0">
+                          <a:solidFill>
+                            <a:schemeClr val="tx1"/>
+                          </a:solidFill>
+                        </a:rPr>
+                        <a:t>Chapter Summary</a:t>
+                      </a:r>
+                    </a:p>
+                  </a:txBody>
+                  <a:tcPr anchor="ctr">
+                    <a:lnT w="12700" cap="flat" cmpd="sng" algn="ctr">
+                      <a:solidFill>
+                        <a:schemeClr val="bg1">
+                          <a:lumMod val="65000"/>
+                        </a:schemeClr>
+                      </a:solidFill>
+                      <a:prstDash val="solid"/>
+                      <a:round/>
+                      <a:headEnd type="none" w="med" len="med"/>
+                      <a:tailEnd type="none" w="med" len="med"/>
+                    </a:lnT>
+                    <a:lnB w="12700" cap="flat" cmpd="sng" algn="ctr">
+                      <a:solidFill>
+                        <a:schemeClr val="bg1">
+                          <a:lumMod val="65000"/>
+                        </a:schemeClr>
+                      </a:solidFill>
+                      <a:prstDash val="solid"/>
+                      <a:round/>
+                      <a:headEnd type="none" w="med" len="med"/>
+                      <a:tailEnd type="none" w="med" len="med"/>
+                    </a:lnB>
+                    <a:noFill/>
+                  </a:tcPr>
+                </a:tc>
+                <a:extLst>
+                  <a:ext uri="{0D108BD9-81ED-4DB2-BD59-A6C34878D82A}">
+                    <a16:rowId xmlns:a16="http://schemas.microsoft.com/office/drawing/2014/main" val="376303497"/>
+                  </a:ext>
+                </a:extLst>
+              </a:tr>
+            </a:tbl>
+          </a:graphicData>
+        </a:graphic>
+      </p:graphicFrame>
     </p:spTree>
     <p:extLst>
       <p:ext uri="{BB962C8B-B14F-4D97-AF65-F5344CB8AC3E}">
@@ -13107,444 +12486,271 @@
           </a:p>
         </p:txBody>
       </p:sp>
-      <p:sp>
-        <p:nvSpPr>
-          <p:cNvPr id="14339" name="Text Placeholder 2"/>
-          <p:cNvSpPr>
-            <a:spLocks noGrp="1"/>
-          </p:cNvSpPr>
+      <p:graphicFrame>
+        <p:nvGraphicFramePr>
+          <p:cNvPr id="10" name="Table 9">
+            <a:extLst>
+              <a:ext uri="{FF2B5EF4-FFF2-40B4-BE49-F238E27FC236}">
+                <a16:creationId xmlns:a16="http://schemas.microsoft.com/office/drawing/2014/main" id="{1E93D692-2D04-4636-9B0E-D1EA92E026DC}"/>
+              </a:ext>
+            </a:extLst>
+          </p:cNvPr>
+          <p:cNvGraphicFramePr>
+            <a:graphicFrameLocks noGrp="1"/>
+          </p:cNvGraphicFramePr>
           <p:nvPr>
-            <p:ph type="body" sz="quarter" idx="11"/>
+            <p:extLst>
+              <p:ext uri="{D42A27DB-BD31-4B8C-83A1-F6EECF244321}">
+                <p14:modId xmlns:p14="http://schemas.microsoft.com/office/powerpoint/2010/main" val="4147278864"/>
+              </p:ext>
+            </p:extLst>
           </p:nvPr>
-        </p:nvSpPr>
-        <p:spPr>
-          <a:xfrm>
-            <a:off x="2499953" y="1585913"/>
-            <a:ext cx="5741988" cy="4102100"/>
-          </a:xfrm>
-        </p:spPr>
-        <p:txBody>
-          <a:bodyPr/>
-          <a:lstStyle/>
-          <a:p>
-            <a:pPr eaLnBrk="1" hangingPunct="1">
-              <a:spcAft>
-                <a:spcPts val="1200"/>
-              </a:spcAft>
-            </a:pPr>
-            <a:r>
-              <a:rPr lang="en-US" dirty="0"/>
-              <a:t>Introducing Matplotlib</a:t>
-            </a:r>
-            <a:r>
-              <a:rPr lang="en-GB" dirty="0"/>
-              <a:t> </a:t>
-            </a:r>
-          </a:p>
-          <a:p>
-            <a:pPr lvl="0">
-              <a:spcAft>
-                <a:spcPts val="1200"/>
-              </a:spcAft>
-            </a:pPr>
-            <a:r>
-              <a:rPr lang="en-US" b="0" dirty="0"/>
-              <a:t>Plotting Functions in Pandas</a:t>
-            </a:r>
-            <a:endParaRPr lang="en-GB" b="0" dirty="0"/>
-          </a:p>
-          <a:p>
-            <a:pPr lvl="0">
-              <a:spcAft>
-                <a:spcPts val="1200"/>
-              </a:spcAft>
-            </a:pPr>
-            <a:r>
-              <a:rPr lang="en-US" b="0" dirty="0"/>
-              <a:t>Python Visualization Tool Ecosystem</a:t>
-            </a:r>
-            <a:endParaRPr lang="en-GB" sz="2400" b="0" dirty="0"/>
-          </a:p>
-          <a:p>
-            <a:pPr lvl="1" eaLnBrk="1" hangingPunct="1">
-              <a:spcAft>
-                <a:spcPts val="1200"/>
-              </a:spcAft>
-            </a:pPr>
-            <a:r>
-              <a:rPr lang="en-US" altLang="en-US" dirty="0"/>
-              <a:t>Chapter Summary</a:t>
-            </a:r>
-          </a:p>
-        </p:txBody>
-      </p:sp>
-      <p:grpSp>
-        <p:nvGrpSpPr>
-          <p:cNvPr id="13" name="Group 12"/>
-          <p:cNvGrpSpPr/>
-          <p:nvPr/>
-        </p:nvGrpSpPr>
-        <p:grpSpPr>
-          <a:xfrm>
-            <a:off x="2071579" y="1698200"/>
-            <a:ext cx="410322" cy="377482"/>
-            <a:chOff x="1766887" y="1515010"/>
-            <a:chExt cx="741316" cy="700622"/>
-          </a:xfrm>
-          <a:solidFill>
-            <a:schemeClr val="accent4"/>
-          </a:solidFill>
-          <a:scene3d>
-            <a:camera prst="orthographicFront">
-              <a:rot lat="0" lon="0" rev="0"/>
-            </a:camera>
-            <a:lightRig rig="balanced" dir="t">
-              <a:rot lat="0" lon="0" rev="8700000"/>
-            </a:lightRig>
-          </a:scene3d>
-        </p:grpSpPr>
-        <p:sp>
-          <p:nvSpPr>
-            <p:cNvPr id="16" name="AutoShape 10"/>
-            <p:cNvSpPr>
-              <a:spLocks noChangeArrowheads="1"/>
-            </p:cNvSpPr>
-            <p:nvPr/>
-          </p:nvSpPr>
-          <p:spPr bwMode="black">
-            <a:xfrm rot="5400000">
-              <a:off x="1787234" y="1494663"/>
-              <a:ext cx="700622" cy="741316"/>
-            </a:xfrm>
-            <a:custGeom>
-              <a:avLst/>
-              <a:gdLst>
-                <a:gd name="connsiteX0" fmla="*/ 0 w 264955"/>
-                <a:gd name="connsiteY0" fmla="*/ 311498 h 311498"/>
-                <a:gd name="connsiteX1" fmla="*/ 132478 w 264955"/>
-                <a:gd name="connsiteY1" fmla="*/ 0 h 311498"/>
-                <a:gd name="connsiteX2" fmla="*/ 264955 w 264955"/>
-                <a:gd name="connsiteY2" fmla="*/ 311498 h 311498"/>
-                <a:gd name="connsiteX3" fmla="*/ 0 w 264955"/>
-                <a:gd name="connsiteY3" fmla="*/ 311498 h 311498"/>
-                <a:gd name="connsiteX0" fmla="*/ 0 w 264955"/>
-                <a:gd name="connsiteY0" fmla="*/ 311498 h 312908"/>
-                <a:gd name="connsiteX1" fmla="*/ 132478 w 264955"/>
-                <a:gd name="connsiteY1" fmla="*/ 0 h 312908"/>
-                <a:gd name="connsiteX2" fmla="*/ 264955 w 264955"/>
-                <a:gd name="connsiteY2" fmla="*/ 311498 h 312908"/>
-                <a:gd name="connsiteX3" fmla="*/ 124553 w 264955"/>
-                <a:gd name="connsiteY3" fmla="*/ 312908 h 312908"/>
-                <a:gd name="connsiteX4" fmla="*/ 0 w 264955"/>
-                <a:gd name="connsiteY4" fmla="*/ 311498 h 312908"/>
-                <a:gd name="connsiteX0" fmla="*/ 0 w 264955"/>
-                <a:gd name="connsiteY0" fmla="*/ 311498 h 311498"/>
-                <a:gd name="connsiteX1" fmla="*/ 132478 w 264955"/>
-                <a:gd name="connsiteY1" fmla="*/ 0 h 311498"/>
-                <a:gd name="connsiteX2" fmla="*/ 264955 w 264955"/>
-                <a:gd name="connsiteY2" fmla="*/ 311498 h 311498"/>
-                <a:gd name="connsiteX3" fmla="*/ 138844 w 264955"/>
-                <a:gd name="connsiteY3" fmla="*/ 253377 h 311498"/>
-                <a:gd name="connsiteX4" fmla="*/ 0 w 264955"/>
-                <a:gd name="connsiteY4" fmla="*/ 311498 h 311498"/>
-              </a:gdLst>
-              <a:ahLst/>
-              <a:cxnLst>
-                <a:cxn ang="0">
-                  <a:pos x="connsiteX0" y="connsiteY0"/>
-                </a:cxn>
-                <a:cxn ang="0">
-                  <a:pos x="connsiteX1" y="connsiteY1"/>
-                </a:cxn>
-                <a:cxn ang="0">
-                  <a:pos x="connsiteX2" y="connsiteY2"/>
-                </a:cxn>
-                <a:cxn ang="0">
-                  <a:pos x="connsiteX3" y="connsiteY3"/>
-                </a:cxn>
-                <a:cxn ang="0">
-                  <a:pos x="connsiteX4" y="connsiteY4"/>
-                </a:cxn>
-              </a:cxnLst>
-              <a:rect l="l" t="t" r="r" b="b"/>
-              <a:pathLst>
-                <a:path w="264955" h="311498">
-                  <a:moveTo>
-                    <a:pt x="0" y="311498"/>
-                  </a:moveTo>
-                  <a:lnTo>
-                    <a:pt x="132478" y="0"/>
-                  </a:lnTo>
-                  <a:lnTo>
-                    <a:pt x="264955" y="311498"/>
-                  </a:lnTo>
-                  <a:lnTo>
-                    <a:pt x="138844" y="253377"/>
-                  </a:lnTo>
-                  <a:lnTo>
-                    <a:pt x="0" y="311498"/>
-                  </a:lnTo>
-                  <a:close/>
-                </a:path>
-              </a:pathLst>
-            </a:custGeom>
-            <a:grpFill/>
-            <a:ln w="19050">
-              <a:noFill/>
-              <a:miter lim="800000"/>
-              <a:headEnd/>
-              <a:tailEnd/>
-            </a:ln>
-            <a:effectLst>
-              <a:outerShdw blurRad="44450" dist="27940" dir="5400000" algn="ctr">
-                <a:srgbClr val="000000">
-                  <a:alpha val="32000"/>
-                </a:srgbClr>
-              </a:outerShdw>
-            </a:effectLst>
-            <a:sp3d>
-              <a:bevelT w="190500" h="38100"/>
-            </a:sp3d>
-          </p:spPr>
-          <p:txBody>
-            <a:bodyPr rot="10800000" vert="eaVert" wrap="none" anchor="ctr"/>
-            <a:lstStyle/>
-            <a:p>
-              <a:pPr>
-                <a:defRPr/>
-              </a:pPr>
-              <a:endParaRPr lang="en-GB" dirty="0">
-                <a:solidFill>
-                  <a:schemeClr val="accent6"/>
-                </a:solidFill>
-                <a:ea typeface="+mn-ea"/>
-              </a:endParaRPr>
-            </a:p>
-          </p:txBody>
-        </p:sp>
-        <p:sp>
-          <p:nvSpPr>
-            <p:cNvPr id="17" name="Freeform 11"/>
-            <p:cNvSpPr>
-              <a:spLocks/>
-            </p:cNvSpPr>
-            <p:nvPr/>
-          </p:nvSpPr>
-          <p:spPr bwMode="hidden">
-            <a:xfrm>
-              <a:off x="1802606" y="1545430"/>
-              <a:ext cx="701117" cy="344477"/>
-            </a:xfrm>
-            <a:custGeom>
-              <a:avLst/>
-              <a:gdLst>
-                <a:gd name="T0" fmla="*/ 0 w 245"/>
-                <a:gd name="T1" fmla="*/ 0 h 158"/>
-                <a:gd name="T2" fmla="*/ 245 w 245"/>
-                <a:gd name="T3" fmla="*/ 146 h 158"/>
-                <a:gd name="T4" fmla="*/ 226 w 245"/>
-                <a:gd name="T5" fmla="*/ 158 h 158"/>
-                <a:gd name="T6" fmla="*/ 0 w 245"/>
-                <a:gd name="T7" fmla="*/ 23 h 158"/>
-                <a:gd name="T8" fmla="*/ 0 w 245"/>
-                <a:gd name="T9" fmla="*/ 0 h 158"/>
-                <a:gd name="T10" fmla="*/ 0 60000 65536"/>
-                <a:gd name="T11" fmla="*/ 0 60000 65536"/>
-                <a:gd name="T12" fmla="*/ 0 60000 65536"/>
-                <a:gd name="T13" fmla="*/ 0 60000 65536"/>
-                <a:gd name="T14" fmla="*/ 0 60000 65536"/>
-                <a:gd name="T15" fmla="*/ 0 w 245"/>
-                <a:gd name="T16" fmla="*/ 0 h 158"/>
-                <a:gd name="T17" fmla="*/ 245 w 245"/>
-                <a:gd name="T18" fmla="*/ 158 h 158"/>
-              </a:gdLst>
-              <a:ahLst/>
-              <a:cxnLst>
-                <a:cxn ang="T10">
-                  <a:pos x="T0" y="T1"/>
-                </a:cxn>
-                <a:cxn ang="T11">
-                  <a:pos x="T2" y="T3"/>
-                </a:cxn>
-                <a:cxn ang="T12">
-                  <a:pos x="T4" y="T5"/>
-                </a:cxn>
-                <a:cxn ang="T13">
-                  <a:pos x="T6" y="T7"/>
-                </a:cxn>
-                <a:cxn ang="T14">
-                  <a:pos x="T8" y="T9"/>
-                </a:cxn>
-              </a:cxnLst>
-              <a:rect l="T15" t="T16" r="T17" b="T18"/>
-              <a:pathLst>
-                <a:path w="245" h="158">
-                  <a:moveTo>
-                    <a:pt x="0" y="0"/>
-                  </a:moveTo>
-                  <a:lnTo>
-                    <a:pt x="245" y="146"/>
-                  </a:lnTo>
-                  <a:lnTo>
-                    <a:pt x="226" y="158"/>
-                  </a:lnTo>
-                  <a:lnTo>
-                    <a:pt x="0" y="23"/>
-                  </a:lnTo>
-                  <a:lnTo>
-                    <a:pt x="0" y="0"/>
-                  </a:lnTo>
-                  <a:close/>
-                </a:path>
-              </a:pathLst>
-            </a:custGeom>
-            <a:grpFill/>
-            <a:ln w="28575" cap="flat" cmpd="sng">
-              <a:noFill/>
-              <a:prstDash val="solid"/>
-              <a:round/>
-              <a:headEnd type="none" w="med" len="med"/>
-              <a:tailEnd type="none" w="med" len="med"/>
-            </a:ln>
-            <a:effectLst>
-              <a:outerShdw blurRad="44450" dist="27940" dir="5400000" algn="ctr">
-                <a:srgbClr val="000000">
-                  <a:alpha val="32000"/>
-                </a:srgbClr>
-              </a:outerShdw>
-            </a:effectLst>
-            <a:sp3d>
-              <a:bevelT w="190500" h="38100"/>
-            </a:sp3d>
-          </p:spPr>
-          <p:txBody>
-            <a:bodyPr/>
-            <a:lstStyle/>
-            <a:p>
-              <a:pPr>
-                <a:defRPr/>
-              </a:pPr>
-              <a:endParaRPr lang="en-US" dirty="0">
-                <a:solidFill>
-                  <a:schemeClr val="accent6"/>
-                </a:solidFill>
-                <a:ea typeface="+mn-ea"/>
-              </a:endParaRPr>
-            </a:p>
-          </p:txBody>
-        </p:sp>
-        <p:sp>
-          <p:nvSpPr>
-            <p:cNvPr id="18" name="Freeform 12"/>
-            <p:cNvSpPr>
-              <a:spLocks/>
-            </p:cNvSpPr>
-            <p:nvPr/>
-          </p:nvSpPr>
-          <p:spPr bwMode="hidden">
-            <a:xfrm>
-              <a:off x="1797843" y="1840589"/>
-              <a:ext cx="710079" cy="357304"/>
-            </a:xfrm>
-            <a:custGeom>
-              <a:avLst/>
-              <a:gdLst>
-                <a:gd name="T0" fmla="*/ 248 w 248"/>
-                <a:gd name="T1" fmla="*/ 12 h 156"/>
-                <a:gd name="T2" fmla="*/ 0 w 248"/>
-                <a:gd name="T3" fmla="*/ 156 h 156"/>
-                <a:gd name="T4" fmla="*/ 3 w 248"/>
-                <a:gd name="T5" fmla="*/ 131 h 156"/>
-                <a:gd name="T6" fmla="*/ 229 w 248"/>
-                <a:gd name="T7" fmla="*/ 0 h 156"/>
-                <a:gd name="T8" fmla="*/ 248 w 248"/>
-                <a:gd name="T9" fmla="*/ 12 h 156"/>
-                <a:gd name="T10" fmla="*/ 0 60000 65536"/>
-                <a:gd name="T11" fmla="*/ 0 60000 65536"/>
-                <a:gd name="T12" fmla="*/ 0 60000 65536"/>
-                <a:gd name="T13" fmla="*/ 0 60000 65536"/>
-                <a:gd name="T14" fmla="*/ 0 60000 65536"/>
-                <a:gd name="T15" fmla="*/ 0 w 248"/>
-                <a:gd name="T16" fmla="*/ 0 h 156"/>
-                <a:gd name="T17" fmla="*/ 248 w 248"/>
-                <a:gd name="T18" fmla="*/ 156 h 156"/>
-              </a:gdLst>
-              <a:ahLst/>
-              <a:cxnLst>
-                <a:cxn ang="T10">
-                  <a:pos x="T0" y="T1"/>
-                </a:cxn>
-                <a:cxn ang="T11">
-                  <a:pos x="T2" y="T3"/>
-                </a:cxn>
-                <a:cxn ang="T12">
-                  <a:pos x="T4" y="T5"/>
-                </a:cxn>
-                <a:cxn ang="T13">
-                  <a:pos x="T6" y="T7"/>
-                </a:cxn>
-                <a:cxn ang="T14">
-                  <a:pos x="T8" y="T9"/>
-                </a:cxn>
-              </a:cxnLst>
-              <a:rect l="T15" t="T16" r="T17" b="T18"/>
-              <a:pathLst>
-                <a:path w="248" h="156">
-                  <a:moveTo>
-                    <a:pt x="248" y="12"/>
-                  </a:moveTo>
-                  <a:lnTo>
-                    <a:pt x="0" y="156"/>
-                  </a:lnTo>
-                  <a:lnTo>
-                    <a:pt x="3" y="131"/>
-                  </a:lnTo>
-                  <a:lnTo>
-                    <a:pt x="229" y="0"/>
-                  </a:lnTo>
-                  <a:lnTo>
-                    <a:pt x="248" y="12"/>
-                  </a:lnTo>
-                  <a:close/>
-                </a:path>
-              </a:pathLst>
-            </a:custGeom>
-            <a:grpFill/>
-            <a:ln w="28575" cap="flat" cmpd="sng">
-              <a:noFill/>
-              <a:prstDash val="solid"/>
-              <a:round/>
-              <a:headEnd type="none" w="med" len="med"/>
-              <a:tailEnd type="none" w="med" len="med"/>
-            </a:ln>
-            <a:effectLst>
-              <a:outerShdw blurRad="44450" dist="27940" dir="5400000" algn="ctr">
-                <a:srgbClr val="000000">
-                  <a:alpha val="32000"/>
-                </a:srgbClr>
-              </a:outerShdw>
-            </a:effectLst>
-            <a:sp3d>
-              <a:bevelT w="190500" h="38100"/>
-            </a:sp3d>
-          </p:spPr>
-          <p:txBody>
-            <a:bodyPr/>
-            <a:lstStyle/>
-            <a:p>
-              <a:pPr>
-                <a:defRPr/>
-              </a:pPr>
-              <a:endParaRPr lang="en-US" dirty="0">
-                <a:solidFill>
-                  <a:schemeClr val="accent6"/>
-                </a:solidFill>
-                <a:ea typeface="+mn-ea"/>
-              </a:endParaRPr>
-            </a:p>
-          </p:txBody>
-        </p:sp>
-      </p:grpSp>
+        </p:nvGraphicFramePr>
+        <p:xfrm>
+          <a:off x="2061972" y="1447543"/>
+          <a:ext cx="5020056" cy="2194560"/>
+        </p:xfrm>
+        <a:graphic>
+          <a:graphicData uri="http://schemas.openxmlformats.org/drawingml/2006/table">
+            <a:tbl>
+              <a:tblPr>
+                <a:tableStyleId>{00A15C55-8517-42AA-B614-E9B94910E393}</a:tableStyleId>
+              </a:tblPr>
+              <a:tblGrid>
+                <a:gridCol w="5020056">
+                  <a:extLst>
+                    <a:ext uri="{9D8B030D-6E8A-4147-A177-3AD203B41FA5}">
+                      <a16:colId xmlns:a16="http://schemas.microsoft.com/office/drawing/2014/main" val="1695728431"/>
+                    </a:ext>
+                  </a:extLst>
+                </a:gridCol>
+              </a:tblGrid>
+              <a:tr h="548640">
+                <a:tc>
+                  <a:txBody>
+                    <a:bodyPr/>
+                    <a:lstStyle/>
+                    <a:p>
+                      <a:pPr>
+                        <a:lnSpc>
+                          <a:spcPct val="100000"/>
+                        </a:lnSpc>
+                        <a:spcAft>
+                          <a:spcPts val="0"/>
+                        </a:spcAft>
+                      </a:pPr>
+                      <a:r>
+                        <a:rPr lang="en-US" sz="2000" b="1" dirty="0">
+                          <a:solidFill>
+                            <a:schemeClr val="tx1"/>
+                          </a:solidFill>
+                        </a:rPr>
+                        <a:t>Introducing Matplotlib </a:t>
+                      </a:r>
+                    </a:p>
+                  </a:txBody>
+                  <a:tcPr anchor="ctr">
+                    <a:lnB w="12700" cap="flat" cmpd="sng" algn="ctr">
+                      <a:solidFill>
+                        <a:schemeClr val="bg1">
+                          <a:lumMod val="65000"/>
+                        </a:schemeClr>
+                      </a:solidFill>
+                      <a:prstDash val="solid"/>
+                      <a:round/>
+                      <a:headEnd type="none" w="med" len="med"/>
+                      <a:tailEnd type="none" w="med" len="med"/>
+                    </a:lnB>
+                    <a:noFill/>
+                  </a:tcPr>
+                </a:tc>
+                <a:extLst>
+                  <a:ext uri="{0D108BD9-81ED-4DB2-BD59-A6C34878D82A}">
+                    <a16:rowId xmlns:a16="http://schemas.microsoft.com/office/drawing/2014/main" val="2307098774"/>
+                  </a:ext>
+                </a:extLst>
+              </a:tr>
+              <a:tr h="548640">
+                <a:tc>
+                  <a:txBody>
+                    <a:bodyPr/>
+                    <a:lstStyle/>
+                    <a:p>
+                      <a:pPr>
+                        <a:lnSpc>
+                          <a:spcPct val="100000"/>
+                        </a:lnSpc>
+                        <a:spcAft>
+                          <a:spcPts val="0"/>
+                        </a:spcAft>
+                      </a:pPr>
+                      <a:r>
+                        <a:rPr lang="en-US" sz="2000" dirty="0">
+                          <a:solidFill>
+                            <a:schemeClr val="bg1">
+                              <a:lumMod val="65000"/>
+                            </a:schemeClr>
+                          </a:solidFill>
+                        </a:rPr>
+                        <a:t>Plotting Functions in Pandas</a:t>
+                      </a:r>
+                    </a:p>
+                  </a:txBody>
+                  <a:tcPr anchor="ctr">
+                    <a:lnT w="12700" cap="flat" cmpd="sng" algn="ctr">
+                      <a:solidFill>
+                        <a:schemeClr val="bg1">
+                          <a:lumMod val="65000"/>
+                        </a:schemeClr>
+                      </a:solidFill>
+                      <a:prstDash val="solid"/>
+                      <a:round/>
+                      <a:headEnd type="none" w="med" len="med"/>
+                      <a:tailEnd type="none" w="med" len="med"/>
+                    </a:lnT>
+                    <a:lnB w="12700" cap="flat" cmpd="sng" algn="ctr">
+                      <a:solidFill>
+                        <a:schemeClr val="bg1">
+                          <a:lumMod val="65000"/>
+                        </a:schemeClr>
+                      </a:solidFill>
+                      <a:prstDash val="solid"/>
+                      <a:round/>
+                      <a:headEnd type="none" w="med" len="med"/>
+                      <a:tailEnd type="none" w="med" len="med"/>
+                    </a:lnB>
+                    <a:noFill/>
+                  </a:tcPr>
+                </a:tc>
+                <a:extLst>
+                  <a:ext uri="{0D108BD9-81ED-4DB2-BD59-A6C34878D82A}">
+                    <a16:rowId xmlns:a16="http://schemas.microsoft.com/office/drawing/2014/main" val="1466711860"/>
+                  </a:ext>
+                </a:extLst>
+              </a:tr>
+              <a:tr h="548640">
+                <a:tc>
+                  <a:txBody>
+                    <a:bodyPr/>
+                    <a:lstStyle/>
+                    <a:p>
+                      <a:pPr>
+                        <a:lnSpc>
+                          <a:spcPct val="100000"/>
+                        </a:lnSpc>
+                        <a:spcAft>
+                          <a:spcPts val="0"/>
+                        </a:spcAft>
+                      </a:pPr>
+                      <a:r>
+                        <a:rPr lang="en-US" sz="2000" kern="1200" dirty="0">
+                          <a:solidFill>
+                            <a:schemeClr val="bg1">
+                              <a:lumMod val="65000"/>
+                            </a:schemeClr>
+                          </a:solidFill>
+                          <a:latin typeface="+mn-lt"/>
+                          <a:ea typeface="+mn-ea"/>
+                          <a:cs typeface="+mn-cs"/>
+                        </a:rPr>
+                        <a:t>Python Visualization Tool Ecosystem</a:t>
+                      </a:r>
+                    </a:p>
+                  </a:txBody>
+                  <a:tcPr anchor="ctr">
+                    <a:lnT w="12700" cap="flat" cmpd="sng" algn="ctr">
+                      <a:solidFill>
+                        <a:schemeClr val="bg1">
+                          <a:lumMod val="65000"/>
+                        </a:schemeClr>
+                      </a:solidFill>
+                      <a:prstDash val="solid"/>
+                      <a:round/>
+                      <a:headEnd type="none" w="med" len="med"/>
+                      <a:tailEnd type="none" w="med" len="med"/>
+                    </a:lnT>
+                    <a:lnB w="12700" cap="flat" cmpd="sng" algn="ctr">
+                      <a:solidFill>
+                        <a:schemeClr val="bg1">
+                          <a:lumMod val="65000"/>
+                        </a:schemeClr>
+                      </a:solidFill>
+                      <a:prstDash val="solid"/>
+                      <a:round/>
+                      <a:headEnd type="none" w="med" len="med"/>
+                      <a:tailEnd type="none" w="med" len="med"/>
+                    </a:lnB>
+                    <a:noFill/>
+                  </a:tcPr>
+                </a:tc>
+                <a:extLst>
+                  <a:ext uri="{0D108BD9-81ED-4DB2-BD59-A6C34878D82A}">
+                    <a16:rowId xmlns:a16="http://schemas.microsoft.com/office/drawing/2014/main" val="1924402624"/>
+                  </a:ext>
+                </a:extLst>
+              </a:tr>
+              <a:tr h="548640">
+                <a:tc>
+                  <a:txBody>
+                    <a:bodyPr/>
+                    <a:lstStyle/>
+                    <a:p>
+                      <a:pPr>
+                        <a:lnSpc>
+                          <a:spcPct val="100000"/>
+                        </a:lnSpc>
+                        <a:spcAft>
+                          <a:spcPts val="0"/>
+                        </a:spcAft>
+                      </a:pPr>
+                      <a:r>
+                        <a:rPr lang="en-US" sz="2000" dirty="0">
+                          <a:solidFill>
+                            <a:schemeClr val="bg1">
+                              <a:lumMod val="65000"/>
+                            </a:schemeClr>
+                          </a:solidFill>
+                        </a:rPr>
+                        <a:t>Chapter Summary</a:t>
+                      </a:r>
+                    </a:p>
+                  </a:txBody>
+                  <a:tcPr anchor="ctr">
+                    <a:lnT w="12700" cap="flat" cmpd="sng" algn="ctr">
+                      <a:solidFill>
+                        <a:schemeClr val="bg1">
+                          <a:lumMod val="65000"/>
+                        </a:schemeClr>
+                      </a:solidFill>
+                      <a:prstDash val="solid"/>
+                      <a:round/>
+                      <a:headEnd type="none" w="med" len="med"/>
+                      <a:tailEnd type="none" w="med" len="med"/>
+                    </a:lnT>
+                    <a:lnB w="12700" cap="flat" cmpd="sng" algn="ctr">
+                      <a:solidFill>
+                        <a:schemeClr val="bg1">
+                          <a:lumMod val="65000"/>
+                        </a:schemeClr>
+                      </a:solidFill>
+                      <a:prstDash val="solid"/>
+                      <a:round/>
+                      <a:headEnd type="none" w="med" len="med"/>
+                      <a:tailEnd type="none" w="med" len="med"/>
+                    </a:lnB>
+                    <a:noFill/>
+                  </a:tcPr>
+                </a:tc>
+                <a:extLst>
+                  <a:ext uri="{0D108BD9-81ED-4DB2-BD59-A6C34878D82A}">
+                    <a16:rowId xmlns:a16="http://schemas.microsoft.com/office/drawing/2014/main" val="376303497"/>
+                  </a:ext>
+                </a:extLst>
+              </a:tr>
+            </a:tbl>
+          </a:graphicData>
+        </a:graphic>
+      </p:graphicFrame>
     </p:spTree>
     <p:extLst>
       <p:ext uri="{BB962C8B-B14F-4D97-AF65-F5344CB8AC3E}">
@@ -13889,8 +13095,8 @@
         </p:nvSpPr>
         <p:spPr bwMode="auto">
           <a:xfrm>
-            <a:off x="488828" y="2888272"/>
-            <a:ext cx="8021423" cy="3139321"/>
+            <a:off x="1004641" y="2888272"/>
+            <a:ext cx="6896710" cy="3139321"/>
           </a:xfrm>
           <a:prstGeom prst="rect">
             <a:avLst/>
@@ -14312,7 +13518,7 @@
         </p:nvSpPr>
         <p:spPr bwMode="auto">
           <a:xfrm>
-            <a:off x="6079182" y="2532127"/>
+            <a:off x="6594994" y="2532127"/>
             <a:ext cx="1545913" cy="584776"/>
           </a:xfrm>
           <a:prstGeom prst="wedgeRectCallout">
@@ -14368,7 +13574,7 @@
         </p:nvSpPr>
         <p:spPr bwMode="auto">
           <a:xfrm>
-            <a:off x="6106195" y="3667659"/>
+            <a:off x="6622007" y="3667659"/>
             <a:ext cx="1499292" cy="584776"/>
           </a:xfrm>
           <a:prstGeom prst="wedgeRectCallout">
@@ -14810,8 +14016,8 @@
         </p:nvSpPr>
         <p:spPr bwMode="auto">
           <a:xfrm>
-            <a:off x="771552" y="1700341"/>
-            <a:ext cx="6063811" cy="3416320"/>
+            <a:off x="2084531" y="1712064"/>
+            <a:ext cx="4621063" cy="3416320"/>
           </a:xfrm>
           <a:prstGeom prst="rect">
             <a:avLst/>
@@ -15176,7 +14382,7 @@
         </p:nvSpPr>
         <p:spPr bwMode="auto">
           <a:xfrm>
-            <a:off x="5604874" y="3408501"/>
+            <a:off x="6917853" y="3420224"/>
             <a:ext cx="1571717" cy="584776"/>
           </a:xfrm>
           <a:prstGeom prst="wedgeRectCallout">
@@ -16602,75 +15808,6 @@
 </file>
 
 <file path=customXml/item1.xml><?xml version="1.0" encoding="utf-8"?>
-<?mso-contentType ?>
-<spe:Receivers xmlns:spe="http://schemas.microsoft.com/sharepoint/events">
-  <Receiver>
-    <Name>Document ID Generator</Name>
-    <Synchronization>Synchronous</Synchronization>
-    <Type>10001</Type>
-    <SequenceNumber>1000</SequenceNumber>
-    <Assembly>Microsoft.Office.DocumentManagement, Version=14.0.0.0, Culture=neutral, PublicKeyToken=71e9bce111e9429c</Assembly>
-    <Class>Microsoft.Office.DocumentManagement.Internal.DocIdHandler</Class>
-    <Data/>
-    <Filter/>
-  </Receiver>
-  <Receiver>
-    <Name>Document ID Generator</Name>
-    <Synchronization>Synchronous</Synchronization>
-    <Type>10002</Type>
-    <SequenceNumber>1001</SequenceNumber>
-    <Assembly>Microsoft.Office.DocumentManagement, Version=14.0.0.0, Culture=neutral, PublicKeyToken=71e9bce111e9429c</Assembly>
-    <Class>Microsoft.Office.DocumentManagement.Internal.DocIdHandler</Class>
-    <Data/>
-    <Filter/>
-  </Receiver>
-  <Receiver>
-    <Name>Document ID Generator</Name>
-    <Synchronization>Synchronous</Synchronization>
-    <Type>10004</Type>
-    <SequenceNumber>1002</SequenceNumber>
-    <Assembly>Microsoft.Office.DocumentManagement, Version=14.0.0.0, Culture=neutral, PublicKeyToken=71e9bce111e9429c</Assembly>
-    <Class>Microsoft.Office.DocumentManagement.Internal.DocIdHandler</Class>
-    <Data/>
-    <Filter/>
-  </Receiver>
-  <Receiver>
-    <Name>Document ID Generator</Name>
-    <Synchronization>Synchronous</Synchronization>
-    <Type>10006</Type>
-    <SequenceNumber>1003</SequenceNumber>
-    <Assembly>Microsoft.Office.DocumentManagement, Version=14.0.0.0, Culture=neutral, PublicKeyToken=71e9bce111e9429c</Assembly>
-    <Class>Microsoft.Office.DocumentManagement.Internal.DocIdHandler</Class>
-    <Data/>
-    <Filter/>
-  </Receiver>
-</spe:Receivers>
-</file>
-
-<file path=customXml/item2.xml><?xml version="1.0" encoding="utf-8"?>
-<p:properties xmlns:p="http://schemas.microsoft.com/office/2006/metadata/properties" xmlns:xsi="http://www.w3.org/2001/XMLSchema-instance" xmlns:pc="http://schemas.microsoft.com/office/infopath/2007/PartnerControls">
-  <documentManagement>
-    <_dlc_DocId xmlns="037063e9-a85e-4c78-8627-f1a9315663e5">EVEA5JW6U4JV-6-9960</_dlc_DocId>
-    <_dlc_DocIdUrl xmlns="037063e9-a85e-4c78-8627-f1a9315663e5">
-      <Url>https://portal.roitraining.com/Courses/_layouts/DocIdRedir.aspx?ID=EVEA5JW6U4JV-6-9960</Url>
-      <Description>EVEA5JW6U4JV-6-9960</Description>
-    </_dlc_DocIdUrl>
-    <Date_x0020_last_x0020_used xmlns="027ed24f-5970-4294-be5c-0919c5aaa214" xsi:nil="true"/>
-    <Customization_x0020_Information xmlns="027ed24f-5970-4294-be5c-0919c5aaa214" xsi:nil="true"/>
-  </documentManagement>
-</p:properties>
-</file>
-
-<file path=customXml/item3.xml><?xml version="1.0" encoding="utf-8"?>
-<?mso-contentType ?>
-<FormTemplates xmlns="http://schemas.microsoft.com/sharepoint/v3/contenttype/forms">
-  <Display>DocumentLibraryForm</Display>
-  <Edit>DocumentLibraryForm</Edit>
-  <New>DocumentLibraryForm</New>
-</FormTemplates>
-</file>
-
-<file path=customXml/item4.xml><?xml version="1.0" encoding="utf-8"?>
 <ct:contentTypeSchema xmlns:ct="http://schemas.microsoft.com/office/2006/metadata/contentType" xmlns:ma="http://schemas.microsoft.com/office/2006/metadata/properties/metaAttributes" ct:_="" ma:_="" ma:contentTypeName="Document" ma:contentTypeID="0x0101006B08A054FD435346B287BB258D6D8C2A" ma:contentTypeVersion="2" ma:contentTypeDescription="Create a new document." ma:contentTypeScope="" ma:versionID="6146b90b4382322d8952632f355192b7">
   <xsd:schema xmlns:xsd="http://www.w3.org/2001/XMLSchema" xmlns:xs="http://www.w3.org/2001/XMLSchema" xmlns:p="http://schemas.microsoft.com/office/2006/metadata/properties" xmlns:ns2="027ed24f-5970-4294-be5c-0919c5aaa214" xmlns:ns3="037063e9-a85e-4c78-8627-f1a9315663e5" targetNamespace="http://schemas.microsoft.com/office/2006/metadata/properties" ma:root="true" ma:fieldsID="b5d91f802dafd2e22aeea528efbe2d3e" ns2:_="" ns3:_="">
     <xsd:import namespace="027ed24f-5970-4294-be5c-0919c5aaa214"/>
@@ -16836,34 +15973,76 @@
 </ct:contentTypeSchema>
 </file>
 
-<file path=customXml/itemProps1.xml><?xml version="1.0" encoding="utf-8"?>
-<ds:datastoreItem xmlns:ds="http://schemas.openxmlformats.org/officeDocument/2006/customXml" ds:itemID="{B9043294-8302-4947-B882-02D6486F929C}">
-  <ds:schemaRefs>
-    <ds:schemaRef ds:uri="http://schemas.microsoft.com/sharepoint/events"/>
-  </ds:schemaRefs>
-</ds:datastoreItem>
+<file path=customXml/item2.xml><?xml version="1.0" encoding="utf-8"?>
+<?mso-contentType ?>
+<spe:Receivers xmlns:spe="http://schemas.microsoft.com/sharepoint/events">
+  <Receiver>
+    <Name>Document ID Generator</Name>
+    <Synchronization>Synchronous</Synchronization>
+    <Type>10001</Type>
+    <SequenceNumber>1000</SequenceNumber>
+    <Assembly>Microsoft.Office.DocumentManagement, Version=14.0.0.0, Culture=neutral, PublicKeyToken=71e9bce111e9429c</Assembly>
+    <Class>Microsoft.Office.DocumentManagement.Internal.DocIdHandler</Class>
+    <Data/>
+    <Filter/>
+  </Receiver>
+  <Receiver>
+    <Name>Document ID Generator</Name>
+    <Synchronization>Synchronous</Synchronization>
+    <Type>10002</Type>
+    <SequenceNumber>1001</SequenceNumber>
+    <Assembly>Microsoft.Office.DocumentManagement, Version=14.0.0.0, Culture=neutral, PublicKeyToken=71e9bce111e9429c</Assembly>
+    <Class>Microsoft.Office.DocumentManagement.Internal.DocIdHandler</Class>
+    <Data/>
+    <Filter/>
+  </Receiver>
+  <Receiver>
+    <Name>Document ID Generator</Name>
+    <Synchronization>Synchronous</Synchronization>
+    <Type>10004</Type>
+    <SequenceNumber>1002</SequenceNumber>
+    <Assembly>Microsoft.Office.DocumentManagement, Version=14.0.0.0, Culture=neutral, PublicKeyToken=71e9bce111e9429c</Assembly>
+    <Class>Microsoft.Office.DocumentManagement.Internal.DocIdHandler</Class>
+    <Data/>
+    <Filter/>
+  </Receiver>
+  <Receiver>
+    <Name>Document ID Generator</Name>
+    <Synchronization>Synchronous</Synchronization>
+    <Type>10006</Type>
+    <SequenceNumber>1003</SequenceNumber>
+    <Assembly>Microsoft.Office.DocumentManagement, Version=14.0.0.0, Culture=neutral, PublicKeyToken=71e9bce111e9429c</Assembly>
+    <Class>Microsoft.Office.DocumentManagement.Internal.DocIdHandler</Class>
+    <Data/>
+    <Filter/>
+  </Receiver>
+</spe:Receivers>
 </file>
 
-<file path=customXml/itemProps2.xml><?xml version="1.0" encoding="utf-8"?>
-<ds:datastoreItem xmlns:ds="http://schemas.openxmlformats.org/officeDocument/2006/customXml" ds:itemID="{F47B9207-CE5C-49AD-B414-15CBFA246D65}">
-  <ds:schemaRefs>
-    <ds:schemaRef ds:uri="http://schemas.microsoft.com/office/2006/metadata/properties"/>
-    <ds:schemaRef ds:uri="http://schemas.microsoft.com/office/infopath/2007/PartnerControls"/>
-    <ds:schemaRef ds:uri="037063e9-a85e-4c78-8627-f1a9315663e5"/>
-    <ds:schemaRef ds:uri="027ed24f-5970-4294-be5c-0919c5aaa214"/>
-  </ds:schemaRefs>
-</ds:datastoreItem>
+<file path=customXml/item3.xml><?xml version="1.0" encoding="utf-8"?>
+<p:properties xmlns:p="http://schemas.microsoft.com/office/2006/metadata/properties" xmlns:xsi="http://www.w3.org/2001/XMLSchema-instance" xmlns:pc="http://schemas.microsoft.com/office/infopath/2007/PartnerControls">
+  <documentManagement>
+    <_dlc_DocId xmlns="037063e9-a85e-4c78-8627-f1a9315663e5">EVEA5JW6U4JV-6-9960</_dlc_DocId>
+    <_dlc_DocIdUrl xmlns="037063e9-a85e-4c78-8627-f1a9315663e5">
+      <Url>https://portal.roitraining.com/Courses/_layouts/DocIdRedir.aspx?ID=EVEA5JW6U4JV-6-9960</Url>
+      <Description>EVEA5JW6U4JV-6-9960</Description>
+    </_dlc_DocIdUrl>
+    <Date_x0020_last_x0020_used xmlns="027ed24f-5970-4294-be5c-0919c5aaa214" xsi:nil="true"/>
+    <Customization_x0020_Information xmlns="027ed24f-5970-4294-be5c-0919c5aaa214" xsi:nil="true"/>
+  </documentManagement>
+</p:properties>
 </file>
 
-<file path=customXml/itemProps3.xml><?xml version="1.0" encoding="utf-8"?>
-<ds:datastoreItem xmlns:ds="http://schemas.openxmlformats.org/officeDocument/2006/customXml" ds:itemID="{2DA015F3-603C-4688-A5F3-81D587DAB8C9}">
-  <ds:schemaRefs>
-    <ds:schemaRef ds:uri="http://schemas.microsoft.com/sharepoint/v3/contenttype/forms"/>
-  </ds:schemaRefs>
-</ds:datastoreItem>
+<file path=customXml/item4.xml><?xml version="1.0" encoding="utf-8"?>
+<?mso-contentType ?>
+<FormTemplates xmlns="http://schemas.microsoft.com/sharepoint/v3/contenttype/forms">
+  <Display>DocumentLibraryForm</Display>
+  <Edit>DocumentLibraryForm</Edit>
+  <New>DocumentLibraryForm</New>
+</FormTemplates>
 </file>
 
-<file path=customXml/itemProps4.xml><?xml version="1.0" encoding="utf-8"?>
+<file path=customXml/itemProps1.xml><?xml version="1.0" encoding="utf-8"?>
 <ds:datastoreItem xmlns:ds="http://schemas.openxmlformats.org/officeDocument/2006/customXml" ds:itemID="{22DC1111-121F-4086-B564-4B1C46DE4FF3}">
   <ds:schemaRefs>
     <ds:schemaRef ds:uri="http://schemas.microsoft.com/office/2006/metadata/contentType"/>
@@ -16880,4 +16059,31 @@
     <ds:schemaRef ds:uri="http://schemas.microsoft.com/internal/obd"/>
   </ds:schemaRefs>
 </ds:datastoreItem>
+</file>
+
+<file path=customXml/itemProps2.xml><?xml version="1.0" encoding="utf-8"?>
+<ds:datastoreItem xmlns:ds="http://schemas.openxmlformats.org/officeDocument/2006/customXml" ds:itemID="{B9043294-8302-4947-B882-02D6486F929C}">
+  <ds:schemaRefs>
+    <ds:schemaRef ds:uri="http://schemas.microsoft.com/sharepoint/events"/>
+  </ds:schemaRefs>
+</ds:datastoreItem>
+</file>
+
+<file path=customXml/itemProps3.xml><?xml version="1.0" encoding="utf-8"?>
+<ds:datastoreItem xmlns:ds="http://schemas.openxmlformats.org/officeDocument/2006/customXml" ds:itemID="{F47B9207-CE5C-49AD-B414-15CBFA246D65}">
+  <ds:schemaRefs>
+    <ds:schemaRef ds:uri="http://schemas.microsoft.com/office/2006/metadata/properties"/>
+    <ds:schemaRef ds:uri="http://schemas.microsoft.com/office/infopath/2007/PartnerControls"/>
+    <ds:schemaRef ds:uri="037063e9-a85e-4c78-8627-f1a9315663e5"/>
+    <ds:schemaRef ds:uri="027ed24f-5970-4294-be5c-0919c5aaa214"/>
+  </ds:schemaRefs>
+</ds:datastoreItem>
+</file>
+
+<file path=customXml/itemProps4.xml><?xml version="1.0" encoding="utf-8"?>
+<ds:datastoreItem xmlns:ds="http://schemas.openxmlformats.org/officeDocument/2006/customXml" ds:itemID="{2DA015F3-603C-4688-A5F3-81D587DAB8C9}">
+  <ds:schemaRefs>
+    <ds:schemaRef ds:uri="http://schemas.microsoft.com/sharepoint/v3/contenttype/forms"/>
+  </ds:schemaRefs>
+</ds:datastoreItem>
 </file>
--- a/811M-Ch05_PlottingAndVisualization.pptx
+++ b/811M-Ch05_PlottingAndVisualization.pptx
@@ -5,10 +5,10 @@
     <p:sldMasterId id="2147483684" r:id="rId5"/>
   </p:sldMasterIdLst>
   <p:notesMasterIdLst>
-    <p:notesMasterId r:id="rId34"/>
+    <p:notesMasterId r:id="rId33"/>
   </p:notesMasterIdLst>
   <p:handoutMasterIdLst>
-    <p:handoutMasterId r:id="rId35"/>
+    <p:handoutMasterId r:id="rId34"/>
   </p:handoutMasterIdLst>
   <p:sldIdLst>
     <p:sldId id="257" r:id="rId6"/>
@@ -17,28 +17,27 @@
     <p:sldId id="260" r:id="rId9"/>
     <p:sldId id="261" r:id="rId10"/>
     <p:sldId id="262" r:id="rId11"/>
-    <p:sldId id="263" r:id="rId12"/>
-    <p:sldId id="264" r:id="rId13"/>
-    <p:sldId id="265" r:id="rId14"/>
-    <p:sldId id="266" r:id="rId15"/>
-    <p:sldId id="267" r:id="rId16"/>
-    <p:sldId id="268" r:id="rId17"/>
-    <p:sldId id="269" r:id="rId18"/>
-    <p:sldId id="270" r:id="rId19"/>
-    <p:sldId id="271" r:id="rId20"/>
-    <p:sldId id="272" r:id="rId21"/>
-    <p:sldId id="273" r:id="rId22"/>
-    <p:sldId id="274" r:id="rId23"/>
-    <p:sldId id="275" r:id="rId24"/>
-    <p:sldId id="276" r:id="rId25"/>
-    <p:sldId id="277" r:id="rId26"/>
-    <p:sldId id="278" r:id="rId27"/>
-    <p:sldId id="279" r:id="rId28"/>
-    <p:sldId id="280" r:id="rId29"/>
-    <p:sldId id="281" r:id="rId30"/>
-    <p:sldId id="282" r:id="rId31"/>
-    <p:sldId id="284" r:id="rId32"/>
-    <p:sldId id="283" r:id="rId33"/>
+    <p:sldId id="285" r:id="rId12"/>
+    <p:sldId id="263" r:id="rId13"/>
+    <p:sldId id="264" r:id="rId14"/>
+    <p:sldId id="265" r:id="rId15"/>
+    <p:sldId id="266" r:id="rId16"/>
+    <p:sldId id="267" r:id="rId17"/>
+    <p:sldId id="268" r:id="rId18"/>
+    <p:sldId id="269" r:id="rId19"/>
+    <p:sldId id="270" r:id="rId20"/>
+    <p:sldId id="271" r:id="rId21"/>
+    <p:sldId id="272" r:id="rId22"/>
+    <p:sldId id="273" r:id="rId23"/>
+    <p:sldId id="274" r:id="rId24"/>
+    <p:sldId id="275" r:id="rId25"/>
+    <p:sldId id="276" r:id="rId26"/>
+    <p:sldId id="277" r:id="rId27"/>
+    <p:sldId id="278" r:id="rId28"/>
+    <p:sldId id="279" r:id="rId29"/>
+    <p:sldId id="280" r:id="rId30"/>
+    <p:sldId id="284" r:id="rId31"/>
+    <p:sldId id="283" r:id="rId32"/>
   </p:sldIdLst>
   <p:sldSz cx="9144000" cy="6858000" type="screen4x3"/>
   <p:notesSz cx="7053263" cy="9356725"/>
@@ -1288,7 +1287,7 @@
     </p:spTree>
     <p:extLst>
       <p:ext uri="{BB962C8B-B14F-4D97-AF65-F5344CB8AC3E}">
-        <p14:creationId xmlns:p14="http://schemas.microsoft.com/office/powerpoint/2010/main" val="1408543455"/>
+        <p14:creationId xmlns:p14="http://schemas.microsoft.com/office/powerpoint/2010/main" val="3206033281"/>
       </p:ext>
     </p:extLst>
   </p:cSld>
@@ -1317,7 +1316,7 @@
       </p:grpSpPr>
       <p:sp>
         <p:nvSpPr>
-          <p:cNvPr id="4" name="Slide Image Placeholder 3"/>
+          <p:cNvPr id="6" name="Slide Image Placeholder 5"/>
           <p:cNvSpPr>
             <a:spLocks noGrp="1" noRot="1" noChangeAspect="1"/>
           </p:cNvSpPr>
@@ -1334,7 +1333,7 @@
       </p:sp>
       <p:sp>
         <p:nvSpPr>
-          <p:cNvPr id="5" name="Notes Placeholder 4"/>
+          <p:cNvPr id="7" name="Notes Placeholder 6"/>
           <p:cNvSpPr>
             <a:spLocks noGrp="1"/>
           </p:cNvSpPr>
@@ -1354,7 +1353,7 @@
     </p:spTree>
     <p:extLst>
       <p:ext uri="{BB962C8B-B14F-4D97-AF65-F5344CB8AC3E}">
-        <p14:creationId xmlns:p14="http://schemas.microsoft.com/office/powerpoint/2010/main" val="1870196437"/>
+        <p14:creationId xmlns:p14="http://schemas.microsoft.com/office/powerpoint/2010/main" val="1408543455"/>
       </p:ext>
     </p:extLst>
   </p:cSld>
@@ -1420,7 +1419,7 @@
     </p:spTree>
     <p:extLst>
       <p:ext uri="{BB962C8B-B14F-4D97-AF65-F5344CB8AC3E}">
-        <p14:creationId xmlns:p14="http://schemas.microsoft.com/office/powerpoint/2010/main" val="2137821768"/>
+        <p14:creationId xmlns:p14="http://schemas.microsoft.com/office/powerpoint/2010/main" val="1870196437"/>
       </p:ext>
     </p:extLst>
   </p:cSld>
@@ -1486,7 +1485,7 @@
     </p:spTree>
     <p:extLst>
       <p:ext uri="{BB962C8B-B14F-4D97-AF65-F5344CB8AC3E}">
-        <p14:creationId xmlns:p14="http://schemas.microsoft.com/office/powerpoint/2010/main" val="1328630187"/>
+        <p14:creationId xmlns:p14="http://schemas.microsoft.com/office/powerpoint/2010/main" val="2137821768"/>
       </p:ext>
     </p:extLst>
   </p:cSld>
@@ -1552,7 +1551,7 @@
     </p:spTree>
     <p:extLst>
       <p:ext uri="{BB962C8B-B14F-4D97-AF65-F5344CB8AC3E}">
-        <p14:creationId xmlns:p14="http://schemas.microsoft.com/office/powerpoint/2010/main" val="349198158"/>
+        <p14:creationId xmlns:p14="http://schemas.microsoft.com/office/powerpoint/2010/main" val="1328630187"/>
       </p:ext>
     </p:extLst>
   </p:cSld>
@@ -1618,7 +1617,7 @@
     </p:spTree>
     <p:extLst>
       <p:ext uri="{BB962C8B-B14F-4D97-AF65-F5344CB8AC3E}">
-        <p14:creationId xmlns:p14="http://schemas.microsoft.com/office/powerpoint/2010/main" val="3489589668"/>
+        <p14:creationId xmlns:p14="http://schemas.microsoft.com/office/powerpoint/2010/main" val="349198158"/>
       </p:ext>
     </p:extLst>
   </p:cSld>
@@ -1684,7 +1683,7 @@
     </p:spTree>
     <p:extLst>
       <p:ext uri="{BB962C8B-B14F-4D97-AF65-F5344CB8AC3E}">
-        <p14:creationId xmlns:p14="http://schemas.microsoft.com/office/powerpoint/2010/main" val="1996242900"/>
+        <p14:creationId xmlns:p14="http://schemas.microsoft.com/office/powerpoint/2010/main" val="3489589668"/>
       </p:ext>
     </p:extLst>
   </p:cSld>
@@ -1713,7 +1712,7 @@
       </p:grpSpPr>
       <p:sp>
         <p:nvSpPr>
-          <p:cNvPr id="6" name="Slide Image Placeholder 5"/>
+          <p:cNvPr id="4" name="Slide Image Placeholder 3"/>
           <p:cNvSpPr>
             <a:spLocks noGrp="1" noRot="1" noChangeAspect="1"/>
           </p:cNvSpPr>
@@ -1730,7 +1729,7 @@
       </p:sp>
       <p:sp>
         <p:nvSpPr>
-          <p:cNvPr id="7" name="Notes Placeholder 6"/>
+          <p:cNvPr id="5" name="Notes Placeholder 4"/>
           <p:cNvSpPr>
             <a:spLocks noGrp="1"/>
           </p:cNvSpPr>
@@ -1750,7 +1749,7 @@
     </p:spTree>
     <p:extLst>
       <p:ext uri="{BB962C8B-B14F-4D97-AF65-F5344CB8AC3E}">
-        <p14:creationId xmlns:p14="http://schemas.microsoft.com/office/powerpoint/2010/main" val="2564014841"/>
+        <p14:creationId xmlns:p14="http://schemas.microsoft.com/office/powerpoint/2010/main" val="1996242900"/>
       </p:ext>
     </p:extLst>
   </p:cSld>
@@ -1779,7 +1778,7 @@
       </p:grpSpPr>
       <p:sp>
         <p:nvSpPr>
-          <p:cNvPr id="4" name="Slide Image Placeholder 3"/>
+          <p:cNvPr id="6" name="Slide Image Placeholder 5"/>
           <p:cNvSpPr>
             <a:spLocks noGrp="1" noRot="1" noChangeAspect="1"/>
           </p:cNvSpPr>
@@ -1796,7 +1795,7 @@
       </p:sp>
       <p:sp>
         <p:nvSpPr>
-          <p:cNvPr id="5" name="Notes Placeholder 4"/>
+          <p:cNvPr id="7" name="Notes Placeholder 6"/>
           <p:cNvSpPr>
             <a:spLocks noGrp="1"/>
           </p:cNvSpPr>
@@ -1816,7 +1815,7 @@
     </p:spTree>
     <p:extLst>
       <p:ext uri="{BB962C8B-B14F-4D97-AF65-F5344CB8AC3E}">
-        <p14:creationId xmlns:p14="http://schemas.microsoft.com/office/powerpoint/2010/main" val="3469933662"/>
+        <p14:creationId xmlns:p14="http://schemas.microsoft.com/office/powerpoint/2010/main" val="2564014841"/>
       </p:ext>
     </p:extLst>
   </p:cSld>
@@ -1882,7 +1881,7 @@
     </p:spTree>
     <p:extLst>
       <p:ext uri="{BB962C8B-B14F-4D97-AF65-F5344CB8AC3E}">
-        <p14:creationId xmlns:p14="http://schemas.microsoft.com/office/powerpoint/2010/main" val="2556473474"/>
+        <p14:creationId xmlns:p14="http://schemas.microsoft.com/office/powerpoint/2010/main" val="3469933662"/>
       </p:ext>
     </p:extLst>
   </p:cSld>
@@ -2014,7 +2013,7 @@
     </p:spTree>
     <p:extLst>
       <p:ext uri="{BB962C8B-B14F-4D97-AF65-F5344CB8AC3E}">
-        <p14:creationId xmlns:p14="http://schemas.microsoft.com/office/powerpoint/2010/main" val="3793661043"/>
+        <p14:creationId xmlns:p14="http://schemas.microsoft.com/office/powerpoint/2010/main" val="2556473474"/>
       </p:ext>
     </p:extLst>
   </p:cSld>
@@ -2080,7 +2079,7 @@
     </p:spTree>
     <p:extLst>
       <p:ext uri="{BB962C8B-B14F-4D97-AF65-F5344CB8AC3E}">
-        <p14:creationId xmlns:p14="http://schemas.microsoft.com/office/powerpoint/2010/main" val="2728613080"/>
+        <p14:creationId xmlns:p14="http://schemas.microsoft.com/office/powerpoint/2010/main" val="3793661043"/>
       </p:ext>
     </p:extLst>
   </p:cSld>
@@ -2146,7 +2145,7 @@
     </p:spTree>
     <p:extLst>
       <p:ext uri="{BB962C8B-B14F-4D97-AF65-F5344CB8AC3E}">
-        <p14:creationId xmlns:p14="http://schemas.microsoft.com/office/powerpoint/2010/main" val="2985670827"/>
+        <p14:creationId xmlns:p14="http://schemas.microsoft.com/office/powerpoint/2010/main" val="2728613080"/>
       </p:ext>
     </p:extLst>
   </p:cSld>
@@ -2212,7 +2211,7 @@
     </p:spTree>
     <p:extLst>
       <p:ext uri="{BB962C8B-B14F-4D97-AF65-F5344CB8AC3E}">
-        <p14:creationId xmlns:p14="http://schemas.microsoft.com/office/powerpoint/2010/main" val="2980185684"/>
+        <p14:creationId xmlns:p14="http://schemas.microsoft.com/office/powerpoint/2010/main" val="2985670827"/>
       </p:ext>
     </p:extLst>
   </p:cSld>
@@ -2278,7 +2277,7 @@
     </p:spTree>
     <p:extLst>
       <p:ext uri="{BB962C8B-B14F-4D97-AF65-F5344CB8AC3E}">
-        <p14:creationId xmlns:p14="http://schemas.microsoft.com/office/powerpoint/2010/main" val="386946458"/>
+        <p14:creationId xmlns:p14="http://schemas.microsoft.com/office/powerpoint/2010/main" val="2980185684"/>
       </p:ext>
     </p:extLst>
   </p:cSld>
@@ -2344,7 +2343,7 @@
     </p:spTree>
     <p:extLst>
       <p:ext uri="{BB962C8B-B14F-4D97-AF65-F5344CB8AC3E}">
-        <p14:creationId xmlns:p14="http://schemas.microsoft.com/office/powerpoint/2010/main" val="3660026974"/>
+        <p14:creationId xmlns:p14="http://schemas.microsoft.com/office/powerpoint/2010/main" val="386946458"/>
       </p:ext>
     </p:extLst>
   </p:cSld>
@@ -2410,7 +2409,7 @@
     </p:spTree>
     <p:extLst>
       <p:ext uri="{BB962C8B-B14F-4D97-AF65-F5344CB8AC3E}">
-        <p14:creationId xmlns:p14="http://schemas.microsoft.com/office/powerpoint/2010/main" val="1619028113"/>
+        <p14:creationId xmlns:p14="http://schemas.microsoft.com/office/powerpoint/2010/main" val="449484125"/>
       </p:ext>
     </p:extLst>
   </p:cSld>
@@ -2421,72 +2420,6 @@
 </file>
 
 <file path=ppt/notesSlides/notesSlide27.xml><?xml version="1.0" encoding="utf-8"?>
-<p:notes xmlns:a="http://schemas.openxmlformats.org/drawingml/2006/main" xmlns:r="http://schemas.openxmlformats.org/officeDocument/2006/relationships" xmlns:p="http://schemas.openxmlformats.org/presentationml/2006/main">
-  <p:cSld>
-    <p:spTree>
-      <p:nvGrpSpPr>
-        <p:cNvPr id="1" name=""/>
-        <p:cNvGrpSpPr/>
-        <p:nvPr/>
-      </p:nvGrpSpPr>
-      <p:grpSpPr>
-        <a:xfrm>
-          <a:off x="0" y="0"/>
-          <a:ext cx="0" cy="0"/>
-          <a:chOff x="0" y="0"/>
-          <a:chExt cx="0" cy="0"/>
-        </a:xfrm>
-      </p:grpSpPr>
-      <p:sp>
-        <p:nvSpPr>
-          <p:cNvPr id="4" name="Slide Image Placeholder 3"/>
-          <p:cNvSpPr>
-            <a:spLocks noGrp="1" noRot="1" noChangeAspect="1"/>
-          </p:cNvSpPr>
-          <p:nvPr>
-            <p:ph type="sldImg"/>
-          </p:nvPr>
-        </p:nvSpPr>
-        <p:spPr>
-          <a:xfrm>
-            <a:off x="1189038" y="701675"/>
-            <a:ext cx="4676775" cy="3508375"/>
-          </a:xfrm>
-        </p:spPr>
-      </p:sp>
-      <p:sp>
-        <p:nvSpPr>
-          <p:cNvPr id="5" name="Notes Placeholder 4"/>
-          <p:cNvSpPr>
-            <a:spLocks noGrp="1"/>
-          </p:cNvSpPr>
-          <p:nvPr>
-            <p:ph type="body" idx="1"/>
-          </p:nvPr>
-        </p:nvSpPr>
-        <p:spPr/>
-        <p:txBody>
-          <a:bodyPr/>
-          <a:lstStyle/>
-          <a:p>
-            <a:endParaRPr lang="en-US" dirty="0"/>
-          </a:p>
-        </p:txBody>
-      </p:sp>
-    </p:spTree>
-    <p:extLst>
-      <p:ext uri="{BB962C8B-B14F-4D97-AF65-F5344CB8AC3E}">
-        <p14:creationId xmlns:p14="http://schemas.microsoft.com/office/powerpoint/2010/main" val="449484125"/>
-      </p:ext>
-    </p:extLst>
-  </p:cSld>
-  <p:clrMapOvr>
-    <a:masterClrMapping/>
-  </p:clrMapOvr>
-</p:notes>
-</file>
-
-<file path=ppt/notesSlides/notesSlide28.xml><?xml version="1.0" encoding="utf-8"?>
 <p:notes xmlns:a="http://schemas.openxmlformats.org/drawingml/2006/main" xmlns:r="http://schemas.openxmlformats.org/officeDocument/2006/relationships" xmlns:p="http://schemas.openxmlformats.org/presentationml/2006/main">
   <p:cSld>
     <p:spTree>
@@ -2872,7 +2805,7 @@
     </p:spTree>
     <p:extLst>
       <p:ext uri="{BB962C8B-B14F-4D97-AF65-F5344CB8AC3E}">
-        <p14:creationId xmlns:p14="http://schemas.microsoft.com/office/powerpoint/2010/main" val="820150962"/>
+        <p14:creationId xmlns:p14="http://schemas.microsoft.com/office/powerpoint/2010/main" val="2023315183"/>
       </p:ext>
     </p:extLst>
   </p:cSld>
@@ -2901,7 +2834,7 @@
       </p:grpSpPr>
       <p:sp>
         <p:nvSpPr>
-          <p:cNvPr id="8" name="Slide Image Placeholder 7"/>
+          <p:cNvPr id="4" name="Slide Image Placeholder 3"/>
           <p:cNvSpPr>
             <a:spLocks noGrp="1" noRot="1" noChangeAspect="1"/>
           </p:cNvSpPr>
@@ -2918,7 +2851,7 @@
       </p:sp>
       <p:sp>
         <p:nvSpPr>
-          <p:cNvPr id="9" name="Notes Placeholder 8"/>
+          <p:cNvPr id="5" name="Notes Placeholder 4"/>
           <p:cNvSpPr>
             <a:spLocks noGrp="1"/>
           </p:cNvSpPr>
@@ -2938,7 +2871,7 @@
     </p:spTree>
     <p:extLst>
       <p:ext uri="{BB962C8B-B14F-4D97-AF65-F5344CB8AC3E}">
-        <p14:creationId xmlns:p14="http://schemas.microsoft.com/office/powerpoint/2010/main" val="2414307255"/>
+        <p14:creationId xmlns:p14="http://schemas.microsoft.com/office/powerpoint/2010/main" val="820150962"/>
       </p:ext>
     </p:extLst>
   </p:cSld>
@@ -2967,7 +2900,7 @@
       </p:grpSpPr>
       <p:sp>
         <p:nvSpPr>
-          <p:cNvPr id="6" name="Slide Image Placeholder 5"/>
+          <p:cNvPr id="8" name="Slide Image Placeholder 7"/>
           <p:cNvSpPr>
             <a:spLocks noGrp="1" noRot="1" noChangeAspect="1"/>
           </p:cNvSpPr>
@@ -2984,7 +2917,7 @@
       </p:sp>
       <p:sp>
         <p:nvSpPr>
-          <p:cNvPr id="7" name="Notes Placeholder 6"/>
+          <p:cNvPr id="9" name="Notes Placeholder 8"/>
           <p:cNvSpPr>
             <a:spLocks noGrp="1"/>
           </p:cNvSpPr>
@@ -3004,7 +2937,7 @@
     </p:spTree>
     <p:extLst>
       <p:ext uri="{BB962C8B-B14F-4D97-AF65-F5344CB8AC3E}">
-        <p14:creationId xmlns:p14="http://schemas.microsoft.com/office/powerpoint/2010/main" val="3206033281"/>
+        <p14:creationId xmlns:p14="http://schemas.microsoft.com/office/powerpoint/2010/main" val="2414307255"/>
       </p:ext>
     </p:extLst>
   </p:cSld>
@@ -7573,6 +7506,151 @@
       </p:grpSpPr>
       <p:sp>
         <p:nvSpPr>
+          <p:cNvPr id="2" name="Title 1"/>
+          <p:cNvSpPr>
+            <a:spLocks noGrp="1"/>
+          </p:cNvSpPr>
+          <p:nvPr>
+            <p:ph type="title"/>
+          </p:nvPr>
+        </p:nvSpPr>
+        <p:spPr/>
+        <p:txBody>
+          <a:bodyPr/>
+          <a:lstStyle/>
+          <a:p>
+            <a:r>
+              <a:rPr lang="en-US" dirty="0"/>
+              <a:t>Labels and Legends Example</a:t>
+            </a:r>
+          </a:p>
+        </p:txBody>
+      </p:sp>
+      <p:grpSp>
+        <p:nvGrpSpPr>
+          <p:cNvPr id="5" name="Group 4"/>
+          <p:cNvGrpSpPr/>
+          <p:nvPr/>
+        </p:nvGrpSpPr>
+        <p:grpSpPr>
+          <a:xfrm>
+            <a:off x="1028949" y="1106122"/>
+            <a:ext cx="7086102" cy="5166000"/>
+            <a:chOff x="1028949" y="1106122"/>
+            <a:chExt cx="7086102" cy="5166000"/>
+          </a:xfrm>
+        </p:grpSpPr>
+        <p:pic>
+          <p:nvPicPr>
+            <p:cNvPr id="4" name="Picture 3"/>
+            <p:cNvPicPr>
+              <a:picLocks noChangeAspect="1"/>
+            </p:cNvPicPr>
+            <p:nvPr/>
+          </p:nvPicPr>
+          <p:blipFill>
+            <a:blip r:embed="rId3"/>
+            <a:stretch>
+              <a:fillRect/>
+            </a:stretch>
+          </p:blipFill>
+          <p:spPr>
+            <a:xfrm>
+              <a:off x="1028949" y="1106122"/>
+              <a:ext cx="7086102" cy="5166000"/>
+            </a:xfrm>
+            <a:prstGeom prst="rect">
+              <a:avLst/>
+            </a:prstGeom>
+            <a:effectLst>
+              <a:outerShdw blurRad="50800" dist="38100" dir="2700000" algn="tl" rotWithShape="0">
+                <a:prstClr val="black">
+                  <a:alpha val="40000"/>
+                </a:prstClr>
+              </a:outerShdw>
+            </a:effectLst>
+          </p:spPr>
+        </p:pic>
+        <p:sp>
+          <p:nvSpPr>
+            <p:cNvPr id="3" name="TextBox 2"/>
+            <p:cNvSpPr txBox="1"/>
+            <p:nvPr/>
+          </p:nvSpPr>
+          <p:spPr bwMode="auto">
+            <a:xfrm rot="16200000">
+              <a:off x="652657" y="3394764"/>
+              <a:ext cx="1423916" cy="292388"/>
+            </a:xfrm>
+            <a:prstGeom prst="rect">
+              <a:avLst/>
+            </a:prstGeom>
+            <a:solidFill>
+              <a:schemeClr val="bg1">
+                <a:lumMod val="75000"/>
+              </a:schemeClr>
+            </a:solidFill>
+            <a:ln w="9525" algn="ctr">
+              <a:noFill/>
+              <a:miter lim="800000"/>
+              <a:headEnd/>
+              <a:tailEnd/>
+            </a:ln>
+            <a:effectLst/>
+          </p:spPr>
+          <p:txBody>
+            <a:bodyPr wrap="none" rtlCol="0">
+              <a:spAutoFit/>
+            </a:bodyPr>
+            <a:lstStyle/>
+            <a:p>
+              <a:pPr eaLnBrk="1" hangingPunct="1"/>
+              <a:r>
+                <a:rPr lang="en-US" sz="1250" dirty="0">
+                  <a:solidFill>
+                    <a:schemeClr val="tx1"/>
+                  </a:solidFill>
+                  <a:latin typeface="+mn-lt"/>
+                  <a:cs typeface="Arial" panose="020B0604020202020204" pitchFamily="34" charset="0"/>
+                </a:rPr>
+                <a:t>Random Number</a:t>
+              </a:r>
+            </a:p>
+          </p:txBody>
+        </p:sp>
+      </p:grpSp>
+    </p:spTree>
+    <p:extLst>
+      <p:ext uri="{BB962C8B-B14F-4D97-AF65-F5344CB8AC3E}">
+        <p14:creationId xmlns:p14="http://schemas.microsoft.com/office/powerpoint/2010/main" val="2778113182"/>
+      </p:ext>
+    </p:extLst>
+  </p:cSld>
+  <p:clrMapOvr>
+    <a:masterClrMapping/>
+  </p:clrMapOvr>
+</p:sld>
+</file>
+
+<file path=ppt/slides/slide11.xml><?xml version="1.0" encoding="utf-8"?>
+<p:sld xmlns:a="http://schemas.openxmlformats.org/drawingml/2006/main" xmlns:r="http://schemas.openxmlformats.org/officeDocument/2006/relationships" xmlns:p="http://schemas.openxmlformats.org/presentationml/2006/main">
+  <p:cSld>
+    <p:spTree>
+      <p:nvGrpSpPr>
+        <p:cNvPr id="1" name=""/>
+        <p:cNvGrpSpPr/>
+        <p:nvPr/>
+      </p:nvGrpSpPr>
+      <p:grpSpPr>
+        <a:xfrm>
+          <a:off x="0" y="0"/>
+          <a:ext cx="0" cy="0"/>
+          <a:chOff x="0" y="0"/>
+          <a:chExt cx="0" cy="0"/>
+        </a:xfrm>
+      </p:grpSpPr>
+      <p:sp>
+        <p:nvSpPr>
           <p:cNvPr id="14338" name="Title 1"/>
           <p:cNvSpPr>
             <a:spLocks noGrp="1"/>
@@ -7874,7 +7952,7 @@
 </p:sld>
 </file>
 
-<file path=ppt/slides/slide11.xml><?xml version="1.0" encoding="utf-8"?>
+<file path=ppt/slides/slide12.xml><?xml version="1.0" encoding="utf-8"?>
 <p:sld xmlns:a="http://schemas.openxmlformats.org/drawingml/2006/main" xmlns:r="http://schemas.openxmlformats.org/officeDocument/2006/relationships" xmlns:p="http://schemas.openxmlformats.org/presentationml/2006/main">
   <p:cSld>
     <p:spTree>
@@ -8011,7 +8089,7 @@
 </p:sld>
 </file>
 
-<file path=ppt/slides/slide12.xml><?xml version="1.0" encoding="utf-8"?>
+<file path=ppt/slides/slide13.xml><?xml version="1.0" encoding="utf-8"?>
 <p:sld xmlns:a="http://schemas.openxmlformats.org/drawingml/2006/main" xmlns:r="http://schemas.openxmlformats.org/officeDocument/2006/relationships" xmlns:p="http://schemas.openxmlformats.org/presentationml/2006/main">
   <p:cSld>
     <p:spTree>
@@ -8459,7 +8537,7 @@
 </p:sld>
 </file>
 
-<file path=ppt/slides/slide13.xml><?xml version="1.0" encoding="utf-8"?>
+<file path=ppt/slides/slide14.xml><?xml version="1.0" encoding="utf-8"?>
 <p:sld xmlns:a="http://schemas.openxmlformats.org/drawingml/2006/main" xmlns:r="http://schemas.openxmlformats.org/officeDocument/2006/relationships" xmlns:p="http://schemas.openxmlformats.org/presentationml/2006/main">
   <p:cSld>
     <p:spTree>
@@ -8542,7 +8620,7 @@
 </p:sld>
 </file>
 
-<file path=ppt/slides/slide14.xml><?xml version="1.0" encoding="utf-8"?>
+<file path=ppt/slides/slide15.xml><?xml version="1.0" encoding="utf-8"?>
 <p:sld xmlns:a="http://schemas.openxmlformats.org/drawingml/2006/main" xmlns:r="http://schemas.openxmlformats.org/officeDocument/2006/relationships" xmlns:p="http://schemas.openxmlformats.org/presentationml/2006/main">
   <p:cSld>
     <p:spTree>
@@ -9039,7 +9117,7 @@
 </p:sld>
 </file>
 
-<file path=ppt/slides/slide15.xml><?xml version="1.0" encoding="utf-8"?>
+<file path=ppt/slides/slide16.xml><?xml version="1.0" encoding="utf-8"?>
 <p:sld xmlns:a="http://schemas.openxmlformats.org/drawingml/2006/main" xmlns:r="http://schemas.openxmlformats.org/officeDocument/2006/relationships" xmlns:p="http://schemas.openxmlformats.org/presentationml/2006/main">
   <p:cSld>
     <p:spTree>
@@ -9144,238 +9222,6 @@
 </p:sld>
 </file>
 
-<file path=ppt/slides/slide16.xml><?xml version="1.0" encoding="utf-8"?>
-<p:sld xmlns:a="http://schemas.openxmlformats.org/drawingml/2006/main" xmlns:r="http://schemas.openxmlformats.org/officeDocument/2006/relationships" xmlns:p="http://schemas.openxmlformats.org/presentationml/2006/main">
-  <p:cSld>
-    <p:spTree>
-      <p:nvGrpSpPr>
-        <p:cNvPr id="1" name=""/>
-        <p:cNvGrpSpPr/>
-        <p:nvPr/>
-      </p:nvGrpSpPr>
-      <p:grpSpPr>
-        <a:xfrm>
-          <a:off x="0" y="0"/>
-          <a:ext cx="0" cy="0"/>
-          <a:chOff x="0" y="0"/>
-          <a:chExt cx="0" cy="0"/>
-        </a:xfrm>
-      </p:grpSpPr>
-      <p:sp>
-        <p:nvSpPr>
-          <p:cNvPr id="2" name="Title 1"/>
-          <p:cNvSpPr>
-            <a:spLocks noGrp="1"/>
-          </p:cNvSpPr>
-          <p:nvPr>
-            <p:ph type="title"/>
-          </p:nvPr>
-        </p:nvSpPr>
-        <p:spPr/>
-        <p:txBody>
-          <a:bodyPr/>
-          <a:lstStyle/>
-          <a:p>
-            <a:r>
-              <a:rPr lang="en-US" dirty="0">
-                <a:latin typeface="Courier New"/>
-                <a:cs typeface="Courier New"/>
-              </a:rPr>
-              <a:t>Series plot()</a:t>
-            </a:r>
-            <a:r>
-              <a:rPr lang="en-US" dirty="0">
-                <a:latin typeface="+mj-lt"/>
-                <a:cs typeface="Courier New"/>
-              </a:rPr>
-              <a:t> </a:t>
-            </a:r>
-            <a:r>
-              <a:rPr lang="en-US" dirty="0"/>
-              <a:t>Arguments</a:t>
-            </a:r>
-          </a:p>
-        </p:txBody>
-      </p:sp>
-      <p:sp>
-        <p:nvSpPr>
-          <p:cNvPr id="3" name="Content Placeholder 2"/>
-          <p:cNvSpPr>
-            <a:spLocks noGrp="1"/>
-          </p:cNvSpPr>
-          <p:nvPr>
-            <p:ph idx="1"/>
-          </p:nvPr>
-        </p:nvSpPr>
-        <p:spPr/>
-        <p:txBody>
-          <a:bodyPr/>
-          <a:lstStyle/>
-          <a:p>
-            <a:r>
-              <a:rPr lang="en-US" dirty="0"/>
-              <a:t>Series plots can be customized using arguments to </a:t>
-            </a:r>
-            <a:r>
-              <a:rPr lang="en-US" dirty="0">
-                <a:latin typeface="Courier New"/>
-                <a:cs typeface="Courier New"/>
-              </a:rPr>
-              <a:t>plot()</a:t>
-            </a:r>
-          </a:p>
-          <a:p>
-            <a:pPr lvl="1"/>
-            <a:r>
-              <a:rPr lang="en-US" dirty="0">
-                <a:latin typeface="Courier New"/>
-                <a:cs typeface="Courier New"/>
-              </a:rPr>
-              <a:t>label</a:t>
-            </a:r>
-          </a:p>
-          <a:p>
-            <a:pPr lvl="2"/>
-            <a:r>
-              <a:rPr lang="en-US" dirty="0"/>
-              <a:t>Label for plot legend</a:t>
-            </a:r>
-          </a:p>
-          <a:p>
-            <a:pPr lvl="1"/>
-            <a:r>
-              <a:rPr lang="en-US" dirty="0">
-                <a:latin typeface="Courier New"/>
-                <a:cs typeface="Courier New"/>
-              </a:rPr>
-              <a:t>style</a:t>
-            </a:r>
-          </a:p>
-          <a:p>
-            <a:pPr lvl="2"/>
-            <a:r>
-              <a:rPr lang="en-US" dirty="0"/>
-              <a:t>String such as </a:t>
-            </a:r>
-            <a:r>
-              <a:rPr lang="en-US" dirty="0">
-                <a:latin typeface="Courier New"/>
-                <a:cs typeface="Courier New"/>
-              </a:rPr>
-              <a:t>'g—'</a:t>
-            </a:r>
-            <a:r>
-              <a:rPr lang="en-US" dirty="0"/>
-              <a:t> for Matplotlib</a:t>
-            </a:r>
-          </a:p>
-          <a:p>
-            <a:pPr lvl="1"/>
-            <a:r>
-              <a:rPr lang="en-US" dirty="0">
-                <a:latin typeface="Courier New"/>
-                <a:cs typeface="Courier New"/>
-              </a:rPr>
-              <a:t>alpha</a:t>
-            </a:r>
-          </a:p>
-          <a:p>
-            <a:pPr lvl="2"/>
-            <a:r>
-              <a:rPr lang="en-US" dirty="0"/>
-              <a:t>Fill opacity from 0 to 1</a:t>
-            </a:r>
-          </a:p>
-          <a:p>
-            <a:pPr lvl="1"/>
-            <a:r>
-              <a:rPr lang="en-US" dirty="0">
-                <a:latin typeface="Courier New"/>
-                <a:cs typeface="Courier New"/>
-              </a:rPr>
-              <a:t>kind</a:t>
-            </a:r>
-          </a:p>
-          <a:p>
-            <a:pPr lvl="2"/>
-            <a:r>
-              <a:rPr lang="en-US" dirty="0"/>
-              <a:t>Line, bar, barh, kde</a:t>
-            </a:r>
-          </a:p>
-          <a:p>
-            <a:pPr lvl="1"/>
-            <a:r>
-              <a:rPr lang="en-US" dirty="0">
-                <a:latin typeface="Courier New"/>
-                <a:cs typeface="Courier New"/>
-              </a:rPr>
-              <a:t>grid</a:t>
-            </a:r>
-          </a:p>
-          <a:p>
-            <a:pPr lvl="2"/>
-            <a:r>
-              <a:rPr lang="en-US" dirty="0"/>
-              <a:t>Display axis grid</a:t>
-            </a:r>
-          </a:p>
-          <a:p>
-            <a:pPr lvl="1"/>
-            <a:r>
-              <a:rPr lang="en-US" dirty="0">
-                <a:latin typeface="Courier New"/>
-                <a:cs typeface="Courier New"/>
-              </a:rPr>
-              <a:t>logy</a:t>
-            </a:r>
-          </a:p>
-          <a:p>
-            <a:pPr lvl="2"/>
-            <a:r>
-              <a:rPr lang="en-US" dirty="0"/>
-              <a:t>Use logarithmic scaling on the Y axis </a:t>
-            </a:r>
-          </a:p>
-          <a:p>
-            <a:r>
-              <a:rPr lang="en-US" dirty="0"/>
-              <a:t>For full list, see:</a:t>
-            </a:r>
-          </a:p>
-          <a:p>
-            <a:pPr lvl="1"/>
-            <a:r>
-              <a:rPr lang="en-US" sz="1600" dirty="0">
-                <a:latin typeface="+mj-lt"/>
-                <a:cs typeface="Courier New"/>
-                <a:hlinkClick r:id="rId3"/>
-              </a:rPr>
-              <a:t>http://pandas.pydata.org/pandas-docs/stable/generated/pandas.Series.plot.html</a:t>
-            </a:r>
-            <a:r>
-              <a:rPr lang="en-US" sz="1600" dirty="0">
-                <a:latin typeface="+mj-lt"/>
-                <a:cs typeface="Courier New"/>
-              </a:rPr>
-              <a:t> </a:t>
-            </a:r>
-          </a:p>
-        </p:txBody>
-      </p:sp>
-    </p:spTree>
-    <p:extLst>
-      <p:ext uri="{BB962C8B-B14F-4D97-AF65-F5344CB8AC3E}">
-        <p14:creationId xmlns:p14="http://schemas.microsoft.com/office/powerpoint/2010/main" val="1735646746"/>
-      </p:ext>
-    </p:extLst>
-  </p:cSld>
-  <p:clrMapOvr>
-    <a:masterClrMapping/>
-  </p:clrMapOvr>
-</p:sld>
-</file>
-
 <file path=ppt/slides/slide17.xml><?xml version="1.0" encoding="utf-8"?>
 <p:sld xmlns:a="http://schemas.openxmlformats.org/drawingml/2006/main" xmlns:r="http://schemas.openxmlformats.org/officeDocument/2006/relationships" xmlns:p="http://schemas.openxmlformats.org/presentationml/2006/main">
   <p:cSld>
@@ -9395,6 +9241,238 @@
       </p:grpSpPr>
       <p:sp>
         <p:nvSpPr>
+          <p:cNvPr id="2" name="Title 1"/>
+          <p:cNvSpPr>
+            <a:spLocks noGrp="1"/>
+          </p:cNvSpPr>
+          <p:nvPr>
+            <p:ph type="title"/>
+          </p:nvPr>
+        </p:nvSpPr>
+        <p:spPr/>
+        <p:txBody>
+          <a:bodyPr/>
+          <a:lstStyle/>
+          <a:p>
+            <a:r>
+              <a:rPr lang="en-US" dirty="0">
+                <a:latin typeface="Courier New"/>
+                <a:cs typeface="Courier New"/>
+              </a:rPr>
+              <a:t>Series plot()</a:t>
+            </a:r>
+            <a:r>
+              <a:rPr lang="en-US" dirty="0">
+                <a:latin typeface="+mj-lt"/>
+                <a:cs typeface="Courier New"/>
+              </a:rPr>
+              <a:t> </a:t>
+            </a:r>
+            <a:r>
+              <a:rPr lang="en-US" dirty="0"/>
+              <a:t>Arguments</a:t>
+            </a:r>
+          </a:p>
+        </p:txBody>
+      </p:sp>
+      <p:sp>
+        <p:nvSpPr>
+          <p:cNvPr id="3" name="Content Placeholder 2"/>
+          <p:cNvSpPr>
+            <a:spLocks noGrp="1"/>
+          </p:cNvSpPr>
+          <p:nvPr>
+            <p:ph idx="1"/>
+          </p:nvPr>
+        </p:nvSpPr>
+        <p:spPr/>
+        <p:txBody>
+          <a:bodyPr/>
+          <a:lstStyle/>
+          <a:p>
+            <a:r>
+              <a:rPr lang="en-US" dirty="0"/>
+              <a:t>Series plots can be customized using arguments to </a:t>
+            </a:r>
+            <a:r>
+              <a:rPr lang="en-US" dirty="0">
+                <a:latin typeface="Courier New"/>
+                <a:cs typeface="Courier New"/>
+              </a:rPr>
+              <a:t>plot()</a:t>
+            </a:r>
+          </a:p>
+          <a:p>
+            <a:pPr lvl="1"/>
+            <a:r>
+              <a:rPr lang="en-US" dirty="0">
+                <a:latin typeface="Courier New"/>
+                <a:cs typeface="Courier New"/>
+              </a:rPr>
+              <a:t>label</a:t>
+            </a:r>
+          </a:p>
+          <a:p>
+            <a:pPr lvl="2"/>
+            <a:r>
+              <a:rPr lang="en-US" dirty="0"/>
+              <a:t>Label for plot legend</a:t>
+            </a:r>
+          </a:p>
+          <a:p>
+            <a:pPr lvl="1"/>
+            <a:r>
+              <a:rPr lang="en-US" dirty="0">
+                <a:latin typeface="Courier New"/>
+                <a:cs typeface="Courier New"/>
+              </a:rPr>
+              <a:t>style</a:t>
+            </a:r>
+          </a:p>
+          <a:p>
+            <a:pPr lvl="2"/>
+            <a:r>
+              <a:rPr lang="en-US" dirty="0"/>
+              <a:t>String such as </a:t>
+            </a:r>
+            <a:r>
+              <a:rPr lang="en-US" dirty="0">
+                <a:latin typeface="Courier New"/>
+                <a:cs typeface="Courier New"/>
+              </a:rPr>
+              <a:t>'g—'</a:t>
+            </a:r>
+            <a:r>
+              <a:rPr lang="en-US" dirty="0"/>
+              <a:t> for Matplotlib</a:t>
+            </a:r>
+          </a:p>
+          <a:p>
+            <a:pPr lvl="1"/>
+            <a:r>
+              <a:rPr lang="en-US" dirty="0">
+                <a:latin typeface="Courier New"/>
+                <a:cs typeface="Courier New"/>
+              </a:rPr>
+              <a:t>alpha</a:t>
+            </a:r>
+          </a:p>
+          <a:p>
+            <a:pPr lvl="2"/>
+            <a:r>
+              <a:rPr lang="en-US" dirty="0"/>
+              <a:t>Fill opacity from 0 to 1</a:t>
+            </a:r>
+          </a:p>
+          <a:p>
+            <a:pPr lvl="1"/>
+            <a:r>
+              <a:rPr lang="en-US" dirty="0">
+                <a:latin typeface="Courier New"/>
+                <a:cs typeface="Courier New"/>
+              </a:rPr>
+              <a:t>kind</a:t>
+            </a:r>
+          </a:p>
+          <a:p>
+            <a:pPr lvl="2"/>
+            <a:r>
+              <a:rPr lang="en-US" dirty="0"/>
+              <a:t>Line, bar, barh, kde</a:t>
+            </a:r>
+          </a:p>
+          <a:p>
+            <a:pPr lvl="1"/>
+            <a:r>
+              <a:rPr lang="en-US" dirty="0">
+                <a:latin typeface="Courier New"/>
+                <a:cs typeface="Courier New"/>
+              </a:rPr>
+              <a:t>grid</a:t>
+            </a:r>
+          </a:p>
+          <a:p>
+            <a:pPr lvl="2"/>
+            <a:r>
+              <a:rPr lang="en-US" dirty="0"/>
+              <a:t>Display axis grid</a:t>
+            </a:r>
+          </a:p>
+          <a:p>
+            <a:pPr lvl="1"/>
+            <a:r>
+              <a:rPr lang="en-US" dirty="0">
+                <a:latin typeface="Courier New"/>
+                <a:cs typeface="Courier New"/>
+              </a:rPr>
+              <a:t>logy</a:t>
+            </a:r>
+          </a:p>
+          <a:p>
+            <a:pPr lvl="2"/>
+            <a:r>
+              <a:rPr lang="en-US" dirty="0"/>
+              <a:t>Use logarithmic scaling on the Y axis </a:t>
+            </a:r>
+          </a:p>
+          <a:p>
+            <a:r>
+              <a:rPr lang="en-US" dirty="0"/>
+              <a:t>For full list, see:</a:t>
+            </a:r>
+          </a:p>
+          <a:p>
+            <a:pPr lvl="1"/>
+            <a:r>
+              <a:rPr lang="en-US" sz="1600" dirty="0">
+                <a:latin typeface="+mj-lt"/>
+                <a:cs typeface="Courier New"/>
+                <a:hlinkClick r:id="rId3"/>
+              </a:rPr>
+              <a:t>http://pandas.pydata.org/pandas-docs/stable/generated/pandas.Series.plot.html</a:t>
+            </a:r>
+            <a:r>
+              <a:rPr lang="en-US" sz="1600" dirty="0">
+                <a:latin typeface="+mj-lt"/>
+                <a:cs typeface="Courier New"/>
+              </a:rPr>
+              <a:t> </a:t>
+            </a:r>
+          </a:p>
+        </p:txBody>
+      </p:sp>
+    </p:spTree>
+    <p:extLst>
+      <p:ext uri="{BB962C8B-B14F-4D97-AF65-F5344CB8AC3E}">
+        <p14:creationId xmlns:p14="http://schemas.microsoft.com/office/powerpoint/2010/main" val="1735646746"/>
+      </p:ext>
+    </p:extLst>
+  </p:cSld>
+  <p:clrMapOvr>
+    <a:masterClrMapping/>
+  </p:clrMapOvr>
+</p:sld>
+</file>
+
+<file path=ppt/slides/slide18.xml><?xml version="1.0" encoding="utf-8"?>
+<p:sld xmlns:a="http://schemas.openxmlformats.org/drawingml/2006/main" xmlns:r="http://schemas.openxmlformats.org/officeDocument/2006/relationships" xmlns:p="http://schemas.openxmlformats.org/presentationml/2006/main">
+  <p:cSld>
+    <p:spTree>
+      <p:nvGrpSpPr>
+        <p:cNvPr id="1" name=""/>
+        <p:cNvGrpSpPr/>
+        <p:nvPr/>
+      </p:nvGrpSpPr>
+      <p:grpSpPr>
+        <a:xfrm>
+          <a:off x="0" y="0"/>
+          <a:ext cx="0" cy="0"/>
+          <a:chOff x="0" y="0"/>
+          <a:chExt cx="0" cy="0"/>
+        </a:xfrm>
+      </p:grpSpPr>
+      <p:sp>
+        <p:nvSpPr>
           <p:cNvPr id="3" name="Content Placeholder 2"/>
           <p:cNvSpPr>
             <a:spLocks noGrp="1"/>
@@ -9647,7 +9725,7 @@
 </p:sld>
 </file>
 
-<file path=ppt/slides/slide18.xml><?xml version="1.0" encoding="utf-8"?>
+<file path=ppt/slides/slide19.xml><?xml version="1.0" encoding="utf-8"?>
 <p:sld xmlns:a="http://schemas.openxmlformats.org/drawingml/2006/main" xmlns:r="http://schemas.openxmlformats.org/officeDocument/2006/relationships" xmlns:p="http://schemas.openxmlformats.org/presentationml/2006/main">
   <p:cSld>
     <p:spTree>
@@ -10204,7 +10282,111 @@
 </p:sld>
 </file>
 
-<file path=ppt/slides/slide19.xml><?xml version="1.0" encoding="utf-8"?>
+<file path=ppt/slides/slide2.xml><?xml version="1.0" encoding="utf-8"?>
+<p:sld xmlns:a="http://schemas.openxmlformats.org/drawingml/2006/main" xmlns:r="http://schemas.openxmlformats.org/officeDocument/2006/relationships" xmlns:p="http://schemas.openxmlformats.org/presentationml/2006/main">
+  <p:cSld>
+    <p:spTree>
+      <p:nvGrpSpPr>
+        <p:cNvPr id="1" name=""/>
+        <p:cNvGrpSpPr/>
+        <p:nvPr/>
+      </p:nvGrpSpPr>
+      <p:grpSpPr>
+        <a:xfrm>
+          <a:off x="0" y="0"/>
+          <a:ext cx="0" cy="0"/>
+          <a:chOff x="0" y="0"/>
+          <a:chExt cx="0" cy="0"/>
+        </a:xfrm>
+      </p:grpSpPr>
+      <p:sp>
+        <p:nvSpPr>
+          <p:cNvPr id="12290" name="Title 3"/>
+          <p:cNvSpPr>
+            <a:spLocks noGrp="1"/>
+          </p:cNvSpPr>
+          <p:nvPr>
+            <p:ph type="title"/>
+          </p:nvPr>
+        </p:nvSpPr>
+        <p:spPr/>
+        <p:txBody>
+          <a:bodyPr/>
+          <a:lstStyle/>
+          <a:p>
+            <a:r>
+              <a:rPr lang="en-US" altLang="en-US" dirty="0"/>
+              <a:t>Chapter Objectives</a:t>
+            </a:r>
+          </a:p>
+        </p:txBody>
+      </p:sp>
+      <p:sp>
+        <p:nvSpPr>
+          <p:cNvPr id="2" name="Content Placeholder 4"/>
+          <p:cNvSpPr>
+            <a:spLocks noGrp="1"/>
+          </p:cNvSpPr>
+          <p:nvPr>
+            <p:ph idx="1"/>
+          </p:nvPr>
+        </p:nvSpPr>
+        <p:spPr/>
+        <p:txBody>
+          <a:bodyPr/>
+          <a:lstStyle/>
+          <a:p>
+            <a:pPr marL="0" indent="0">
+              <a:buNone/>
+            </a:pPr>
+            <a:r>
+              <a:rPr lang="en-US" dirty="0"/>
+              <a:t>In this chapter, we will introduce:</a:t>
+            </a:r>
+          </a:p>
+          <a:p>
+            <a:pPr lvl="0"/>
+            <a:r>
+              <a:rPr lang="en-US" dirty="0"/>
+              <a:t>Matplotlib </a:t>
+            </a:r>
+            <a:endParaRPr lang="en-GB" dirty="0"/>
+          </a:p>
+          <a:p>
+            <a:pPr lvl="0"/>
+            <a:r>
+              <a:rPr lang="en-US" dirty="0"/>
+              <a:t>Plotting functions in pandas</a:t>
+            </a:r>
+            <a:endParaRPr lang="en-GB" dirty="0"/>
+          </a:p>
+          <a:p>
+            <a:pPr lvl="0"/>
+            <a:r>
+              <a:rPr lang="en-US" dirty="0"/>
+              <a:t>Python visualization tool ecosystem</a:t>
+            </a:r>
+            <a:endParaRPr lang="en-GB" dirty="0"/>
+          </a:p>
+          <a:p>
+            <a:endParaRPr lang="en-US" dirty="0"/>
+          </a:p>
+        </p:txBody>
+      </p:sp>
+    </p:spTree>
+    <p:extLst>
+      <p:ext uri="{BB962C8B-B14F-4D97-AF65-F5344CB8AC3E}">
+        <p14:creationId xmlns:p14="http://schemas.microsoft.com/office/powerpoint/2010/main" val="260097320"/>
+      </p:ext>
+    </p:extLst>
+  </p:cSld>
+  <p:clrMapOvr>
+    <a:masterClrMapping/>
+  </p:clrMapOvr>
+</p:sld>
+</file>
+
+<file path=ppt/slides/slide20.xml><?xml version="1.0" encoding="utf-8"?>
 <p:sld xmlns:a="http://schemas.openxmlformats.org/drawingml/2006/main" xmlns:r="http://schemas.openxmlformats.org/officeDocument/2006/relationships" xmlns:p="http://schemas.openxmlformats.org/presentationml/2006/main">
   <p:cSld>
     <p:spTree>
@@ -10287,111 +10469,7 @@
 </p:sld>
 </file>
 
-<file path=ppt/slides/slide2.xml><?xml version="1.0" encoding="utf-8"?>
-<p:sld xmlns:a="http://schemas.openxmlformats.org/drawingml/2006/main" xmlns:r="http://schemas.openxmlformats.org/officeDocument/2006/relationships" xmlns:p="http://schemas.openxmlformats.org/presentationml/2006/main">
-  <p:cSld>
-    <p:spTree>
-      <p:nvGrpSpPr>
-        <p:cNvPr id="1" name=""/>
-        <p:cNvGrpSpPr/>
-        <p:nvPr/>
-      </p:nvGrpSpPr>
-      <p:grpSpPr>
-        <a:xfrm>
-          <a:off x="0" y="0"/>
-          <a:ext cx="0" cy="0"/>
-          <a:chOff x="0" y="0"/>
-          <a:chExt cx="0" cy="0"/>
-        </a:xfrm>
-      </p:grpSpPr>
-      <p:sp>
-        <p:nvSpPr>
-          <p:cNvPr id="12290" name="Title 3"/>
-          <p:cNvSpPr>
-            <a:spLocks noGrp="1"/>
-          </p:cNvSpPr>
-          <p:nvPr>
-            <p:ph type="title"/>
-          </p:nvPr>
-        </p:nvSpPr>
-        <p:spPr/>
-        <p:txBody>
-          <a:bodyPr/>
-          <a:lstStyle/>
-          <a:p>
-            <a:r>
-              <a:rPr lang="en-US" altLang="en-US" dirty="0"/>
-              <a:t>Chapter Objectives</a:t>
-            </a:r>
-          </a:p>
-        </p:txBody>
-      </p:sp>
-      <p:sp>
-        <p:nvSpPr>
-          <p:cNvPr id="2" name="Content Placeholder 4"/>
-          <p:cNvSpPr>
-            <a:spLocks noGrp="1"/>
-          </p:cNvSpPr>
-          <p:nvPr>
-            <p:ph idx="1"/>
-          </p:nvPr>
-        </p:nvSpPr>
-        <p:spPr/>
-        <p:txBody>
-          <a:bodyPr/>
-          <a:lstStyle/>
-          <a:p>
-            <a:pPr marL="0" indent="0">
-              <a:buNone/>
-            </a:pPr>
-            <a:r>
-              <a:rPr lang="en-US" dirty="0"/>
-              <a:t>In this chapter, we will introduce:</a:t>
-            </a:r>
-          </a:p>
-          <a:p>
-            <a:pPr lvl="0"/>
-            <a:r>
-              <a:rPr lang="en-US" dirty="0"/>
-              <a:t>Matplotlib </a:t>
-            </a:r>
-            <a:endParaRPr lang="en-GB" dirty="0"/>
-          </a:p>
-          <a:p>
-            <a:pPr lvl="0"/>
-            <a:r>
-              <a:rPr lang="en-US" dirty="0"/>
-              <a:t>Plotting functions in pandas</a:t>
-            </a:r>
-            <a:endParaRPr lang="en-GB" dirty="0"/>
-          </a:p>
-          <a:p>
-            <a:pPr lvl="0"/>
-            <a:r>
-              <a:rPr lang="en-US" dirty="0"/>
-              <a:t>Python visualization tool ecosystem</a:t>
-            </a:r>
-            <a:endParaRPr lang="en-GB" dirty="0"/>
-          </a:p>
-          <a:p>
-            <a:endParaRPr lang="en-US" dirty="0"/>
-          </a:p>
-        </p:txBody>
-      </p:sp>
-    </p:spTree>
-    <p:extLst>
-      <p:ext uri="{BB962C8B-B14F-4D97-AF65-F5344CB8AC3E}">
-        <p14:creationId xmlns:p14="http://schemas.microsoft.com/office/powerpoint/2010/main" val="260097320"/>
-      </p:ext>
-    </p:extLst>
-  </p:cSld>
-  <p:clrMapOvr>
-    <a:masterClrMapping/>
-  </p:clrMapOvr>
-</p:sld>
-</file>
-
-<file path=ppt/slides/slide20.xml><?xml version="1.0" encoding="utf-8"?>
+<file path=ppt/slides/slide21.xml><?xml version="1.0" encoding="utf-8"?>
 <p:sld xmlns:a="http://schemas.openxmlformats.org/drawingml/2006/main" xmlns:r="http://schemas.openxmlformats.org/officeDocument/2006/relationships" xmlns:p="http://schemas.openxmlformats.org/presentationml/2006/main">
   <p:cSld>
     <p:spTree>
@@ -10851,7 +10929,7 @@
 </p:sld>
 </file>
 
-<file path=ppt/slides/slide21.xml><?xml version="1.0" encoding="utf-8"?>
+<file path=ppt/slides/slide22.xml><?xml version="1.0" encoding="utf-8"?>
 <p:sld xmlns:a="http://schemas.openxmlformats.org/drawingml/2006/main" xmlns:r="http://schemas.openxmlformats.org/officeDocument/2006/relationships" xmlns:p="http://schemas.openxmlformats.org/presentationml/2006/main">
   <p:cSld>
     <p:spTree>
@@ -10934,7 +11012,7 @@
 </p:sld>
 </file>
 
-<file path=ppt/slides/slide22.xml><?xml version="1.0" encoding="utf-8"?>
+<file path=ppt/slides/slide23.xml><?xml version="1.0" encoding="utf-8"?>
 <p:sld xmlns:a="http://schemas.openxmlformats.org/drawingml/2006/main" xmlns:r="http://schemas.openxmlformats.org/officeDocument/2006/relationships" xmlns:p="http://schemas.openxmlformats.org/presentationml/2006/main">
   <p:cSld>
     <p:spTree>
@@ -11413,7 +11491,7 @@
 </p:sld>
 </file>
 
-<file path=ppt/slides/slide23.xml><?xml version="1.0" encoding="utf-8"?>
+<file path=ppt/slides/slide24.xml><?xml version="1.0" encoding="utf-8"?>
 <p:sld xmlns:a="http://schemas.openxmlformats.org/drawingml/2006/main" xmlns:r="http://schemas.openxmlformats.org/officeDocument/2006/relationships" xmlns:p="http://schemas.openxmlformats.org/presentationml/2006/main">
   <p:cSld>
     <p:spTree>
@@ -11496,7 +11574,7 @@
 </p:sld>
 </file>
 
-<file path=ppt/slides/slide24.xml><?xml version="1.0" encoding="utf-8"?>
+<file path=ppt/slides/slide25.xml><?xml version="1.0" encoding="utf-8"?>
 <p:sld xmlns:a="http://schemas.openxmlformats.org/drawingml/2006/main" xmlns:r="http://schemas.openxmlformats.org/officeDocument/2006/relationships" xmlns:p="http://schemas.openxmlformats.org/presentationml/2006/main">
   <p:cSld>
     <p:spTree>
@@ -11810,220 +11888,7 @@
 </p:sld>
 </file>
 
-<file path=ppt/slides/slide25.xml><?xml version="1.0" encoding="utf-8"?>
-<p:sld xmlns:a="http://schemas.openxmlformats.org/drawingml/2006/main" xmlns:r="http://schemas.openxmlformats.org/officeDocument/2006/relationships" xmlns:p="http://schemas.openxmlformats.org/presentationml/2006/main">
-  <p:cSld>
-    <p:spTree>
-      <p:nvGrpSpPr>
-        <p:cNvPr id="1" name=""/>
-        <p:cNvGrpSpPr/>
-        <p:nvPr/>
-      </p:nvGrpSpPr>
-      <p:grpSpPr>
-        <a:xfrm>
-          <a:off x="0" y="0"/>
-          <a:ext cx="0" cy="0"/>
-          <a:chOff x="0" y="0"/>
-          <a:chExt cx="0" cy="0"/>
-        </a:xfrm>
-      </p:grpSpPr>
-      <p:sp>
-        <p:nvSpPr>
-          <p:cNvPr id="2" name="Title 1"/>
-          <p:cNvSpPr>
-            <a:spLocks noGrp="1"/>
-          </p:cNvSpPr>
-          <p:nvPr>
-            <p:ph type="title"/>
-          </p:nvPr>
-        </p:nvSpPr>
-        <p:spPr/>
-        <p:txBody>
-          <a:bodyPr/>
-          <a:lstStyle/>
-          <a:p>
-            <a:pPr lvl="0"/>
-            <a:r>
-              <a:rPr lang="en-US" dirty="0"/>
-              <a:t>Python Visualization Tool Ecosystem</a:t>
-            </a:r>
-          </a:p>
-        </p:txBody>
-      </p:sp>
-      <p:sp>
-        <p:nvSpPr>
-          <p:cNvPr id="3" name="Content Placeholder 2"/>
-          <p:cNvSpPr>
-            <a:spLocks noGrp="1"/>
-          </p:cNvSpPr>
-          <p:nvPr>
-            <p:ph idx="1"/>
-          </p:nvPr>
-        </p:nvSpPr>
-        <p:spPr/>
-        <p:txBody>
-          <a:bodyPr/>
-          <a:lstStyle/>
-          <a:p>
-            <a:r>
-              <a:rPr lang="en-US" dirty="0"/>
-              <a:t>There are many options for creating graphics in Python</a:t>
-            </a:r>
-          </a:p>
-          <a:p>
-            <a:r>
-              <a:rPr lang="en-US" dirty="0"/>
-              <a:t>Two of the more popular ones are:</a:t>
-            </a:r>
-          </a:p>
-          <a:p>
-            <a:pPr lvl="1"/>
-            <a:r>
-              <a:rPr lang="en-US" dirty="0"/>
-              <a:t>Chaco</a:t>
-            </a:r>
-          </a:p>
-          <a:p>
-            <a:pPr lvl="2"/>
-            <a:r>
-              <a:rPr lang="en-US" dirty="0"/>
-              <a:t>Used for static plotting and interactive visualizations</a:t>
-            </a:r>
-          </a:p>
-          <a:p>
-            <a:pPr lvl="2"/>
-            <a:r>
-              <a:rPr lang="en-US" dirty="0"/>
-              <a:t>Very fast rendering</a:t>
-            </a:r>
-          </a:p>
-          <a:p>
-            <a:pPr lvl="1"/>
-            <a:r>
-              <a:rPr lang="en-US" dirty="0"/>
-              <a:t>Mayavi</a:t>
-            </a:r>
-          </a:p>
-          <a:p>
-            <a:pPr lvl="2"/>
-            <a:r>
-              <a:rPr lang="en-US" dirty="0"/>
-              <a:t>3D graphics toolkit</a:t>
-            </a:r>
-          </a:p>
-          <a:p>
-            <a:pPr lvl="2"/>
-            <a:r>
-              <a:rPr lang="en-US" dirty="0"/>
-              <a:t>Allows interactive visualizations</a:t>
-            </a:r>
-          </a:p>
-          <a:p>
-            <a:pPr lvl="3"/>
-            <a:r>
-              <a:rPr lang="en-US" dirty="0"/>
-              <a:t>Pan, zoom, rotate, etc.</a:t>
-            </a:r>
-          </a:p>
-          <a:p>
-            <a:pPr lvl="1"/>
-            <a:endParaRPr lang="en-US" dirty="0"/>
-          </a:p>
-          <a:p>
-            <a:pPr lvl="2"/>
-            <a:endParaRPr lang="en-US" dirty="0"/>
-          </a:p>
-        </p:txBody>
-      </p:sp>
-    </p:spTree>
-    <p:extLst>
-      <p:ext uri="{BB962C8B-B14F-4D97-AF65-F5344CB8AC3E}">
-        <p14:creationId xmlns:p14="http://schemas.microsoft.com/office/powerpoint/2010/main" val="2360881802"/>
-      </p:ext>
-    </p:extLst>
-  </p:cSld>
-  <p:clrMapOvr>
-    <a:masterClrMapping/>
-  </p:clrMapOvr>
-</p:sld>
-</file>
-
 <file path=ppt/slides/slide26.xml><?xml version="1.0" encoding="utf-8"?>
-<p:sld xmlns:a="http://schemas.openxmlformats.org/drawingml/2006/main" xmlns:r="http://schemas.openxmlformats.org/officeDocument/2006/relationships" xmlns:p="http://schemas.openxmlformats.org/presentationml/2006/main">
-  <p:cSld>
-    <p:spTree>
-      <p:nvGrpSpPr>
-        <p:cNvPr id="1" name=""/>
-        <p:cNvGrpSpPr/>
-        <p:nvPr/>
-      </p:nvGrpSpPr>
-      <p:grpSpPr>
-        <a:xfrm>
-          <a:off x="0" y="0"/>
-          <a:ext cx="0" cy="0"/>
-          <a:chOff x="0" y="0"/>
-          <a:chExt cx="0" cy="0"/>
-        </a:xfrm>
-      </p:grpSpPr>
-      <p:sp>
-        <p:nvSpPr>
-          <p:cNvPr id="32771" name="Content Placeholder 2"/>
-          <p:cNvSpPr>
-            <a:spLocks noGrp="1"/>
-          </p:cNvSpPr>
-          <p:nvPr>
-            <p:ph idx="1"/>
-          </p:nvPr>
-        </p:nvSpPr>
-        <p:spPr/>
-        <p:txBody>
-          <a:bodyPr/>
-          <a:lstStyle/>
-          <a:p>
-            <a:r>
-              <a:rPr lang="en-US" altLang="en-US" dirty="0"/>
-              <a:t>Please turn to the Exercise Manual and complete Exercise 5.1</a:t>
-            </a:r>
-            <a:endParaRPr altLang="en-US" dirty="0"/>
-          </a:p>
-        </p:txBody>
-      </p:sp>
-      <p:sp>
-        <p:nvSpPr>
-          <p:cNvPr id="32770" name="Title 1"/>
-          <p:cNvSpPr>
-            <a:spLocks noGrp="1"/>
-          </p:cNvSpPr>
-          <p:nvPr>
-            <p:ph type="title"/>
-          </p:nvPr>
-        </p:nvSpPr>
-        <p:spPr/>
-        <p:txBody>
-          <a:bodyPr/>
-          <a:lstStyle/>
-          <a:p>
-            <a:r>
-              <a:rPr lang="en-US" altLang="en-US" dirty="0"/>
-              <a:t>Exercise 5.1: Working with Matplotlib </a:t>
-            </a:r>
-          </a:p>
-        </p:txBody>
-      </p:sp>
-    </p:spTree>
-    <p:extLst>
-      <p:ext uri="{BB962C8B-B14F-4D97-AF65-F5344CB8AC3E}">
-        <p14:creationId xmlns:p14="http://schemas.microsoft.com/office/powerpoint/2010/main" val="2149891045"/>
-      </p:ext>
-    </p:extLst>
-  </p:cSld>
-  <p:clrMapOvr>
-    <a:masterClrMapping/>
-  </p:clrMapOvr>
-</p:sld>
-</file>
-
-<file path=ppt/slides/slide27.xml><?xml version="1.0" encoding="utf-8"?>
 <p:sld xmlns:a="http://schemas.openxmlformats.org/drawingml/2006/main" xmlns:r="http://schemas.openxmlformats.org/officeDocument/2006/relationships" xmlns:p="http://schemas.openxmlformats.org/presentationml/2006/main">
   <p:cSld>
     <p:spTree>
@@ -12340,7 +12205,7 @@
 </p:sld>
 </file>
 
-<file path=ppt/slides/slide28.xml><?xml version="1.0" encoding="utf-8"?>
+<file path=ppt/slides/slide27.xml><?xml version="1.0" encoding="utf-8"?>
 <p:sld xmlns:a="http://schemas.openxmlformats.org/drawingml/2006/main" xmlns:r="http://schemas.openxmlformats.org/officeDocument/2006/relationships" xmlns:p="http://schemas.openxmlformats.org/presentationml/2006/main">
   <p:cSld>
     <p:spTree>
@@ -12853,8 +12718,30 @@
                 <a:latin typeface="Courier New"/>
                 <a:cs typeface="Courier New"/>
               </a:rPr>
-              <a:t>matplotlib</a:t>
-            </a:r>
+              <a:t>matplotlib </a:t>
+            </a:r>
+            <a:r>
+              <a:rPr lang="en-US" dirty="0"/>
+              <a:t>usually imported as</a:t>
+            </a:r>
+            <a:r>
+              <a:rPr lang="en-US" dirty="0">
+                <a:latin typeface="Courier New"/>
+                <a:cs typeface="Courier New"/>
+              </a:rPr>
+              <a:t> </a:t>
+            </a:r>
+            <a:r>
+              <a:rPr lang="en-US" dirty="0" err="1">
+                <a:latin typeface="Courier New"/>
+                <a:cs typeface="Courier New"/>
+              </a:rPr>
+              <a:t>plt</a:t>
+            </a:r>
+            <a:endParaRPr lang="en-US" dirty="0">
+              <a:latin typeface="Courier New"/>
+              <a:cs typeface="Courier New"/>
+            </a:endParaRPr>
           </a:p>
           <a:p>
             <a:r>
@@ -13095,8 +12982,8 @@
         </p:nvSpPr>
         <p:spPr bwMode="auto">
           <a:xfrm>
-            <a:off x="1004641" y="2888272"/>
-            <a:ext cx="6896710" cy="3139321"/>
+            <a:off x="847887" y="2532127"/>
+            <a:ext cx="6896710" cy="3970318"/>
           </a:xfrm>
           <a:prstGeom prst="rect">
             <a:avLst/>
@@ -13235,10 +13122,50 @@
                 <a:latin typeface="Courier New"/>
                 <a:cs typeface="Courier New"/>
               </a:rPr>
-              <a:t>figure = plt.figure()</a:t>
-            </a:r>
-          </a:p>
-          <a:p>
+              <a:t>import matplotlib</a:t>
+            </a:r>
+          </a:p>
+          <a:p>
+            <a:r>
+              <a:rPr lang="en-US" sz="1800" dirty="0">
+                <a:solidFill>
+                  <a:schemeClr val="tx1"/>
+                </a:solidFill>
+                <a:latin typeface="Courier New"/>
+                <a:cs typeface="Courier New"/>
+              </a:rPr>
+              <a:t>from matplotlib import </a:t>
+            </a:r>
+            <a:r>
+              <a:rPr lang="en-US" sz="1800" dirty="0" err="1">
+                <a:solidFill>
+                  <a:schemeClr val="tx1"/>
+                </a:solidFill>
+                <a:latin typeface="Courier New"/>
+                <a:cs typeface="Courier New"/>
+              </a:rPr>
+              <a:t>pyplot</a:t>
+            </a:r>
+            <a:r>
+              <a:rPr lang="en-US" sz="1800" dirty="0">
+                <a:solidFill>
+                  <a:schemeClr val="tx1"/>
+                </a:solidFill>
+                <a:latin typeface="Courier New"/>
+                <a:cs typeface="Courier New"/>
+              </a:rPr>
+              <a:t> as </a:t>
+            </a:r>
+            <a:r>
+              <a:rPr lang="en-US" sz="1800" dirty="0" err="1">
+                <a:solidFill>
+                  <a:schemeClr val="tx1"/>
+                </a:solidFill>
+                <a:latin typeface="Courier New"/>
+                <a:cs typeface="Courier New"/>
+              </a:rPr>
+              <a:t>plt</a:t>
+            </a:r>
             <a:endParaRPr lang="en-US" sz="1800" dirty="0">
               <a:solidFill>
                 <a:schemeClr val="tx1"/>
@@ -13249,6 +13176,27 @@
           </a:p>
           <a:p>
             <a:r>
+              <a:rPr lang="en-US" sz="1800" dirty="0">
+                <a:solidFill>
+                  <a:schemeClr val="tx1"/>
+                </a:solidFill>
+                <a:latin typeface="Courier New"/>
+                <a:cs typeface="Courier New"/>
+              </a:rPr>
+              <a:t>figure = plt.figure()</a:t>
+            </a:r>
+          </a:p>
+          <a:p>
+            <a:endParaRPr lang="en-US" sz="1800" dirty="0">
+              <a:solidFill>
+                <a:schemeClr val="tx1"/>
+              </a:solidFill>
+              <a:latin typeface="Courier New"/>
+              <a:cs typeface="Courier New"/>
+            </a:endParaRPr>
+          </a:p>
+          <a:p>
+            <a:r>
               <a:rPr lang="mr-IN" sz="1800" dirty="0">
                 <a:solidFill>
                   <a:schemeClr val="tx1"/>
@@ -13256,7 +13204,7 @@
                 <a:latin typeface="Courier New"/>
                 <a:cs typeface="Courier New"/>
               </a:rPr>
-              <a:t>sp1 = figure.a</a:t>
+              <a:t>sp1 = figure.</a:t>
             </a:r>
             <a:r>
               <a:rPr lang="mr-IN" sz="1800" b="1" dirty="0">
@@ -13266,7 +13214,7 @@
                 <a:latin typeface="Courier New"/>
                 <a:cs typeface="Courier New"/>
               </a:rPr>
-              <a:t>dd_subplot</a:t>
+              <a:t>add_subplot</a:t>
             </a:r>
             <a:r>
               <a:rPr lang="mr-IN" sz="1800" dirty="0">
@@ -13505,6 +13453,42 @@
               </a:rPr>
               <a:t>)</a:t>
             </a:r>
+            <a:endParaRPr lang="en-US" sz="1800" dirty="0">
+              <a:solidFill>
+                <a:schemeClr val="tx1"/>
+              </a:solidFill>
+              <a:latin typeface="Courier New"/>
+              <a:cs typeface="Courier New"/>
+            </a:endParaRPr>
+          </a:p>
+          <a:p>
+            <a:r>
+              <a:rPr lang="en-US" sz="1800" dirty="0" err="1">
+                <a:solidFill>
+                  <a:schemeClr val="tx1"/>
+                </a:solidFill>
+                <a:latin typeface="Courier New"/>
+                <a:cs typeface="Courier New"/>
+              </a:rPr>
+              <a:t>plt.show</a:t>
+            </a:r>
+            <a:r>
+              <a:rPr lang="en-US" sz="1800" dirty="0">
+                <a:solidFill>
+                  <a:schemeClr val="tx1"/>
+                </a:solidFill>
+                <a:latin typeface="Courier New"/>
+                <a:cs typeface="Courier New"/>
+              </a:rPr>
+              <a:t>()</a:t>
+            </a:r>
+            <a:endParaRPr lang="mr-IN" sz="1800" dirty="0">
+              <a:solidFill>
+                <a:schemeClr val="tx1"/>
+              </a:solidFill>
+              <a:latin typeface="Courier New"/>
+              <a:cs typeface="Courier New"/>
+            </a:endParaRPr>
           </a:p>
         </p:txBody>
       </p:sp>
@@ -13735,6 +13719,715 @@
       </p:grpSpPr>
       <p:sp>
         <p:nvSpPr>
+          <p:cNvPr id="2" name="Title 1"/>
+          <p:cNvSpPr>
+            <a:spLocks noGrp="1"/>
+          </p:cNvSpPr>
+          <p:nvPr>
+            <p:ph type="title"/>
+          </p:nvPr>
+        </p:nvSpPr>
+        <p:spPr/>
+        <p:txBody>
+          <a:bodyPr/>
+          <a:lstStyle/>
+          <a:p>
+            <a:r>
+              <a:rPr lang="en-US" dirty="0"/>
+              <a:t>Saving Plot</a:t>
+            </a:r>
+          </a:p>
+        </p:txBody>
+      </p:sp>
+      <p:sp>
+        <p:nvSpPr>
+          <p:cNvPr id="3" name="Content Placeholder 2"/>
+          <p:cNvSpPr>
+            <a:spLocks noGrp="1"/>
+          </p:cNvSpPr>
+          <p:nvPr>
+            <p:ph idx="1"/>
+          </p:nvPr>
+        </p:nvSpPr>
+        <p:spPr/>
+        <p:txBody>
+          <a:bodyPr/>
+          <a:lstStyle/>
+          <a:p>
+            <a:endParaRPr lang="en-US" dirty="0">
+              <a:latin typeface="+mn-lt"/>
+              <a:cs typeface="Courier New"/>
+            </a:endParaRPr>
+          </a:p>
+          <a:p>
+            <a:r>
+              <a:rPr lang="en-US" dirty="0"/>
+              <a:t>Plots can be saved using the </a:t>
+            </a:r>
+            <a:r>
+              <a:rPr lang="en-US" dirty="0" err="1">
+                <a:latin typeface="Courier New"/>
+                <a:cs typeface="Courier New"/>
+              </a:rPr>
+              <a:t>savefig</a:t>
+            </a:r>
+            <a:r>
+              <a:rPr lang="en-US" dirty="0"/>
+              <a:t> method</a:t>
+            </a:r>
+          </a:p>
+          <a:p>
+            <a:r>
+              <a:rPr lang="en-US" dirty="0"/>
+              <a:t>Various file formats are supported and can be listed with the following command:</a:t>
+            </a:r>
+          </a:p>
+          <a:p>
+            <a:endParaRPr lang="en-US" dirty="0">
+              <a:latin typeface="+mn-lt"/>
+              <a:cs typeface="Courier New"/>
+            </a:endParaRPr>
+          </a:p>
+          <a:p>
+            <a:endParaRPr lang="en-US" dirty="0">
+              <a:latin typeface="+mn-lt"/>
+              <a:cs typeface="Courier New"/>
+            </a:endParaRPr>
+          </a:p>
+          <a:p>
+            <a:endParaRPr lang="en-US" dirty="0">
+              <a:latin typeface="+mn-lt"/>
+              <a:cs typeface="Courier New"/>
+            </a:endParaRPr>
+          </a:p>
+          <a:p>
+            <a:endParaRPr lang="en-US" dirty="0">
+              <a:latin typeface="+mn-lt"/>
+              <a:cs typeface="Courier New"/>
+            </a:endParaRPr>
+          </a:p>
+          <a:p>
+            <a:endParaRPr lang="en-US" dirty="0">
+              <a:latin typeface="+mn-lt"/>
+              <a:cs typeface="Courier New"/>
+            </a:endParaRPr>
+          </a:p>
+          <a:p>
+            <a:r>
+              <a:rPr lang="en-US" dirty="0">
+                <a:latin typeface="+mn-lt"/>
+                <a:cs typeface="Courier New"/>
+              </a:rPr>
+              <a:t>Using the extension indicates which format to save as</a:t>
+            </a:r>
+          </a:p>
+        </p:txBody>
+      </p:sp>
+      <p:sp>
+        <p:nvSpPr>
+          <p:cNvPr id="4" name="TextBox 3"/>
+          <p:cNvSpPr txBox="1">
+            <a:spLocks noChangeArrowheads="1"/>
+          </p:cNvSpPr>
+          <p:nvPr/>
+        </p:nvSpPr>
+        <p:spPr bwMode="auto">
+          <a:xfrm>
+            <a:off x="847887" y="2270870"/>
+            <a:ext cx="7764484" cy="2585323"/>
+          </a:xfrm>
+          <a:prstGeom prst="rect">
+            <a:avLst/>
+          </a:prstGeom>
+          <a:noFill/>
+          <a:ln w="28575">
+            <a:solidFill>
+              <a:schemeClr val="accent2">
+                <a:lumMod val="20000"/>
+                <a:lumOff val="80000"/>
+              </a:schemeClr>
+            </a:solidFill>
+            <a:miter lim="800000"/>
+            <a:headEnd/>
+            <a:tailEnd/>
+          </a:ln>
+          <a:effectLst/>
+        </p:spPr>
+        <p:txBody>
+          <a:bodyPr wrap="square">
+            <a:spAutoFit/>
+          </a:bodyPr>
+          <a:lstStyle>
+            <a:lvl1pPr eaLnBrk="0" hangingPunct="0">
+              <a:defRPr sz="2400">
+                <a:solidFill>
+                  <a:schemeClr val="bg1"/>
+                </a:solidFill>
+                <a:latin typeface="Arial" panose="020B0604020202020204" pitchFamily="34" charset="0"/>
+                <a:ea typeface="MS PGothic" panose="020B0600070205080204" pitchFamily="34" charset="-128"/>
+              </a:defRPr>
+            </a:lvl1pPr>
+            <a:lvl2pPr marL="742950" indent="-285750" eaLnBrk="0" hangingPunct="0">
+              <a:defRPr sz="2400">
+                <a:solidFill>
+                  <a:schemeClr val="bg1"/>
+                </a:solidFill>
+                <a:latin typeface="Arial" panose="020B0604020202020204" pitchFamily="34" charset="0"/>
+                <a:ea typeface="MS PGothic" panose="020B0600070205080204" pitchFamily="34" charset="-128"/>
+              </a:defRPr>
+            </a:lvl2pPr>
+            <a:lvl3pPr marL="1143000" indent="-228600" eaLnBrk="0" hangingPunct="0">
+              <a:defRPr sz="2400">
+                <a:solidFill>
+                  <a:schemeClr val="bg1"/>
+                </a:solidFill>
+                <a:latin typeface="Arial" panose="020B0604020202020204" pitchFamily="34" charset="0"/>
+                <a:ea typeface="MS PGothic" panose="020B0600070205080204" pitchFamily="34" charset="-128"/>
+              </a:defRPr>
+            </a:lvl3pPr>
+            <a:lvl4pPr marL="1600200" indent="-228600" eaLnBrk="0" hangingPunct="0">
+              <a:defRPr sz="2400">
+                <a:solidFill>
+                  <a:schemeClr val="bg1"/>
+                </a:solidFill>
+                <a:latin typeface="Arial" panose="020B0604020202020204" pitchFamily="34" charset="0"/>
+                <a:ea typeface="MS PGothic" panose="020B0600070205080204" pitchFamily="34" charset="-128"/>
+              </a:defRPr>
+            </a:lvl4pPr>
+            <a:lvl5pPr marL="2057400" indent="-228600" eaLnBrk="0" hangingPunct="0">
+              <a:defRPr sz="2400">
+                <a:solidFill>
+                  <a:schemeClr val="bg1"/>
+                </a:solidFill>
+                <a:latin typeface="Arial" panose="020B0604020202020204" pitchFamily="34" charset="0"/>
+                <a:ea typeface="MS PGothic" panose="020B0600070205080204" pitchFamily="34" charset="-128"/>
+              </a:defRPr>
+            </a:lvl5pPr>
+            <a:lvl6pPr marL="2514600" indent="-228600" eaLnBrk="0" fontAlgn="base" hangingPunct="0">
+              <a:spcBef>
+                <a:spcPct val="0"/>
+              </a:spcBef>
+              <a:spcAft>
+                <a:spcPct val="0"/>
+              </a:spcAft>
+              <a:defRPr sz="2400">
+                <a:solidFill>
+                  <a:schemeClr val="bg1"/>
+                </a:solidFill>
+                <a:latin typeface="Arial" panose="020B0604020202020204" pitchFamily="34" charset="0"/>
+                <a:ea typeface="MS PGothic" panose="020B0600070205080204" pitchFamily="34" charset="-128"/>
+              </a:defRPr>
+            </a:lvl6pPr>
+            <a:lvl7pPr marL="2971800" indent="-228600" eaLnBrk="0" fontAlgn="base" hangingPunct="0">
+              <a:spcBef>
+                <a:spcPct val="0"/>
+              </a:spcBef>
+              <a:spcAft>
+                <a:spcPct val="0"/>
+              </a:spcAft>
+              <a:defRPr sz="2400">
+                <a:solidFill>
+                  <a:schemeClr val="bg1"/>
+                </a:solidFill>
+                <a:latin typeface="Arial" panose="020B0604020202020204" pitchFamily="34" charset="0"/>
+                <a:ea typeface="MS PGothic" panose="020B0600070205080204" pitchFamily="34" charset="-128"/>
+              </a:defRPr>
+            </a:lvl7pPr>
+            <a:lvl8pPr marL="3429000" indent="-228600" eaLnBrk="0" fontAlgn="base" hangingPunct="0">
+              <a:spcBef>
+                <a:spcPct val="0"/>
+              </a:spcBef>
+              <a:spcAft>
+                <a:spcPct val="0"/>
+              </a:spcAft>
+              <a:defRPr sz="2400">
+                <a:solidFill>
+                  <a:schemeClr val="bg1"/>
+                </a:solidFill>
+                <a:latin typeface="Arial" panose="020B0604020202020204" pitchFamily="34" charset="0"/>
+                <a:ea typeface="MS PGothic" panose="020B0600070205080204" pitchFamily="34" charset="-128"/>
+              </a:defRPr>
+            </a:lvl8pPr>
+            <a:lvl9pPr marL="3886200" indent="-228600" eaLnBrk="0" fontAlgn="base" hangingPunct="0">
+              <a:spcBef>
+                <a:spcPct val="0"/>
+              </a:spcBef>
+              <a:spcAft>
+                <a:spcPct val="0"/>
+              </a:spcAft>
+              <a:defRPr sz="2400">
+                <a:solidFill>
+                  <a:schemeClr val="bg1"/>
+                </a:solidFill>
+                <a:latin typeface="Arial" panose="020B0604020202020204" pitchFamily="34" charset="0"/>
+                <a:ea typeface="MS PGothic" panose="020B0600070205080204" pitchFamily="34" charset="-128"/>
+              </a:defRPr>
+            </a:lvl9pPr>
+          </a:lstStyle>
+          <a:p>
+            <a:r>
+              <a:rPr lang="en-US" sz="1800" b="1" dirty="0" err="1">
+                <a:solidFill>
+                  <a:schemeClr val="tx1"/>
+                </a:solidFill>
+                <a:latin typeface="Courier New"/>
+                <a:cs typeface="Courier New"/>
+              </a:rPr>
+              <a:t>plt.gcf</a:t>
+            </a:r>
+            <a:r>
+              <a:rPr lang="en-US" sz="1800" b="1" dirty="0">
+                <a:solidFill>
+                  <a:schemeClr val="tx1"/>
+                </a:solidFill>
+                <a:latin typeface="Courier New"/>
+                <a:cs typeface="Courier New"/>
+              </a:rPr>
+              <a:t>().</a:t>
+            </a:r>
+            <a:r>
+              <a:rPr lang="en-US" sz="1800" b="1" dirty="0" err="1">
+                <a:solidFill>
+                  <a:schemeClr val="tx1"/>
+                </a:solidFill>
+                <a:latin typeface="Courier New"/>
+                <a:cs typeface="Courier New"/>
+              </a:rPr>
+              <a:t>canvas.get_supported_filetypes_grouped</a:t>
+            </a:r>
+            <a:r>
+              <a:rPr lang="en-US" sz="1800" b="1" dirty="0">
+                <a:solidFill>
+                  <a:schemeClr val="tx1"/>
+                </a:solidFill>
+                <a:latin typeface="Courier New"/>
+                <a:cs typeface="Courier New"/>
+              </a:rPr>
+              <a:t>()</a:t>
+            </a:r>
+          </a:p>
+          <a:p>
+            <a:endParaRPr lang="en-US" sz="1800" dirty="0">
+              <a:solidFill>
+                <a:schemeClr val="tx1"/>
+              </a:solidFill>
+              <a:latin typeface="Courier New"/>
+              <a:cs typeface="Courier New"/>
+            </a:endParaRPr>
+          </a:p>
+          <a:p>
+            <a:r>
+              <a:rPr lang="en-US" sz="1800" dirty="0">
+                <a:solidFill>
+                  <a:schemeClr val="tx1"/>
+                </a:solidFill>
+                <a:latin typeface="Courier New"/>
+                <a:cs typeface="Courier New"/>
+              </a:rPr>
+              <a:t>{'Postscript': ['</a:t>
+            </a:r>
+            <a:r>
+              <a:rPr lang="en-US" sz="1800" dirty="0" err="1">
+                <a:solidFill>
+                  <a:schemeClr val="tx1"/>
+                </a:solidFill>
+                <a:latin typeface="Courier New"/>
+                <a:cs typeface="Courier New"/>
+              </a:rPr>
+              <a:t>ps</a:t>
+            </a:r>
+            <a:r>
+              <a:rPr lang="en-US" sz="1800" dirty="0">
+                <a:solidFill>
+                  <a:schemeClr val="tx1"/>
+                </a:solidFill>
+                <a:latin typeface="Courier New"/>
+                <a:cs typeface="Courier New"/>
+              </a:rPr>
+              <a:t>'], 'Encapsulated Postscript': ['eps'], 'Portable Document Format': ['pdf'], 'PGF code for </a:t>
+            </a:r>
+            <a:r>
+              <a:rPr lang="en-US" sz="1800" dirty="0" err="1">
+                <a:solidFill>
+                  <a:schemeClr val="tx1"/>
+                </a:solidFill>
+                <a:latin typeface="Courier New"/>
+                <a:cs typeface="Courier New"/>
+              </a:rPr>
+              <a:t>LaTeX</a:t>
+            </a:r>
+            <a:r>
+              <a:rPr lang="en-US" sz="1800" dirty="0">
+                <a:solidFill>
+                  <a:schemeClr val="tx1"/>
+                </a:solidFill>
+                <a:latin typeface="Courier New"/>
+                <a:cs typeface="Courier New"/>
+              </a:rPr>
+              <a:t>': ['</a:t>
+            </a:r>
+            <a:r>
+              <a:rPr lang="en-US" sz="1800" dirty="0" err="1">
+                <a:solidFill>
+                  <a:schemeClr val="tx1"/>
+                </a:solidFill>
+                <a:latin typeface="Courier New"/>
+                <a:cs typeface="Courier New"/>
+              </a:rPr>
+              <a:t>pgf</a:t>
+            </a:r>
+            <a:r>
+              <a:rPr lang="en-US" sz="1800" dirty="0">
+                <a:solidFill>
+                  <a:schemeClr val="tx1"/>
+                </a:solidFill>
+                <a:latin typeface="Courier New"/>
+                <a:cs typeface="Courier New"/>
+              </a:rPr>
+              <a:t>'], 'Portable Network Graphics': ['</a:t>
+            </a:r>
+            <a:r>
+              <a:rPr lang="en-US" sz="1800" dirty="0" err="1">
+                <a:solidFill>
+                  <a:schemeClr val="tx1"/>
+                </a:solidFill>
+                <a:latin typeface="Courier New"/>
+                <a:cs typeface="Courier New"/>
+              </a:rPr>
+              <a:t>png</a:t>
+            </a:r>
+            <a:r>
+              <a:rPr lang="en-US" sz="1800" dirty="0">
+                <a:solidFill>
+                  <a:schemeClr val="tx1"/>
+                </a:solidFill>
+                <a:latin typeface="Courier New"/>
+                <a:cs typeface="Courier New"/>
+              </a:rPr>
+              <a:t>'], 'Raw RGBA bitmap': ['raw', '</a:t>
+            </a:r>
+            <a:r>
+              <a:rPr lang="en-US" sz="1800" dirty="0" err="1">
+                <a:solidFill>
+                  <a:schemeClr val="tx1"/>
+                </a:solidFill>
+                <a:latin typeface="Courier New"/>
+                <a:cs typeface="Courier New"/>
+              </a:rPr>
+              <a:t>rgba</a:t>
+            </a:r>
+            <a:r>
+              <a:rPr lang="en-US" sz="1800" dirty="0">
+                <a:solidFill>
+                  <a:schemeClr val="tx1"/>
+                </a:solidFill>
+                <a:latin typeface="Courier New"/>
+                <a:cs typeface="Courier New"/>
+              </a:rPr>
+              <a:t>'], 'Scalable Vector Graphics': ['</a:t>
+            </a:r>
+            <a:r>
+              <a:rPr lang="en-US" sz="1800" dirty="0" err="1">
+                <a:solidFill>
+                  <a:schemeClr val="tx1"/>
+                </a:solidFill>
+                <a:latin typeface="Courier New"/>
+                <a:cs typeface="Courier New"/>
+              </a:rPr>
+              <a:t>svg</a:t>
+            </a:r>
+            <a:r>
+              <a:rPr lang="en-US" sz="1800" dirty="0">
+                <a:solidFill>
+                  <a:schemeClr val="tx1"/>
+                </a:solidFill>
+                <a:latin typeface="Courier New"/>
+                <a:cs typeface="Courier New"/>
+              </a:rPr>
+              <a:t>', '</a:t>
+            </a:r>
+            <a:r>
+              <a:rPr lang="en-US" sz="1800" dirty="0" err="1">
+                <a:solidFill>
+                  <a:schemeClr val="tx1"/>
+                </a:solidFill>
+                <a:latin typeface="Courier New"/>
+                <a:cs typeface="Courier New"/>
+              </a:rPr>
+              <a:t>svgz</a:t>
+            </a:r>
+            <a:r>
+              <a:rPr lang="en-US" sz="1800" dirty="0">
+                <a:solidFill>
+                  <a:schemeClr val="tx1"/>
+                </a:solidFill>
+                <a:latin typeface="Courier New"/>
+                <a:cs typeface="Courier New"/>
+              </a:rPr>
+              <a:t>'], 'Joint Photographic Experts Group': ['jpeg', 'jpg'], 'Tagged Image File Format': ['</a:t>
+            </a:r>
+            <a:r>
+              <a:rPr lang="en-US" sz="1800" dirty="0" err="1">
+                <a:solidFill>
+                  <a:schemeClr val="tx1"/>
+                </a:solidFill>
+                <a:latin typeface="Courier New"/>
+                <a:cs typeface="Courier New"/>
+              </a:rPr>
+              <a:t>tif</a:t>
+            </a:r>
+            <a:r>
+              <a:rPr lang="en-US" sz="1800" dirty="0">
+                <a:solidFill>
+                  <a:schemeClr val="tx1"/>
+                </a:solidFill>
+                <a:latin typeface="Courier New"/>
+                <a:cs typeface="Courier New"/>
+              </a:rPr>
+              <a:t>', 'tiff']}</a:t>
+            </a:r>
+            <a:endParaRPr lang="mr-IN" sz="1800" dirty="0">
+              <a:solidFill>
+                <a:schemeClr val="tx1"/>
+              </a:solidFill>
+              <a:latin typeface="Courier New"/>
+              <a:cs typeface="Courier New"/>
+            </a:endParaRPr>
+          </a:p>
+        </p:txBody>
+      </p:sp>
+      <p:sp>
+        <p:nvSpPr>
+          <p:cNvPr id="7" name="TextBox 6">
+            <a:extLst>
+              <a:ext uri="{FF2B5EF4-FFF2-40B4-BE49-F238E27FC236}">
+                <a16:creationId xmlns:a16="http://schemas.microsoft.com/office/drawing/2014/main" id="{4850C2DB-2BE0-BC4F-9262-6C0A6A5B5A5C}"/>
+              </a:ext>
+            </a:extLst>
+          </p:cNvPr>
+          <p:cNvSpPr txBox="1">
+            <a:spLocks noChangeArrowheads="1"/>
+          </p:cNvSpPr>
+          <p:nvPr/>
+        </p:nvSpPr>
+        <p:spPr bwMode="auto">
+          <a:xfrm>
+            <a:off x="847887" y="5289211"/>
+            <a:ext cx="6758967" cy="646331"/>
+          </a:xfrm>
+          <a:prstGeom prst="rect">
+            <a:avLst/>
+          </a:prstGeom>
+          <a:noFill/>
+          <a:ln w="28575">
+            <a:solidFill>
+              <a:schemeClr val="accent2">
+                <a:lumMod val="20000"/>
+                <a:lumOff val="80000"/>
+              </a:schemeClr>
+            </a:solidFill>
+            <a:miter lim="800000"/>
+            <a:headEnd/>
+            <a:tailEnd/>
+          </a:ln>
+          <a:effectLst/>
+        </p:spPr>
+        <p:txBody>
+          <a:bodyPr wrap="square">
+            <a:spAutoFit/>
+          </a:bodyPr>
+          <a:lstStyle>
+            <a:lvl1pPr eaLnBrk="0" hangingPunct="0">
+              <a:defRPr sz="2400">
+                <a:solidFill>
+                  <a:schemeClr val="bg1"/>
+                </a:solidFill>
+                <a:latin typeface="Arial" panose="020B0604020202020204" pitchFamily="34" charset="0"/>
+                <a:ea typeface="MS PGothic" panose="020B0600070205080204" pitchFamily="34" charset="-128"/>
+              </a:defRPr>
+            </a:lvl1pPr>
+            <a:lvl2pPr marL="742950" indent="-285750" eaLnBrk="0" hangingPunct="0">
+              <a:defRPr sz="2400">
+                <a:solidFill>
+                  <a:schemeClr val="bg1"/>
+                </a:solidFill>
+                <a:latin typeface="Arial" panose="020B0604020202020204" pitchFamily="34" charset="0"/>
+                <a:ea typeface="MS PGothic" panose="020B0600070205080204" pitchFamily="34" charset="-128"/>
+              </a:defRPr>
+            </a:lvl2pPr>
+            <a:lvl3pPr marL="1143000" indent="-228600" eaLnBrk="0" hangingPunct="0">
+              <a:defRPr sz="2400">
+                <a:solidFill>
+                  <a:schemeClr val="bg1"/>
+                </a:solidFill>
+                <a:latin typeface="Arial" panose="020B0604020202020204" pitchFamily="34" charset="0"/>
+                <a:ea typeface="MS PGothic" panose="020B0600070205080204" pitchFamily="34" charset="-128"/>
+              </a:defRPr>
+            </a:lvl3pPr>
+            <a:lvl4pPr marL="1600200" indent="-228600" eaLnBrk="0" hangingPunct="0">
+              <a:defRPr sz="2400">
+                <a:solidFill>
+                  <a:schemeClr val="bg1"/>
+                </a:solidFill>
+                <a:latin typeface="Arial" panose="020B0604020202020204" pitchFamily="34" charset="0"/>
+                <a:ea typeface="MS PGothic" panose="020B0600070205080204" pitchFamily="34" charset="-128"/>
+              </a:defRPr>
+            </a:lvl4pPr>
+            <a:lvl5pPr marL="2057400" indent="-228600" eaLnBrk="0" hangingPunct="0">
+              <a:defRPr sz="2400">
+                <a:solidFill>
+                  <a:schemeClr val="bg1"/>
+                </a:solidFill>
+                <a:latin typeface="Arial" panose="020B0604020202020204" pitchFamily="34" charset="0"/>
+                <a:ea typeface="MS PGothic" panose="020B0600070205080204" pitchFamily="34" charset="-128"/>
+              </a:defRPr>
+            </a:lvl5pPr>
+            <a:lvl6pPr marL="2514600" indent="-228600" eaLnBrk="0" fontAlgn="base" hangingPunct="0">
+              <a:spcBef>
+                <a:spcPct val="0"/>
+              </a:spcBef>
+              <a:spcAft>
+                <a:spcPct val="0"/>
+              </a:spcAft>
+              <a:defRPr sz="2400">
+                <a:solidFill>
+                  <a:schemeClr val="bg1"/>
+                </a:solidFill>
+                <a:latin typeface="Arial" panose="020B0604020202020204" pitchFamily="34" charset="0"/>
+                <a:ea typeface="MS PGothic" panose="020B0600070205080204" pitchFamily="34" charset="-128"/>
+              </a:defRPr>
+            </a:lvl6pPr>
+            <a:lvl7pPr marL="2971800" indent="-228600" eaLnBrk="0" fontAlgn="base" hangingPunct="0">
+              <a:spcBef>
+                <a:spcPct val="0"/>
+              </a:spcBef>
+              <a:spcAft>
+                <a:spcPct val="0"/>
+              </a:spcAft>
+              <a:defRPr sz="2400">
+                <a:solidFill>
+                  <a:schemeClr val="bg1"/>
+                </a:solidFill>
+                <a:latin typeface="Arial" panose="020B0604020202020204" pitchFamily="34" charset="0"/>
+                <a:ea typeface="MS PGothic" panose="020B0600070205080204" pitchFamily="34" charset="-128"/>
+              </a:defRPr>
+            </a:lvl7pPr>
+            <a:lvl8pPr marL="3429000" indent="-228600" eaLnBrk="0" fontAlgn="base" hangingPunct="0">
+              <a:spcBef>
+                <a:spcPct val="0"/>
+              </a:spcBef>
+              <a:spcAft>
+                <a:spcPct val="0"/>
+              </a:spcAft>
+              <a:defRPr sz="2400">
+                <a:solidFill>
+                  <a:schemeClr val="bg1"/>
+                </a:solidFill>
+                <a:latin typeface="Arial" panose="020B0604020202020204" pitchFamily="34" charset="0"/>
+                <a:ea typeface="MS PGothic" panose="020B0600070205080204" pitchFamily="34" charset="-128"/>
+              </a:defRPr>
+            </a:lvl8pPr>
+            <a:lvl9pPr marL="3886200" indent="-228600" eaLnBrk="0" fontAlgn="base" hangingPunct="0">
+              <a:spcBef>
+                <a:spcPct val="0"/>
+              </a:spcBef>
+              <a:spcAft>
+                <a:spcPct val="0"/>
+              </a:spcAft>
+              <a:defRPr sz="2400">
+                <a:solidFill>
+                  <a:schemeClr val="bg1"/>
+                </a:solidFill>
+                <a:latin typeface="Arial" panose="020B0604020202020204" pitchFamily="34" charset="0"/>
+                <a:ea typeface="MS PGothic" panose="020B0600070205080204" pitchFamily="34" charset="-128"/>
+              </a:defRPr>
+            </a:lvl9pPr>
+          </a:lstStyle>
+          <a:p>
+            <a:r>
+              <a:rPr lang="en-US" sz="1800" b="1" dirty="0" err="1">
+                <a:solidFill>
+                  <a:schemeClr val="tx1"/>
+                </a:solidFill>
+                <a:latin typeface="Courier New"/>
+                <a:cs typeface="Courier New"/>
+              </a:rPr>
+              <a:t>plt.savefig</a:t>
+            </a:r>
+            <a:r>
+              <a:rPr lang="en-US" sz="1800" b="1" dirty="0">
+                <a:solidFill>
+                  <a:schemeClr val="tx1"/>
+                </a:solidFill>
+                <a:latin typeface="Courier New"/>
+                <a:cs typeface="Courier New"/>
+              </a:rPr>
+              <a:t>('chart1.jpg')</a:t>
+            </a:r>
+          </a:p>
+          <a:p>
+            <a:r>
+              <a:rPr lang="en-US" sz="1800" b="1" dirty="0" err="1">
+                <a:solidFill>
+                  <a:schemeClr val="tx1"/>
+                </a:solidFill>
+                <a:latin typeface="Courier New"/>
+                <a:cs typeface="Courier New"/>
+              </a:rPr>
+              <a:t>plt.savefig</a:t>
+            </a:r>
+            <a:r>
+              <a:rPr lang="en-US" sz="1800" b="1" dirty="0">
+                <a:solidFill>
+                  <a:schemeClr val="tx1"/>
+                </a:solidFill>
+                <a:latin typeface="Courier New"/>
+                <a:cs typeface="Courier New"/>
+              </a:rPr>
+              <a:t>('chart1.pdf'</a:t>
+            </a:r>
+            <a:endParaRPr lang="en-US" sz="1800" dirty="0">
+              <a:solidFill>
+                <a:schemeClr val="tx1"/>
+              </a:solidFill>
+              <a:latin typeface="Courier New"/>
+              <a:cs typeface="Courier New"/>
+            </a:endParaRPr>
+          </a:p>
+        </p:txBody>
+      </p:sp>
+    </p:spTree>
+    <p:extLst>
+      <p:ext uri="{BB962C8B-B14F-4D97-AF65-F5344CB8AC3E}">
+        <p14:creationId xmlns:p14="http://schemas.microsoft.com/office/powerpoint/2010/main" val="1920732704"/>
+      </p:ext>
+    </p:extLst>
+  </p:cSld>
+  <p:clrMapOvr>
+    <a:masterClrMapping/>
+  </p:clrMapOvr>
+</p:sld>
+</file>
+
+<file path=ppt/slides/slide8.xml><?xml version="1.0" encoding="utf-8"?>
+<p:sld xmlns:a="http://schemas.openxmlformats.org/drawingml/2006/main" xmlns:r="http://schemas.openxmlformats.org/officeDocument/2006/relationships" xmlns:p="http://schemas.openxmlformats.org/presentationml/2006/main">
+  <p:cSld>
+    <p:spTree>
+      <p:nvGrpSpPr>
+        <p:cNvPr id="1" name=""/>
+        <p:cNvGrpSpPr/>
+        <p:nvPr/>
+      </p:nvGrpSpPr>
+      <p:grpSpPr>
+        <a:xfrm>
+          <a:off x="0" y="0"/>
+          <a:ext cx="0" cy="0"/>
+          <a:chOff x="0" y="0"/>
+          <a:chExt cx="0" cy="0"/>
+        </a:xfrm>
+      </p:grpSpPr>
+      <p:sp>
+        <p:nvSpPr>
           <p:cNvPr id="3" name="Content Placeholder 2"/>
           <p:cNvSpPr>
             <a:spLocks noGrp="1"/>
@@ -13945,7 +14638,7 @@
 </p:sld>
 </file>
 
-<file path=ppt/slides/slide8.xml><?xml version="1.0" encoding="utf-8"?>
+<file path=ppt/slides/slide9.xml><?xml version="1.0" encoding="utf-8"?>
 <p:sld xmlns:a="http://schemas.openxmlformats.org/drawingml/2006/main" xmlns:r="http://schemas.openxmlformats.org/officeDocument/2006/relationships" xmlns:p="http://schemas.openxmlformats.org/presentationml/2006/main">
   <p:cSld>
     <p:spTree>
@@ -14443,151 +15136,6 @@
     <p:extLst>
       <p:ext uri="{BB962C8B-B14F-4D97-AF65-F5344CB8AC3E}">
         <p14:creationId xmlns:p14="http://schemas.microsoft.com/office/powerpoint/2010/main" val="1825316051"/>
-      </p:ext>
-    </p:extLst>
-  </p:cSld>
-  <p:clrMapOvr>
-    <a:masterClrMapping/>
-  </p:clrMapOvr>
-</p:sld>
-</file>
-
-<file path=ppt/slides/slide9.xml><?xml version="1.0" encoding="utf-8"?>
-<p:sld xmlns:a="http://schemas.openxmlformats.org/drawingml/2006/main" xmlns:r="http://schemas.openxmlformats.org/officeDocument/2006/relationships" xmlns:p="http://schemas.openxmlformats.org/presentationml/2006/main">
-  <p:cSld>
-    <p:spTree>
-      <p:nvGrpSpPr>
-        <p:cNvPr id="1" name=""/>
-        <p:cNvGrpSpPr/>
-        <p:nvPr/>
-      </p:nvGrpSpPr>
-      <p:grpSpPr>
-        <a:xfrm>
-          <a:off x="0" y="0"/>
-          <a:ext cx="0" cy="0"/>
-          <a:chOff x="0" y="0"/>
-          <a:chExt cx="0" cy="0"/>
-        </a:xfrm>
-      </p:grpSpPr>
-      <p:sp>
-        <p:nvSpPr>
-          <p:cNvPr id="2" name="Title 1"/>
-          <p:cNvSpPr>
-            <a:spLocks noGrp="1"/>
-          </p:cNvSpPr>
-          <p:nvPr>
-            <p:ph type="title"/>
-          </p:nvPr>
-        </p:nvSpPr>
-        <p:spPr/>
-        <p:txBody>
-          <a:bodyPr/>
-          <a:lstStyle/>
-          <a:p>
-            <a:r>
-              <a:rPr lang="en-US" dirty="0"/>
-              <a:t>Labels and Legends Example</a:t>
-            </a:r>
-          </a:p>
-        </p:txBody>
-      </p:sp>
-      <p:grpSp>
-        <p:nvGrpSpPr>
-          <p:cNvPr id="5" name="Group 4"/>
-          <p:cNvGrpSpPr/>
-          <p:nvPr/>
-        </p:nvGrpSpPr>
-        <p:grpSpPr>
-          <a:xfrm>
-            <a:off x="1028949" y="1106122"/>
-            <a:ext cx="7086102" cy="5166000"/>
-            <a:chOff x="1028949" y="1106122"/>
-            <a:chExt cx="7086102" cy="5166000"/>
-          </a:xfrm>
-        </p:grpSpPr>
-        <p:pic>
-          <p:nvPicPr>
-            <p:cNvPr id="4" name="Picture 3"/>
-            <p:cNvPicPr>
-              <a:picLocks noChangeAspect="1"/>
-            </p:cNvPicPr>
-            <p:nvPr/>
-          </p:nvPicPr>
-          <p:blipFill>
-            <a:blip r:embed="rId3"/>
-            <a:stretch>
-              <a:fillRect/>
-            </a:stretch>
-          </p:blipFill>
-          <p:spPr>
-            <a:xfrm>
-              <a:off x="1028949" y="1106122"/>
-              <a:ext cx="7086102" cy="5166000"/>
-            </a:xfrm>
-            <a:prstGeom prst="rect">
-              <a:avLst/>
-            </a:prstGeom>
-            <a:effectLst>
-              <a:outerShdw blurRad="50800" dist="38100" dir="2700000" algn="tl" rotWithShape="0">
-                <a:prstClr val="black">
-                  <a:alpha val="40000"/>
-                </a:prstClr>
-              </a:outerShdw>
-            </a:effectLst>
-          </p:spPr>
-        </p:pic>
-        <p:sp>
-          <p:nvSpPr>
-            <p:cNvPr id="3" name="TextBox 2"/>
-            <p:cNvSpPr txBox="1"/>
-            <p:nvPr/>
-          </p:nvSpPr>
-          <p:spPr bwMode="auto">
-            <a:xfrm rot="16200000">
-              <a:off x="652657" y="3394764"/>
-              <a:ext cx="1423916" cy="292388"/>
-            </a:xfrm>
-            <a:prstGeom prst="rect">
-              <a:avLst/>
-            </a:prstGeom>
-            <a:solidFill>
-              <a:schemeClr val="bg1">
-                <a:lumMod val="75000"/>
-              </a:schemeClr>
-            </a:solidFill>
-            <a:ln w="9525" algn="ctr">
-              <a:noFill/>
-              <a:miter lim="800000"/>
-              <a:headEnd/>
-              <a:tailEnd/>
-            </a:ln>
-            <a:effectLst/>
-          </p:spPr>
-          <p:txBody>
-            <a:bodyPr wrap="none" rtlCol="0">
-              <a:spAutoFit/>
-            </a:bodyPr>
-            <a:lstStyle/>
-            <a:p>
-              <a:pPr eaLnBrk="1" hangingPunct="1"/>
-              <a:r>
-                <a:rPr lang="en-US" sz="1250" dirty="0">
-                  <a:solidFill>
-                    <a:schemeClr val="tx1"/>
-                  </a:solidFill>
-                  <a:latin typeface="+mn-lt"/>
-                  <a:cs typeface="Arial" panose="020B0604020202020204" pitchFamily="34" charset="0"/>
-                </a:rPr>
-                <a:t>Random Number</a:t>
-              </a:r>
-            </a:p>
-          </p:txBody>
-        </p:sp>
-      </p:grpSp>
-    </p:spTree>
-    <p:extLst>
-      <p:ext uri="{BB962C8B-B14F-4D97-AF65-F5344CB8AC3E}">
-        <p14:creationId xmlns:p14="http://schemas.microsoft.com/office/powerpoint/2010/main" val="2778113182"/>
       </p:ext>
     </p:extLst>
   </p:cSld>
@@ -15808,6 +16356,52 @@
 </file>
 
 <file path=customXml/item1.xml><?xml version="1.0" encoding="utf-8"?>
+<?mso-contentType ?>
+<spe:Receivers xmlns:spe="http://schemas.microsoft.com/sharepoint/events">
+  <Receiver>
+    <Name>Document ID Generator</Name>
+    <Synchronization>Synchronous</Synchronization>
+    <Type>10001</Type>
+    <SequenceNumber>1000</SequenceNumber>
+    <Assembly>Microsoft.Office.DocumentManagement, Version=14.0.0.0, Culture=neutral, PublicKeyToken=71e9bce111e9429c</Assembly>
+    <Class>Microsoft.Office.DocumentManagement.Internal.DocIdHandler</Class>
+    <Data/>
+    <Filter/>
+  </Receiver>
+  <Receiver>
+    <Name>Document ID Generator</Name>
+    <Synchronization>Synchronous</Synchronization>
+    <Type>10002</Type>
+    <SequenceNumber>1001</SequenceNumber>
+    <Assembly>Microsoft.Office.DocumentManagement, Version=14.0.0.0, Culture=neutral, PublicKeyToken=71e9bce111e9429c</Assembly>
+    <Class>Microsoft.Office.DocumentManagement.Internal.DocIdHandler</Class>
+    <Data/>
+    <Filter/>
+  </Receiver>
+  <Receiver>
+    <Name>Document ID Generator</Name>
+    <Synchronization>Synchronous</Synchronization>
+    <Type>10004</Type>
+    <SequenceNumber>1002</SequenceNumber>
+    <Assembly>Microsoft.Office.DocumentManagement, Version=14.0.0.0, Culture=neutral, PublicKeyToken=71e9bce111e9429c</Assembly>
+    <Class>Microsoft.Office.DocumentManagement.Internal.DocIdHandler</Class>
+    <Data/>
+    <Filter/>
+  </Receiver>
+  <Receiver>
+    <Name>Document ID Generator</Name>
+    <Synchronization>Synchronous</Synchronization>
+    <Type>10006</Type>
+    <SequenceNumber>1003</SequenceNumber>
+    <Assembly>Microsoft.Office.DocumentManagement, Version=14.0.0.0, Culture=neutral, PublicKeyToken=71e9bce111e9429c</Assembly>
+    <Class>Microsoft.Office.DocumentManagement.Internal.DocIdHandler</Class>
+    <Data/>
+    <Filter/>
+  </Receiver>
+</spe:Receivers>
+</file>
+
+<file path=customXml/item2.xml><?xml version="1.0" encoding="utf-8"?>
 <ct:contentTypeSchema xmlns:ct="http://schemas.microsoft.com/office/2006/metadata/contentType" xmlns:ma="http://schemas.microsoft.com/office/2006/metadata/properties/metaAttributes" ct:_="" ma:_="" ma:contentTypeName="Document" ma:contentTypeID="0x0101006B08A054FD435346B287BB258D6D8C2A" ma:contentTypeVersion="2" ma:contentTypeDescription="Create a new document." ma:contentTypeScope="" ma:versionID="6146b90b4382322d8952632f355192b7">
   <xsd:schema xmlns:xsd="http://www.w3.org/2001/XMLSchema" xmlns:xs="http://www.w3.org/2001/XMLSchema" xmlns:p="http://schemas.microsoft.com/office/2006/metadata/properties" xmlns:ns2="027ed24f-5970-4294-be5c-0919c5aaa214" xmlns:ns3="037063e9-a85e-4c78-8627-f1a9315663e5" targetNamespace="http://schemas.microsoft.com/office/2006/metadata/properties" ma:root="true" ma:fieldsID="b5d91f802dafd2e22aeea528efbe2d3e" ns2:_="" ns3:_="">
     <xsd:import namespace="027ed24f-5970-4294-be5c-0919c5aaa214"/>
@@ -15973,53 +16567,16 @@
 </ct:contentTypeSchema>
 </file>
 
-<file path=customXml/item2.xml><?xml version="1.0" encoding="utf-8"?>
+<file path=customXml/item3.xml><?xml version="1.0" encoding="utf-8"?>
 <?mso-contentType ?>
-<spe:Receivers xmlns:spe="http://schemas.microsoft.com/sharepoint/events">
-  <Receiver>
-    <Name>Document ID Generator</Name>
-    <Synchronization>Synchronous</Synchronization>
-    <Type>10001</Type>
-    <SequenceNumber>1000</SequenceNumber>
-    <Assembly>Microsoft.Office.DocumentManagement, Version=14.0.0.0, Culture=neutral, PublicKeyToken=71e9bce111e9429c</Assembly>
-    <Class>Microsoft.Office.DocumentManagement.Internal.DocIdHandler</Class>
-    <Data/>
-    <Filter/>
-  </Receiver>
-  <Receiver>
-    <Name>Document ID Generator</Name>
-    <Synchronization>Synchronous</Synchronization>
-    <Type>10002</Type>
-    <SequenceNumber>1001</SequenceNumber>
-    <Assembly>Microsoft.Office.DocumentManagement, Version=14.0.0.0, Culture=neutral, PublicKeyToken=71e9bce111e9429c</Assembly>
-    <Class>Microsoft.Office.DocumentManagement.Internal.DocIdHandler</Class>
-    <Data/>
-    <Filter/>
-  </Receiver>
-  <Receiver>
-    <Name>Document ID Generator</Name>
-    <Synchronization>Synchronous</Synchronization>
-    <Type>10004</Type>
-    <SequenceNumber>1002</SequenceNumber>
-    <Assembly>Microsoft.Office.DocumentManagement, Version=14.0.0.0, Culture=neutral, PublicKeyToken=71e9bce111e9429c</Assembly>
-    <Class>Microsoft.Office.DocumentManagement.Internal.DocIdHandler</Class>
-    <Data/>
-    <Filter/>
-  </Receiver>
-  <Receiver>
-    <Name>Document ID Generator</Name>
-    <Synchronization>Synchronous</Synchronization>
-    <Type>10006</Type>
-    <SequenceNumber>1003</SequenceNumber>
-    <Assembly>Microsoft.Office.DocumentManagement, Version=14.0.0.0, Culture=neutral, PublicKeyToken=71e9bce111e9429c</Assembly>
-    <Class>Microsoft.Office.DocumentManagement.Internal.DocIdHandler</Class>
-    <Data/>
-    <Filter/>
-  </Receiver>
-</spe:Receivers>
+<FormTemplates xmlns="http://schemas.microsoft.com/sharepoint/v3/contenttype/forms">
+  <Display>DocumentLibraryForm</Display>
+  <Edit>DocumentLibraryForm</Edit>
+  <New>DocumentLibraryForm</New>
+</FormTemplates>
 </file>
 
-<file path=customXml/item3.xml><?xml version="1.0" encoding="utf-8"?>
+<file path=customXml/item4.xml><?xml version="1.0" encoding="utf-8"?>
 <p:properties xmlns:p="http://schemas.microsoft.com/office/2006/metadata/properties" xmlns:xsi="http://www.w3.org/2001/XMLSchema-instance" xmlns:pc="http://schemas.microsoft.com/office/infopath/2007/PartnerControls">
   <documentManagement>
     <_dlc_DocId xmlns="037063e9-a85e-4c78-8627-f1a9315663e5">EVEA5JW6U4JV-6-9960</_dlc_DocId>
@@ -16033,16 +16590,15 @@
 </p:properties>
 </file>
 
-<file path=customXml/item4.xml><?xml version="1.0" encoding="utf-8"?>
-<?mso-contentType ?>
-<FormTemplates xmlns="http://schemas.microsoft.com/sharepoint/v3/contenttype/forms">
-  <Display>DocumentLibraryForm</Display>
-  <Edit>DocumentLibraryForm</Edit>
-  <New>DocumentLibraryForm</New>
-</FormTemplates>
+<file path=customXml/itemProps1.xml><?xml version="1.0" encoding="utf-8"?>
+<ds:datastoreItem xmlns:ds="http://schemas.openxmlformats.org/officeDocument/2006/customXml" ds:itemID="{B9043294-8302-4947-B882-02D6486F929C}">
+  <ds:schemaRefs>
+    <ds:schemaRef ds:uri="http://schemas.microsoft.com/sharepoint/events"/>
+  </ds:schemaRefs>
+</ds:datastoreItem>
 </file>
 
-<file path=customXml/itemProps1.xml><?xml version="1.0" encoding="utf-8"?>
+<file path=customXml/itemProps2.xml><?xml version="1.0" encoding="utf-8"?>
 <ds:datastoreItem xmlns:ds="http://schemas.openxmlformats.org/officeDocument/2006/customXml" ds:itemID="{22DC1111-121F-4086-B564-4B1C46DE4FF3}">
   <ds:schemaRefs>
     <ds:schemaRef ds:uri="http://schemas.microsoft.com/office/2006/metadata/contentType"/>
@@ -16061,15 +16617,15 @@
 </ds:datastoreItem>
 </file>
 
-<file path=customXml/itemProps2.xml><?xml version="1.0" encoding="utf-8"?>
-<ds:datastoreItem xmlns:ds="http://schemas.openxmlformats.org/officeDocument/2006/customXml" ds:itemID="{B9043294-8302-4947-B882-02D6486F929C}">
+<file path=customXml/itemProps3.xml><?xml version="1.0" encoding="utf-8"?>
+<ds:datastoreItem xmlns:ds="http://schemas.openxmlformats.org/officeDocument/2006/customXml" ds:itemID="{2DA015F3-603C-4688-A5F3-81D587DAB8C9}">
   <ds:schemaRefs>
-    <ds:schemaRef ds:uri="http://schemas.microsoft.com/sharepoint/events"/>
+    <ds:schemaRef ds:uri="http://schemas.microsoft.com/sharepoint/v3/contenttype/forms"/>
   </ds:schemaRefs>
 </ds:datastoreItem>
 </file>
 
-<file path=customXml/itemProps3.xml><?xml version="1.0" encoding="utf-8"?>
+<file path=customXml/itemProps4.xml><?xml version="1.0" encoding="utf-8"?>
 <ds:datastoreItem xmlns:ds="http://schemas.openxmlformats.org/officeDocument/2006/customXml" ds:itemID="{F47B9207-CE5C-49AD-B414-15CBFA246D65}">
   <ds:schemaRefs>
     <ds:schemaRef ds:uri="http://schemas.microsoft.com/office/2006/metadata/properties"/>
@@ -16078,12 +16634,4 @@
     <ds:schemaRef ds:uri="027ed24f-5970-4294-be5c-0919c5aaa214"/>
   </ds:schemaRefs>
 </ds:datastoreItem>
-</file>
-
-<file path=customXml/itemProps4.xml><?xml version="1.0" encoding="utf-8"?>
-<ds:datastoreItem xmlns:ds="http://schemas.openxmlformats.org/officeDocument/2006/customXml" ds:itemID="{2DA015F3-603C-4688-A5F3-81D587DAB8C9}">
-  <ds:schemaRefs>
-    <ds:schemaRef ds:uri="http://schemas.microsoft.com/sharepoint/v3/contenttype/forms"/>
-  </ds:schemaRefs>
-</ds:datastoreItem>
 </file>
--- a/811M-Ch05_PlottingAndVisualization.pptx
+++ b/811M-Ch05_PlottingAndVisualization.pptx
@@ -12718,7 +12718,14 @@
                 <a:latin typeface="Courier New"/>
                 <a:cs typeface="Courier New"/>
               </a:rPr>
-              <a:t>matplotlib </a:t>
+              <a:t>matplotlib</a:t>
+            </a:r>
+            <a:r>
+              <a:rPr lang="en-US" dirty="0">
+                <a:latin typeface="+mn-lt"/>
+                <a:cs typeface="Courier New"/>
+              </a:rPr>
+              <a:t> </a:t>
             </a:r>
             <a:r>
               <a:rPr lang="en-US" dirty="0"/>
@@ -12726,22 +12733,18 @@
             </a:r>
             <a:r>
               <a:rPr lang="en-US" dirty="0">
+                <a:latin typeface="+mn-lt"/>
+                <a:cs typeface="Courier New"/>
+              </a:rPr>
+              <a:t> </a:t>
+            </a:r>
+            <a:r>
+              <a:rPr lang="en-US" dirty="0">
                 <a:latin typeface="Courier New"/>
                 <a:cs typeface="Courier New"/>
               </a:rPr>
-              <a:t> </a:t>
-            </a:r>
-            <a:r>
-              <a:rPr lang="en-US" dirty="0" err="1">
-                <a:latin typeface="Courier New"/>
-                <a:cs typeface="Courier New"/>
-              </a:rPr>
               <a:t>plt</a:t>
             </a:r>
-            <a:endParaRPr lang="en-US" dirty="0">
-              <a:latin typeface="Courier New"/>
-              <a:cs typeface="Courier New"/>
-            </a:endParaRPr>
           </a:p>
           <a:p>
             <a:r>
@@ -12894,7 +12897,12 @@
             <p:ph idx="1"/>
           </p:nvPr>
         </p:nvSpPr>
-        <p:spPr/>
+        <p:spPr>
+          <a:xfrm>
+            <a:off x="595422" y="995080"/>
+            <a:ext cx="8016949" cy="5065062"/>
+          </a:xfrm>
+        </p:spPr>
         <p:txBody>
           <a:bodyPr/>
           <a:lstStyle/>
@@ -12982,7 +12990,7 @@
         </p:nvSpPr>
         <p:spPr bwMode="auto">
           <a:xfrm>
-            <a:off x="847887" y="2532127"/>
+            <a:off x="847887" y="2379728"/>
             <a:ext cx="6896710" cy="3970318"/>
           </a:xfrm>
           <a:prstGeom prst="rect">
@@ -13134,38 +13142,22 @@
                 <a:latin typeface="Courier New"/>
                 <a:cs typeface="Courier New"/>
               </a:rPr>
-              <a:t>from matplotlib import </a:t>
-            </a:r>
-            <a:r>
-              <a:rPr lang="en-US" sz="1800" dirty="0" err="1">
+              <a:t>from matplotlib import pyplot as plt</a:t>
+            </a:r>
+          </a:p>
+          <a:p>
+            <a:r>
+              <a:rPr lang="en-US" sz="1800" dirty="0">
                 <a:solidFill>
                   <a:schemeClr val="tx1"/>
                 </a:solidFill>
                 <a:latin typeface="Courier New"/>
                 <a:cs typeface="Courier New"/>
               </a:rPr>
-              <a:t>pyplot</a:t>
-            </a:r>
-            <a:r>
-              <a:rPr lang="en-US" sz="1800" dirty="0">
-                <a:solidFill>
-                  <a:schemeClr val="tx1"/>
-                </a:solidFill>
-                <a:latin typeface="Courier New"/>
-                <a:cs typeface="Courier New"/>
-              </a:rPr>
-              <a:t> as </a:t>
-            </a:r>
-            <a:r>
-              <a:rPr lang="en-US" sz="1800" dirty="0" err="1">
-                <a:solidFill>
-                  <a:schemeClr val="tx1"/>
-                </a:solidFill>
-                <a:latin typeface="Courier New"/>
-                <a:cs typeface="Courier New"/>
-              </a:rPr>
-              <a:t>plt</a:t>
-            </a:r>
+              <a:t>figure = plt.figure()</a:t>
+            </a:r>
+          </a:p>
+          <a:p>
             <a:endParaRPr lang="en-US" sz="1800" dirty="0">
               <a:solidFill>
                 <a:schemeClr val="tx1"/>
@@ -13176,6 +13168,113 @@
           </a:p>
           <a:p>
             <a:r>
+              <a:rPr lang="mr-IN" sz="1800" dirty="0">
+                <a:solidFill>
+                  <a:schemeClr val="tx1"/>
+                </a:solidFill>
+                <a:latin typeface="Courier New"/>
+                <a:cs typeface="Courier New"/>
+              </a:rPr>
+              <a:t>sp1 = figure.</a:t>
+            </a:r>
+            <a:r>
+              <a:rPr lang="mr-IN" sz="1800" b="1" dirty="0">
+                <a:solidFill>
+                  <a:schemeClr val="tx1"/>
+                </a:solidFill>
+                <a:latin typeface="Courier New"/>
+                <a:cs typeface="Courier New"/>
+              </a:rPr>
+              <a:t>add_subplot</a:t>
+            </a:r>
+            <a:r>
+              <a:rPr lang="mr-IN" sz="1800" dirty="0">
+                <a:solidFill>
+                  <a:schemeClr val="tx1"/>
+                </a:solidFill>
+                <a:latin typeface="Courier New"/>
+                <a:cs typeface="Courier New"/>
+              </a:rPr>
+              <a:t>(2,2,1)</a:t>
+            </a:r>
+          </a:p>
+          <a:p>
+            <a:r>
+              <a:rPr lang="mr-IN" sz="1800" dirty="0">
+                <a:solidFill>
+                  <a:schemeClr val="tx1"/>
+                </a:solidFill>
+                <a:latin typeface="Courier New"/>
+                <a:cs typeface="Courier New"/>
+              </a:rPr>
+              <a:t>sp2 = figure.add_subplot(2,2,2)</a:t>
+            </a:r>
+          </a:p>
+          <a:p>
+            <a:r>
+              <a:rPr lang="mr-IN" sz="1800" dirty="0">
+                <a:solidFill>
+                  <a:schemeClr val="tx1"/>
+                </a:solidFill>
+                <a:latin typeface="Courier New"/>
+                <a:cs typeface="Courier New"/>
+              </a:rPr>
+              <a:t>sp3 = figure.add_subplot(2,2,3)</a:t>
+            </a:r>
+          </a:p>
+          <a:p>
+            <a:r>
+              <a:rPr lang="mr-IN" sz="1800" dirty="0">
+                <a:solidFill>
+                  <a:schemeClr val="tx1"/>
+                </a:solidFill>
+                <a:latin typeface="Courier New"/>
+                <a:cs typeface="Courier New"/>
+              </a:rPr>
+              <a:t>sp4 = figure.add_subplot(2,2,4)</a:t>
+            </a:r>
+          </a:p>
+          <a:p>
+            <a:endParaRPr lang="mr-IN" sz="1800" dirty="0">
+              <a:solidFill>
+                <a:schemeClr val="tx1"/>
+              </a:solidFill>
+              <a:latin typeface="Courier New"/>
+              <a:cs typeface="Courier New"/>
+            </a:endParaRPr>
+          </a:p>
+          <a:p>
+            <a:r>
+              <a:rPr lang="mr-IN" sz="1800" dirty="0">
+                <a:solidFill>
+                  <a:schemeClr val="tx1"/>
+                </a:solidFill>
+                <a:latin typeface="Courier New"/>
+                <a:cs typeface="Courier New"/>
+              </a:rPr>
+              <a:t>sp1.</a:t>
+            </a:r>
+            <a:r>
+              <a:rPr lang="mr-IN" sz="1800" b="1" dirty="0">
+                <a:solidFill>
+                  <a:schemeClr val="tx1"/>
+                </a:solidFill>
+                <a:latin typeface="Courier New"/>
+                <a:cs typeface="Courier New"/>
+              </a:rPr>
+              <a:t>plot</a:t>
+            </a:r>
+            <a:r>
+              <a:rPr lang="mr-IN" sz="1800" dirty="0">
+                <a:solidFill>
+                  <a:schemeClr val="tx1"/>
+                </a:solidFill>
+                <a:latin typeface="Courier New"/>
+                <a:cs typeface="Courier New"/>
+              </a:rPr>
+              <a:t>(randn(100).cumsum(), 'k—</a:t>
+            </a:r>
+            <a:r>
               <a:rPr lang="en-US" sz="1800" dirty="0">
                 <a:solidFill>
                   <a:schemeClr val="tx1"/>
@@ -13183,10 +13282,18 @@
                 <a:latin typeface="Courier New"/>
                 <a:cs typeface="Courier New"/>
               </a:rPr>
-              <a:t>figure = plt.figure()</a:t>
-            </a:r>
-          </a:p>
-          <a:p>
+              <a:t>'</a:t>
+            </a:r>
+            <a:r>
+              <a:rPr lang="mr-IN" sz="1800" dirty="0">
+                <a:solidFill>
+                  <a:schemeClr val="tx1"/>
+                </a:solidFill>
+                <a:latin typeface="Courier New"/>
+                <a:cs typeface="Courier New"/>
+              </a:rPr>
+              <a:t>)</a:t>
+            </a:r>
             <a:endParaRPr lang="en-US" sz="1800" dirty="0">
               <a:solidFill>
                 <a:schemeClr val="tx1"/>
@@ -13204,7 +13311,7 @@
                 <a:latin typeface="Courier New"/>
                 <a:cs typeface="Courier New"/>
               </a:rPr>
-              <a:t>sp1 = figure.</a:t>
+              <a:t>sp2.</a:t>
             </a:r>
             <a:r>
               <a:rPr lang="mr-IN" sz="1800" b="1" dirty="0">
@@ -13214,7 +13321,7 @@
                 <a:latin typeface="Courier New"/>
                 <a:cs typeface="Courier New"/>
               </a:rPr>
-              <a:t>add_subplot</a:t>
+              <a:t>hist</a:t>
             </a:r>
             <a:r>
               <a:rPr lang="mr-IN" sz="1800" dirty="0">
@@ -13224,8 +13331,15 @@
                 <a:latin typeface="Courier New"/>
                 <a:cs typeface="Courier New"/>
               </a:rPr>
-              <a:t>(2,2,1)</a:t>
-            </a:r>
+              <a:t>(randn(100), bins=20)</a:t>
+            </a:r>
+            <a:endParaRPr lang="en-US" sz="1800" dirty="0">
+              <a:solidFill>
+                <a:schemeClr val="tx1"/>
+              </a:solidFill>
+              <a:latin typeface="Courier New"/>
+              <a:cs typeface="Courier New"/>
+            </a:endParaRPr>
           </a:p>
           <a:p>
             <a:r>
@@ -13236,10 +13350,18 @@
                 <a:latin typeface="Courier New"/>
                 <a:cs typeface="Courier New"/>
               </a:rPr>
-              <a:t>sp2 = figure.add_subplot(2,2,2)</a:t>
-            </a:r>
-          </a:p>
-          <a:p>
+              <a:t>sp3.</a:t>
+            </a:r>
+            <a:r>
+              <a:rPr lang="mr-IN" sz="1800" b="1" dirty="0">
+                <a:solidFill>
+                  <a:schemeClr val="tx1"/>
+                </a:solidFill>
+                <a:latin typeface="Courier New"/>
+                <a:cs typeface="Courier New"/>
+              </a:rPr>
+              <a:t>scatter</a:t>
+            </a:r>
             <a:r>
               <a:rPr lang="mr-IN" sz="1800" dirty="0">
                 <a:solidFill>
@@ -13248,7 +13370,7 @@
                 <a:latin typeface="Courier New"/>
                 <a:cs typeface="Courier New"/>
               </a:rPr>
-              <a:t>sp3 = figure.add_subplot(2,2,3)</a:t>
+              <a:t>(randn(100), randn(100)-5*randn(100))</a:t>
             </a:r>
           </a:p>
           <a:p>
@@ -13260,10 +13382,67 @@
                 <a:latin typeface="Courier New"/>
                 <a:cs typeface="Courier New"/>
               </a:rPr>
-              <a:t>sp4 = figure.add_subplot(2,2,4)</a:t>
-            </a:r>
-          </a:p>
-          <a:p>
+              <a:t>sp4.hist(randn(100), bins=20, color=</a:t>
+            </a:r>
+            <a:r>
+              <a:rPr lang="en-US" sz="1800" dirty="0">
+                <a:solidFill>
+                  <a:schemeClr val="tx1"/>
+                </a:solidFill>
+                <a:latin typeface="Courier New"/>
+                <a:cs typeface="Courier New"/>
+              </a:rPr>
+              <a:t>'</a:t>
+            </a:r>
+            <a:r>
+              <a:rPr lang="en-GB" sz="1800" dirty="0">
+                <a:solidFill>
+                  <a:schemeClr val="tx1"/>
+                </a:solidFill>
+                <a:latin typeface="Courier New"/>
+                <a:cs typeface="Courier New"/>
+              </a:rPr>
+              <a:t>r</a:t>
+            </a:r>
+            <a:r>
+              <a:rPr lang="en-US" sz="1800" dirty="0">
+                <a:solidFill>
+                  <a:schemeClr val="tx1"/>
+                </a:solidFill>
+                <a:latin typeface="Courier New"/>
+                <a:cs typeface="Courier New"/>
+              </a:rPr>
+              <a:t>'</a:t>
+            </a:r>
+            <a:r>
+              <a:rPr lang="mr-IN" sz="1800" dirty="0">
+                <a:solidFill>
+                  <a:schemeClr val="tx1"/>
+                </a:solidFill>
+                <a:latin typeface="Courier New"/>
+                <a:cs typeface="Courier New"/>
+              </a:rPr>
+              <a:t>)</a:t>
+            </a:r>
+            <a:endParaRPr lang="en-US" sz="1800" dirty="0">
+              <a:solidFill>
+                <a:schemeClr val="tx1"/>
+              </a:solidFill>
+              <a:latin typeface="Courier New"/>
+              <a:cs typeface="Courier New"/>
+            </a:endParaRPr>
+          </a:p>
+          <a:p>
+            <a:r>
+              <a:rPr lang="en-US" sz="1800" dirty="0">
+                <a:solidFill>
+                  <a:schemeClr val="tx1"/>
+                </a:solidFill>
+                <a:latin typeface="Courier New"/>
+                <a:cs typeface="Courier New"/>
+              </a:rPr>
+              <a:t>plt.show()</a:t>
+            </a:r>
             <a:endParaRPr lang="mr-IN" sz="1800" dirty="0">
               <a:solidFill>
                 <a:schemeClr val="tx1"/>
@@ -13272,224 +13451,6 @@
               <a:cs typeface="Courier New"/>
             </a:endParaRPr>
           </a:p>
-          <a:p>
-            <a:r>
-              <a:rPr lang="mr-IN" sz="1800" dirty="0">
-                <a:solidFill>
-                  <a:schemeClr val="tx1"/>
-                </a:solidFill>
-                <a:latin typeface="Courier New"/>
-                <a:cs typeface="Courier New"/>
-              </a:rPr>
-              <a:t>sp1.</a:t>
-            </a:r>
-            <a:r>
-              <a:rPr lang="mr-IN" sz="1800" b="1" dirty="0">
-                <a:solidFill>
-                  <a:schemeClr val="tx1"/>
-                </a:solidFill>
-                <a:latin typeface="Courier New"/>
-                <a:cs typeface="Courier New"/>
-              </a:rPr>
-              <a:t>plot</a:t>
-            </a:r>
-            <a:r>
-              <a:rPr lang="mr-IN" sz="1800" dirty="0">
-                <a:solidFill>
-                  <a:schemeClr val="tx1"/>
-                </a:solidFill>
-                <a:latin typeface="Courier New"/>
-                <a:cs typeface="Courier New"/>
-              </a:rPr>
-              <a:t>(randn(100).cumsum(), 'k—</a:t>
-            </a:r>
-            <a:r>
-              <a:rPr lang="en-US" sz="1800" dirty="0">
-                <a:solidFill>
-                  <a:schemeClr val="tx1"/>
-                </a:solidFill>
-                <a:latin typeface="Courier New"/>
-                <a:cs typeface="Courier New"/>
-              </a:rPr>
-              <a:t>'</a:t>
-            </a:r>
-            <a:r>
-              <a:rPr lang="mr-IN" sz="1800" dirty="0">
-                <a:solidFill>
-                  <a:schemeClr val="tx1"/>
-                </a:solidFill>
-                <a:latin typeface="Courier New"/>
-                <a:cs typeface="Courier New"/>
-              </a:rPr>
-              <a:t>)</a:t>
-            </a:r>
-            <a:endParaRPr lang="en-US" sz="1800" dirty="0">
-              <a:solidFill>
-                <a:schemeClr val="tx1"/>
-              </a:solidFill>
-              <a:latin typeface="Courier New"/>
-              <a:cs typeface="Courier New"/>
-            </a:endParaRPr>
-          </a:p>
-          <a:p>
-            <a:r>
-              <a:rPr lang="mr-IN" sz="1800" dirty="0">
-                <a:solidFill>
-                  <a:schemeClr val="tx1"/>
-                </a:solidFill>
-                <a:latin typeface="Courier New"/>
-                <a:cs typeface="Courier New"/>
-              </a:rPr>
-              <a:t>sp2.</a:t>
-            </a:r>
-            <a:r>
-              <a:rPr lang="mr-IN" sz="1800" b="1" dirty="0">
-                <a:solidFill>
-                  <a:schemeClr val="tx1"/>
-                </a:solidFill>
-                <a:latin typeface="Courier New"/>
-                <a:cs typeface="Courier New"/>
-              </a:rPr>
-              <a:t>hist</a:t>
-            </a:r>
-            <a:r>
-              <a:rPr lang="mr-IN" sz="1800" dirty="0">
-                <a:solidFill>
-                  <a:schemeClr val="tx1"/>
-                </a:solidFill>
-                <a:latin typeface="Courier New"/>
-                <a:cs typeface="Courier New"/>
-              </a:rPr>
-              <a:t>(randn(100), bins=20)</a:t>
-            </a:r>
-            <a:endParaRPr lang="en-US" sz="1800" dirty="0">
-              <a:solidFill>
-                <a:schemeClr val="tx1"/>
-              </a:solidFill>
-              <a:latin typeface="Courier New"/>
-              <a:cs typeface="Courier New"/>
-            </a:endParaRPr>
-          </a:p>
-          <a:p>
-            <a:r>
-              <a:rPr lang="mr-IN" sz="1800" dirty="0">
-                <a:solidFill>
-                  <a:schemeClr val="tx1"/>
-                </a:solidFill>
-                <a:latin typeface="Courier New"/>
-                <a:cs typeface="Courier New"/>
-              </a:rPr>
-              <a:t>sp3.</a:t>
-            </a:r>
-            <a:r>
-              <a:rPr lang="mr-IN" sz="1800" b="1" dirty="0">
-                <a:solidFill>
-                  <a:schemeClr val="tx1"/>
-                </a:solidFill>
-                <a:latin typeface="Courier New"/>
-                <a:cs typeface="Courier New"/>
-              </a:rPr>
-              <a:t>scatter</a:t>
-            </a:r>
-            <a:r>
-              <a:rPr lang="mr-IN" sz="1800" dirty="0">
-                <a:solidFill>
-                  <a:schemeClr val="tx1"/>
-                </a:solidFill>
-                <a:latin typeface="Courier New"/>
-                <a:cs typeface="Courier New"/>
-              </a:rPr>
-              <a:t>(randn(100), randn(100)-5*randn(100))</a:t>
-            </a:r>
-          </a:p>
-          <a:p>
-            <a:r>
-              <a:rPr lang="mr-IN" sz="1800" dirty="0">
-                <a:solidFill>
-                  <a:schemeClr val="tx1"/>
-                </a:solidFill>
-                <a:latin typeface="Courier New"/>
-                <a:cs typeface="Courier New"/>
-              </a:rPr>
-              <a:t>sp4.hist(randn(100), bins=20, color=</a:t>
-            </a:r>
-            <a:r>
-              <a:rPr lang="en-US" sz="1800" dirty="0">
-                <a:solidFill>
-                  <a:schemeClr val="tx1"/>
-                </a:solidFill>
-                <a:latin typeface="Courier New"/>
-                <a:cs typeface="Courier New"/>
-              </a:rPr>
-              <a:t>'</a:t>
-            </a:r>
-            <a:r>
-              <a:rPr lang="en-GB" sz="1800" dirty="0">
-                <a:solidFill>
-                  <a:schemeClr val="tx1"/>
-                </a:solidFill>
-                <a:latin typeface="Courier New"/>
-                <a:cs typeface="Courier New"/>
-              </a:rPr>
-              <a:t>r</a:t>
-            </a:r>
-            <a:r>
-              <a:rPr lang="en-US" sz="1800" dirty="0">
-                <a:solidFill>
-                  <a:schemeClr val="tx1"/>
-                </a:solidFill>
-                <a:latin typeface="Courier New"/>
-                <a:cs typeface="Courier New"/>
-              </a:rPr>
-              <a:t>'</a:t>
-            </a:r>
-            <a:r>
-              <a:rPr lang="mr-IN" sz="1800" dirty="0">
-                <a:solidFill>
-                  <a:schemeClr val="tx1"/>
-                </a:solidFill>
-                <a:latin typeface="Courier New"/>
-                <a:cs typeface="Courier New"/>
-              </a:rPr>
-              <a:t>)</a:t>
-            </a:r>
-            <a:endParaRPr lang="en-US" sz="1800" dirty="0">
-              <a:solidFill>
-                <a:schemeClr val="tx1"/>
-              </a:solidFill>
-              <a:latin typeface="Courier New"/>
-              <a:cs typeface="Courier New"/>
-            </a:endParaRPr>
-          </a:p>
-          <a:p>
-            <a:r>
-              <a:rPr lang="en-US" sz="1800" dirty="0" err="1">
-                <a:solidFill>
-                  <a:schemeClr val="tx1"/>
-                </a:solidFill>
-                <a:latin typeface="Courier New"/>
-                <a:cs typeface="Courier New"/>
-              </a:rPr>
-              <a:t>plt.show</a:t>
-            </a:r>
-            <a:r>
-              <a:rPr lang="en-US" sz="1800" dirty="0">
-                <a:solidFill>
-                  <a:schemeClr val="tx1"/>
-                </a:solidFill>
-                <a:latin typeface="Courier New"/>
-                <a:cs typeface="Courier New"/>
-              </a:rPr>
-              <a:t>()</a:t>
-            </a:r>
-            <a:endParaRPr lang="mr-IN" sz="1800" dirty="0">
-              <a:solidFill>
-                <a:schemeClr val="tx1"/>
-              </a:solidFill>
-              <a:latin typeface="Courier New"/>
-              <a:cs typeface="Courier New"/>
-            </a:endParaRPr>
-          </a:p>
         </p:txBody>
       </p:sp>
       <p:sp>
@@ -13502,13 +13463,13 @@
         </p:nvSpPr>
         <p:spPr bwMode="auto">
           <a:xfrm>
-            <a:off x="6594994" y="2532127"/>
+            <a:off x="6559825" y="2168712"/>
             <a:ext cx="1545913" cy="584776"/>
           </a:xfrm>
           <a:prstGeom prst="wedgeRectCallout">
             <a:avLst>
-              <a:gd name="adj1" fmla="val -121273"/>
-              <a:gd name="adj2" fmla="val 130945"/>
+              <a:gd name="adj1" fmla="val -116723"/>
+              <a:gd name="adj2" fmla="val 175049"/>
             </a:avLst>
           </a:prstGeom>
           <a:solidFill>
@@ -13558,7 +13519,7 @@
         </p:nvSpPr>
         <p:spPr bwMode="auto">
           <a:xfrm>
-            <a:off x="6622007" y="3667659"/>
+            <a:off x="6622007" y="3515260"/>
             <a:ext cx="1499292" cy="584776"/>
           </a:xfrm>
           <a:prstGeom prst="wedgeRectCallout">
@@ -13754,18 +13715,12 @@
           <a:bodyPr/>
           <a:lstStyle/>
           <a:p>
-            <a:endParaRPr lang="en-US" dirty="0">
-              <a:latin typeface="+mn-lt"/>
-              <a:cs typeface="Courier New"/>
-            </a:endParaRPr>
-          </a:p>
-          <a:p>
             <a:r>
               <a:rPr lang="en-US" dirty="0"/>
               <a:t>Plots can be saved using the </a:t>
             </a:r>
             <a:r>
-              <a:rPr lang="en-US" dirty="0" err="1">
+              <a:rPr lang="en-US" dirty="0">
                 <a:latin typeface="Courier New"/>
                 <a:cs typeface="Courier New"/>
               </a:rPr>
@@ -13781,6 +13736,9 @@
               <a:rPr lang="en-US" dirty="0"/>
               <a:t>Various file formats are supported and can be listed with the following command:</a:t>
             </a:r>
+          </a:p>
+          <a:p>
+            <a:endParaRPr lang="en-US" sz="2000" dirty="0"/>
           </a:p>
           <a:p>
             <a:endParaRPr lang="en-US" dirty="0">
@@ -13966,44 +13924,14 @@
           </a:lstStyle>
           <a:p>
             <a:r>
-              <a:rPr lang="en-US" sz="1800" b="1" dirty="0" err="1">
+              <a:rPr lang="en-US" sz="1800" b="1" dirty="0">
                 <a:solidFill>
                   <a:schemeClr val="tx1"/>
                 </a:solidFill>
                 <a:latin typeface="Courier New"/>
                 <a:cs typeface="Courier New"/>
               </a:rPr>
-              <a:t>plt.gcf</a:t>
-            </a:r>
-            <a:r>
-              <a:rPr lang="en-US" sz="1800" b="1" dirty="0">
-                <a:solidFill>
-                  <a:schemeClr val="tx1"/>
-                </a:solidFill>
-                <a:latin typeface="Courier New"/>
-                <a:cs typeface="Courier New"/>
-              </a:rPr>
-              <a:t>().</a:t>
-            </a:r>
-            <a:r>
-              <a:rPr lang="en-US" sz="1800" b="1" dirty="0" err="1">
-                <a:solidFill>
-                  <a:schemeClr val="tx1"/>
-                </a:solidFill>
-                <a:latin typeface="Courier New"/>
-                <a:cs typeface="Courier New"/>
-              </a:rPr>
-              <a:t>canvas.get_supported_filetypes_grouped</a:t>
-            </a:r>
-            <a:r>
-              <a:rPr lang="en-US" sz="1800" b="1" dirty="0">
-                <a:solidFill>
-                  <a:schemeClr val="tx1"/>
-                </a:solidFill>
-                <a:latin typeface="Courier New"/>
-                <a:cs typeface="Courier New"/>
-              </a:rPr>
-              <a:t>()</a:t>
+              <a:t>plt.gcf().canvas.get_supported_filetypes_grouped()</a:t>
             </a:r>
           </a:p>
           <a:p>
@@ -14024,167 +13952,7 @@
                 <a:latin typeface="Courier New"/>
                 <a:cs typeface="Courier New"/>
               </a:rPr>
-              <a:t>{'Postscript': ['</a:t>
-            </a:r>
-            <a:r>
-              <a:rPr lang="en-US" sz="1800" dirty="0" err="1">
-                <a:solidFill>
-                  <a:schemeClr val="tx1"/>
-                </a:solidFill>
-                <a:latin typeface="Courier New"/>
-                <a:cs typeface="Courier New"/>
-              </a:rPr>
-              <a:t>ps</a:t>
-            </a:r>
-            <a:r>
-              <a:rPr lang="en-US" sz="1800" dirty="0">
-                <a:solidFill>
-                  <a:schemeClr val="tx1"/>
-                </a:solidFill>
-                <a:latin typeface="Courier New"/>
-                <a:cs typeface="Courier New"/>
-              </a:rPr>
-              <a:t>'], 'Encapsulated Postscript': ['eps'], 'Portable Document Format': ['pdf'], 'PGF code for </a:t>
-            </a:r>
-            <a:r>
-              <a:rPr lang="en-US" sz="1800" dirty="0" err="1">
-                <a:solidFill>
-                  <a:schemeClr val="tx1"/>
-                </a:solidFill>
-                <a:latin typeface="Courier New"/>
-                <a:cs typeface="Courier New"/>
-              </a:rPr>
-              <a:t>LaTeX</a:t>
-            </a:r>
-            <a:r>
-              <a:rPr lang="en-US" sz="1800" dirty="0">
-                <a:solidFill>
-                  <a:schemeClr val="tx1"/>
-                </a:solidFill>
-                <a:latin typeface="Courier New"/>
-                <a:cs typeface="Courier New"/>
-              </a:rPr>
-              <a:t>': ['</a:t>
-            </a:r>
-            <a:r>
-              <a:rPr lang="en-US" sz="1800" dirty="0" err="1">
-                <a:solidFill>
-                  <a:schemeClr val="tx1"/>
-                </a:solidFill>
-                <a:latin typeface="Courier New"/>
-                <a:cs typeface="Courier New"/>
-              </a:rPr>
-              <a:t>pgf</a:t>
-            </a:r>
-            <a:r>
-              <a:rPr lang="en-US" sz="1800" dirty="0">
-                <a:solidFill>
-                  <a:schemeClr val="tx1"/>
-                </a:solidFill>
-                <a:latin typeface="Courier New"/>
-                <a:cs typeface="Courier New"/>
-              </a:rPr>
-              <a:t>'], 'Portable Network Graphics': ['</a:t>
-            </a:r>
-            <a:r>
-              <a:rPr lang="en-US" sz="1800" dirty="0" err="1">
-                <a:solidFill>
-                  <a:schemeClr val="tx1"/>
-                </a:solidFill>
-                <a:latin typeface="Courier New"/>
-                <a:cs typeface="Courier New"/>
-              </a:rPr>
-              <a:t>png</a:t>
-            </a:r>
-            <a:r>
-              <a:rPr lang="en-US" sz="1800" dirty="0">
-                <a:solidFill>
-                  <a:schemeClr val="tx1"/>
-                </a:solidFill>
-                <a:latin typeface="Courier New"/>
-                <a:cs typeface="Courier New"/>
-              </a:rPr>
-              <a:t>'], 'Raw RGBA bitmap': ['raw', '</a:t>
-            </a:r>
-            <a:r>
-              <a:rPr lang="en-US" sz="1800" dirty="0" err="1">
-                <a:solidFill>
-                  <a:schemeClr val="tx1"/>
-                </a:solidFill>
-                <a:latin typeface="Courier New"/>
-                <a:cs typeface="Courier New"/>
-              </a:rPr>
-              <a:t>rgba</a:t>
-            </a:r>
-            <a:r>
-              <a:rPr lang="en-US" sz="1800" dirty="0">
-                <a:solidFill>
-                  <a:schemeClr val="tx1"/>
-                </a:solidFill>
-                <a:latin typeface="Courier New"/>
-                <a:cs typeface="Courier New"/>
-              </a:rPr>
-              <a:t>'], 'Scalable Vector Graphics': ['</a:t>
-            </a:r>
-            <a:r>
-              <a:rPr lang="en-US" sz="1800" dirty="0" err="1">
-                <a:solidFill>
-                  <a:schemeClr val="tx1"/>
-                </a:solidFill>
-                <a:latin typeface="Courier New"/>
-                <a:cs typeface="Courier New"/>
-              </a:rPr>
-              <a:t>svg</a:t>
-            </a:r>
-            <a:r>
-              <a:rPr lang="en-US" sz="1800" dirty="0">
-                <a:solidFill>
-                  <a:schemeClr val="tx1"/>
-                </a:solidFill>
-                <a:latin typeface="Courier New"/>
-                <a:cs typeface="Courier New"/>
-              </a:rPr>
-              <a:t>', '</a:t>
-            </a:r>
-            <a:r>
-              <a:rPr lang="en-US" sz="1800" dirty="0" err="1">
-                <a:solidFill>
-                  <a:schemeClr val="tx1"/>
-                </a:solidFill>
-                <a:latin typeface="Courier New"/>
-                <a:cs typeface="Courier New"/>
-              </a:rPr>
-              <a:t>svgz</a:t>
-            </a:r>
-            <a:r>
-              <a:rPr lang="en-US" sz="1800" dirty="0">
-                <a:solidFill>
-                  <a:schemeClr val="tx1"/>
-                </a:solidFill>
-                <a:latin typeface="Courier New"/>
-                <a:cs typeface="Courier New"/>
-              </a:rPr>
-              <a:t>'], 'Joint Photographic Experts Group': ['jpeg', 'jpg'], 'Tagged Image File Format': ['</a:t>
-            </a:r>
-            <a:r>
-              <a:rPr lang="en-US" sz="1800" dirty="0" err="1">
-                <a:solidFill>
-                  <a:schemeClr val="tx1"/>
-                </a:solidFill>
-                <a:latin typeface="Courier New"/>
-                <a:cs typeface="Courier New"/>
-              </a:rPr>
-              <a:t>tif</a:t>
-            </a:r>
-            <a:r>
-              <a:rPr lang="en-US" sz="1800" dirty="0">
-                <a:solidFill>
-                  <a:schemeClr val="tx1"/>
-                </a:solidFill>
-                <a:latin typeface="Courier New"/>
-                <a:cs typeface="Courier New"/>
-              </a:rPr>
-              <a:t>', 'tiff']}</a:t>
+              <a:t>{'Postscript': ['ps'], 'Encapsulated Postscript': ['eps'], 'Portable Document Format': ['pdf'], 'PGF code for LaTeX': ['pgf'], 'Portable Network Graphics': ['png'], 'Raw RGBA bitmap': ['raw', 'rgba'], 'Scalable Vector Graphics': ['svg', 'svgz'], 'Joint Photographic Experts Group': ['jpeg', 'jpg'], 'Tagged Image File Format': ['tif', 'tiff']}</a:t>
             </a:r>
             <a:endParaRPr lang="mr-IN" sz="1800" dirty="0">
               <a:solidFill>
@@ -14345,15 +14113,17 @@
           </a:lstStyle>
           <a:p>
             <a:r>
-              <a:rPr lang="en-US" sz="1800" b="1" dirty="0" err="1">
+              <a:rPr lang="en-US" sz="1800" b="1" dirty="0">
                 <a:solidFill>
                   <a:schemeClr val="tx1"/>
                 </a:solidFill>
                 <a:latin typeface="Courier New"/>
                 <a:cs typeface="Courier New"/>
               </a:rPr>
-              <a:t>plt.savefig</a:t>
-            </a:r>
+              <a:t>plt.savefig('chart1.jpg')</a:t>
+            </a:r>
+          </a:p>
+          <a:p>
             <a:r>
               <a:rPr lang="en-US" sz="1800" b="1" dirty="0">
                 <a:solidFill>
@@ -14362,29 +14132,7 @@
                 <a:latin typeface="Courier New"/>
                 <a:cs typeface="Courier New"/>
               </a:rPr>
-              <a:t>('chart1.jpg')</a:t>
-            </a:r>
-          </a:p>
-          <a:p>
-            <a:r>
-              <a:rPr lang="en-US" sz="1800" b="1" dirty="0" err="1">
-                <a:solidFill>
-                  <a:schemeClr val="tx1"/>
-                </a:solidFill>
-                <a:latin typeface="Courier New"/>
-                <a:cs typeface="Courier New"/>
-              </a:rPr>
-              <a:t>plt.savefig</a:t>
-            </a:r>
-            <a:r>
-              <a:rPr lang="en-US" sz="1800" b="1" dirty="0">
-                <a:solidFill>
-                  <a:schemeClr val="tx1"/>
-                </a:solidFill>
-                <a:latin typeface="Courier New"/>
-                <a:cs typeface="Courier New"/>
-              </a:rPr>
-              <a:t>('chart1.pdf'</a:t>
+              <a:t>plt.savefig('chart1.pdf'</a:t>
             </a:r>
             <a:endParaRPr lang="en-US" sz="1800" dirty="0">
               <a:solidFill>
@@ -16356,52 +16104,6 @@
 </file>
 
 <file path=customXml/item1.xml><?xml version="1.0" encoding="utf-8"?>
-<?mso-contentType ?>
-<spe:Receivers xmlns:spe="http://schemas.microsoft.com/sharepoint/events">
-  <Receiver>
-    <Name>Document ID Generator</Name>
-    <Synchronization>Synchronous</Synchronization>
-    <Type>10001</Type>
-    <SequenceNumber>1000</SequenceNumber>
-    <Assembly>Microsoft.Office.DocumentManagement, Version=14.0.0.0, Culture=neutral, PublicKeyToken=71e9bce111e9429c</Assembly>
-    <Class>Microsoft.Office.DocumentManagement.Internal.DocIdHandler</Class>
-    <Data/>
-    <Filter/>
-  </Receiver>
-  <Receiver>
-    <Name>Document ID Generator</Name>
-    <Synchronization>Synchronous</Synchronization>
-    <Type>10002</Type>
-    <SequenceNumber>1001</SequenceNumber>
-    <Assembly>Microsoft.Office.DocumentManagement, Version=14.0.0.0, Culture=neutral, PublicKeyToken=71e9bce111e9429c</Assembly>
-    <Class>Microsoft.Office.DocumentManagement.Internal.DocIdHandler</Class>
-    <Data/>
-    <Filter/>
-  </Receiver>
-  <Receiver>
-    <Name>Document ID Generator</Name>
-    <Synchronization>Synchronous</Synchronization>
-    <Type>10004</Type>
-    <SequenceNumber>1002</SequenceNumber>
-    <Assembly>Microsoft.Office.DocumentManagement, Version=14.0.0.0, Culture=neutral, PublicKeyToken=71e9bce111e9429c</Assembly>
-    <Class>Microsoft.Office.DocumentManagement.Internal.DocIdHandler</Class>
-    <Data/>
-    <Filter/>
-  </Receiver>
-  <Receiver>
-    <Name>Document ID Generator</Name>
-    <Synchronization>Synchronous</Synchronization>
-    <Type>10006</Type>
-    <SequenceNumber>1003</SequenceNumber>
-    <Assembly>Microsoft.Office.DocumentManagement, Version=14.0.0.0, Culture=neutral, PublicKeyToken=71e9bce111e9429c</Assembly>
-    <Class>Microsoft.Office.DocumentManagement.Internal.DocIdHandler</Class>
-    <Data/>
-    <Filter/>
-  </Receiver>
-</spe:Receivers>
-</file>
-
-<file path=customXml/item2.xml><?xml version="1.0" encoding="utf-8"?>
 <ct:contentTypeSchema xmlns:ct="http://schemas.microsoft.com/office/2006/metadata/contentType" xmlns:ma="http://schemas.microsoft.com/office/2006/metadata/properties/metaAttributes" ct:_="" ma:_="" ma:contentTypeName="Document" ma:contentTypeID="0x0101006B08A054FD435346B287BB258D6D8C2A" ma:contentTypeVersion="2" ma:contentTypeDescription="Create a new document." ma:contentTypeScope="" ma:versionID="6146b90b4382322d8952632f355192b7">
   <xsd:schema xmlns:xsd="http://www.w3.org/2001/XMLSchema" xmlns:xs="http://www.w3.org/2001/XMLSchema" xmlns:p="http://schemas.microsoft.com/office/2006/metadata/properties" xmlns:ns2="027ed24f-5970-4294-be5c-0919c5aaa214" xmlns:ns3="037063e9-a85e-4c78-8627-f1a9315663e5" targetNamespace="http://schemas.microsoft.com/office/2006/metadata/properties" ma:root="true" ma:fieldsID="b5d91f802dafd2e22aeea528efbe2d3e" ns2:_="" ns3:_="">
     <xsd:import namespace="027ed24f-5970-4294-be5c-0919c5aaa214"/>
@@ -16567,16 +16269,53 @@
 </ct:contentTypeSchema>
 </file>
 
-<file path=customXml/item3.xml><?xml version="1.0" encoding="utf-8"?>
+<file path=customXml/item2.xml><?xml version="1.0" encoding="utf-8"?>
 <?mso-contentType ?>
-<FormTemplates xmlns="http://schemas.microsoft.com/sharepoint/v3/contenttype/forms">
-  <Display>DocumentLibraryForm</Display>
-  <Edit>DocumentLibraryForm</Edit>
-  <New>DocumentLibraryForm</New>
-</FormTemplates>
+<spe:Receivers xmlns:spe="http://schemas.microsoft.com/sharepoint/events">
+  <Receiver>
+    <Name>Document ID Generator</Name>
+    <Synchronization>Synchronous</Synchronization>
+    <Type>10001</Type>
+    <SequenceNumber>1000</SequenceNumber>
+    <Assembly>Microsoft.Office.DocumentManagement, Version=14.0.0.0, Culture=neutral, PublicKeyToken=71e9bce111e9429c</Assembly>
+    <Class>Microsoft.Office.DocumentManagement.Internal.DocIdHandler</Class>
+    <Data/>
+    <Filter/>
+  </Receiver>
+  <Receiver>
+    <Name>Document ID Generator</Name>
+    <Synchronization>Synchronous</Synchronization>
+    <Type>10002</Type>
+    <SequenceNumber>1001</SequenceNumber>
+    <Assembly>Microsoft.Office.DocumentManagement, Version=14.0.0.0, Culture=neutral, PublicKeyToken=71e9bce111e9429c</Assembly>
+    <Class>Microsoft.Office.DocumentManagement.Internal.DocIdHandler</Class>
+    <Data/>
+    <Filter/>
+  </Receiver>
+  <Receiver>
+    <Name>Document ID Generator</Name>
+    <Synchronization>Synchronous</Synchronization>
+    <Type>10004</Type>
+    <SequenceNumber>1002</SequenceNumber>
+    <Assembly>Microsoft.Office.DocumentManagement, Version=14.0.0.0, Culture=neutral, PublicKeyToken=71e9bce111e9429c</Assembly>
+    <Class>Microsoft.Office.DocumentManagement.Internal.DocIdHandler</Class>
+    <Data/>
+    <Filter/>
+  </Receiver>
+  <Receiver>
+    <Name>Document ID Generator</Name>
+    <Synchronization>Synchronous</Synchronization>
+    <Type>10006</Type>
+    <SequenceNumber>1003</SequenceNumber>
+    <Assembly>Microsoft.Office.DocumentManagement, Version=14.0.0.0, Culture=neutral, PublicKeyToken=71e9bce111e9429c</Assembly>
+    <Class>Microsoft.Office.DocumentManagement.Internal.DocIdHandler</Class>
+    <Data/>
+    <Filter/>
+  </Receiver>
+</spe:Receivers>
 </file>
 
-<file path=customXml/item4.xml><?xml version="1.0" encoding="utf-8"?>
+<file path=customXml/item3.xml><?xml version="1.0" encoding="utf-8"?>
 <p:properties xmlns:p="http://schemas.microsoft.com/office/2006/metadata/properties" xmlns:xsi="http://www.w3.org/2001/XMLSchema-instance" xmlns:pc="http://schemas.microsoft.com/office/infopath/2007/PartnerControls">
   <documentManagement>
     <_dlc_DocId xmlns="037063e9-a85e-4c78-8627-f1a9315663e5">EVEA5JW6U4JV-6-9960</_dlc_DocId>
@@ -16590,15 +16329,16 @@
 </p:properties>
 </file>
 
-<file path=customXml/itemProps1.xml><?xml version="1.0" encoding="utf-8"?>
-<ds:datastoreItem xmlns:ds="http://schemas.openxmlformats.org/officeDocument/2006/customXml" ds:itemID="{B9043294-8302-4947-B882-02D6486F929C}">
-  <ds:schemaRefs>
-    <ds:schemaRef ds:uri="http://schemas.microsoft.com/sharepoint/events"/>
-  </ds:schemaRefs>
-</ds:datastoreItem>
+<file path=customXml/item4.xml><?xml version="1.0" encoding="utf-8"?>
+<?mso-contentType ?>
+<FormTemplates xmlns="http://schemas.microsoft.com/sharepoint/v3/contenttype/forms">
+  <Display>DocumentLibraryForm</Display>
+  <Edit>DocumentLibraryForm</Edit>
+  <New>DocumentLibraryForm</New>
+</FormTemplates>
 </file>
 
-<file path=customXml/itemProps2.xml><?xml version="1.0" encoding="utf-8"?>
+<file path=customXml/itemProps1.xml><?xml version="1.0" encoding="utf-8"?>
 <ds:datastoreItem xmlns:ds="http://schemas.openxmlformats.org/officeDocument/2006/customXml" ds:itemID="{22DC1111-121F-4086-B564-4B1C46DE4FF3}">
   <ds:schemaRefs>
     <ds:schemaRef ds:uri="http://schemas.microsoft.com/office/2006/metadata/contentType"/>
@@ -16617,15 +16357,15 @@
 </ds:datastoreItem>
 </file>
 
-<file path=customXml/itemProps3.xml><?xml version="1.0" encoding="utf-8"?>
-<ds:datastoreItem xmlns:ds="http://schemas.openxmlformats.org/officeDocument/2006/customXml" ds:itemID="{2DA015F3-603C-4688-A5F3-81D587DAB8C9}">
+<file path=customXml/itemProps2.xml><?xml version="1.0" encoding="utf-8"?>
+<ds:datastoreItem xmlns:ds="http://schemas.openxmlformats.org/officeDocument/2006/customXml" ds:itemID="{B9043294-8302-4947-B882-02D6486F929C}">
   <ds:schemaRefs>
-    <ds:schemaRef ds:uri="http://schemas.microsoft.com/sharepoint/v3/contenttype/forms"/>
+    <ds:schemaRef ds:uri="http://schemas.microsoft.com/sharepoint/events"/>
   </ds:schemaRefs>
 </ds:datastoreItem>
 </file>
 
-<file path=customXml/itemProps4.xml><?xml version="1.0" encoding="utf-8"?>
+<file path=customXml/itemProps3.xml><?xml version="1.0" encoding="utf-8"?>
 <ds:datastoreItem xmlns:ds="http://schemas.openxmlformats.org/officeDocument/2006/customXml" ds:itemID="{F47B9207-CE5C-49AD-B414-15CBFA246D65}">
   <ds:schemaRefs>
     <ds:schemaRef ds:uri="http://schemas.microsoft.com/office/2006/metadata/properties"/>
@@ -16634,4 +16374,12 @@
     <ds:schemaRef ds:uri="027ed24f-5970-4294-be5c-0919c5aaa214"/>
   </ds:schemaRefs>
 </ds:datastoreItem>
+</file>
+
+<file path=customXml/itemProps4.xml><?xml version="1.0" encoding="utf-8"?>
+<ds:datastoreItem xmlns:ds="http://schemas.openxmlformats.org/officeDocument/2006/customXml" ds:itemID="{2DA015F3-603C-4688-A5F3-81D587DAB8C9}">
+  <ds:schemaRefs>
+    <ds:schemaRef ds:uri="http://schemas.microsoft.com/sharepoint/v3/contenttype/forms"/>
+  </ds:schemaRefs>
+</ds:datastoreItem>
 </file>
--- a/811M-Ch05_PlottingAndVisualization.pptx
+++ b/811M-Ch05_PlottingAndVisualization.pptx
@@ -14132,7 +14132,17 @@
                 <a:latin typeface="Courier New"/>
                 <a:cs typeface="Courier New"/>
               </a:rPr>
-              <a:t>plt.savefig('chart1.pdf'</a:t>
+              <a:t>plt.savefig('chart1.</a:t>
+            </a:r>
+            <a:r>
+              <a:rPr lang="en-US" sz="1800" b="1">
+                <a:solidFill>
+                  <a:schemeClr val="tx1"/>
+                </a:solidFill>
+                <a:latin typeface="Courier New"/>
+                <a:cs typeface="Courier New"/>
+              </a:rPr>
+              <a:t>pdf')</a:t>
             </a:r>
             <a:endParaRPr lang="en-US" sz="1800" dirty="0">
               <a:solidFill>
@@ -16104,6 +16114,52 @@
 </file>
 
 <file path=customXml/item1.xml><?xml version="1.0" encoding="utf-8"?>
+<?mso-contentType ?>
+<spe:Receivers xmlns:spe="http://schemas.microsoft.com/sharepoint/events">
+  <Receiver>
+    <Name>Document ID Generator</Name>
+    <Synchronization>Synchronous</Synchronization>
+    <Type>10001</Type>
+    <SequenceNumber>1000</SequenceNumber>
+    <Assembly>Microsoft.Office.DocumentManagement, Version=14.0.0.0, Culture=neutral, PublicKeyToken=71e9bce111e9429c</Assembly>
+    <Class>Microsoft.Office.DocumentManagement.Internal.DocIdHandler</Class>
+    <Data/>
+    <Filter/>
+  </Receiver>
+  <Receiver>
+    <Name>Document ID Generator</Name>
+    <Synchronization>Synchronous</Synchronization>
+    <Type>10002</Type>
+    <SequenceNumber>1001</SequenceNumber>
+    <Assembly>Microsoft.Office.DocumentManagement, Version=14.0.0.0, Culture=neutral, PublicKeyToken=71e9bce111e9429c</Assembly>
+    <Class>Microsoft.Office.DocumentManagement.Internal.DocIdHandler</Class>
+    <Data/>
+    <Filter/>
+  </Receiver>
+  <Receiver>
+    <Name>Document ID Generator</Name>
+    <Synchronization>Synchronous</Synchronization>
+    <Type>10004</Type>
+    <SequenceNumber>1002</SequenceNumber>
+    <Assembly>Microsoft.Office.DocumentManagement, Version=14.0.0.0, Culture=neutral, PublicKeyToken=71e9bce111e9429c</Assembly>
+    <Class>Microsoft.Office.DocumentManagement.Internal.DocIdHandler</Class>
+    <Data/>
+    <Filter/>
+  </Receiver>
+  <Receiver>
+    <Name>Document ID Generator</Name>
+    <Synchronization>Synchronous</Synchronization>
+    <Type>10006</Type>
+    <SequenceNumber>1003</SequenceNumber>
+    <Assembly>Microsoft.Office.DocumentManagement, Version=14.0.0.0, Culture=neutral, PublicKeyToken=71e9bce111e9429c</Assembly>
+    <Class>Microsoft.Office.DocumentManagement.Internal.DocIdHandler</Class>
+    <Data/>
+    <Filter/>
+  </Receiver>
+</spe:Receivers>
+</file>
+
+<file path=customXml/item2.xml><?xml version="1.0" encoding="utf-8"?>
 <ct:contentTypeSchema xmlns:ct="http://schemas.microsoft.com/office/2006/metadata/contentType" xmlns:ma="http://schemas.microsoft.com/office/2006/metadata/properties/metaAttributes" ct:_="" ma:_="" ma:contentTypeName="Document" ma:contentTypeID="0x0101006B08A054FD435346B287BB258D6D8C2A" ma:contentTypeVersion="2" ma:contentTypeDescription="Create a new document." ma:contentTypeScope="" ma:versionID="6146b90b4382322d8952632f355192b7">
   <xsd:schema xmlns:xsd="http://www.w3.org/2001/XMLSchema" xmlns:xs="http://www.w3.org/2001/XMLSchema" xmlns:p="http://schemas.microsoft.com/office/2006/metadata/properties" xmlns:ns2="027ed24f-5970-4294-be5c-0919c5aaa214" xmlns:ns3="037063e9-a85e-4c78-8627-f1a9315663e5" targetNamespace="http://schemas.microsoft.com/office/2006/metadata/properties" ma:root="true" ma:fieldsID="b5d91f802dafd2e22aeea528efbe2d3e" ns2:_="" ns3:_="">
     <xsd:import namespace="027ed24f-5970-4294-be5c-0919c5aaa214"/>
@@ -16269,53 +16325,16 @@
 </ct:contentTypeSchema>
 </file>
 
-<file path=customXml/item2.xml><?xml version="1.0" encoding="utf-8"?>
+<file path=customXml/item3.xml><?xml version="1.0" encoding="utf-8"?>
 <?mso-contentType ?>
-<spe:Receivers xmlns:spe="http://schemas.microsoft.com/sharepoint/events">
-  <Receiver>
-    <Name>Document ID Generator</Name>
-    <Synchronization>Synchronous</Synchronization>
-    <Type>10001</Type>
-    <SequenceNumber>1000</SequenceNumber>
-    <Assembly>Microsoft.Office.DocumentManagement, Version=14.0.0.0, Culture=neutral, PublicKeyToken=71e9bce111e9429c</Assembly>
-    <Class>Microsoft.Office.DocumentManagement.Internal.DocIdHandler</Class>
-    <Data/>
-    <Filter/>
-  </Receiver>
-  <Receiver>
-    <Name>Document ID Generator</Name>
-    <Synchronization>Synchronous</Synchronization>
-    <Type>10002</Type>
-    <SequenceNumber>1001</SequenceNumber>
-    <Assembly>Microsoft.Office.DocumentManagement, Version=14.0.0.0, Culture=neutral, PublicKeyToken=71e9bce111e9429c</Assembly>
-    <Class>Microsoft.Office.DocumentManagement.Internal.DocIdHandler</Class>
-    <Data/>
-    <Filter/>
-  </Receiver>
-  <Receiver>
-    <Name>Document ID Generator</Name>
-    <Synchronization>Synchronous</Synchronization>
-    <Type>10004</Type>
-    <SequenceNumber>1002</SequenceNumber>
-    <Assembly>Microsoft.Office.DocumentManagement, Version=14.0.0.0, Culture=neutral, PublicKeyToken=71e9bce111e9429c</Assembly>
-    <Class>Microsoft.Office.DocumentManagement.Internal.DocIdHandler</Class>
-    <Data/>
-    <Filter/>
-  </Receiver>
-  <Receiver>
-    <Name>Document ID Generator</Name>
-    <Synchronization>Synchronous</Synchronization>
-    <Type>10006</Type>
-    <SequenceNumber>1003</SequenceNumber>
-    <Assembly>Microsoft.Office.DocumentManagement, Version=14.0.0.0, Culture=neutral, PublicKeyToken=71e9bce111e9429c</Assembly>
-    <Class>Microsoft.Office.DocumentManagement.Internal.DocIdHandler</Class>
-    <Data/>
-    <Filter/>
-  </Receiver>
-</spe:Receivers>
+<FormTemplates xmlns="http://schemas.microsoft.com/sharepoint/v3/contenttype/forms">
+  <Display>DocumentLibraryForm</Display>
+  <Edit>DocumentLibraryForm</Edit>
+  <New>DocumentLibraryForm</New>
+</FormTemplates>
 </file>
 
-<file path=customXml/item3.xml><?xml version="1.0" encoding="utf-8"?>
+<file path=customXml/item4.xml><?xml version="1.0" encoding="utf-8"?>
 <p:properties xmlns:p="http://schemas.microsoft.com/office/2006/metadata/properties" xmlns:xsi="http://www.w3.org/2001/XMLSchema-instance" xmlns:pc="http://schemas.microsoft.com/office/infopath/2007/PartnerControls">
   <documentManagement>
     <_dlc_DocId xmlns="037063e9-a85e-4c78-8627-f1a9315663e5">EVEA5JW6U4JV-6-9960</_dlc_DocId>
@@ -16329,16 +16348,15 @@
 </p:properties>
 </file>
 
-<file path=customXml/item4.xml><?xml version="1.0" encoding="utf-8"?>
-<?mso-contentType ?>
-<FormTemplates xmlns="http://schemas.microsoft.com/sharepoint/v3/contenttype/forms">
-  <Display>DocumentLibraryForm</Display>
-  <Edit>DocumentLibraryForm</Edit>
-  <New>DocumentLibraryForm</New>
-</FormTemplates>
+<file path=customXml/itemProps1.xml><?xml version="1.0" encoding="utf-8"?>
+<ds:datastoreItem xmlns:ds="http://schemas.openxmlformats.org/officeDocument/2006/customXml" ds:itemID="{B9043294-8302-4947-B882-02D6486F929C}">
+  <ds:schemaRefs>
+    <ds:schemaRef ds:uri="http://schemas.microsoft.com/sharepoint/events"/>
+  </ds:schemaRefs>
+</ds:datastoreItem>
 </file>
 
-<file path=customXml/itemProps1.xml><?xml version="1.0" encoding="utf-8"?>
+<file path=customXml/itemProps2.xml><?xml version="1.0" encoding="utf-8"?>
 <ds:datastoreItem xmlns:ds="http://schemas.openxmlformats.org/officeDocument/2006/customXml" ds:itemID="{22DC1111-121F-4086-B564-4B1C46DE4FF3}">
   <ds:schemaRefs>
     <ds:schemaRef ds:uri="http://schemas.microsoft.com/office/2006/metadata/contentType"/>
@@ -16357,15 +16375,15 @@
 </ds:datastoreItem>
 </file>
 
-<file path=customXml/itemProps2.xml><?xml version="1.0" encoding="utf-8"?>
-<ds:datastoreItem xmlns:ds="http://schemas.openxmlformats.org/officeDocument/2006/customXml" ds:itemID="{B9043294-8302-4947-B882-02D6486F929C}">
+<file path=customXml/itemProps3.xml><?xml version="1.0" encoding="utf-8"?>
+<ds:datastoreItem xmlns:ds="http://schemas.openxmlformats.org/officeDocument/2006/customXml" ds:itemID="{2DA015F3-603C-4688-A5F3-81D587DAB8C9}">
   <ds:schemaRefs>
-    <ds:schemaRef ds:uri="http://schemas.microsoft.com/sharepoint/events"/>
+    <ds:schemaRef ds:uri="http://schemas.microsoft.com/sharepoint/v3/contenttype/forms"/>
   </ds:schemaRefs>
 </ds:datastoreItem>
 </file>
 
-<file path=customXml/itemProps3.xml><?xml version="1.0" encoding="utf-8"?>
+<file path=customXml/itemProps4.xml><?xml version="1.0" encoding="utf-8"?>
 <ds:datastoreItem xmlns:ds="http://schemas.openxmlformats.org/officeDocument/2006/customXml" ds:itemID="{F47B9207-CE5C-49AD-B414-15CBFA246D65}">
   <ds:schemaRefs>
     <ds:schemaRef ds:uri="http://schemas.microsoft.com/office/2006/metadata/properties"/>
@@ -16374,12 +16392,4 @@
     <ds:schemaRef ds:uri="027ed24f-5970-4294-be5c-0919c5aaa214"/>
   </ds:schemaRefs>
 </ds:datastoreItem>
-</file>
-
-<file path=customXml/itemProps4.xml><?xml version="1.0" encoding="utf-8"?>
-<ds:datastoreItem xmlns:ds="http://schemas.openxmlformats.org/officeDocument/2006/customXml" ds:itemID="{2DA015F3-603C-4688-A5F3-81D587DAB8C9}">
-  <ds:schemaRefs>
-    <ds:schemaRef ds:uri="http://schemas.microsoft.com/sharepoint/v3/contenttype/forms"/>
-  </ds:schemaRefs>
-</ds:datastoreItem>
 </file>
--- a/811M-Ch05_PlottingAndVisualization.pptx
+++ b/811M-Ch05_PlottingAndVisualization.pptx
@@ -5,10 +5,10 @@
     <p:sldMasterId id="2147483684" r:id="rId5"/>
   </p:sldMasterIdLst>
   <p:notesMasterIdLst>
-    <p:notesMasterId r:id="rId47"/>
+    <p:notesMasterId r:id="rId42"/>
   </p:notesMasterIdLst>
   <p:handoutMasterIdLst>
-    <p:handoutMasterId r:id="rId48"/>
+    <p:handoutMasterId r:id="rId43"/>
   </p:handoutMasterIdLst>
   <p:sldIdLst>
     <p:sldId id="257" r:id="rId6"/>
@@ -39,19 +39,14 @@
     <p:sldId id="286" r:id="rId31"/>
     <p:sldId id="287" r:id="rId32"/>
     <p:sldId id="288" r:id="rId33"/>
-    <p:sldId id="290" r:id="rId34"/>
-    <p:sldId id="291" r:id="rId35"/>
-    <p:sldId id="292" r:id="rId36"/>
-    <p:sldId id="293" r:id="rId37"/>
-    <p:sldId id="294" r:id="rId38"/>
-    <p:sldId id="289" r:id="rId39"/>
-    <p:sldId id="296" r:id="rId40"/>
-    <p:sldId id="295" r:id="rId41"/>
-    <p:sldId id="297" r:id="rId42"/>
-    <p:sldId id="298" r:id="rId43"/>
-    <p:sldId id="299" r:id="rId44"/>
-    <p:sldId id="284" r:id="rId45"/>
-    <p:sldId id="283" r:id="rId46"/>
+    <p:sldId id="289" r:id="rId34"/>
+    <p:sldId id="296" r:id="rId35"/>
+    <p:sldId id="295" r:id="rId36"/>
+    <p:sldId id="297" r:id="rId37"/>
+    <p:sldId id="298" r:id="rId38"/>
+    <p:sldId id="299" r:id="rId39"/>
+    <p:sldId id="284" r:id="rId40"/>
+    <p:sldId id="283" r:id="rId41"/>
   </p:sldIdLst>
   <p:sldSz cx="9144000" cy="6858000" type="screen4x3"/>
   <p:notesSz cx="7053263" cy="9356725"/>
@@ -2601,7 +2596,7 @@
     </p:spTree>
     <p:extLst>
       <p:ext uri="{BB962C8B-B14F-4D97-AF65-F5344CB8AC3E}">
-        <p14:creationId xmlns:p14="http://schemas.microsoft.com/office/powerpoint/2010/main" val="4194167791"/>
+        <p14:creationId xmlns:p14="http://schemas.microsoft.com/office/powerpoint/2010/main" val="638336423"/>
       </p:ext>
     </p:extLst>
   </p:cSld>
@@ -2728,7 +2723,7 @@
     </p:spTree>
     <p:extLst>
       <p:ext uri="{BB962C8B-B14F-4D97-AF65-F5344CB8AC3E}">
-        <p14:creationId xmlns:p14="http://schemas.microsoft.com/office/powerpoint/2010/main" val="2642723442"/>
+        <p14:creationId xmlns:p14="http://schemas.microsoft.com/office/powerpoint/2010/main" val="2384492162"/>
       </p:ext>
     </p:extLst>
   </p:cSld>
@@ -2789,7 +2784,7 @@
     </p:spTree>
     <p:extLst>
       <p:ext uri="{BB962C8B-B14F-4D97-AF65-F5344CB8AC3E}">
-        <p14:creationId xmlns:p14="http://schemas.microsoft.com/office/powerpoint/2010/main" val="1676440390"/>
+        <p14:creationId xmlns:p14="http://schemas.microsoft.com/office/powerpoint/2010/main" val="2016685415"/>
       </p:ext>
     </p:extLst>
   </p:cSld>
@@ -2850,7 +2845,7 @@
     </p:spTree>
     <p:extLst>
       <p:ext uri="{BB962C8B-B14F-4D97-AF65-F5344CB8AC3E}">
-        <p14:creationId xmlns:p14="http://schemas.microsoft.com/office/powerpoint/2010/main" val="3454357232"/>
+        <p14:creationId xmlns:p14="http://schemas.microsoft.com/office/powerpoint/2010/main" val="75987286"/>
       </p:ext>
     </p:extLst>
   </p:cSld>
@@ -2911,7 +2906,7 @@
     </p:spTree>
     <p:extLst>
       <p:ext uri="{BB962C8B-B14F-4D97-AF65-F5344CB8AC3E}">
-        <p14:creationId xmlns:p14="http://schemas.microsoft.com/office/powerpoint/2010/main" val="381275051"/>
+        <p14:creationId xmlns:p14="http://schemas.microsoft.com/office/powerpoint/2010/main" val="2181000296"/>
       </p:ext>
     </p:extLst>
   </p:cSld>
@@ -2972,7 +2967,7 @@
     </p:spTree>
     <p:extLst>
       <p:ext uri="{BB962C8B-B14F-4D97-AF65-F5344CB8AC3E}">
-        <p14:creationId xmlns:p14="http://schemas.microsoft.com/office/powerpoint/2010/main" val="638336423"/>
+        <p14:creationId xmlns:p14="http://schemas.microsoft.com/office/powerpoint/2010/main" val="4219749654"/>
       </p:ext>
     </p:extLst>
   </p:cSld>
@@ -3001,7 +2996,7 @@
       </p:grpSpPr>
       <p:sp>
         <p:nvSpPr>
-          <p:cNvPr id="2" name="Slide Image Placeholder 1"/>
+          <p:cNvPr id="4" name="Slide Image Placeholder 3"/>
           <p:cNvSpPr>
             <a:spLocks noGrp="1" noRot="1" noChangeAspect="1"/>
           </p:cNvSpPr>
@@ -3009,11 +3004,16 @@
             <p:ph type="sldImg"/>
           </p:nvPr>
         </p:nvSpPr>
-        <p:spPr/>
-      </p:sp>
-      <p:sp>
-        <p:nvSpPr>
-          <p:cNvPr id="3" name="Notes Placeholder 2"/>
+        <p:spPr>
+          <a:xfrm>
+            <a:off x="1189038" y="701675"/>
+            <a:ext cx="4676775" cy="3508375"/>
+          </a:xfrm>
+        </p:spPr>
+      </p:sp>
+      <p:sp>
+        <p:nvSpPr>
+          <p:cNvPr id="5" name="Notes Placeholder 4"/>
           <p:cNvSpPr>
             <a:spLocks noGrp="1"/>
           </p:cNvSpPr>
@@ -3026,14 +3026,14 @@
           <a:bodyPr/>
           <a:lstStyle/>
           <a:p>
-            <a:endParaRPr lang="en-US"/>
+            <a:endParaRPr lang="en-US" dirty="0"/>
           </a:p>
         </p:txBody>
       </p:sp>
     </p:spTree>
     <p:extLst>
       <p:ext uri="{BB962C8B-B14F-4D97-AF65-F5344CB8AC3E}">
-        <p14:creationId xmlns:p14="http://schemas.microsoft.com/office/powerpoint/2010/main" val="2384492162"/>
+        <p14:creationId xmlns:p14="http://schemas.microsoft.com/office/powerpoint/2010/main" val="449484125"/>
       </p:ext>
     </p:extLst>
   </p:cSld>
@@ -3062,7 +3062,7 @@
       </p:grpSpPr>
       <p:sp>
         <p:nvSpPr>
-          <p:cNvPr id="2" name="Slide Image Placeholder 1"/>
+          <p:cNvPr id="12" name="Slide Image Placeholder 11"/>
           <p:cNvSpPr>
             <a:spLocks noGrp="1" noRot="1" noChangeAspect="1"/>
           </p:cNvSpPr>
@@ -3070,11 +3070,16 @@
             <p:ph type="sldImg"/>
           </p:nvPr>
         </p:nvSpPr>
-        <p:spPr/>
-      </p:sp>
-      <p:sp>
-        <p:nvSpPr>
-          <p:cNvPr id="3" name="Notes Placeholder 2"/>
+        <p:spPr>
+          <a:xfrm>
+            <a:off x="1189038" y="701675"/>
+            <a:ext cx="4676775" cy="3508375"/>
+          </a:xfrm>
+        </p:spPr>
+      </p:sp>
+      <p:sp>
+        <p:nvSpPr>
+          <p:cNvPr id="13" name="Notes Placeholder 12"/>
           <p:cNvSpPr>
             <a:spLocks noGrp="1"/>
           </p:cNvSpPr>
@@ -3087,197 +3092,14 @@
           <a:bodyPr/>
           <a:lstStyle/>
           <a:p>
-            <a:endParaRPr lang="en-US"/>
+            <a:endParaRPr lang="en-US" dirty="0"/>
           </a:p>
         </p:txBody>
       </p:sp>
     </p:spTree>
     <p:extLst>
       <p:ext uri="{BB962C8B-B14F-4D97-AF65-F5344CB8AC3E}">
-        <p14:creationId xmlns:p14="http://schemas.microsoft.com/office/powerpoint/2010/main" val="2016685415"/>
-      </p:ext>
-    </p:extLst>
-  </p:cSld>
-  <p:clrMapOvr>
-    <a:masterClrMapping/>
-  </p:clrMapOvr>
-</p:notes>
-</file>
-
-<file path=ppt/notesSlides/notesSlide37.xml><?xml version="1.0" encoding="utf-8"?>
-<p:notes xmlns:a="http://schemas.openxmlformats.org/drawingml/2006/main" xmlns:r="http://schemas.openxmlformats.org/officeDocument/2006/relationships" xmlns:p="http://schemas.openxmlformats.org/presentationml/2006/main">
-  <p:cSld>
-    <p:spTree>
-      <p:nvGrpSpPr>
-        <p:cNvPr id="1" name=""/>
-        <p:cNvGrpSpPr/>
-        <p:nvPr/>
-      </p:nvGrpSpPr>
-      <p:grpSpPr>
-        <a:xfrm>
-          <a:off x="0" y="0"/>
-          <a:ext cx="0" cy="0"/>
-          <a:chOff x="0" y="0"/>
-          <a:chExt cx="0" cy="0"/>
-        </a:xfrm>
-      </p:grpSpPr>
-      <p:sp>
-        <p:nvSpPr>
-          <p:cNvPr id="2" name="Slide Image Placeholder 1"/>
-          <p:cNvSpPr>
-            <a:spLocks noGrp="1" noRot="1" noChangeAspect="1"/>
-          </p:cNvSpPr>
-          <p:nvPr>
-            <p:ph type="sldImg"/>
-          </p:nvPr>
-        </p:nvSpPr>
-        <p:spPr/>
-      </p:sp>
-      <p:sp>
-        <p:nvSpPr>
-          <p:cNvPr id="3" name="Notes Placeholder 2"/>
-          <p:cNvSpPr>
-            <a:spLocks noGrp="1"/>
-          </p:cNvSpPr>
-          <p:nvPr>
-            <p:ph type="body" idx="1"/>
-          </p:nvPr>
-        </p:nvSpPr>
-        <p:spPr/>
-        <p:txBody>
-          <a:bodyPr/>
-          <a:lstStyle/>
-          <a:p>
-            <a:endParaRPr lang="en-US"/>
-          </a:p>
-        </p:txBody>
-      </p:sp>
-    </p:spTree>
-    <p:extLst>
-      <p:ext uri="{BB962C8B-B14F-4D97-AF65-F5344CB8AC3E}">
-        <p14:creationId xmlns:p14="http://schemas.microsoft.com/office/powerpoint/2010/main" val="75987286"/>
-      </p:ext>
-    </p:extLst>
-  </p:cSld>
-  <p:clrMapOvr>
-    <a:masterClrMapping/>
-  </p:clrMapOvr>
-</p:notes>
-</file>
-
-<file path=ppt/notesSlides/notesSlide38.xml><?xml version="1.0" encoding="utf-8"?>
-<p:notes xmlns:a="http://schemas.openxmlformats.org/drawingml/2006/main" xmlns:r="http://schemas.openxmlformats.org/officeDocument/2006/relationships" xmlns:p="http://schemas.openxmlformats.org/presentationml/2006/main">
-  <p:cSld>
-    <p:spTree>
-      <p:nvGrpSpPr>
-        <p:cNvPr id="1" name=""/>
-        <p:cNvGrpSpPr/>
-        <p:nvPr/>
-      </p:nvGrpSpPr>
-      <p:grpSpPr>
-        <a:xfrm>
-          <a:off x="0" y="0"/>
-          <a:ext cx="0" cy="0"/>
-          <a:chOff x="0" y="0"/>
-          <a:chExt cx="0" cy="0"/>
-        </a:xfrm>
-      </p:grpSpPr>
-      <p:sp>
-        <p:nvSpPr>
-          <p:cNvPr id="2" name="Slide Image Placeholder 1"/>
-          <p:cNvSpPr>
-            <a:spLocks noGrp="1" noRot="1" noChangeAspect="1"/>
-          </p:cNvSpPr>
-          <p:nvPr>
-            <p:ph type="sldImg"/>
-          </p:nvPr>
-        </p:nvSpPr>
-        <p:spPr/>
-      </p:sp>
-      <p:sp>
-        <p:nvSpPr>
-          <p:cNvPr id="3" name="Notes Placeholder 2"/>
-          <p:cNvSpPr>
-            <a:spLocks noGrp="1"/>
-          </p:cNvSpPr>
-          <p:nvPr>
-            <p:ph type="body" idx="1"/>
-          </p:nvPr>
-        </p:nvSpPr>
-        <p:spPr/>
-        <p:txBody>
-          <a:bodyPr/>
-          <a:lstStyle/>
-          <a:p>
-            <a:endParaRPr lang="en-US"/>
-          </a:p>
-        </p:txBody>
-      </p:sp>
-    </p:spTree>
-    <p:extLst>
-      <p:ext uri="{BB962C8B-B14F-4D97-AF65-F5344CB8AC3E}">
-        <p14:creationId xmlns:p14="http://schemas.microsoft.com/office/powerpoint/2010/main" val="2181000296"/>
-      </p:ext>
-    </p:extLst>
-  </p:cSld>
-  <p:clrMapOvr>
-    <a:masterClrMapping/>
-  </p:clrMapOvr>
-</p:notes>
-</file>
-
-<file path=ppt/notesSlides/notesSlide39.xml><?xml version="1.0" encoding="utf-8"?>
-<p:notes xmlns:a="http://schemas.openxmlformats.org/drawingml/2006/main" xmlns:r="http://schemas.openxmlformats.org/officeDocument/2006/relationships" xmlns:p="http://schemas.openxmlformats.org/presentationml/2006/main">
-  <p:cSld>
-    <p:spTree>
-      <p:nvGrpSpPr>
-        <p:cNvPr id="1" name=""/>
-        <p:cNvGrpSpPr/>
-        <p:nvPr/>
-      </p:nvGrpSpPr>
-      <p:grpSpPr>
-        <a:xfrm>
-          <a:off x="0" y="0"/>
-          <a:ext cx="0" cy="0"/>
-          <a:chOff x="0" y="0"/>
-          <a:chExt cx="0" cy="0"/>
-        </a:xfrm>
-      </p:grpSpPr>
-      <p:sp>
-        <p:nvSpPr>
-          <p:cNvPr id="2" name="Slide Image Placeholder 1"/>
-          <p:cNvSpPr>
-            <a:spLocks noGrp="1" noRot="1" noChangeAspect="1"/>
-          </p:cNvSpPr>
-          <p:nvPr>
-            <p:ph type="sldImg"/>
-          </p:nvPr>
-        </p:nvSpPr>
-        <p:spPr/>
-      </p:sp>
-      <p:sp>
-        <p:nvSpPr>
-          <p:cNvPr id="3" name="Notes Placeholder 2"/>
-          <p:cNvSpPr>
-            <a:spLocks noGrp="1"/>
-          </p:cNvSpPr>
-          <p:nvPr>
-            <p:ph type="body" idx="1"/>
-          </p:nvPr>
-        </p:nvSpPr>
-        <p:spPr/>
-        <p:txBody>
-          <a:bodyPr/>
-          <a:lstStyle/>
-          <a:p>
-            <a:endParaRPr lang="en-US"/>
-          </a:p>
-        </p:txBody>
-      </p:sp>
-    </p:spTree>
-    <p:extLst>
-      <p:ext uri="{BB962C8B-B14F-4D97-AF65-F5344CB8AC3E}">
-        <p14:creationId xmlns:p14="http://schemas.microsoft.com/office/powerpoint/2010/main" val="4219749654"/>
+        <p14:creationId xmlns:p14="http://schemas.microsoft.com/office/powerpoint/2010/main" val="2363769316"/>
       </p:ext>
     </p:extLst>
   </p:cSld>
@@ -3344,138 +3166,6 @@
     <p:extLst>
       <p:ext uri="{BB962C8B-B14F-4D97-AF65-F5344CB8AC3E}">
         <p14:creationId xmlns:p14="http://schemas.microsoft.com/office/powerpoint/2010/main" val="4048188219"/>
-      </p:ext>
-    </p:extLst>
-  </p:cSld>
-  <p:clrMapOvr>
-    <a:masterClrMapping/>
-  </p:clrMapOvr>
-</p:notes>
-</file>
-
-<file path=ppt/notesSlides/notesSlide40.xml><?xml version="1.0" encoding="utf-8"?>
-<p:notes xmlns:a="http://schemas.openxmlformats.org/drawingml/2006/main" xmlns:r="http://schemas.openxmlformats.org/officeDocument/2006/relationships" xmlns:p="http://schemas.openxmlformats.org/presentationml/2006/main">
-  <p:cSld>
-    <p:spTree>
-      <p:nvGrpSpPr>
-        <p:cNvPr id="1" name=""/>
-        <p:cNvGrpSpPr/>
-        <p:nvPr/>
-      </p:nvGrpSpPr>
-      <p:grpSpPr>
-        <a:xfrm>
-          <a:off x="0" y="0"/>
-          <a:ext cx="0" cy="0"/>
-          <a:chOff x="0" y="0"/>
-          <a:chExt cx="0" cy="0"/>
-        </a:xfrm>
-      </p:grpSpPr>
-      <p:sp>
-        <p:nvSpPr>
-          <p:cNvPr id="4" name="Slide Image Placeholder 3"/>
-          <p:cNvSpPr>
-            <a:spLocks noGrp="1" noRot="1" noChangeAspect="1"/>
-          </p:cNvSpPr>
-          <p:nvPr>
-            <p:ph type="sldImg"/>
-          </p:nvPr>
-        </p:nvSpPr>
-        <p:spPr>
-          <a:xfrm>
-            <a:off x="1189038" y="701675"/>
-            <a:ext cx="4676775" cy="3508375"/>
-          </a:xfrm>
-        </p:spPr>
-      </p:sp>
-      <p:sp>
-        <p:nvSpPr>
-          <p:cNvPr id="5" name="Notes Placeholder 4"/>
-          <p:cNvSpPr>
-            <a:spLocks noGrp="1"/>
-          </p:cNvSpPr>
-          <p:nvPr>
-            <p:ph type="body" idx="1"/>
-          </p:nvPr>
-        </p:nvSpPr>
-        <p:spPr/>
-        <p:txBody>
-          <a:bodyPr/>
-          <a:lstStyle/>
-          <a:p>
-            <a:endParaRPr lang="en-US" dirty="0"/>
-          </a:p>
-        </p:txBody>
-      </p:sp>
-    </p:spTree>
-    <p:extLst>
-      <p:ext uri="{BB962C8B-B14F-4D97-AF65-F5344CB8AC3E}">
-        <p14:creationId xmlns:p14="http://schemas.microsoft.com/office/powerpoint/2010/main" val="449484125"/>
-      </p:ext>
-    </p:extLst>
-  </p:cSld>
-  <p:clrMapOvr>
-    <a:masterClrMapping/>
-  </p:clrMapOvr>
-</p:notes>
-</file>
-
-<file path=ppt/notesSlides/notesSlide41.xml><?xml version="1.0" encoding="utf-8"?>
-<p:notes xmlns:a="http://schemas.openxmlformats.org/drawingml/2006/main" xmlns:r="http://schemas.openxmlformats.org/officeDocument/2006/relationships" xmlns:p="http://schemas.openxmlformats.org/presentationml/2006/main">
-  <p:cSld>
-    <p:spTree>
-      <p:nvGrpSpPr>
-        <p:cNvPr id="1" name=""/>
-        <p:cNvGrpSpPr/>
-        <p:nvPr/>
-      </p:nvGrpSpPr>
-      <p:grpSpPr>
-        <a:xfrm>
-          <a:off x="0" y="0"/>
-          <a:ext cx="0" cy="0"/>
-          <a:chOff x="0" y="0"/>
-          <a:chExt cx="0" cy="0"/>
-        </a:xfrm>
-      </p:grpSpPr>
-      <p:sp>
-        <p:nvSpPr>
-          <p:cNvPr id="12" name="Slide Image Placeholder 11"/>
-          <p:cNvSpPr>
-            <a:spLocks noGrp="1" noRot="1" noChangeAspect="1"/>
-          </p:cNvSpPr>
-          <p:nvPr>
-            <p:ph type="sldImg"/>
-          </p:nvPr>
-        </p:nvSpPr>
-        <p:spPr>
-          <a:xfrm>
-            <a:off x="1189038" y="701675"/>
-            <a:ext cx="4676775" cy="3508375"/>
-          </a:xfrm>
-        </p:spPr>
-      </p:sp>
-      <p:sp>
-        <p:nvSpPr>
-          <p:cNvPr id="13" name="Notes Placeholder 12"/>
-          <p:cNvSpPr>
-            <a:spLocks noGrp="1"/>
-          </p:cNvSpPr>
-          <p:nvPr>
-            <p:ph type="body" idx="1"/>
-          </p:nvPr>
-        </p:nvSpPr>
-        <p:spPr/>
-        <p:txBody>
-          <a:bodyPr/>
-          <a:lstStyle/>
-          <a:p>
-            <a:endParaRPr lang="en-US" dirty="0"/>
-          </a:p>
-        </p:txBody>
-      </p:sp>
-    </p:spTree>
-    <p:extLst>
-      <p:ext uri="{BB962C8B-B14F-4D97-AF65-F5344CB8AC3E}">
-        <p14:creationId xmlns:p14="http://schemas.microsoft.com/office/powerpoint/2010/main" val="2363769316"/>
       </p:ext>
     </p:extLst>
   </p:cSld>
@@ -14103,7 +13793,7 @@
           <p:cNvPr id="2" name="Content Placeholder 1">
             <a:extLst>
               <a:ext uri="{FF2B5EF4-FFF2-40B4-BE49-F238E27FC236}">
-                <a16:creationId xmlns:a16="http://schemas.microsoft.com/office/drawing/2014/main" id="{AA2CA774-C927-44C5-B8A2-758025665A4B}"/>
+                <a16:creationId xmlns:a16="http://schemas.microsoft.com/office/drawing/2014/main" id="{4285F54A-A604-49D8-ABCA-62A8BF18613D}"/>
               </a:ext>
             </a:extLst>
           </p:cNvPr>
@@ -14114,174 +13804,100 @@
             <p:ph idx="1"/>
           </p:nvPr>
         </p:nvSpPr>
-        <p:spPr/>
+        <p:spPr>
+          <a:xfrm>
+            <a:off x="595422" y="1056039"/>
+            <a:ext cx="8016949" cy="5065062"/>
+          </a:xfrm>
+        </p:spPr>
         <p:txBody>
           <a:bodyPr/>
           <a:lstStyle/>
           <a:p>
             <a:r>
               <a:rPr lang="en-GB" dirty="0"/>
-              <a:t>Many data analysis libraries require data in </a:t>
+              <a:t>Compare two principal variables</a:t>
+            </a:r>
+          </a:p>
+          <a:p>
+            <a:pPr lvl="1"/>
+            <a:r>
+              <a:rPr lang="en-GB" dirty="0"/>
+              <a:t>Using a scatter or line graph superimposed on a </a:t>
+            </a:r>
+            <a:r>
+              <a:rPr lang="en-GB" dirty="0">
+                <a:latin typeface="Courier New" panose="02070309020205020404" pitchFamily="49" charset="0"/>
+                <a:cs typeface="Courier New" panose="02070309020205020404" pitchFamily="49" charset="0"/>
+              </a:rPr>
+              <a:t>FacetGrid</a:t>
+            </a:r>
+          </a:p>
+          <a:p>
+            <a:pPr lvl="2"/>
+            <a:r>
+              <a:rPr lang="en-GB" dirty="0">
+                <a:latin typeface="+mn-lt"/>
+                <a:cs typeface="Courier New" panose="02070309020205020404" pitchFamily="49" charset="0"/>
+              </a:rPr>
+              <a:t>Line graph automatically includes confidence interval by default</a:t>
+            </a:r>
+          </a:p>
+          <a:p>
+            <a:r>
+              <a:rPr lang="en-GB" dirty="0"/>
+              <a:t>Represent subsidiary variables</a:t>
+            </a:r>
+          </a:p>
+          <a:p>
+            <a:pPr lvl="1"/>
+            <a:r>
+              <a:rPr lang="en-GB" dirty="0"/>
+              <a:t>Not normal to use </a:t>
             </a:r>
             <a:r>
               <a:rPr lang="en-GB" i="1" dirty="0">
                 <a:latin typeface="Century Schoolbook" panose="02040604050505020304" pitchFamily="18" charset="0"/>
               </a:rPr>
-              <a:t>Tidy DataFrames</a:t>
+              <a:t>all</a:t>
+            </a:r>
+            <a:r>
+              <a:rPr lang="en-GB" dirty="0"/>
+              <a:t> of these to show different variables</a:t>
             </a:r>
           </a:p>
           <a:p>
             <a:pPr lvl="1"/>
             <a:r>
               <a:rPr lang="en-GB" dirty="0"/>
-              <a:t>Including most seaborn tools</a:t>
+              <a:t>Using size, color, or style (data point marker, line type)</a:t>
             </a:r>
           </a:p>
           <a:p>
             <a:pPr lvl="1"/>
             <a:r>
               <a:rPr lang="en-GB" dirty="0"/>
-              <a:t>Based on </a:t>
+              <a:t>By separating </a:t>
             </a:r>
             <a:r>
               <a:rPr lang="en-GB" i="1" dirty="0">
                 <a:latin typeface="Century Schoolbook" panose="02040604050505020304" pitchFamily="18" charset="0"/>
               </a:rPr>
-              <a:t>Tidy Data</a:t>
+              <a:t>facets</a:t>
+            </a:r>
+            <a:r>
+              <a:rPr lang="en-GB" dirty="0">
+                <a:latin typeface="+mn-lt"/>
+              </a:rPr>
+              <a:t> (s</a:t>
             </a:r>
             <a:r>
               <a:rPr lang="en-GB" dirty="0"/>
-              <a:t> defined in a paper by Hadley Wickham (</a:t>
-            </a:r>
-            <a:r>
-              <a:rPr lang="en-GB" dirty="0">
-                <a:hlinkClick r:id="rId3"/>
-              </a:rPr>
-              <a:t>http://vita.had.co.nz/papers/tidy-data.html</a:t>
-            </a:r>
-            <a:r>
-              <a:rPr lang="en-GB" dirty="0"/>
-              <a:t>)</a:t>
-            </a:r>
-          </a:p>
-          <a:p>
-            <a:r>
-              <a:rPr lang="en-GB" dirty="0"/>
-              <a:t>Lays out rules for the structure of data</a:t>
+              <a:t>ubplots arranged in a grid)</a:t>
             </a:r>
           </a:p>
           <a:p>
             <a:pPr lvl="1"/>
-            <a:r>
-              <a:rPr lang="en-US" dirty="0"/>
-              <a:t>Each </a:t>
-            </a:r>
-            <a:r>
-              <a:rPr lang="en-US" i="1" dirty="0">
-                <a:latin typeface="Century Schoolbook" panose="02040604050505020304" pitchFamily="18" charset="0"/>
-              </a:rPr>
-              <a:t>variable</a:t>
-            </a:r>
-            <a:r>
-              <a:rPr lang="en-US" dirty="0"/>
-              <a:t> (height, weight) forms a column and contains </a:t>
-            </a:r>
-            <a:r>
-              <a:rPr lang="en-US" i="1" dirty="0">
-                <a:latin typeface="Century Schoolbook" panose="02040604050505020304" pitchFamily="18" charset="0"/>
-              </a:rPr>
-              <a:t>values</a:t>
-            </a:r>
-            <a:endParaRPr lang="en-US" dirty="0">
-              <a:latin typeface="Century Schoolbook" panose="02040604050505020304" pitchFamily="18" charset="0"/>
-            </a:endParaRPr>
-          </a:p>
-          <a:p>
-            <a:pPr lvl="1"/>
-            <a:r>
-              <a:rPr lang="en-US" dirty="0"/>
-              <a:t>Each </a:t>
-            </a:r>
-            <a:r>
-              <a:rPr lang="en-US" i="1" dirty="0">
-                <a:latin typeface="Century Schoolbook" panose="02040604050505020304" pitchFamily="18" charset="0"/>
-              </a:rPr>
-              <a:t>observation</a:t>
-            </a:r>
-            <a:r>
-              <a:rPr lang="en-US" dirty="0"/>
-              <a:t> (person, car) forms a row</a:t>
-            </a:r>
-          </a:p>
-          <a:p>
-            <a:pPr lvl="1"/>
-            <a:r>
-              <a:rPr lang="en-US" dirty="0"/>
-              <a:t>Each type of </a:t>
-            </a:r>
-            <a:r>
-              <a:rPr lang="en-US" i="1" dirty="0">
-                <a:latin typeface="Century Schoolbook" panose="02040604050505020304" pitchFamily="18" charset="0"/>
-              </a:rPr>
-              <a:t>observational unit</a:t>
-            </a:r>
-            <a:r>
-              <a:rPr lang="en-US" dirty="0"/>
-              <a:t> forms a table</a:t>
-            </a:r>
-          </a:p>
-          <a:p>
-            <a:pPr lvl="2"/>
-            <a:r>
-              <a:rPr lang="en-US" dirty="0"/>
-              <a:t>Do not mix, do not split</a:t>
-            </a:r>
-          </a:p>
-          <a:p>
-            <a:r>
-              <a:rPr lang="en-GB" dirty="0"/>
-              <a:t>Identifies five common problems</a:t>
-            </a:r>
-          </a:p>
-          <a:p>
-            <a:pPr lvl="1"/>
-            <a:r>
-              <a:rPr lang="en-US" dirty="0"/>
-              <a:t>Column headers are values, not variable names</a:t>
-            </a:r>
-          </a:p>
-          <a:p>
-            <a:pPr lvl="1"/>
-            <a:r>
-              <a:rPr lang="en-US" dirty="0"/>
-              <a:t>Multiple variables are stored in one column</a:t>
-            </a:r>
-          </a:p>
-          <a:p>
-            <a:pPr lvl="1"/>
-            <a:r>
-              <a:rPr lang="en-US" dirty="0"/>
-              <a:t>Variables are stored in both rows and columns</a:t>
-            </a:r>
-          </a:p>
-          <a:p>
-            <a:pPr lvl="1"/>
-            <a:r>
-              <a:rPr lang="en-US" dirty="0"/>
-              <a:t>Multiple types of observational units are stored in the same table</a:t>
-            </a:r>
-          </a:p>
-          <a:p>
-            <a:pPr lvl="1"/>
-            <a:r>
-              <a:rPr lang="en-US" dirty="0"/>
-              <a:t>A single observational unit is stored in multiple tables</a:t>
-            </a:r>
-          </a:p>
-          <a:p>
-            <a:endParaRPr lang="en-GB" dirty="0"/>
-          </a:p>
-          <a:p>
             <a:endParaRPr lang="en-GB" dirty="0"/>
           </a:p>
         </p:txBody>
@@ -14291,7 +13907,7 @@
           <p:cNvPr id="3" name="Title 2">
             <a:extLst>
               <a:ext uri="{FF2B5EF4-FFF2-40B4-BE49-F238E27FC236}">
-                <a16:creationId xmlns:a16="http://schemas.microsoft.com/office/drawing/2014/main" id="{5408CBA2-4178-404B-B84E-CAA5ADD207CF}"/>
+                <a16:creationId xmlns:a16="http://schemas.microsoft.com/office/drawing/2014/main" id="{46520549-D0C9-4553-9A51-390117673D5E}"/>
               </a:ext>
             </a:extLst>
           </p:cNvPr>
@@ -14309,7 +13925,537 @@
           <a:p>
             <a:r>
               <a:rPr lang="en-GB" dirty="0"/>
-              <a:t>Tidy DataFrames</a:t>
+              <a:t>Relational Plots</a:t>
+            </a:r>
+          </a:p>
+        </p:txBody>
+      </p:sp>
+      <p:sp>
+        <p:nvSpPr>
+          <p:cNvPr id="6" name="TextBox 5">
+            <a:extLst>
+              <a:ext uri="{FF2B5EF4-FFF2-40B4-BE49-F238E27FC236}">
+                <a16:creationId xmlns:a16="http://schemas.microsoft.com/office/drawing/2014/main" id="{7895179B-9645-4DC2-A32E-1F02E5E2193D}"/>
+              </a:ext>
+            </a:extLst>
+          </p:cNvPr>
+          <p:cNvSpPr txBox="1">
+            <a:spLocks noChangeArrowheads="1"/>
+          </p:cNvSpPr>
+          <p:nvPr/>
+        </p:nvSpPr>
+        <p:spPr bwMode="auto">
+          <a:xfrm>
+            <a:off x="595422" y="3257150"/>
+            <a:ext cx="4494163" cy="2677656"/>
+          </a:xfrm>
+          <a:prstGeom prst="rect">
+            <a:avLst/>
+          </a:prstGeom>
+          <a:noFill/>
+          <a:ln w="28575">
+            <a:solidFill>
+              <a:schemeClr val="accent2">
+                <a:lumMod val="20000"/>
+                <a:lumOff val="80000"/>
+              </a:schemeClr>
+            </a:solidFill>
+            <a:miter lim="800000"/>
+            <a:headEnd/>
+            <a:tailEnd/>
+          </a:ln>
+          <a:effectLst/>
+        </p:spPr>
+        <p:txBody>
+          <a:bodyPr wrap="square">
+            <a:spAutoFit/>
+          </a:bodyPr>
+          <a:lstStyle>
+            <a:lvl1pPr eaLnBrk="0" hangingPunct="0">
+              <a:defRPr sz="2400">
+                <a:solidFill>
+                  <a:schemeClr val="bg1"/>
+                </a:solidFill>
+                <a:latin typeface="Arial" panose="020B0604020202020204" pitchFamily="34" charset="0"/>
+                <a:ea typeface="MS PGothic" panose="020B0600070205080204" pitchFamily="34" charset="-128"/>
+              </a:defRPr>
+            </a:lvl1pPr>
+            <a:lvl2pPr marL="742950" indent="-285750" eaLnBrk="0" hangingPunct="0">
+              <a:defRPr sz="2400">
+                <a:solidFill>
+                  <a:schemeClr val="bg1"/>
+                </a:solidFill>
+                <a:latin typeface="Arial" panose="020B0604020202020204" pitchFamily="34" charset="0"/>
+                <a:ea typeface="MS PGothic" panose="020B0600070205080204" pitchFamily="34" charset="-128"/>
+              </a:defRPr>
+            </a:lvl2pPr>
+            <a:lvl3pPr marL="1143000" indent="-228600" eaLnBrk="0" hangingPunct="0">
+              <a:defRPr sz="2400">
+                <a:solidFill>
+                  <a:schemeClr val="bg1"/>
+                </a:solidFill>
+                <a:latin typeface="Arial" panose="020B0604020202020204" pitchFamily="34" charset="0"/>
+                <a:ea typeface="MS PGothic" panose="020B0600070205080204" pitchFamily="34" charset="-128"/>
+              </a:defRPr>
+            </a:lvl3pPr>
+            <a:lvl4pPr marL="1600200" indent="-228600" eaLnBrk="0" hangingPunct="0">
+              <a:defRPr sz="2400">
+                <a:solidFill>
+                  <a:schemeClr val="bg1"/>
+                </a:solidFill>
+                <a:latin typeface="Arial" panose="020B0604020202020204" pitchFamily="34" charset="0"/>
+                <a:ea typeface="MS PGothic" panose="020B0600070205080204" pitchFamily="34" charset="-128"/>
+              </a:defRPr>
+            </a:lvl4pPr>
+            <a:lvl5pPr marL="2057400" indent="-228600" eaLnBrk="0" hangingPunct="0">
+              <a:defRPr sz="2400">
+                <a:solidFill>
+                  <a:schemeClr val="bg1"/>
+                </a:solidFill>
+                <a:latin typeface="Arial" panose="020B0604020202020204" pitchFamily="34" charset="0"/>
+                <a:ea typeface="MS PGothic" panose="020B0600070205080204" pitchFamily="34" charset="-128"/>
+              </a:defRPr>
+            </a:lvl5pPr>
+            <a:lvl6pPr marL="2514600" indent="-228600" eaLnBrk="0" fontAlgn="base" hangingPunct="0">
+              <a:spcBef>
+                <a:spcPct val="0"/>
+              </a:spcBef>
+              <a:spcAft>
+                <a:spcPct val="0"/>
+              </a:spcAft>
+              <a:defRPr sz="2400">
+                <a:solidFill>
+                  <a:schemeClr val="bg1"/>
+                </a:solidFill>
+                <a:latin typeface="Arial" panose="020B0604020202020204" pitchFamily="34" charset="0"/>
+                <a:ea typeface="MS PGothic" panose="020B0600070205080204" pitchFamily="34" charset="-128"/>
+              </a:defRPr>
+            </a:lvl6pPr>
+            <a:lvl7pPr marL="2971800" indent="-228600" eaLnBrk="0" fontAlgn="base" hangingPunct="0">
+              <a:spcBef>
+                <a:spcPct val="0"/>
+              </a:spcBef>
+              <a:spcAft>
+                <a:spcPct val="0"/>
+              </a:spcAft>
+              <a:defRPr sz="2400">
+                <a:solidFill>
+                  <a:schemeClr val="bg1"/>
+                </a:solidFill>
+                <a:latin typeface="Arial" panose="020B0604020202020204" pitchFamily="34" charset="0"/>
+                <a:ea typeface="MS PGothic" panose="020B0600070205080204" pitchFamily="34" charset="-128"/>
+              </a:defRPr>
+            </a:lvl7pPr>
+            <a:lvl8pPr marL="3429000" indent="-228600" eaLnBrk="0" fontAlgn="base" hangingPunct="0">
+              <a:spcBef>
+                <a:spcPct val="0"/>
+              </a:spcBef>
+              <a:spcAft>
+                <a:spcPct val="0"/>
+              </a:spcAft>
+              <a:defRPr sz="2400">
+                <a:solidFill>
+                  <a:schemeClr val="bg1"/>
+                </a:solidFill>
+                <a:latin typeface="Arial" panose="020B0604020202020204" pitchFamily="34" charset="0"/>
+                <a:ea typeface="MS PGothic" panose="020B0600070205080204" pitchFamily="34" charset="-128"/>
+              </a:defRPr>
+            </a:lvl8pPr>
+            <a:lvl9pPr marL="3886200" indent="-228600" eaLnBrk="0" fontAlgn="base" hangingPunct="0">
+              <a:spcBef>
+                <a:spcPct val="0"/>
+              </a:spcBef>
+              <a:spcAft>
+                <a:spcPct val="0"/>
+              </a:spcAft>
+              <a:defRPr sz="2400">
+                <a:solidFill>
+                  <a:schemeClr val="bg1"/>
+                </a:solidFill>
+                <a:latin typeface="Arial" panose="020B0604020202020204" pitchFamily="34" charset="0"/>
+                <a:ea typeface="MS PGothic" panose="020B0600070205080204" pitchFamily="34" charset="-128"/>
+              </a:defRPr>
+            </a:lvl9pPr>
+          </a:lstStyle>
+          <a:p>
+            <a:r>
+              <a:rPr lang="en-US" sz="1400" dirty="0">
+                <a:solidFill>
+                  <a:schemeClr val="tx1"/>
+                </a:solidFill>
+                <a:latin typeface="Courier New"/>
+                <a:cs typeface="Courier New"/>
+              </a:rPr>
+              <a:t>import seaborn as sns</a:t>
+            </a:r>
+          </a:p>
+          <a:p>
+            <a:r>
+              <a:rPr lang="en-US" sz="1400" dirty="0">
+                <a:solidFill>
+                  <a:schemeClr val="tx1"/>
+                </a:solidFill>
+                <a:latin typeface="Courier New"/>
+                <a:cs typeface="Courier New"/>
+              </a:rPr>
+              <a:t>sns.set(style = 'ticks')</a:t>
+            </a:r>
+          </a:p>
+          <a:p>
+            <a:r>
+              <a:rPr lang="en-US" sz="1400" dirty="0">
+                <a:solidFill>
+                  <a:schemeClr val="tx1"/>
+                </a:solidFill>
+                <a:latin typeface="Courier New"/>
+                <a:cs typeface="Courier New"/>
+              </a:rPr>
+              <a:t>tips = sns.load_dataset('tips')</a:t>
+            </a:r>
+          </a:p>
+          <a:p>
+            <a:r>
+              <a:rPr lang="en-US" sz="1400" dirty="0">
+                <a:solidFill>
+                  <a:schemeClr val="tx1"/>
+                </a:solidFill>
+                <a:latin typeface="Courier New"/>
+                <a:cs typeface="Courier New"/>
+              </a:rPr>
+              <a:t>g = sns.relplot(</a:t>
+            </a:r>
+          </a:p>
+          <a:p>
+            <a:r>
+              <a:rPr lang="en-US" sz="1400" dirty="0">
+                <a:solidFill>
+                  <a:schemeClr val="tx1"/>
+                </a:solidFill>
+                <a:latin typeface="Courier New"/>
+                <a:cs typeface="Courier New"/>
+              </a:rPr>
+              <a:t>  x = 'total_bill', </a:t>
+            </a:r>
+          </a:p>
+          <a:p>
+            <a:r>
+              <a:rPr lang="en-US" sz="1400" dirty="0">
+                <a:solidFill>
+                  <a:schemeClr val="tx1"/>
+                </a:solidFill>
+                <a:latin typeface="Courier New"/>
+                <a:cs typeface="Courier New"/>
+              </a:rPr>
+              <a:t>  y = 'tip', </a:t>
+            </a:r>
+          </a:p>
+          <a:p>
+            <a:r>
+              <a:rPr lang="en-US" sz="1400" dirty="0">
+                <a:solidFill>
+                  <a:schemeClr val="tx1"/>
+                </a:solidFill>
+                <a:latin typeface="Courier New"/>
+                <a:cs typeface="Courier New"/>
+              </a:rPr>
+              <a:t>  hue = 'time', </a:t>
+            </a:r>
+          </a:p>
+          <a:p>
+            <a:r>
+              <a:rPr lang="en-US" sz="1400" dirty="0">
+                <a:solidFill>
+                  <a:schemeClr val="tx1"/>
+                </a:solidFill>
+                <a:latin typeface="Courier New"/>
+                <a:cs typeface="Courier New"/>
+              </a:rPr>
+              <a:t>  size = 'size',</a:t>
+            </a:r>
+          </a:p>
+          <a:p>
+            <a:r>
+              <a:rPr lang="en-US" sz="1400" dirty="0">
+                <a:solidFill>
+                  <a:schemeClr val="tx1"/>
+                </a:solidFill>
+                <a:latin typeface="Courier New"/>
+                <a:cs typeface="Courier New"/>
+              </a:rPr>
+              <a:t>  palette = ['b', 'r'], </a:t>
+            </a:r>
+          </a:p>
+          <a:p>
+            <a:r>
+              <a:rPr lang="en-US" sz="1400" dirty="0">
+                <a:solidFill>
+                  <a:schemeClr val="tx1"/>
+                </a:solidFill>
+                <a:latin typeface="Courier New"/>
+                <a:cs typeface="Courier New"/>
+              </a:rPr>
+              <a:t>  sizes = (10, 100),</a:t>
+            </a:r>
+          </a:p>
+          <a:p>
+            <a:r>
+              <a:rPr lang="en-US" sz="1400" dirty="0">
+                <a:solidFill>
+                  <a:schemeClr val="tx1"/>
+                </a:solidFill>
+                <a:latin typeface="Courier New"/>
+                <a:cs typeface="Courier New"/>
+              </a:rPr>
+              <a:t>  col = 'time', </a:t>
+            </a:r>
+          </a:p>
+          <a:p>
+            <a:r>
+              <a:rPr lang="en-US" sz="1400" dirty="0">
+                <a:solidFill>
+                  <a:schemeClr val="tx1"/>
+                </a:solidFill>
+                <a:latin typeface="Courier New"/>
+                <a:cs typeface="Courier New"/>
+              </a:rPr>
+              <a:t>  data = tips)</a:t>
+            </a:r>
+          </a:p>
+        </p:txBody>
+      </p:sp>
+      <p:pic>
+        <p:nvPicPr>
+          <p:cNvPr id="5" name="Picture 4">
+            <a:extLst>
+              <a:ext uri="{FF2B5EF4-FFF2-40B4-BE49-F238E27FC236}">
+                <a16:creationId xmlns:a16="http://schemas.microsoft.com/office/drawing/2014/main" id="{3516B057-6572-4082-829F-824DB36714EF}"/>
+              </a:ext>
+            </a:extLst>
+          </p:cNvPr>
+          <p:cNvPicPr>
+            <a:picLocks noChangeAspect="1"/>
+          </p:cNvPicPr>
+          <p:nvPr/>
+        </p:nvPicPr>
+        <p:blipFill>
+          <a:blip r:embed="rId3">
+            <a:extLst>
+              <a:ext uri="{28A0092B-C50C-407E-A947-70E740481C1C}">
+                <a14:useLocalDpi xmlns:a14="http://schemas.microsoft.com/office/drawing/2010/main" val="0"/>
+              </a:ext>
+            </a:extLst>
+          </a:blip>
+          <a:stretch>
+            <a:fillRect/>
+          </a:stretch>
+        </p:blipFill>
+        <p:spPr>
+          <a:xfrm>
+            <a:off x="3169979" y="3963607"/>
+            <a:ext cx="5442392" cy="2409018"/>
+          </a:xfrm>
+          <a:prstGeom prst="rect">
+            <a:avLst/>
+          </a:prstGeom>
+          <a:effectLst>
+            <a:outerShdw blurRad="50800" dist="38100" dir="2700000" algn="tl" rotWithShape="0">
+              <a:prstClr val="black">
+                <a:alpha val="40000"/>
+              </a:prstClr>
+            </a:outerShdw>
+          </a:effectLst>
+        </p:spPr>
+      </p:pic>
+      <p:sp>
+        <p:nvSpPr>
+          <p:cNvPr id="7" name="Speech Bubble: Rectangle 6">
+            <a:extLst>
+              <a:ext uri="{FF2B5EF4-FFF2-40B4-BE49-F238E27FC236}">
+                <a16:creationId xmlns:a16="http://schemas.microsoft.com/office/drawing/2014/main" id="{ED928272-7028-4E43-B419-C7F55A2B28C3}"/>
+              </a:ext>
+            </a:extLst>
+          </p:cNvPr>
+          <p:cNvSpPr/>
+          <p:nvPr/>
+        </p:nvSpPr>
+        <p:spPr bwMode="auto">
+          <a:xfrm>
+            <a:off x="5393114" y="3372886"/>
+            <a:ext cx="1457864" cy="307777"/>
+          </a:xfrm>
+          <a:prstGeom prst="wedgeRectCallout">
+            <a:avLst>
+              <a:gd name="adj1" fmla="val 46779"/>
+              <a:gd name="adj2" fmla="val 146585"/>
+            </a:avLst>
+          </a:prstGeom>
+          <a:solidFill>
+            <a:schemeClr val="accent5"/>
+          </a:solidFill>
+          <a:ln w="9525" algn="ctr">
+            <a:noFill/>
+            <a:round/>
+            <a:headEnd/>
+            <a:tailEnd/>
+          </a:ln>
+        </p:spPr>
+        <p:txBody>
+          <a:bodyPr wrap="square" rtlCol="0" anchor="ctr">
+            <a:spAutoFit/>
+          </a:bodyPr>
+          <a:lstStyle/>
+          <a:p>
+            <a:pPr algn="ctr"/>
+            <a:r>
+              <a:rPr lang="en-GB" sz="1400" dirty="0">
+                <a:solidFill>
+                  <a:schemeClr val="tx1"/>
+                </a:solidFill>
+                <a:latin typeface="+mn-lt"/>
+              </a:rPr>
+              <a:t>Facet</a:t>
+            </a:r>
+          </a:p>
+        </p:txBody>
+      </p:sp>
+      <p:sp>
+        <p:nvSpPr>
+          <p:cNvPr id="9" name="Speech Bubble: Rectangle 8">
+            <a:extLst>
+              <a:ext uri="{FF2B5EF4-FFF2-40B4-BE49-F238E27FC236}">
+                <a16:creationId xmlns:a16="http://schemas.microsoft.com/office/drawing/2014/main" id="{FD7D62E3-1878-43F0-9C87-A8B0FF8C78E4}"/>
+              </a:ext>
+            </a:extLst>
+          </p:cNvPr>
+          <p:cNvSpPr/>
+          <p:nvPr/>
+        </p:nvSpPr>
+        <p:spPr bwMode="auto">
+          <a:xfrm>
+            <a:off x="5393114" y="3372885"/>
+            <a:ext cx="1457864" cy="307777"/>
+          </a:xfrm>
+          <a:prstGeom prst="wedgeRectCallout">
+            <a:avLst>
+              <a:gd name="adj1" fmla="val -78665"/>
+              <a:gd name="adj2" fmla="val 160600"/>
+            </a:avLst>
+          </a:prstGeom>
+          <a:solidFill>
+            <a:schemeClr val="accent5"/>
+          </a:solidFill>
+          <a:ln w="9525" algn="ctr">
+            <a:noFill/>
+            <a:round/>
+            <a:headEnd/>
+            <a:tailEnd/>
+          </a:ln>
+        </p:spPr>
+        <p:txBody>
+          <a:bodyPr wrap="square" rtlCol="0" anchor="ctr">
+            <a:spAutoFit/>
+          </a:bodyPr>
+          <a:lstStyle/>
+          <a:p>
+            <a:pPr algn="ctr"/>
+            <a:r>
+              <a:rPr lang="en-GB" sz="1400" dirty="0">
+                <a:solidFill>
+                  <a:schemeClr val="tx1"/>
+                </a:solidFill>
+                <a:latin typeface="+mn-lt"/>
+              </a:rPr>
+              <a:t>Facet</a:t>
+            </a:r>
+          </a:p>
+        </p:txBody>
+      </p:sp>
+      <p:sp>
+        <p:nvSpPr>
+          <p:cNvPr id="10" name="Speech Bubble: Rectangle 9">
+            <a:extLst>
+              <a:ext uri="{FF2B5EF4-FFF2-40B4-BE49-F238E27FC236}">
+                <a16:creationId xmlns:a16="http://schemas.microsoft.com/office/drawing/2014/main" id="{D0D6B892-5164-4AD0-BEB4-778F70FB3618}"/>
+              </a:ext>
+            </a:extLst>
+          </p:cNvPr>
+          <p:cNvSpPr/>
+          <p:nvPr/>
+        </p:nvSpPr>
+        <p:spPr bwMode="auto">
+          <a:xfrm>
+            <a:off x="793829" y="5984806"/>
+            <a:ext cx="2553220" cy="307777"/>
+          </a:xfrm>
+          <a:prstGeom prst="wedgeRectCallout">
+            <a:avLst>
+              <a:gd name="adj1" fmla="val -30819"/>
+              <a:gd name="adj2" fmla="val -103360"/>
+            </a:avLst>
+          </a:prstGeom>
+          <a:solidFill>
+            <a:schemeClr val="accent5"/>
+          </a:solidFill>
+          <a:ln w="9525" algn="ctr">
+            <a:noFill/>
+            <a:round/>
+            <a:headEnd/>
+            <a:tailEnd/>
+          </a:ln>
+        </p:spPr>
+        <p:txBody>
+          <a:bodyPr wrap="square" rtlCol="0" anchor="ctr">
+            <a:spAutoFit/>
+          </a:bodyPr>
+          <a:lstStyle/>
+          <a:p>
+            <a:pPr algn="ctr"/>
+            <a:r>
+              <a:rPr lang="en-GB" sz="1400" dirty="0">
+                <a:solidFill>
+                  <a:schemeClr val="tx1"/>
+                </a:solidFill>
+                <a:latin typeface="+mn-lt"/>
+              </a:rPr>
+              <a:t>Facet (may be </a:t>
+            </a:r>
+            <a:r>
+              <a:rPr lang="en-GB" sz="1400" dirty="0">
+                <a:solidFill>
+                  <a:schemeClr val="tx1"/>
+                </a:solidFill>
+                <a:latin typeface="Courier New" panose="02070309020205020404" pitchFamily="49" charset="0"/>
+                <a:cs typeface="Courier New" panose="02070309020205020404" pitchFamily="49" charset="0"/>
+              </a:rPr>
+              <a:t>row</a:t>
+            </a:r>
+            <a:r>
+              <a:rPr lang="en-GB" sz="1400" dirty="0">
+                <a:solidFill>
+                  <a:schemeClr val="tx1"/>
+                </a:solidFill>
+                <a:latin typeface="+mn-lt"/>
+              </a:rPr>
+              <a:t> or </a:t>
+            </a:r>
+            <a:r>
+              <a:rPr lang="en-GB" sz="1400" dirty="0">
+                <a:solidFill>
+                  <a:schemeClr val="tx1"/>
+                </a:solidFill>
+                <a:latin typeface="Courier New" panose="02070309020205020404" pitchFamily="49" charset="0"/>
+                <a:cs typeface="Courier New" panose="02070309020205020404" pitchFamily="49" charset="0"/>
+              </a:rPr>
+              <a:t>col</a:t>
+            </a:r>
+            <a:r>
+              <a:rPr lang="en-GB" sz="1400" dirty="0">
+                <a:solidFill>
+                  <a:schemeClr val="tx1"/>
+                </a:solidFill>
+                <a:latin typeface="+mn-lt"/>
+              </a:rPr>
+              <a:t>)</a:t>
             </a:r>
           </a:p>
         </p:txBody>
@@ -14317,7 +14463,7 @@
     </p:spTree>
     <p:extLst>
       <p:ext uri="{BB962C8B-B14F-4D97-AF65-F5344CB8AC3E}">
-        <p14:creationId xmlns:p14="http://schemas.microsoft.com/office/powerpoint/2010/main" val="3025216917"/>
+        <p14:creationId xmlns:p14="http://schemas.microsoft.com/office/powerpoint/2010/main" val="974712219"/>
       </p:ext>
     </p:extLst>
   </p:cSld>
@@ -14666,6319 +14812,6 @@
           <p:cNvPr id="2" name="Content Placeholder 1">
             <a:extLst>
               <a:ext uri="{FF2B5EF4-FFF2-40B4-BE49-F238E27FC236}">
-                <a16:creationId xmlns:a16="http://schemas.microsoft.com/office/drawing/2014/main" id="{69BC487D-CE76-4A9B-B567-3BF6506D63E3}"/>
-              </a:ext>
-            </a:extLst>
-          </p:cNvPr>
-          <p:cNvSpPr>
-            <a:spLocks noGrp="1"/>
-          </p:cNvSpPr>
-          <p:nvPr>
-            <p:ph idx="1"/>
-          </p:nvPr>
-        </p:nvSpPr>
-        <p:spPr/>
-        <p:txBody>
-          <a:bodyPr/>
-          <a:lstStyle/>
-          <a:p>
-            <a:r>
-              <a:rPr lang="en-US" dirty="0"/>
-              <a:t>Column headers are values, not variable names</a:t>
-            </a:r>
-          </a:p>
-          <a:p>
-            <a:pPr lvl="1"/>
-            <a:r>
-              <a:rPr lang="en-US" dirty="0"/>
-              <a:t>Such a common issue that </a:t>
-            </a:r>
-            <a:r>
-              <a:rPr lang="en-US" dirty="0">
-                <a:latin typeface="Courier New" panose="02070309020205020404" pitchFamily="49" charset="0"/>
-                <a:cs typeface="Courier New" panose="02070309020205020404" pitchFamily="49" charset="0"/>
-              </a:rPr>
-              <a:t>pandas</a:t>
-            </a:r>
-            <a:r>
-              <a:rPr lang="en-US" dirty="0"/>
-              <a:t> has a function, </a:t>
-            </a:r>
-            <a:r>
-              <a:rPr lang="en-US" dirty="0">
-                <a:latin typeface="Courier New" panose="02070309020205020404" pitchFamily="49" charset="0"/>
-                <a:cs typeface="Courier New" panose="02070309020205020404" pitchFamily="49" charset="0"/>
-              </a:rPr>
-              <a:t>melt</a:t>
-            </a:r>
-            <a:r>
-              <a:rPr lang="en-US" dirty="0"/>
-              <a:t>, to address it</a:t>
-            </a:r>
-          </a:p>
-        </p:txBody>
-      </p:sp>
-      <p:sp>
-        <p:nvSpPr>
-          <p:cNvPr id="3" name="Title 2">
-            <a:extLst>
-              <a:ext uri="{FF2B5EF4-FFF2-40B4-BE49-F238E27FC236}">
-                <a16:creationId xmlns:a16="http://schemas.microsoft.com/office/drawing/2014/main" id="{B0DD6C6D-50D1-4DF3-A4C6-478B08F627E4}"/>
-              </a:ext>
-            </a:extLst>
-          </p:cNvPr>
-          <p:cNvSpPr>
-            <a:spLocks noGrp="1"/>
-          </p:cNvSpPr>
-          <p:nvPr>
-            <p:ph type="title"/>
-          </p:nvPr>
-        </p:nvSpPr>
-        <p:spPr/>
-        <p:txBody>
-          <a:bodyPr/>
-          <a:lstStyle/>
-          <a:p>
-            <a:r>
-              <a:rPr lang="en-GB" dirty="0"/>
-              <a:t>Column Headers Are Values</a:t>
-            </a:r>
-          </a:p>
-        </p:txBody>
-      </p:sp>
-      <p:graphicFrame>
-        <p:nvGraphicFramePr>
-          <p:cNvPr id="4" name="Table 4">
-            <a:extLst>
-              <a:ext uri="{FF2B5EF4-FFF2-40B4-BE49-F238E27FC236}">
-                <a16:creationId xmlns:a16="http://schemas.microsoft.com/office/drawing/2014/main" id="{50989C72-5845-4A2F-9CDE-CCC3E9F5589F}"/>
-              </a:ext>
-            </a:extLst>
-          </p:cNvPr>
-          <p:cNvGraphicFramePr>
-            <a:graphicFrameLocks noGrp="1"/>
-          </p:cNvGraphicFramePr>
-          <p:nvPr>
-            <p:extLst/>
-          </p:nvPr>
-        </p:nvGraphicFramePr>
-        <p:xfrm>
-          <a:off x="2329330" y="2250756"/>
-          <a:ext cx="1404000" cy="1097280"/>
-        </p:xfrm>
-        <a:graphic>
-          <a:graphicData uri="http://schemas.openxmlformats.org/drawingml/2006/table">
-            <a:tbl>
-              <a:tblPr firstRow="1" bandRow="1">
-                <a:tableStyleId>{21E4AEA4-8DFA-4A89-87EB-49C32662AFE0}</a:tableStyleId>
-              </a:tblPr>
-              <a:tblGrid>
-                <a:gridCol w="525630">
-                  <a:extLst>
-                    <a:ext uri="{9D8B030D-6E8A-4147-A177-3AD203B41FA5}">
-                      <a16:colId xmlns:a16="http://schemas.microsoft.com/office/drawing/2014/main" val="4290543523"/>
-                    </a:ext>
-                  </a:extLst>
-                </a:gridCol>
-                <a:gridCol w="302370">
-                  <a:extLst>
-                    <a:ext uri="{9D8B030D-6E8A-4147-A177-3AD203B41FA5}">
-                      <a16:colId xmlns:a16="http://schemas.microsoft.com/office/drawing/2014/main" val="2469491338"/>
-                    </a:ext>
-                  </a:extLst>
-                </a:gridCol>
-                <a:gridCol w="288000">
-                  <a:extLst>
-                    <a:ext uri="{9D8B030D-6E8A-4147-A177-3AD203B41FA5}">
-                      <a16:colId xmlns:a16="http://schemas.microsoft.com/office/drawing/2014/main" val="1138640855"/>
-                    </a:ext>
-                  </a:extLst>
-                </a:gridCol>
-                <a:gridCol w="288000">
-                  <a:extLst>
-                    <a:ext uri="{9D8B030D-6E8A-4147-A177-3AD203B41FA5}">
-                      <a16:colId xmlns:a16="http://schemas.microsoft.com/office/drawing/2014/main" val="3246801444"/>
-                    </a:ext>
-                  </a:extLst>
-                </a:gridCol>
-              </a:tblGrid>
-              <a:tr h="252000">
-                <a:tc>
-                  <a:txBody>
-                    <a:bodyPr/>
-                    <a:lstStyle/>
-                    <a:p>
-                      <a:r>
-                        <a:rPr lang="en-GB" sz="1200" dirty="0"/>
-                        <a:t>row</a:t>
-                      </a:r>
-                    </a:p>
-                  </a:txBody>
-                  <a:tcPr/>
-                </a:tc>
-                <a:tc>
-                  <a:txBody>
-                    <a:bodyPr/>
-                    <a:lstStyle/>
-                    <a:p>
-                      <a:r>
-                        <a:rPr lang="en-GB" sz="1200" dirty="0"/>
-                        <a:t>x</a:t>
-                      </a:r>
-                    </a:p>
-                  </a:txBody>
-                  <a:tcPr/>
-                </a:tc>
-                <a:tc>
-                  <a:txBody>
-                    <a:bodyPr/>
-                    <a:lstStyle/>
-                    <a:p>
-                      <a:r>
-                        <a:rPr lang="en-GB" sz="1200" dirty="0"/>
-                        <a:t>y</a:t>
-                      </a:r>
-                    </a:p>
-                  </a:txBody>
-                  <a:tcPr/>
-                </a:tc>
-                <a:tc>
-                  <a:txBody>
-                    <a:bodyPr/>
-                    <a:lstStyle/>
-                    <a:p>
-                      <a:r>
-                        <a:rPr lang="en-GB" sz="1200" dirty="0"/>
-                        <a:t>z</a:t>
-                      </a:r>
-                    </a:p>
-                  </a:txBody>
-                  <a:tcPr/>
-                </a:tc>
-                <a:extLst>
-                  <a:ext uri="{0D108BD9-81ED-4DB2-BD59-A6C34878D82A}">
-                    <a16:rowId xmlns:a16="http://schemas.microsoft.com/office/drawing/2014/main" val="999084664"/>
-                  </a:ext>
-                </a:extLst>
-              </a:tr>
-              <a:tr h="252000">
-                <a:tc>
-                  <a:txBody>
-                    <a:bodyPr/>
-                    <a:lstStyle/>
-                    <a:p>
-                      <a:r>
-                        <a:rPr lang="en-GB" sz="1200" dirty="0"/>
-                        <a:t>A</a:t>
-                      </a:r>
-                    </a:p>
-                  </a:txBody>
-                  <a:tcPr/>
-                </a:tc>
-                <a:tc>
-                  <a:txBody>
-                    <a:bodyPr/>
-                    <a:lstStyle/>
-                    <a:p>
-                      <a:r>
-                        <a:rPr lang="en-GB" sz="1200" dirty="0"/>
-                        <a:t>1</a:t>
-                      </a:r>
-                    </a:p>
-                  </a:txBody>
-                  <a:tcPr/>
-                </a:tc>
-                <a:tc>
-                  <a:txBody>
-                    <a:bodyPr/>
-                    <a:lstStyle/>
-                    <a:p>
-                      <a:r>
-                        <a:rPr lang="en-GB" sz="1200" dirty="0"/>
-                        <a:t>2</a:t>
-                      </a:r>
-                    </a:p>
-                  </a:txBody>
-                  <a:tcPr/>
-                </a:tc>
-                <a:tc>
-                  <a:txBody>
-                    <a:bodyPr/>
-                    <a:lstStyle/>
-                    <a:p>
-                      <a:r>
-                        <a:rPr lang="en-GB" sz="1200" dirty="0"/>
-                        <a:t>3</a:t>
-                      </a:r>
-                    </a:p>
-                  </a:txBody>
-                  <a:tcPr/>
-                </a:tc>
-                <a:extLst>
-                  <a:ext uri="{0D108BD9-81ED-4DB2-BD59-A6C34878D82A}">
-                    <a16:rowId xmlns:a16="http://schemas.microsoft.com/office/drawing/2014/main" val="708152160"/>
-                  </a:ext>
-                </a:extLst>
-              </a:tr>
-              <a:tr h="252000">
-                <a:tc>
-                  <a:txBody>
-                    <a:bodyPr/>
-                    <a:lstStyle/>
-                    <a:p>
-                      <a:r>
-                        <a:rPr lang="en-GB" sz="1200" dirty="0"/>
-                        <a:t>B</a:t>
-                      </a:r>
-                    </a:p>
-                  </a:txBody>
-                  <a:tcPr/>
-                </a:tc>
-                <a:tc>
-                  <a:txBody>
-                    <a:bodyPr/>
-                    <a:lstStyle/>
-                    <a:p>
-                      <a:r>
-                        <a:rPr lang="en-GB" sz="1200" dirty="0"/>
-                        <a:t>4</a:t>
-                      </a:r>
-                    </a:p>
-                  </a:txBody>
-                  <a:tcPr/>
-                </a:tc>
-                <a:tc>
-                  <a:txBody>
-                    <a:bodyPr/>
-                    <a:lstStyle/>
-                    <a:p>
-                      <a:r>
-                        <a:rPr lang="en-GB" sz="1200" dirty="0"/>
-                        <a:t>5</a:t>
-                      </a:r>
-                    </a:p>
-                  </a:txBody>
-                  <a:tcPr/>
-                </a:tc>
-                <a:tc>
-                  <a:txBody>
-                    <a:bodyPr/>
-                    <a:lstStyle/>
-                    <a:p>
-                      <a:r>
-                        <a:rPr lang="en-GB" sz="1200" dirty="0"/>
-                        <a:t>6</a:t>
-                      </a:r>
-                    </a:p>
-                  </a:txBody>
-                  <a:tcPr/>
-                </a:tc>
-                <a:extLst>
-                  <a:ext uri="{0D108BD9-81ED-4DB2-BD59-A6C34878D82A}">
-                    <a16:rowId xmlns:a16="http://schemas.microsoft.com/office/drawing/2014/main" val="3386596275"/>
-                  </a:ext>
-                </a:extLst>
-              </a:tr>
-              <a:tr h="252000">
-                <a:tc>
-                  <a:txBody>
-                    <a:bodyPr/>
-                    <a:lstStyle/>
-                    <a:p>
-                      <a:r>
-                        <a:rPr lang="en-GB" sz="1200" dirty="0"/>
-                        <a:t>C</a:t>
-                      </a:r>
-                    </a:p>
-                  </a:txBody>
-                  <a:tcPr/>
-                </a:tc>
-                <a:tc>
-                  <a:txBody>
-                    <a:bodyPr/>
-                    <a:lstStyle/>
-                    <a:p>
-                      <a:r>
-                        <a:rPr lang="en-GB" sz="1200" dirty="0"/>
-                        <a:t>7</a:t>
-                      </a:r>
-                    </a:p>
-                  </a:txBody>
-                  <a:tcPr/>
-                </a:tc>
-                <a:tc>
-                  <a:txBody>
-                    <a:bodyPr/>
-                    <a:lstStyle/>
-                    <a:p>
-                      <a:r>
-                        <a:rPr lang="en-GB" sz="1200" dirty="0"/>
-                        <a:t>8</a:t>
-                      </a:r>
-                    </a:p>
-                  </a:txBody>
-                  <a:tcPr/>
-                </a:tc>
-                <a:tc>
-                  <a:txBody>
-                    <a:bodyPr/>
-                    <a:lstStyle/>
-                    <a:p>
-                      <a:r>
-                        <a:rPr lang="en-GB" sz="1200" dirty="0"/>
-                        <a:t>9</a:t>
-                      </a:r>
-                    </a:p>
-                  </a:txBody>
-                  <a:tcPr/>
-                </a:tc>
-                <a:extLst>
-                  <a:ext uri="{0D108BD9-81ED-4DB2-BD59-A6C34878D82A}">
-                    <a16:rowId xmlns:a16="http://schemas.microsoft.com/office/drawing/2014/main" val="1659326963"/>
-                  </a:ext>
-                </a:extLst>
-              </a:tr>
-            </a:tbl>
-          </a:graphicData>
-        </a:graphic>
-      </p:graphicFrame>
-      <p:graphicFrame>
-        <p:nvGraphicFramePr>
-          <p:cNvPr id="6" name="Table 4">
-            <a:extLst>
-              <a:ext uri="{FF2B5EF4-FFF2-40B4-BE49-F238E27FC236}">
-                <a16:creationId xmlns:a16="http://schemas.microsoft.com/office/drawing/2014/main" id="{8831AC46-E6C7-4AD7-8FC2-4BDEF7AB621C}"/>
-              </a:ext>
-            </a:extLst>
-          </p:cNvPr>
-          <p:cNvGraphicFramePr>
-            <a:graphicFrameLocks noGrp="1"/>
-          </p:cNvGraphicFramePr>
-          <p:nvPr>
-            <p:extLst/>
-          </p:nvPr>
-        </p:nvGraphicFramePr>
-        <p:xfrm>
-          <a:off x="5130107" y="1798547"/>
-          <a:ext cx="1764000" cy="2743200"/>
-        </p:xfrm>
-        <a:graphic>
-          <a:graphicData uri="http://schemas.openxmlformats.org/drawingml/2006/table">
-            <a:tbl>
-              <a:tblPr firstRow="1" bandRow="1">
-                <a:tableStyleId>{21E4AEA4-8DFA-4A89-87EB-49C32662AFE0}</a:tableStyleId>
-              </a:tblPr>
-              <a:tblGrid>
-                <a:gridCol w="540000">
-                  <a:extLst>
-                    <a:ext uri="{9D8B030D-6E8A-4147-A177-3AD203B41FA5}">
-                      <a16:colId xmlns:a16="http://schemas.microsoft.com/office/drawing/2014/main" val="4290543523"/>
-                    </a:ext>
-                  </a:extLst>
-                </a:gridCol>
-                <a:gridCol w="540000">
-                  <a:extLst>
-                    <a:ext uri="{9D8B030D-6E8A-4147-A177-3AD203B41FA5}">
-                      <a16:colId xmlns:a16="http://schemas.microsoft.com/office/drawing/2014/main" val="2469491338"/>
-                    </a:ext>
-                  </a:extLst>
-                </a:gridCol>
-                <a:gridCol w="684000">
-                  <a:extLst>
-                    <a:ext uri="{9D8B030D-6E8A-4147-A177-3AD203B41FA5}">
-                      <a16:colId xmlns:a16="http://schemas.microsoft.com/office/drawing/2014/main" val="1138640855"/>
-                    </a:ext>
-                  </a:extLst>
-                </a:gridCol>
-              </a:tblGrid>
-              <a:tr h="252000">
-                <a:tc>
-                  <a:txBody>
-                    <a:bodyPr/>
-                    <a:lstStyle/>
-                    <a:p>
-                      <a:r>
-                        <a:rPr lang="en-GB" sz="1200" dirty="0"/>
-                        <a:t>row</a:t>
-                      </a:r>
-                    </a:p>
-                  </a:txBody>
-                  <a:tcPr/>
-                </a:tc>
-                <a:tc>
-                  <a:txBody>
-                    <a:bodyPr/>
-                    <a:lstStyle/>
-                    <a:p>
-                      <a:r>
-                        <a:rPr lang="en-GB" sz="1200" dirty="0"/>
-                        <a:t>col</a:t>
-                      </a:r>
-                    </a:p>
-                  </a:txBody>
-                  <a:tcPr/>
-                </a:tc>
-                <a:tc>
-                  <a:txBody>
-                    <a:bodyPr/>
-                    <a:lstStyle/>
-                    <a:p>
-                      <a:r>
-                        <a:rPr lang="en-GB" sz="1200" dirty="0"/>
-                        <a:t>value</a:t>
-                      </a:r>
-                    </a:p>
-                  </a:txBody>
-                  <a:tcPr/>
-                </a:tc>
-                <a:extLst>
-                  <a:ext uri="{0D108BD9-81ED-4DB2-BD59-A6C34878D82A}">
-                    <a16:rowId xmlns:a16="http://schemas.microsoft.com/office/drawing/2014/main" val="999084664"/>
-                  </a:ext>
-                </a:extLst>
-              </a:tr>
-              <a:tr h="252000">
-                <a:tc>
-                  <a:txBody>
-                    <a:bodyPr/>
-                    <a:lstStyle/>
-                    <a:p>
-                      <a:r>
-                        <a:rPr lang="en-GB" sz="1200" dirty="0"/>
-                        <a:t>A</a:t>
-                      </a:r>
-                    </a:p>
-                  </a:txBody>
-                  <a:tcPr/>
-                </a:tc>
-                <a:tc>
-                  <a:txBody>
-                    <a:bodyPr/>
-                    <a:lstStyle/>
-                    <a:p>
-                      <a:r>
-                        <a:rPr lang="en-GB" sz="1200" dirty="0"/>
-                        <a:t>x</a:t>
-                      </a:r>
-                    </a:p>
-                  </a:txBody>
-                  <a:tcPr/>
-                </a:tc>
-                <a:tc>
-                  <a:txBody>
-                    <a:bodyPr/>
-                    <a:lstStyle/>
-                    <a:p>
-                      <a:r>
-                        <a:rPr lang="en-GB" sz="1200" dirty="0"/>
-                        <a:t>1</a:t>
-                      </a:r>
-                    </a:p>
-                  </a:txBody>
-                  <a:tcPr/>
-                </a:tc>
-                <a:extLst>
-                  <a:ext uri="{0D108BD9-81ED-4DB2-BD59-A6C34878D82A}">
-                    <a16:rowId xmlns:a16="http://schemas.microsoft.com/office/drawing/2014/main" val="708152160"/>
-                  </a:ext>
-                </a:extLst>
-              </a:tr>
-              <a:tr h="252000">
-                <a:tc>
-                  <a:txBody>
-                    <a:bodyPr/>
-                    <a:lstStyle/>
-                    <a:p>
-                      <a:r>
-                        <a:rPr lang="en-GB" sz="1200" dirty="0"/>
-                        <a:t>B</a:t>
-                      </a:r>
-                    </a:p>
-                  </a:txBody>
-                  <a:tcPr/>
-                </a:tc>
-                <a:tc>
-                  <a:txBody>
-                    <a:bodyPr/>
-                    <a:lstStyle/>
-                    <a:p>
-                      <a:r>
-                        <a:rPr lang="en-GB" sz="1200" dirty="0"/>
-                        <a:t>x</a:t>
-                      </a:r>
-                    </a:p>
-                  </a:txBody>
-                  <a:tcPr/>
-                </a:tc>
-                <a:tc>
-                  <a:txBody>
-                    <a:bodyPr/>
-                    <a:lstStyle/>
-                    <a:p>
-                      <a:r>
-                        <a:rPr lang="en-GB" sz="1200" dirty="0"/>
-                        <a:t>4</a:t>
-                      </a:r>
-                    </a:p>
-                  </a:txBody>
-                  <a:tcPr/>
-                </a:tc>
-                <a:extLst>
-                  <a:ext uri="{0D108BD9-81ED-4DB2-BD59-A6C34878D82A}">
-                    <a16:rowId xmlns:a16="http://schemas.microsoft.com/office/drawing/2014/main" val="3386596275"/>
-                  </a:ext>
-                </a:extLst>
-              </a:tr>
-              <a:tr h="252000">
-                <a:tc>
-                  <a:txBody>
-                    <a:bodyPr/>
-                    <a:lstStyle/>
-                    <a:p>
-                      <a:r>
-                        <a:rPr lang="en-GB" sz="1200" dirty="0"/>
-                        <a:t>C</a:t>
-                      </a:r>
-                    </a:p>
-                  </a:txBody>
-                  <a:tcPr/>
-                </a:tc>
-                <a:tc>
-                  <a:txBody>
-                    <a:bodyPr/>
-                    <a:lstStyle/>
-                    <a:p>
-                      <a:r>
-                        <a:rPr lang="en-GB" sz="1200" dirty="0"/>
-                        <a:t>x</a:t>
-                      </a:r>
-                    </a:p>
-                  </a:txBody>
-                  <a:tcPr/>
-                </a:tc>
-                <a:tc>
-                  <a:txBody>
-                    <a:bodyPr/>
-                    <a:lstStyle/>
-                    <a:p>
-                      <a:r>
-                        <a:rPr lang="en-GB" sz="1200" dirty="0"/>
-                        <a:t>7</a:t>
-                      </a:r>
-                    </a:p>
-                  </a:txBody>
-                  <a:tcPr/>
-                </a:tc>
-                <a:extLst>
-                  <a:ext uri="{0D108BD9-81ED-4DB2-BD59-A6C34878D82A}">
-                    <a16:rowId xmlns:a16="http://schemas.microsoft.com/office/drawing/2014/main" val="1659326963"/>
-                  </a:ext>
-                </a:extLst>
-              </a:tr>
-              <a:tr h="252000">
-                <a:tc>
-                  <a:txBody>
-                    <a:bodyPr/>
-                    <a:lstStyle/>
-                    <a:p>
-                      <a:r>
-                        <a:rPr lang="en-GB" sz="1200" dirty="0"/>
-                        <a:t>A</a:t>
-                      </a:r>
-                    </a:p>
-                  </a:txBody>
-                  <a:tcPr/>
-                </a:tc>
-                <a:tc>
-                  <a:txBody>
-                    <a:bodyPr/>
-                    <a:lstStyle/>
-                    <a:p>
-                      <a:r>
-                        <a:rPr lang="en-GB" sz="1200" dirty="0"/>
-                        <a:t>y</a:t>
-                      </a:r>
-                    </a:p>
-                  </a:txBody>
-                  <a:tcPr/>
-                </a:tc>
-                <a:tc>
-                  <a:txBody>
-                    <a:bodyPr/>
-                    <a:lstStyle/>
-                    <a:p>
-                      <a:r>
-                        <a:rPr lang="en-GB" sz="1200" dirty="0"/>
-                        <a:t>2</a:t>
-                      </a:r>
-                    </a:p>
-                  </a:txBody>
-                  <a:tcPr/>
-                </a:tc>
-                <a:extLst>
-                  <a:ext uri="{0D108BD9-81ED-4DB2-BD59-A6C34878D82A}">
-                    <a16:rowId xmlns:a16="http://schemas.microsoft.com/office/drawing/2014/main" val="1737483404"/>
-                  </a:ext>
-                </a:extLst>
-              </a:tr>
-              <a:tr h="252000">
-                <a:tc>
-                  <a:txBody>
-                    <a:bodyPr/>
-                    <a:lstStyle/>
-                    <a:p>
-                      <a:r>
-                        <a:rPr lang="en-GB" sz="1200" dirty="0"/>
-                        <a:t>B</a:t>
-                      </a:r>
-                    </a:p>
-                  </a:txBody>
-                  <a:tcPr/>
-                </a:tc>
-                <a:tc>
-                  <a:txBody>
-                    <a:bodyPr/>
-                    <a:lstStyle/>
-                    <a:p>
-                      <a:r>
-                        <a:rPr lang="en-GB" sz="1200" dirty="0"/>
-                        <a:t>y</a:t>
-                      </a:r>
-                    </a:p>
-                  </a:txBody>
-                  <a:tcPr/>
-                </a:tc>
-                <a:tc>
-                  <a:txBody>
-                    <a:bodyPr/>
-                    <a:lstStyle/>
-                    <a:p>
-                      <a:r>
-                        <a:rPr lang="en-GB" sz="1200" dirty="0"/>
-                        <a:t>5</a:t>
-                      </a:r>
-                    </a:p>
-                  </a:txBody>
-                  <a:tcPr/>
-                </a:tc>
-                <a:extLst>
-                  <a:ext uri="{0D108BD9-81ED-4DB2-BD59-A6C34878D82A}">
-                    <a16:rowId xmlns:a16="http://schemas.microsoft.com/office/drawing/2014/main" val="1654045359"/>
-                  </a:ext>
-                </a:extLst>
-              </a:tr>
-              <a:tr h="252000">
-                <a:tc>
-                  <a:txBody>
-                    <a:bodyPr/>
-                    <a:lstStyle/>
-                    <a:p>
-                      <a:r>
-                        <a:rPr lang="en-GB" sz="1200" dirty="0"/>
-                        <a:t>C</a:t>
-                      </a:r>
-                    </a:p>
-                  </a:txBody>
-                  <a:tcPr/>
-                </a:tc>
-                <a:tc>
-                  <a:txBody>
-                    <a:bodyPr/>
-                    <a:lstStyle/>
-                    <a:p>
-                      <a:r>
-                        <a:rPr lang="en-GB" sz="1200" dirty="0"/>
-                        <a:t>y</a:t>
-                      </a:r>
-                    </a:p>
-                  </a:txBody>
-                  <a:tcPr/>
-                </a:tc>
-                <a:tc>
-                  <a:txBody>
-                    <a:bodyPr/>
-                    <a:lstStyle/>
-                    <a:p>
-                      <a:r>
-                        <a:rPr lang="en-GB" sz="1200" dirty="0"/>
-                        <a:t>8</a:t>
-                      </a:r>
-                    </a:p>
-                  </a:txBody>
-                  <a:tcPr/>
-                </a:tc>
-                <a:extLst>
-                  <a:ext uri="{0D108BD9-81ED-4DB2-BD59-A6C34878D82A}">
-                    <a16:rowId xmlns:a16="http://schemas.microsoft.com/office/drawing/2014/main" val="3571326111"/>
-                  </a:ext>
-                </a:extLst>
-              </a:tr>
-              <a:tr h="252000">
-                <a:tc>
-                  <a:txBody>
-                    <a:bodyPr/>
-                    <a:lstStyle/>
-                    <a:p>
-                      <a:r>
-                        <a:rPr lang="en-GB" sz="1200" dirty="0"/>
-                        <a:t>A</a:t>
-                      </a:r>
-                    </a:p>
-                  </a:txBody>
-                  <a:tcPr/>
-                </a:tc>
-                <a:tc>
-                  <a:txBody>
-                    <a:bodyPr/>
-                    <a:lstStyle/>
-                    <a:p>
-                      <a:r>
-                        <a:rPr lang="en-GB" sz="1200" dirty="0"/>
-                        <a:t>z</a:t>
-                      </a:r>
-                    </a:p>
-                  </a:txBody>
-                  <a:tcPr/>
-                </a:tc>
-                <a:tc>
-                  <a:txBody>
-                    <a:bodyPr/>
-                    <a:lstStyle/>
-                    <a:p>
-                      <a:r>
-                        <a:rPr lang="en-GB" sz="1200" dirty="0"/>
-                        <a:t>3</a:t>
-                      </a:r>
-                    </a:p>
-                  </a:txBody>
-                  <a:tcPr/>
-                </a:tc>
-                <a:extLst>
-                  <a:ext uri="{0D108BD9-81ED-4DB2-BD59-A6C34878D82A}">
-                    <a16:rowId xmlns:a16="http://schemas.microsoft.com/office/drawing/2014/main" val="1511907450"/>
-                  </a:ext>
-                </a:extLst>
-              </a:tr>
-              <a:tr h="252000">
-                <a:tc>
-                  <a:txBody>
-                    <a:bodyPr/>
-                    <a:lstStyle/>
-                    <a:p>
-                      <a:r>
-                        <a:rPr lang="en-GB" sz="1200" dirty="0"/>
-                        <a:t>B</a:t>
-                      </a:r>
-                    </a:p>
-                  </a:txBody>
-                  <a:tcPr/>
-                </a:tc>
-                <a:tc>
-                  <a:txBody>
-                    <a:bodyPr/>
-                    <a:lstStyle/>
-                    <a:p>
-                      <a:r>
-                        <a:rPr lang="en-GB" sz="1200" dirty="0"/>
-                        <a:t>z</a:t>
-                      </a:r>
-                    </a:p>
-                  </a:txBody>
-                  <a:tcPr/>
-                </a:tc>
-                <a:tc>
-                  <a:txBody>
-                    <a:bodyPr/>
-                    <a:lstStyle/>
-                    <a:p>
-                      <a:r>
-                        <a:rPr lang="en-GB" sz="1200" dirty="0"/>
-                        <a:t>6</a:t>
-                      </a:r>
-                    </a:p>
-                  </a:txBody>
-                  <a:tcPr/>
-                </a:tc>
-                <a:extLst>
-                  <a:ext uri="{0D108BD9-81ED-4DB2-BD59-A6C34878D82A}">
-                    <a16:rowId xmlns:a16="http://schemas.microsoft.com/office/drawing/2014/main" val="3176113084"/>
-                  </a:ext>
-                </a:extLst>
-              </a:tr>
-              <a:tr h="252000">
-                <a:tc>
-                  <a:txBody>
-                    <a:bodyPr/>
-                    <a:lstStyle/>
-                    <a:p>
-                      <a:r>
-                        <a:rPr lang="en-GB" sz="1200" dirty="0"/>
-                        <a:t>C</a:t>
-                      </a:r>
-                    </a:p>
-                  </a:txBody>
-                  <a:tcPr/>
-                </a:tc>
-                <a:tc>
-                  <a:txBody>
-                    <a:bodyPr/>
-                    <a:lstStyle/>
-                    <a:p>
-                      <a:r>
-                        <a:rPr lang="en-GB" sz="1200" dirty="0"/>
-                        <a:t>z</a:t>
-                      </a:r>
-                    </a:p>
-                  </a:txBody>
-                  <a:tcPr/>
-                </a:tc>
-                <a:tc>
-                  <a:txBody>
-                    <a:bodyPr/>
-                    <a:lstStyle/>
-                    <a:p>
-                      <a:r>
-                        <a:rPr lang="en-GB" sz="1200" dirty="0"/>
-                        <a:t>9</a:t>
-                      </a:r>
-                    </a:p>
-                  </a:txBody>
-                  <a:tcPr/>
-                </a:tc>
-                <a:extLst>
-                  <a:ext uri="{0D108BD9-81ED-4DB2-BD59-A6C34878D82A}">
-                    <a16:rowId xmlns:a16="http://schemas.microsoft.com/office/drawing/2014/main" val="2575563832"/>
-                  </a:ext>
-                </a:extLst>
-              </a:tr>
-            </a:tbl>
-          </a:graphicData>
-        </a:graphic>
-      </p:graphicFrame>
-      <p:sp>
-        <p:nvSpPr>
-          <p:cNvPr id="7" name="Arrow: Right 6">
-            <a:extLst>
-              <a:ext uri="{FF2B5EF4-FFF2-40B4-BE49-F238E27FC236}">
-                <a16:creationId xmlns:a16="http://schemas.microsoft.com/office/drawing/2014/main" id="{E0C20DAE-63B3-4562-BAB6-C024A0FBDE4C}"/>
-              </a:ext>
-            </a:extLst>
-          </p:cNvPr>
-          <p:cNvSpPr/>
-          <p:nvPr/>
-        </p:nvSpPr>
-        <p:spPr bwMode="auto">
-          <a:xfrm>
-            <a:off x="3959524" y="2645289"/>
-            <a:ext cx="819509" cy="500332"/>
-          </a:xfrm>
-          <a:prstGeom prst="rightArrow">
-            <a:avLst/>
-          </a:prstGeom>
-          <a:solidFill>
-            <a:srgbClr val="C00000"/>
-          </a:solidFill>
-          <a:ln w="9525" algn="ctr">
-            <a:noFill/>
-            <a:round/>
-            <a:headEnd/>
-            <a:tailEnd/>
-          </a:ln>
-        </p:spPr>
-        <p:txBody>
-          <a:bodyPr wrap="square" rtlCol="0" anchor="ctr">
-            <a:spAutoFit/>
-          </a:bodyPr>
-          <a:lstStyle/>
-          <a:p>
-            <a:pPr algn="ctr"/>
-            <a:endParaRPr lang="en-GB" sz="1400" dirty="0">
-              <a:solidFill>
-                <a:schemeClr val="tx1"/>
-              </a:solidFill>
-              <a:latin typeface="+mn-lt"/>
-            </a:endParaRPr>
-          </a:p>
-        </p:txBody>
-      </p:sp>
-      <p:sp>
-        <p:nvSpPr>
-          <p:cNvPr id="8" name="TextBox 7">
-            <a:extLst>
-              <a:ext uri="{FF2B5EF4-FFF2-40B4-BE49-F238E27FC236}">
-                <a16:creationId xmlns:a16="http://schemas.microsoft.com/office/drawing/2014/main" id="{D2A6DF4F-FAEB-476E-A62B-B3B2A70F4D48}"/>
-              </a:ext>
-            </a:extLst>
-          </p:cNvPr>
-          <p:cNvSpPr txBox="1"/>
-          <p:nvPr/>
-        </p:nvSpPr>
-        <p:spPr bwMode="auto">
-          <a:xfrm>
-            <a:off x="3908254" y="2162192"/>
-            <a:ext cx="922047" cy="461665"/>
-          </a:xfrm>
-          <a:prstGeom prst="rect">
-            <a:avLst/>
-          </a:prstGeom>
-          <a:solidFill>
-            <a:schemeClr val="bg1"/>
-          </a:solidFill>
-          <a:ln w="9525" algn="ctr">
-            <a:noFill/>
-            <a:miter lim="800000"/>
-            <a:headEnd/>
-            <a:tailEnd/>
-          </a:ln>
-          <a:effectLst/>
-        </p:spPr>
-        <p:txBody>
-          <a:bodyPr wrap="none" rtlCol="0">
-            <a:spAutoFit/>
-          </a:bodyPr>
-          <a:lstStyle/>
-          <a:p>
-            <a:pPr eaLnBrk="1" hangingPunct="1"/>
-            <a:r>
-              <a:rPr lang="en-GB" dirty="0">
-                <a:solidFill>
-                  <a:schemeClr val="tx1"/>
-                </a:solidFill>
-                <a:latin typeface="Courier New" pitchFamily="49" charset="0"/>
-              </a:rPr>
-              <a:t>melt</a:t>
-            </a:r>
-          </a:p>
-        </p:txBody>
-      </p:sp>
-      <p:graphicFrame>
-        <p:nvGraphicFramePr>
-          <p:cNvPr id="9" name="Table 4">
-            <a:extLst>
-              <a:ext uri="{FF2B5EF4-FFF2-40B4-BE49-F238E27FC236}">
-                <a16:creationId xmlns:a16="http://schemas.microsoft.com/office/drawing/2014/main" id="{73561ED3-5777-4171-8BC6-99EC478AA695}"/>
-              </a:ext>
-            </a:extLst>
-          </p:cNvPr>
-          <p:cNvGraphicFramePr>
-            <a:graphicFrameLocks noGrp="1"/>
-          </p:cNvGraphicFramePr>
-          <p:nvPr>
-            <p:extLst/>
-          </p:nvPr>
-        </p:nvGraphicFramePr>
-        <p:xfrm>
-          <a:off x="439954" y="5056300"/>
-          <a:ext cx="4896000" cy="1097280"/>
-        </p:xfrm>
-        <a:graphic>
-          <a:graphicData uri="http://schemas.openxmlformats.org/drawingml/2006/table">
-            <a:tbl>
-              <a:tblPr firstRow="1" bandRow="1">
-                <a:tableStyleId>{21E4AEA4-8DFA-4A89-87EB-49C32662AFE0}</a:tableStyleId>
-              </a:tblPr>
-              <a:tblGrid>
-                <a:gridCol w="1152000">
-                  <a:extLst>
-                    <a:ext uri="{9D8B030D-6E8A-4147-A177-3AD203B41FA5}">
-                      <a16:colId xmlns:a16="http://schemas.microsoft.com/office/drawing/2014/main" val="4290543523"/>
-                    </a:ext>
-                  </a:extLst>
-                </a:gridCol>
-                <a:gridCol w="936000">
-                  <a:extLst>
-                    <a:ext uri="{9D8B030D-6E8A-4147-A177-3AD203B41FA5}">
-                      <a16:colId xmlns:a16="http://schemas.microsoft.com/office/drawing/2014/main" val="2469491338"/>
-                    </a:ext>
-                  </a:extLst>
-                </a:gridCol>
-                <a:gridCol w="936000">
-                  <a:extLst>
-                    <a:ext uri="{9D8B030D-6E8A-4147-A177-3AD203B41FA5}">
-                      <a16:colId xmlns:a16="http://schemas.microsoft.com/office/drawing/2014/main" val="1138640855"/>
-                    </a:ext>
-                  </a:extLst>
-                </a:gridCol>
-                <a:gridCol w="936000">
-                  <a:extLst>
-                    <a:ext uri="{9D8B030D-6E8A-4147-A177-3AD203B41FA5}">
-                      <a16:colId xmlns:a16="http://schemas.microsoft.com/office/drawing/2014/main" val="255819374"/>
-                    </a:ext>
-                  </a:extLst>
-                </a:gridCol>
-                <a:gridCol w="936000">
-                  <a:extLst>
-                    <a:ext uri="{9D8B030D-6E8A-4147-A177-3AD203B41FA5}">
-                      <a16:colId xmlns:a16="http://schemas.microsoft.com/office/drawing/2014/main" val="308014653"/>
-                    </a:ext>
-                  </a:extLst>
-                </a:gridCol>
-              </a:tblGrid>
-              <a:tr h="252000">
-                <a:tc>
-                  <a:txBody>
-                    <a:bodyPr/>
-                    <a:lstStyle/>
-                    <a:p>
-                      <a:r>
-                        <a:rPr lang="en-GB" sz="1200" dirty="0"/>
-                        <a:t>Company</a:t>
-                      </a:r>
-                    </a:p>
-                  </a:txBody>
-                  <a:tcPr/>
-                </a:tc>
-                <a:tc>
-                  <a:txBody>
-                    <a:bodyPr/>
-                    <a:lstStyle/>
-                    <a:p>
-                      <a:pPr algn="r"/>
-                      <a:r>
-                        <a:rPr lang="en-GB" sz="1200" dirty="0"/>
-                        <a:t>Q1</a:t>
-                      </a:r>
-                    </a:p>
-                  </a:txBody>
-                  <a:tcPr/>
-                </a:tc>
-                <a:tc>
-                  <a:txBody>
-                    <a:bodyPr/>
-                    <a:lstStyle/>
-                    <a:p>
-                      <a:pPr algn="r"/>
-                      <a:r>
-                        <a:rPr lang="en-GB" sz="1200" dirty="0"/>
-                        <a:t>Q2</a:t>
-                      </a:r>
-                    </a:p>
-                  </a:txBody>
-                  <a:tcPr/>
-                </a:tc>
-                <a:tc>
-                  <a:txBody>
-                    <a:bodyPr/>
-                    <a:lstStyle/>
-                    <a:p>
-                      <a:pPr algn="r"/>
-                      <a:r>
-                        <a:rPr lang="en-GB" sz="1200" dirty="0"/>
-                        <a:t>Q3</a:t>
-                      </a:r>
-                    </a:p>
-                  </a:txBody>
-                  <a:tcPr/>
-                </a:tc>
-                <a:tc>
-                  <a:txBody>
-                    <a:bodyPr/>
-                    <a:lstStyle/>
-                    <a:p>
-                      <a:pPr algn="r"/>
-                      <a:r>
-                        <a:rPr lang="en-GB" sz="1200" dirty="0"/>
-                        <a:t>Q4</a:t>
-                      </a:r>
-                    </a:p>
-                  </a:txBody>
-                  <a:tcPr/>
-                </a:tc>
-                <a:extLst>
-                  <a:ext uri="{0D108BD9-81ED-4DB2-BD59-A6C34878D82A}">
-                    <a16:rowId xmlns:a16="http://schemas.microsoft.com/office/drawing/2014/main" val="999084664"/>
-                  </a:ext>
-                </a:extLst>
-              </a:tr>
-              <a:tr h="252000">
-                <a:tc>
-                  <a:txBody>
-                    <a:bodyPr/>
-                    <a:lstStyle/>
-                    <a:p>
-                      <a:r>
-                        <a:rPr lang="en-GB" sz="1200" dirty="0"/>
-                        <a:t>Ace Chemical</a:t>
-                      </a:r>
-                    </a:p>
-                  </a:txBody>
-                  <a:tcPr/>
-                </a:tc>
-                <a:tc>
-                  <a:txBody>
-                    <a:bodyPr/>
-                    <a:lstStyle/>
-                    <a:p>
-                      <a:pPr algn="r"/>
-                      <a:r>
-                        <a:rPr lang="en-GB" sz="1200" dirty="0"/>
-                        <a:t>123,456.78</a:t>
-                      </a:r>
-                    </a:p>
-                  </a:txBody>
-                  <a:tcPr/>
-                </a:tc>
-                <a:tc>
-                  <a:txBody>
-                    <a:bodyPr/>
-                    <a:lstStyle/>
-                    <a:p>
-                      <a:pPr algn="r"/>
-                      <a:r>
-                        <a:rPr lang="en-GB" sz="1200" dirty="0"/>
-                        <a:t>99,100.01</a:t>
-                      </a:r>
-                    </a:p>
-                  </a:txBody>
-                  <a:tcPr/>
-                </a:tc>
-                <a:tc>
-                  <a:txBody>
-                    <a:bodyPr/>
-                    <a:lstStyle/>
-                    <a:p>
-                      <a:pPr algn="r"/>
-                      <a:r>
-                        <a:rPr lang="en-GB" sz="1200" dirty="0"/>
-                        <a:t>42,424.42</a:t>
-                      </a:r>
-                    </a:p>
-                  </a:txBody>
-                  <a:tcPr/>
-                </a:tc>
-                <a:tc>
-                  <a:txBody>
-                    <a:bodyPr/>
-                    <a:lstStyle/>
-                    <a:p>
-                      <a:pPr algn="r"/>
-                      <a:r>
-                        <a:rPr lang="en-GB" sz="1200" dirty="0"/>
-                        <a:t>79,234.56</a:t>
-                      </a:r>
-                    </a:p>
-                  </a:txBody>
-                  <a:tcPr/>
-                </a:tc>
-                <a:extLst>
-                  <a:ext uri="{0D108BD9-81ED-4DB2-BD59-A6C34878D82A}">
-                    <a16:rowId xmlns:a16="http://schemas.microsoft.com/office/drawing/2014/main" val="458146934"/>
-                  </a:ext>
-                </a:extLst>
-              </a:tr>
-              <a:tr h="252000">
-                <a:tc>
-                  <a:txBody>
-                    <a:bodyPr/>
-                    <a:lstStyle/>
-                    <a:p>
-                      <a:r>
-                        <a:rPr lang="en-GB" sz="1200" dirty="0"/>
-                        <a:t>Acme Corp</a:t>
-                      </a:r>
-                    </a:p>
-                  </a:txBody>
-                  <a:tcPr/>
-                </a:tc>
-                <a:tc>
-                  <a:txBody>
-                    <a:bodyPr/>
-                    <a:lstStyle/>
-                    <a:p>
-                      <a:pPr algn="r"/>
-                      <a:r>
-                        <a:rPr lang="en-GB" sz="1200" dirty="0"/>
-                        <a:t>29,306.67</a:t>
-                      </a:r>
-                    </a:p>
-                  </a:txBody>
-                  <a:tcPr/>
-                </a:tc>
-                <a:tc>
-                  <a:txBody>
-                    <a:bodyPr/>
-                    <a:lstStyle/>
-                    <a:p>
-                      <a:pPr algn="r"/>
-                      <a:r>
-                        <a:rPr lang="en-GB" sz="1200" dirty="0"/>
-                        <a:t>…</a:t>
-                      </a:r>
-                    </a:p>
-                  </a:txBody>
-                  <a:tcPr/>
-                </a:tc>
-                <a:tc>
-                  <a:txBody>
-                    <a:bodyPr/>
-                    <a:lstStyle/>
-                    <a:p>
-                      <a:pPr algn="r"/>
-                      <a:r>
-                        <a:rPr lang="en-GB" sz="1200" dirty="0"/>
-                        <a:t>…</a:t>
-                      </a:r>
-                    </a:p>
-                  </a:txBody>
-                  <a:tcPr/>
-                </a:tc>
-                <a:tc>
-                  <a:txBody>
-                    <a:bodyPr/>
-                    <a:lstStyle/>
-                    <a:p>
-                      <a:pPr algn="r"/>
-                      <a:r>
-                        <a:rPr lang="en-GB" sz="1200" dirty="0"/>
-                        <a:t>…</a:t>
-                      </a:r>
-                    </a:p>
-                  </a:txBody>
-                  <a:tcPr/>
-                </a:tc>
-                <a:extLst>
-                  <a:ext uri="{0D108BD9-81ED-4DB2-BD59-A6C34878D82A}">
-                    <a16:rowId xmlns:a16="http://schemas.microsoft.com/office/drawing/2014/main" val="708152160"/>
-                  </a:ext>
-                </a:extLst>
-              </a:tr>
-              <a:tr h="252000">
-                <a:tc>
-                  <a:txBody>
-                    <a:bodyPr/>
-                    <a:lstStyle/>
-                    <a:p>
-                      <a:r>
-                        <a:rPr lang="en-GB" sz="1200" dirty="0"/>
-                        <a:t>…</a:t>
-                      </a:r>
-                    </a:p>
-                  </a:txBody>
-                  <a:tcPr/>
-                </a:tc>
-                <a:tc>
-                  <a:txBody>
-                    <a:bodyPr/>
-                    <a:lstStyle/>
-                    <a:p>
-                      <a:pPr algn="r"/>
-                      <a:r>
-                        <a:rPr lang="en-GB" sz="1200" dirty="0"/>
-                        <a:t>…</a:t>
-                      </a:r>
-                    </a:p>
-                  </a:txBody>
-                  <a:tcPr/>
-                </a:tc>
-                <a:tc>
-                  <a:txBody>
-                    <a:bodyPr/>
-                    <a:lstStyle/>
-                    <a:p>
-                      <a:pPr algn="r"/>
-                      <a:r>
-                        <a:rPr lang="en-GB" sz="1200" dirty="0"/>
-                        <a:t>…</a:t>
-                      </a:r>
-                    </a:p>
-                  </a:txBody>
-                  <a:tcPr/>
-                </a:tc>
-                <a:tc>
-                  <a:txBody>
-                    <a:bodyPr/>
-                    <a:lstStyle/>
-                    <a:p>
-                      <a:pPr algn="r"/>
-                      <a:r>
-                        <a:rPr lang="en-GB" sz="1200" dirty="0"/>
-                        <a:t>…</a:t>
-                      </a:r>
-                    </a:p>
-                  </a:txBody>
-                  <a:tcPr/>
-                </a:tc>
-                <a:tc>
-                  <a:txBody>
-                    <a:bodyPr/>
-                    <a:lstStyle/>
-                    <a:p>
-                      <a:pPr algn="r"/>
-                      <a:r>
-                        <a:rPr lang="en-GB" sz="1200" dirty="0"/>
-                        <a:t>…</a:t>
-                      </a:r>
-                    </a:p>
-                  </a:txBody>
-                  <a:tcPr/>
-                </a:tc>
-                <a:extLst>
-                  <a:ext uri="{0D108BD9-81ED-4DB2-BD59-A6C34878D82A}">
-                    <a16:rowId xmlns:a16="http://schemas.microsoft.com/office/drawing/2014/main" val="3386596275"/>
-                  </a:ext>
-                </a:extLst>
-              </a:tr>
-            </a:tbl>
-          </a:graphicData>
-        </a:graphic>
-      </p:graphicFrame>
-      <p:graphicFrame>
-        <p:nvGraphicFramePr>
-          <p:cNvPr id="10" name="Table 4">
-            <a:extLst>
-              <a:ext uri="{FF2B5EF4-FFF2-40B4-BE49-F238E27FC236}">
-                <a16:creationId xmlns:a16="http://schemas.microsoft.com/office/drawing/2014/main" id="{ED205B04-2CC3-4AD2-9CF1-2A0881D89D65}"/>
-              </a:ext>
-            </a:extLst>
-          </p:cNvPr>
-          <p:cNvGraphicFramePr>
-            <a:graphicFrameLocks noGrp="1"/>
-          </p:cNvGraphicFramePr>
-          <p:nvPr>
-            <p:extLst/>
-          </p:nvPr>
-        </p:nvGraphicFramePr>
-        <p:xfrm>
-          <a:off x="5696371" y="4612024"/>
-          <a:ext cx="2916000" cy="1659600"/>
-        </p:xfrm>
-        <a:graphic>
-          <a:graphicData uri="http://schemas.openxmlformats.org/drawingml/2006/table">
-            <a:tbl>
-              <a:tblPr firstRow="1" bandRow="1">
-                <a:tableStyleId>{21E4AEA4-8DFA-4A89-87EB-49C32662AFE0}</a:tableStyleId>
-              </a:tblPr>
-              <a:tblGrid>
-                <a:gridCol w="1152000">
-                  <a:extLst>
-                    <a:ext uri="{9D8B030D-6E8A-4147-A177-3AD203B41FA5}">
-                      <a16:colId xmlns:a16="http://schemas.microsoft.com/office/drawing/2014/main" val="4290543523"/>
-                    </a:ext>
-                  </a:extLst>
-                </a:gridCol>
-                <a:gridCol w="828000">
-                  <a:extLst>
-                    <a:ext uri="{9D8B030D-6E8A-4147-A177-3AD203B41FA5}">
-                      <a16:colId xmlns:a16="http://schemas.microsoft.com/office/drawing/2014/main" val="2469491338"/>
-                    </a:ext>
-                  </a:extLst>
-                </a:gridCol>
-                <a:gridCol w="936000">
-                  <a:extLst>
-                    <a:ext uri="{9D8B030D-6E8A-4147-A177-3AD203B41FA5}">
-                      <a16:colId xmlns:a16="http://schemas.microsoft.com/office/drawing/2014/main" val="255819374"/>
-                    </a:ext>
-                  </a:extLst>
-                </a:gridCol>
-              </a:tblGrid>
-              <a:tr h="288000">
-                <a:tc>
-                  <a:txBody>
-                    <a:bodyPr/>
-                    <a:lstStyle/>
-                    <a:p>
-                      <a:r>
-                        <a:rPr lang="en-GB" sz="1200" dirty="0"/>
-                        <a:t>Company</a:t>
-                      </a:r>
-                    </a:p>
-                  </a:txBody>
-                  <a:tcPr/>
-                </a:tc>
-                <a:tc>
-                  <a:txBody>
-                    <a:bodyPr/>
-                    <a:lstStyle/>
-                    <a:p>
-                      <a:pPr algn="r"/>
-                      <a:r>
-                        <a:rPr lang="en-GB" sz="1200" dirty="0"/>
-                        <a:t>Quarter</a:t>
-                      </a:r>
-                    </a:p>
-                  </a:txBody>
-                  <a:tcPr/>
-                </a:tc>
-                <a:tc>
-                  <a:txBody>
-                    <a:bodyPr/>
-                    <a:lstStyle/>
-                    <a:p>
-                      <a:pPr algn="r"/>
-                      <a:r>
-                        <a:rPr lang="en-GB" sz="1200" dirty="0"/>
-                        <a:t>Value</a:t>
-                      </a:r>
-                    </a:p>
-                  </a:txBody>
-                  <a:tcPr/>
-                </a:tc>
-                <a:extLst>
-                  <a:ext uri="{0D108BD9-81ED-4DB2-BD59-A6C34878D82A}">
-                    <a16:rowId xmlns:a16="http://schemas.microsoft.com/office/drawing/2014/main" val="999084664"/>
-                  </a:ext>
-                </a:extLst>
-              </a:tr>
-              <a:tr h="252000">
-                <a:tc>
-                  <a:txBody>
-                    <a:bodyPr/>
-                    <a:lstStyle/>
-                    <a:p>
-                      <a:r>
-                        <a:rPr lang="en-GB" sz="1200" dirty="0"/>
-                        <a:t>Ace Chemical</a:t>
-                      </a:r>
-                    </a:p>
-                  </a:txBody>
-                  <a:tcPr/>
-                </a:tc>
-                <a:tc>
-                  <a:txBody>
-                    <a:bodyPr/>
-                    <a:lstStyle/>
-                    <a:p>
-                      <a:pPr algn="r"/>
-                      <a:r>
-                        <a:rPr lang="en-GB" sz="1200" dirty="0"/>
-                        <a:t>Q1</a:t>
-                      </a:r>
-                    </a:p>
-                  </a:txBody>
-                  <a:tcPr/>
-                </a:tc>
-                <a:tc>
-                  <a:txBody>
-                    <a:bodyPr/>
-                    <a:lstStyle/>
-                    <a:p>
-                      <a:pPr algn="r"/>
-                      <a:r>
-                        <a:rPr lang="en-GB" sz="1200" dirty="0"/>
-                        <a:t>123,456.78</a:t>
-                      </a:r>
-                    </a:p>
-                  </a:txBody>
-                  <a:tcPr/>
-                </a:tc>
-                <a:extLst>
-                  <a:ext uri="{0D108BD9-81ED-4DB2-BD59-A6C34878D82A}">
-                    <a16:rowId xmlns:a16="http://schemas.microsoft.com/office/drawing/2014/main" val="458146934"/>
-                  </a:ext>
-                </a:extLst>
-              </a:tr>
-              <a:tr h="252000">
-                <a:tc>
-                  <a:txBody>
-                    <a:bodyPr/>
-                    <a:lstStyle/>
-                    <a:p>
-                      <a:r>
-                        <a:rPr lang="en-GB" sz="1200" dirty="0"/>
-                        <a:t>Ace Chemical</a:t>
-                      </a:r>
-                    </a:p>
-                  </a:txBody>
-                  <a:tcPr/>
-                </a:tc>
-                <a:tc>
-                  <a:txBody>
-                    <a:bodyPr/>
-                    <a:lstStyle/>
-                    <a:p>
-                      <a:pPr algn="r"/>
-                      <a:r>
-                        <a:rPr lang="en-GB" sz="1200" dirty="0"/>
-                        <a:t>Q2</a:t>
-                      </a:r>
-                    </a:p>
-                  </a:txBody>
-                  <a:tcPr/>
-                </a:tc>
-                <a:tc>
-                  <a:txBody>
-                    <a:bodyPr/>
-                    <a:lstStyle/>
-                    <a:p>
-                      <a:pPr algn="r"/>
-                      <a:r>
-                        <a:rPr lang="en-GB" sz="1200" dirty="0"/>
-                        <a:t>99,100.01</a:t>
-                      </a:r>
-                    </a:p>
-                  </a:txBody>
-                  <a:tcPr/>
-                </a:tc>
-                <a:extLst>
-                  <a:ext uri="{0D108BD9-81ED-4DB2-BD59-A6C34878D82A}">
-                    <a16:rowId xmlns:a16="http://schemas.microsoft.com/office/drawing/2014/main" val="708152160"/>
-                  </a:ext>
-                </a:extLst>
-              </a:tr>
-              <a:tr h="252000">
-                <a:tc>
-                  <a:txBody>
-                    <a:bodyPr/>
-                    <a:lstStyle/>
-                    <a:p>
-                      <a:r>
-                        <a:rPr lang="en-GB" sz="1200" dirty="0"/>
-                        <a:t>Ace Chemical</a:t>
-                      </a:r>
-                    </a:p>
-                  </a:txBody>
-                  <a:tcPr/>
-                </a:tc>
-                <a:tc>
-                  <a:txBody>
-                    <a:bodyPr/>
-                    <a:lstStyle/>
-                    <a:p>
-                      <a:pPr algn="r"/>
-                      <a:r>
-                        <a:rPr lang="en-GB" sz="1200" dirty="0"/>
-                        <a:t>Q3</a:t>
-                      </a:r>
-                    </a:p>
-                  </a:txBody>
-                  <a:tcPr/>
-                </a:tc>
-                <a:tc>
-                  <a:txBody>
-                    <a:bodyPr/>
-                    <a:lstStyle/>
-                    <a:p>
-                      <a:pPr algn="r"/>
-                      <a:r>
-                        <a:rPr lang="en-GB" sz="1200" dirty="0"/>
-                        <a:t>42,424.42</a:t>
-                      </a:r>
-                    </a:p>
-                  </a:txBody>
-                  <a:tcPr/>
-                </a:tc>
-                <a:extLst>
-                  <a:ext uri="{0D108BD9-81ED-4DB2-BD59-A6C34878D82A}">
-                    <a16:rowId xmlns:a16="http://schemas.microsoft.com/office/drawing/2014/main" val="3386596275"/>
-                  </a:ext>
-                </a:extLst>
-              </a:tr>
-              <a:tr h="252000">
-                <a:tc>
-                  <a:txBody>
-                    <a:bodyPr/>
-                    <a:lstStyle/>
-                    <a:p>
-                      <a:r>
-                        <a:rPr lang="en-GB" sz="1200" dirty="0"/>
-                        <a:t>Ace Chemical</a:t>
-                      </a:r>
-                    </a:p>
-                  </a:txBody>
-                  <a:tcPr/>
-                </a:tc>
-                <a:tc>
-                  <a:txBody>
-                    <a:bodyPr/>
-                    <a:lstStyle/>
-                    <a:p>
-                      <a:pPr algn="r"/>
-                      <a:r>
-                        <a:rPr lang="en-GB" sz="1200" dirty="0"/>
-                        <a:t>Q4</a:t>
-                      </a:r>
-                    </a:p>
-                  </a:txBody>
-                  <a:tcPr/>
-                </a:tc>
-                <a:tc>
-                  <a:txBody>
-                    <a:bodyPr/>
-                    <a:lstStyle/>
-                    <a:p>
-                      <a:pPr marL="0" marR="0" lvl="0" indent="0" algn="r" defTabSz="914400" rtl="0" eaLnBrk="1" fontAlgn="auto" latinLnBrk="0" hangingPunct="1">
-                        <a:lnSpc>
-                          <a:spcPct val="100000"/>
-                        </a:lnSpc>
-                        <a:spcBef>
-                          <a:spcPts val="0"/>
-                        </a:spcBef>
-                        <a:spcAft>
-                          <a:spcPts val="0"/>
-                        </a:spcAft>
-                        <a:buClrTx/>
-                        <a:buSzTx/>
-                        <a:buFontTx/>
-                        <a:buNone/>
-                        <a:tabLst/>
-                        <a:defRPr/>
-                      </a:pPr>
-                      <a:r>
-                        <a:rPr lang="en-GB" sz="1200" dirty="0"/>
-                        <a:t>79,234.56</a:t>
-                      </a:r>
-                    </a:p>
-                  </a:txBody>
-                  <a:tcPr/>
-                </a:tc>
-                <a:extLst>
-                  <a:ext uri="{0D108BD9-81ED-4DB2-BD59-A6C34878D82A}">
-                    <a16:rowId xmlns:a16="http://schemas.microsoft.com/office/drawing/2014/main" val="3857513955"/>
-                  </a:ext>
-                </a:extLst>
-              </a:tr>
-              <a:tr h="252000">
-                <a:tc>
-                  <a:txBody>
-                    <a:bodyPr/>
-                    <a:lstStyle/>
-                    <a:p>
-                      <a:r>
-                        <a:rPr lang="en-GB" sz="1200" dirty="0"/>
-                        <a:t>Acme Corp</a:t>
-                      </a:r>
-                    </a:p>
-                  </a:txBody>
-                  <a:tcPr/>
-                </a:tc>
-                <a:tc>
-                  <a:txBody>
-                    <a:bodyPr/>
-                    <a:lstStyle/>
-                    <a:p>
-                      <a:pPr algn="r"/>
-                      <a:r>
-                        <a:rPr lang="en-GB" sz="1200" dirty="0"/>
-                        <a:t>Q1</a:t>
-                      </a:r>
-                    </a:p>
-                  </a:txBody>
-                  <a:tcPr/>
-                </a:tc>
-                <a:tc>
-                  <a:txBody>
-                    <a:bodyPr/>
-                    <a:lstStyle/>
-                    <a:p>
-                      <a:pPr marL="0" marR="0" lvl="0" indent="0" algn="r" defTabSz="914400" rtl="0" eaLnBrk="1" fontAlgn="auto" latinLnBrk="0" hangingPunct="1">
-                        <a:lnSpc>
-                          <a:spcPct val="100000"/>
-                        </a:lnSpc>
-                        <a:spcBef>
-                          <a:spcPts val="0"/>
-                        </a:spcBef>
-                        <a:spcAft>
-                          <a:spcPts val="0"/>
-                        </a:spcAft>
-                        <a:buClrTx/>
-                        <a:buSzTx/>
-                        <a:buFontTx/>
-                        <a:buNone/>
-                        <a:tabLst/>
-                        <a:defRPr/>
-                      </a:pPr>
-                      <a:r>
-                        <a:rPr lang="en-GB" sz="1200" dirty="0"/>
-                        <a:t>29,306.67</a:t>
-                      </a:r>
-                    </a:p>
-                  </a:txBody>
-                  <a:tcPr/>
-                </a:tc>
-                <a:extLst>
-                  <a:ext uri="{0D108BD9-81ED-4DB2-BD59-A6C34878D82A}">
-                    <a16:rowId xmlns:a16="http://schemas.microsoft.com/office/drawing/2014/main" val="971399320"/>
-                  </a:ext>
-                </a:extLst>
-              </a:tr>
-            </a:tbl>
-          </a:graphicData>
-        </a:graphic>
-      </p:graphicFrame>
-      <p:sp>
-        <p:nvSpPr>
-          <p:cNvPr id="11" name="Arrow: Right 10">
-            <a:extLst>
-              <a:ext uri="{FF2B5EF4-FFF2-40B4-BE49-F238E27FC236}">
-                <a16:creationId xmlns:a16="http://schemas.microsoft.com/office/drawing/2014/main" id="{FF0AB71A-4512-477B-A5A8-8E59A8881E6C}"/>
-              </a:ext>
-            </a:extLst>
-          </p:cNvPr>
-          <p:cNvSpPr/>
-          <p:nvPr/>
-        </p:nvSpPr>
-        <p:spPr bwMode="auto">
-          <a:xfrm>
-            <a:off x="5235317" y="5537409"/>
-            <a:ext cx="512209" cy="312717"/>
-          </a:xfrm>
-          <a:prstGeom prst="rightArrow">
-            <a:avLst/>
-          </a:prstGeom>
-          <a:solidFill>
-            <a:srgbClr val="C00000"/>
-          </a:solidFill>
-          <a:ln w="9525" algn="ctr">
-            <a:noFill/>
-            <a:round/>
-            <a:headEnd/>
-            <a:tailEnd/>
-          </a:ln>
-        </p:spPr>
-        <p:txBody>
-          <a:bodyPr wrap="square" rtlCol="0" anchor="ctr">
-            <a:spAutoFit/>
-          </a:bodyPr>
-          <a:lstStyle/>
-          <a:p>
-            <a:pPr algn="ctr"/>
-            <a:endParaRPr lang="en-GB" sz="1400" dirty="0">
-              <a:solidFill>
-                <a:schemeClr val="tx1"/>
-              </a:solidFill>
-              <a:latin typeface="+mn-lt"/>
-            </a:endParaRPr>
-          </a:p>
-        </p:txBody>
-      </p:sp>
-    </p:spTree>
-    <p:extLst>
-      <p:ext uri="{BB962C8B-B14F-4D97-AF65-F5344CB8AC3E}">
-        <p14:creationId xmlns:p14="http://schemas.microsoft.com/office/powerpoint/2010/main" val="1937894816"/>
-      </p:ext>
-    </p:extLst>
-  </p:cSld>
-  <p:clrMapOvr>
-    <a:masterClrMapping/>
-  </p:clrMapOvr>
-</p:sld>
-</file>
-
-<file path=ppt/slides/slide31.xml><?xml version="1.0" encoding="utf-8"?>
-<p:sld xmlns:a="http://schemas.openxmlformats.org/drawingml/2006/main" xmlns:r="http://schemas.openxmlformats.org/officeDocument/2006/relationships" xmlns:p="http://schemas.openxmlformats.org/presentationml/2006/main">
-  <p:cSld>
-    <p:spTree>
-      <p:nvGrpSpPr>
-        <p:cNvPr id="1" name=""/>
-        <p:cNvGrpSpPr/>
-        <p:nvPr/>
-      </p:nvGrpSpPr>
-      <p:grpSpPr>
-        <a:xfrm>
-          <a:off x="0" y="0"/>
-          <a:ext cx="0" cy="0"/>
-          <a:chOff x="0" y="0"/>
-          <a:chExt cx="0" cy="0"/>
-        </a:xfrm>
-      </p:grpSpPr>
-      <p:sp>
-        <p:nvSpPr>
-          <p:cNvPr id="2" name="Content Placeholder 1">
-            <a:extLst>
-              <a:ext uri="{FF2B5EF4-FFF2-40B4-BE49-F238E27FC236}">
-                <a16:creationId xmlns:a16="http://schemas.microsoft.com/office/drawing/2014/main" id="{69BC487D-CE76-4A9B-B567-3BF6506D63E3}"/>
-              </a:ext>
-            </a:extLst>
-          </p:cNvPr>
-          <p:cNvSpPr>
-            <a:spLocks noGrp="1"/>
-          </p:cNvSpPr>
-          <p:nvPr>
-            <p:ph idx="1"/>
-          </p:nvPr>
-        </p:nvSpPr>
-        <p:spPr/>
-        <p:txBody>
-          <a:bodyPr/>
-          <a:lstStyle/>
-          <a:p>
-            <a:r>
-              <a:rPr lang="en-US" dirty="0"/>
-              <a:t>Multiple variables are stored in one column</a:t>
-            </a:r>
-          </a:p>
-        </p:txBody>
-      </p:sp>
-      <p:sp>
-        <p:nvSpPr>
-          <p:cNvPr id="3" name="Title 2">
-            <a:extLst>
-              <a:ext uri="{FF2B5EF4-FFF2-40B4-BE49-F238E27FC236}">
-                <a16:creationId xmlns:a16="http://schemas.microsoft.com/office/drawing/2014/main" id="{B0DD6C6D-50D1-4DF3-A4C6-478B08F627E4}"/>
-              </a:ext>
-            </a:extLst>
-          </p:cNvPr>
-          <p:cNvSpPr>
-            <a:spLocks noGrp="1"/>
-          </p:cNvSpPr>
-          <p:nvPr>
-            <p:ph type="title"/>
-          </p:nvPr>
-        </p:nvSpPr>
-        <p:spPr/>
-        <p:txBody>
-          <a:bodyPr/>
-          <a:lstStyle/>
-          <a:p>
-            <a:r>
-              <a:rPr lang="en-GB" dirty="0"/>
-              <a:t>Multiple Variables in One Column</a:t>
-            </a:r>
-          </a:p>
-        </p:txBody>
-      </p:sp>
-      <p:graphicFrame>
-        <p:nvGraphicFramePr>
-          <p:cNvPr id="9" name="Table 4">
-            <a:extLst>
-              <a:ext uri="{FF2B5EF4-FFF2-40B4-BE49-F238E27FC236}">
-                <a16:creationId xmlns:a16="http://schemas.microsoft.com/office/drawing/2014/main" id="{73561ED3-5777-4171-8BC6-99EC478AA695}"/>
-              </a:ext>
-            </a:extLst>
-          </p:cNvPr>
-          <p:cNvGraphicFramePr>
-            <a:graphicFrameLocks noGrp="1"/>
-          </p:cNvGraphicFramePr>
-          <p:nvPr>
-            <p:extLst/>
-          </p:nvPr>
-        </p:nvGraphicFramePr>
-        <p:xfrm>
-          <a:off x="265896" y="1646988"/>
-          <a:ext cx="8640000" cy="1097280"/>
-        </p:xfrm>
-        <a:graphic>
-          <a:graphicData uri="http://schemas.openxmlformats.org/drawingml/2006/table">
-            <a:tbl>
-              <a:tblPr firstRow="1" bandRow="1">
-                <a:tableStyleId>{21E4AEA4-8DFA-4A89-87EB-49C32662AFE0}</a:tableStyleId>
-              </a:tblPr>
-              <a:tblGrid>
-                <a:gridCol w="1152000">
-                  <a:extLst>
-                    <a:ext uri="{9D8B030D-6E8A-4147-A177-3AD203B41FA5}">
-                      <a16:colId xmlns:a16="http://schemas.microsoft.com/office/drawing/2014/main" val="4290543523"/>
-                    </a:ext>
-                  </a:extLst>
-                </a:gridCol>
-                <a:gridCol w="936000">
-                  <a:extLst>
-                    <a:ext uri="{9D8B030D-6E8A-4147-A177-3AD203B41FA5}">
-                      <a16:colId xmlns:a16="http://schemas.microsoft.com/office/drawing/2014/main" val="2469491338"/>
-                    </a:ext>
-                  </a:extLst>
-                </a:gridCol>
-                <a:gridCol w="936000">
-                  <a:extLst>
-                    <a:ext uri="{9D8B030D-6E8A-4147-A177-3AD203B41FA5}">
-                      <a16:colId xmlns:a16="http://schemas.microsoft.com/office/drawing/2014/main" val="1138640855"/>
-                    </a:ext>
-                  </a:extLst>
-                </a:gridCol>
-                <a:gridCol w="936000">
-                  <a:extLst>
-                    <a:ext uri="{9D8B030D-6E8A-4147-A177-3AD203B41FA5}">
-                      <a16:colId xmlns:a16="http://schemas.microsoft.com/office/drawing/2014/main" val="255819374"/>
-                    </a:ext>
-                  </a:extLst>
-                </a:gridCol>
-                <a:gridCol w="936000">
-                  <a:extLst>
-                    <a:ext uri="{9D8B030D-6E8A-4147-A177-3AD203B41FA5}">
-                      <a16:colId xmlns:a16="http://schemas.microsoft.com/office/drawing/2014/main" val="308014653"/>
-                    </a:ext>
-                  </a:extLst>
-                </a:gridCol>
-                <a:gridCol w="936000">
-                  <a:extLst>
-                    <a:ext uri="{9D8B030D-6E8A-4147-A177-3AD203B41FA5}">
-                      <a16:colId xmlns:a16="http://schemas.microsoft.com/office/drawing/2014/main" val="3520251065"/>
-                    </a:ext>
-                  </a:extLst>
-                </a:gridCol>
-                <a:gridCol w="936000">
-                  <a:extLst>
-                    <a:ext uri="{9D8B030D-6E8A-4147-A177-3AD203B41FA5}">
-                      <a16:colId xmlns:a16="http://schemas.microsoft.com/office/drawing/2014/main" val="925936685"/>
-                    </a:ext>
-                  </a:extLst>
-                </a:gridCol>
-                <a:gridCol w="936000">
-                  <a:extLst>
-                    <a:ext uri="{9D8B030D-6E8A-4147-A177-3AD203B41FA5}">
-                      <a16:colId xmlns:a16="http://schemas.microsoft.com/office/drawing/2014/main" val="1198886386"/>
-                    </a:ext>
-                  </a:extLst>
-                </a:gridCol>
-                <a:gridCol w="936000">
-                  <a:extLst>
-                    <a:ext uri="{9D8B030D-6E8A-4147-A177-3AD203B41FA5}">
-                      <a16:colId xmlns:a16="http://schemas.microsoft.com/office/drawing/2014/main" val="1323901315"/>
-                    </a:ext>
-                  </a:extLst>
-                </a:gridCol>
-              </a:tblGrid>
-              <a:tr h="252000">
-                <a:tc>
-                  <a:txBody>
-                    <a:bodyPr/>
-                    <a:lstStyle/>
-                    <a:p>
-                      <a:r>
-                        <a:rPr lang="en-GB" sz="1200" dirty="0"/>
-                        <a:t>Company</a:t>
-                      </a:r>
-                    </a:p>
-                  </a:txBody>
-                  <a:tcPr/>
-                </a:tc>
-                <a:tc>
-                  <a:txBody>
-                    <a:bodyPr/>
-                    <a:lstStyle/>
-                    <a:p>
-                      <a:pPr algn="r"/>
-                      <a:r>
-                        <a:rPr lang="en-GB" sz="1200" dirty="0"/>
-                        <a:t>1Q2018</a:t>
-                      </a:r>
-                    </a:p>
-                  </a:txBody>
-                  <a:tcPr/>
-                </a:tc>
-                <a:tc>
-                  <a:txBody>
-                    <a:bodyPr/>
-                    <a:lstStyle/>
-                    <a:p>
-                      <a:pPr algn="r"/>
-                      <a:r>
-                        <a:rPr lang="en-GB" sz="1200" dirty="0"/>
-                        <a:t>2Q2018</a:t>
-                      </a:r>
-                    </a:p>
-                  </a:txBody>
-                  <a:tcPr/>
-                </a:tc>
-                <a:tc>
-                  <a:txBody>
-                    <a:bodyPr/>
-                    <a:lstStyle/>
-                    <a:p>
-                      <a:pPr algn="r"/>
-                      <a:r>
-                        <a:rPr lang="en-GB" sz="1200" dirty="0"/>
-                        <a:t>3Q2018</a:t>
-                      </a:r>
-                    </a:p>
-                  </a:txBody>
-                  <a:tcPr/>
-                </a:tc>
-                <a:tc>
-                  <a:txBody>
-                    <a:bodyPr/>
-                    <a:lstStyle/>
-                    <a:p>
-                      <a:pPr algn="r"/>
-                      <a:r>
-                        <a:rPr lang="en-GB" sz="1200" dirty="0"/>
-                        <a:t>4Q2018</a:t>
-                      </a:r>
-                    </a:p>
-                  </a:txBody>
-                  <a:tcPr/>
-                </a:tc>
-                <a:tc>
-                  <a:txBody>
-                    <a:bodyPr/>
-                    <a:lstStyle/>
-                    <a:p>
-                      <a:pPr algn="r"/>
-                      <a:r>
-                        <a:rPr lang="en-GB" sz="1200" dirty="0"/>
-                        <a:t>1Q2019</a:t>
-                      </a:r>
-                    </a:p>
-                  </a:txBody>
-                  <a:tcPr/>
-                </a:tc>
-                <a:tc>
-                  <a:txBody>
-                    <a:bodyPr/>
-                    <a:lstStyle/>
-                    <a:p>
-                      <a:pPr algn="r"/>
-                      <a:r>
-                        <a:rPr lang="en-GB" sz="1200" dirty="0"/>
-                        <a:t>2Q2019</a:t>
-                      </a:r>
-                    </a:p>
-                  </a:txBody>
-                  <a:tcPr/>
-                </a:tc>
-                <a:tc>
-                  <a:txBody>
-                    <a:bodyPr/>
-                    <a:lstStyle/>
-                    <a:p>
-                      <a:pPr algn="r"/>
-                      <a:r>
-                        <a:rPr lang="en-GB" sz="1200" dirty="0"/>
-                        <a:t>3Q2019</a:t>
-                      </a:r>
-                    </a:p>
-                  </a:txBody>
-                  <a:tcPr/>
-                </a:tc>
-                <a:tc>
-                  <a:txBody>
-                    <a:bodyPr/>
-                    <a:lstStyle/>
-                    <a:p>
-                      <a:pPr algn="r"/>
-                      <a:r>
-                        <a:rPr lang="en-GB" sz="1200" dirty="0"/>
-                        <a:t>4Q2019</a:t>
-                      </a:r>
-                    </a:p>
-                  </a:txBody>
-                  <a:tcPr/>
-                </a:tc>
-                <a:extLst>
-                  <a:ext uri="{0D108BD9-81ED-4DB2-BD59-A6C34878D82A}">
-                    <a16:rowId xmlns:a16="http://schemas.microsoft.com/office/drawing/2014/main" val="999084664"/>
-                  </a:ext>
-                </a:extLst>
-              </a:tr>
-              <a:tr h="252000">
-                <a:tc>
-                  <a:txBody>
-                    <a:bodyPr/>
-                    <a:lstStyle/>
-                    <a:p>
-                      <a:r>
-                        <a:rPr lang="en-GB" sz="1200" dirty="0"/>
-                        <a:t>Ace Chemical</a:t>
-                      </a:r>
-                    </a:p>
-                  </a:txBody>
-                  <a:tcPr/>
-                </a:tc>
-                <a:tc>
-                  <a:txBody>
-                    <a:bodyPr/>
-                    <a:lstStyle/>
-                    <a:p>
-                      <a:pPr algn="r"/>
-                      <a:r>
-                        <a:rPr lang="en-GB" sz="1200" dirty="0"/>
-                        <a:t>123,456.78</a:t>
-                      </a:r>
-                    </a:p>
-                  </a:txBody>
-                  <a:tcPr/>
-                </a:tc>
-                <a:tc>
-                  <a:txBody>
-                    <a:bodyPr/>
-                    <a:lstStyle/>
-                    <a:p>
-                      <a:pPr algn="r"/>
-                      <a:r>
-                        <a:rPr lang="en-GB" sz="1200" dirty="0"/>
-                        <a:t>99,100.01</a:t>
-                      </a:r>
-                    </a:p>
-                  </a:txBody>
-                  <a:tcPr/>
-                </a:tc>
-                <a:tc>
-                  <a:txBody>
-                    <a:bodyPr/>
-                    <a:lstStyle/>
-                    <a:p>
-                      <a:pPr algn="r"/>
-                      <a:r>
-                        <a:rPr lang="en-GB" sz="1200" dirty="0"/>
-                        <a:t>42,424.42</a:t>
-                      </a:r>
-                    </a:p>
-                  </a:txBody>
-                  <a:tcPr/>
-                </a:tc>
-                <a:tc>
-                  <a:txBody>
-                    <a:bodyPr/>
-                    <a:lstStyle/>
-                    <a:p>
-                      <a:pPr algn="r"/>
-                      <a:r>
-                        <a:rPr lang="en-GB" sz="1200" dirty="0"/>
-                        <a:t>79,234.56</a:t>
-                      </a:r>
-                    </a:p>
-                  </a:txBody>
-                  <a:tcPr/>
-                </a:tc>
-                <a:tc>
-                  <a:txBody>
-                    <a:bodyPr/>
-                    <a:lstStyle/>
-                    <a:p>
-                      <a:pPr algn="r"/>
-                      <a:r>
-                        <a:rPr lang="en-GB" sz="1200" dirty="0"/>
-                        <a:t>101,501.29</a:t>
-                      </a:r>
-                    </a:p>
-                  </a:txBody>
-                  <a:tcPr/>
-                </a:tc>
-                <a:tc>
-                  <a:txBody>
-                    <a:bodyPr/>
-                    <a:lstStyle/>
-                    <a:p>
-                      <a:pPr algn="r"/>
-                      <a:r>
-                        <a:rPr lang="en-GB" sz="1200" dirty="0"/>
-                        <a:t>89,900.42</a:t>
-                      </a:r>
-                    </a:p>
-                  </a:txBody>
-                  <a:tcPr/>
-                </a:tc>
-                <a:tc>
-                  <a:txBody>
-                    <a:bodyPr/>
-                    <a:lstStyle/>
-                    <a:p>
-                      <a:pPr algn="r"/>
-                      <a:r>
-                        <a:rPr lang="en-GB" sz="1200" dirty="0"/>
-                        <a:t>56,789.00</a:t>
-                      </a:r>
-                    </a:p>
-                  </a:txBody>
-                  <a:tcPr/>
-                </a:tc>
-                <a:tc>
-                  <a:txBody>
-                    <a:bodyPr/>
-                    <a:lstStyle/>
-                    <a:p>
-                      <a:pPr algn="r"/>
-                      <a:r>
-                        <a:rPr lang="en-GB" sz="1200" dirty="0"/>
-                        <a:t>90,909.09</a:t>
-                      </a:r>
-                    </a:p>
-                  </a:txBody>
-                  <a:tcPr/>
-                </a:tc>
-                <a:extLst>
-                  <a:ext uri="{0D108BD9-81ED-4DB2-BD59-A6C34878D82A}">
-                    <a16:rowId xmlns:a16="http://schemas.microsoft.com/office/drawing/2014/main" val="458146934"/>
-                  </a:ext>
-                </a:extLst>
-              </a:tr>
-              <a:tr h="252000">
-                <a:tc>
-                  <a:txBody>
-                    <a:bodyPr/>
-                    <a:lstStyle/>
-                    <a:p>
-                      <a:r>
-                        <a:rPr lang="en-GB" sz="1200" dirty="0"/>
-                        <a:t>Acme Corp</a:t>
-                      </a:r>
-                    </a:p>
-                  </a:txBody>
-                  <a:tcPr/>
-                </a:tc>
-                <a:tc>
-                  <a:txBody>
-                    <a:bodyPr/>
-                    <a:lstStyle/>
-                    <a:p>
-                      <a:pPr algn="r"/>
-                      <a:r>
-                        <a:rPr lang="en-GB" sz="1200" dirty="0"/>
-                        <a:t>29,306.67</a:t>
-                      </a:r>
-                    </a:p>
-                  </a:txBody>
-                  <a:tcPr/>
-                </a:tc>
-                <a:tc>
-                  <a:txBody>
-                    <a:bodyPr/>
-                    <a:lstStyle/>
-                    <a:p>
-                      <a:pPr algn="r"/>
-                      <a:r>
-                        <a:rPr lang="en-GB" sz="1200" dirty="0"/>
-                        <a:t>…</a:t>
-                      </a:r>
-                    </a:p>
-                  </a:txBody>
-                  <a:tcPr/>
-                </a:tc>
-                <a:tc>
-                  <a:txBody>
-                    <a:bodyPr/>
-                    <a:lstStyle/>
-                    <a:p>
-                      <a:pPr algn="r"/>
-                      <a:r>
-                        <a:rPr lang="en-GB" sz="1200" dirty="0"/>
-                        <a:t>…</a:t>
-                      </a:r>
-                    </a:p>
-                  </a:txBody>
-                  <a:tcPr/>
-                </a:tc>
-                <a:tc>
-                  <a:txBody>
-                    <a:bodyPr/>
-                    <a:lstStyle/>
-                    <a:p>
-                      <a:pPr algn="r"/>
-                      <a:r>
-                        <a:rPr lang="en-GB" sz="1200" dirty="0"/>
-                        <a:t>…</a:t>
-                      </a:r>
-                    </a:p>
-                  </a:txBody>
-                  <a:tcPr/>
-                </a:tc>
-                <a:tc>
-                  <a:txBody>
-                    <a:bodyPr/>
-                    <a:lstStyle/>
-                    <a:p>
-                      <a:pPr algn="r"/>
-                      <a:r>
-                        <a:rPr lang="en-GB" sz="1200" dirty="0"/>
-                        <a:t>…</a:t>
-                      </a:r>
-                    </a:p>
-                  </a:txBody>
-                  <a:tcPr/>
-                </a:tc>
-                <a:tc>
-                  <a:txBody>
-                    <a:bodyPr/>
-                    <a:lstStyle/>
-                    <a:p>
-                      <a:pPr algn="r"/>
-                      <a:r>
-                        <a:rPr lang="en-GB" sz="1200" dirty="0"/>
-                        <a:t>…</a:t>
-                      </a:r>
-                    </a:p>
-                  </a:txBody>
-                  <a:tcPr/>
-                </a:tc>
-                <a:tc>
-                  <a:txBody>
-                    <a:bodyPr/>
-                    <a:lstStyle/>
-                    <a:p>
-                      <a:pPr algn="r"/>
-                      <a:r>
-                        <a:rPr lang="en-GB" sz="1200" dirty="0"/>
-                        <a:t>…</a:t>
-                      </a:r>
-                    </a:p>
-                  </a:txBody>
-                  <a:tcPr/>
-                </a:tc>
-                <a:tc>
-                  <a:txBody>
-                    <a:bodyPr/>
-                    <a:lstStyle/>
-                    <a:p>
-                      <a:pPr algn="r"/>
-                      <a:r>
-                        <a:rPr lang="en-GB" sz="1200" dirty="0"/>
-                        <a:t>…</a:t>
-                      </a:r>
-                    </a:p>
-                  </a:txBody>
-                  <a:tcPr/>
-                </a:tc>
-                <a:extLst>
-                  <a:ext uri="{0D108BD9-81ED-4DB2-BD59-A6C34878D82A}">
-                    <a16:rowId xmlns:a16="http://schemas.microsoft.com/office/drawing/2014/main" val="708152160"/>
-                  </a:ext>
-                </a:extLst>
-              </a:tr>
-              <a:tr h="252000">
-                <a:tc>
-                  <a:txBody>
-                    <a:bodyPr/>
-                    <a:lstStyle/>
-                    <a:p>
-                      <a:r>
-                        <a:rPr lang="en-GB" sz="1200" dirty="0"/>
-                        <a:t>…</a:t>
-                      </a:r>
-                    </a:p>
-                  </a:txBody>
-                  <a:tcPr/>
-                </a:tc>
-                <a:tc>
-                  <a:txBody>
-                    <a:bodyPr/>
-                    <a:lstStyle/>
-                    <a:p>
-                      <a:pPr algn="r"/>
-                      <a:r>
-                        <a:rPr lang="en-GB" sz="1200" dirty="0"/>
-                        <a:t>…</a:t>
-                      </a:r>
-                    </a:p>
-                  </a:txBody>
-                  <a:tcPr/>
-                </a:tc>
-                <a:tc>
-                  <a:txBody>
-                    <a:bodyPr/>
-                    <a:lstStyle/>
-                    <a:p>
-                      <a:pPr algn="r"/>
-                      <a:r>
-                        <a:rPr lang="en-GB" sz="1200" dirty="0"/>
-                        <a:t>…</a:t>
-                      </a:r>
-                    </a:p>
-                  </a:txBody>
-                  <a:tcPr/>
-                </a:tc>
-                <a:tc>
-                  <a:txBody>
-                    <a:bodyPr/>
-                    <a:lstStyle/>
-                    <a:p>
-                      <a:pPr algn="r"/>
-                      <a:r>
-                        <a:rPr lang="en-GB" sz="1200" dirty="0"/>
-                        <a:t>…</a:t>
-                      </a:r>
-                    </a:p>
-                  </a:txBody>
-                  <a:tcPr/>
-                </a:tc>
-                <a:tc>
-                  <a:txBody>
-                    <a:bodyPr/>
-                    <a:lstStyle/>
-                    <a:p>
-                      <a:pPr algn="r"/>
-                      <a:r>
-                        <a:rPr lang="en-GB" sz="1200" dirty="0"/>
-                        <a:t>…</a:t>
-                      </a:r>
-                    </a:p>
-                  </a:txBody>
-                  <a:tcPr/>
-                </a:tc>
-                <a:tc>
-                  <a:txBody>
-                    <a:bodyPr/>
-                    <a:lstStyle/>
-                    <a:p>
-                      <a:pPr algn="r"/>
-                      <a:r>
-                        <a:rPr lang="en-GB" sz="1200" dirty="0"/>
-                        <a:t>…</a:t>
-                      </a:r>
-                    </a:p>
-                  </a:txBody>
-                  <a:tcPr/>
-                </a:tc>
-                <a:tc>
-                  <a:txBody>
-                    <a:bodyPr/>
-                    <a:lstStyle/>
-                    <a:p>
-                      <a:pPr algn="r"/>
-                      <a:r>
-                        <a:rPr lang="en-GB" sz="1200" dirty="0"/>
-                        <a:t>…</a:t>
-                      </a:r>
-                    </a:p>
-                  </a:txBody>
-                  <a:tcPr/>
-                </a:tc>
-                <a:tc>
-                  <a:txBody>
-                    <a:bodyPr/>
-                    <a:lstStyle/>
-                    <a:p>
-                      <a:pPr algn="r"/>
-                      <a:r>
-                        <a:rPr lang="en-GB" sz="1200" dirty="0"/>
-                        <a:t>…</a:t>
-                      </a:r>
-                    </a:p>
-                  </a:txBody>
-                  <a:tcPr/>
-                </a:tc>
-                <a:tc>
-                  <a:txBody>
-                    <a:bodyPr/>
-                    <a:lstStyle/>
-                    <a:p>
-                      <a:pPr algn="r"/>
-                      <a:r>
-                        <a:rPr lang="en-GB" sz="1200" dirty="0"/>
-                        <a:t>…</a:t>
-                      </a:r>
-                    </a:p>
-                  </a:txBody>
-                  <a:tcPr/>
-                </a:tc>
-                <a:extLst>
-                  <a:ext uri="{0D108BD9-81ED-4DB2-BD59-A6C34878D82A}">
-                    <a16:rowId xmlns:a16="http://schemas.microsoft.com/office/drawing/2014/main" val="3386596275"/>
-                  </a:ext>
-                </a:extLst>
-              </a:tr>
-            </a:tbl>
-          </a:graphicData>
-        </a:graphic>
-      </p:graphicFrame>
-      <p:graphicFrame>
-        <p:nvGraphicFramePr>
-          <p:cNvPr id="10" name="Table 4">
-            <a:extLst>
-              <a:ext uri="{FF2B5EF4-FFF2-40B4-BE49-F238E27FC236}">
-                <a16:creationId xmlns:a16="http://schemas.microsoft.com/office/drawing/2014/main" id="{0D532530-F724-4596-B70B-5A7FC7CC44E1}"/>
-              </a:ext>
-            </a:extLst>
-          </p:cNvPr>
-          <p:cNvGraphicFramePr>
-            <a:graphicFrameLocks noGrp="1"/>
-          </p:cNvGraphicFramePr>
-          <p:nvPr>
-            <p:extLst/>
-          </p:nvPr>
-        </p:nvGraphicFramePr>
-        <p:xfrm>
-          <a:off x="2770156" y="3437411"/>
-          <a:ext cx="3564000" cy="2756880"/>
-        </p:xfrm>
-        <a:graphic>
-          <a:graphicData uri="http://schemas.openxmlformats.org/drawingml/2006/table">
-            <a:tbl>
-              <a:tblPr firstRow="1" bandRow="1">
-                <a:tableStyleId>{21E4AEA4-8DFA-4A89-87EB-49C32662AFE0}</a:tableStyleId>
-              </a:tblPr>
-              <a:tblGrid>
-                <a:gridCol w="1152000">
-                  <a:extLst>
-                    <a:ext uri="{9D8B030D-6E8A-4147-A177-3AD203B41FA5}">
-                      <a16:colId xmlns:a16="http://schemas.microsoft.com/office/drawing/2014/main" val="4290543523"/>
-                    </a:ext>
-                  </a:extLst>
-                </a:gridCol>
-                <a:gridCol w="792000">
-                  <a:extLst>
-                    <a:ext uri="{9D8B030D-6E8A-4147-A177-3AD203B41FA5}">
-                      <a16:colId xmlns:a16="http://schemas.microsoft.com/office/drawing/2014/main" val="2469491338"/>
-                    </a:ext>
-                  </a:extLst>
-                </a:gridCol>
-                <a:gridCol w="684000">
-                  <a:extLst>
-                    <a:ext uri="{9D8B030D-6E8A-4147-A177-3AD203B41FA5}">
-                      <a16:colId xmlns:a16="http://schemas.microsoft.com/office/drawing/2014/main" val="1138640855"/>
-                    </a:ext>
-                  </a:extLst>
-                </a:gridCol>
-                <a:gridCol w="936000">
-                  <a:extLst>
-                    <a:ext uri="{9D8B030D-6E8A-4147-A177-3AD203B41FA5}">
-                      <a16:colId xmlns:a16="http://schemas.microsoft.com/office/drawing/2014/main" val="255819374"/>
-                    </a:ext>
-                  </a:extLst>
-                </a:gridCol>
-              </a:tblGrid>
-              <a:tr h="288000">
-                <a:tc>
-                  <a:txBody>
-                    <a:bodyPr/>
-                    <a:lstStyle/>
-                    <a:p>
-                      <a:r>
-                        <a:rPr lang="en-GB" sz="1200" dirty="0"/>
-                        <a:t>Company</a:t>
-                      </a:r>
-                    </a:p>
-                  </a:txBody>
-                  <a:tcPr/>
-                </a:tc>
-                <a:tc>
-                  <a:txBody>
-                    <a:bodyPr/>
-                    <a:lstStyle/>
-                    <a:p>
-                      <a:pPr algn="r"/>
-                      <a:r>
-                        <a:rPr lang="en-GB" sz="1200" dirty="0"/>
-                        <a:t>Quarter</a:t>
-                      </a:r>
-                    </a:p>
-                  </a:txBody>
-                  <a:tcPr/>
-                </a:tc>
-                <a:tc>
-                  <a:txBody>
-                    <a:bodyPr/>
-                    <a:lstStyle/>
-                    <a:p>
-                      <a:pPr algn="r"/>
-                      <a:r>
-                        <a:rPr lang="en-GB" sz="1200" dirty="0"/>
-                        <a:t>Year</a:t>
-                      </a:r>
-                    </a:p>
-                  </a:txBody>
-                  <a:tcPr/>
-                </a:tc>
-                <a:tc>
-                  <a:txBody>
-                    <a:bodyPr/>
-                    <a:lstStyle/>
-                    <a:p>
-                      <a:pPr algn="r"/>
-                      <a:r>
-                        <a:rPr lang="en-GB" sz="1200" dirty="0"/>
-                        <a:t>Value</a:t>
-                      </a:r>
-                    </a:p>
-                  </a:txBody>
-                  <a:tcPr/>
-                </a:tc>
-                <a:extLst>
-                  <a:ext uri="{0D108BD9-81ED-4DB2-BD59-A6C34878D82A}">
-                    <a16:rowId xmlns:a16="http://schemas.microsoft.com/office/drawing/2014/main" val="999084664"/>
-                  </a:ext>
-                </a:extLst>
-              </a:tr>
-              <a:tr h="252000">
-                <a:tc>
-                  <a:txBody>
-                    <a:bodyPr/>
-                    <a:lstStyle/>
-                    <a:p>
-                      <a:r>
-                        <a:rPr lang="en-GB" sz="1200" dirty="0"/>
-                        <a:t>Ace Chemical</a:t>
-                      </a:r>
-                    </a:p>
-                  </a:txBody>
-                  <a:tcPr/>
-                </a:tc>
-                <a:tc>
-                  <a:txBody>
-                    <a:bodyPr/>
-                    <a:lstStyle/>
-                    <a:p>
-                      <a:pPr algn="r"/>
-                      <a:r>
-                        <a:rPr lang="en-GB" sz="1200" dirty="0"/>
-                        <a:t>Q1</a:t>
-                      </a:r>
-                    </a:p>
-                  </a:txBody>
-                  <a:tcPr/>
-                </a:tc>
-                <a:tc>
-                  <a:txBody>
-                    <a:bodyPr/>
-                    <a:lstStyle/>
-                    <a:p>
-                      <a:pPr algn="r"/>
-                      <a:r>
-                        <a:rPr lang="en-GB" sz="1200" dirty="0"/>
-                        <a:t>2018</a:t>
-                      </a:r>
-                    </a:p>
-                  </a:txBody>
-                  <a:tcPr/>
-                </a:tc>
-                <a:tc>
-                  <a:txBody>
-                    <a:bodyPr/>
-                    <a:lstStyle/>
-                    <a:p>
-                      <a:pPr algn="r"/>
-                      <a:r>
-                        <a:rPr lang="en-GB" sz="1200" dirty="0"/>
-                        <a:t>123,456.78</a:t>
-                      </a:r>
-                    </a:p>
-                  </a:txBody>
-                  <a:tcPr/>
-                </a:tc>
-                <a:extLst>
-                  <a:ext uri="{0D108BD9-81ED-4DB2-BD59-A6C34878D82A}">
-                    <a16:rowId xmlns:a16="http://schemas.microsoft.com/office/drawing/2014/main" val="458146934"/>
-                  </a:ext>
-                </a:extLst>
-              </a:tr>
-              <a:tr h="252000">
-                <a:tc>
-                  <a:txBody>
-                    <a:bodyPr/>
-                    <a:lstStyle/>
-                    <a:p>
-                      <a:r>
-                        <a:rPr lang="en-GB" sz="1200" dirty="0"/>
-                        <a:t>Ace Chemical</a:t>
-                      </a:r>
-                    </a:p>
-                  </a:txBody>
-                  <a:tcPr/>
-                </a:tc>
-                <a:tc>
-                  <a:txBody>
-                    <a:bodyPr/>
-                    <a:lstStyle/>
-                    <a:p>
-                      <a:pPr algn="r"/>
-                      <a:r>
-                        <a:rPr lang="en-GB" sz="1200" dirty="0"/>
-                        <a:t>Q2</a:t>
-                      </a:r>
-                    </a:p>
-                  </a:txBody>
-                  <a:tcPr/>
-                </a:tc>
-                <a:tc>
-                  <a:txBody>
-                    <a:bodyPr/>
-                    <a:lstStyle/>
-                    <a:p>
-                      <a:pPr algn="r"/>
-                      <a:r>
-                        <a:rPr lang="en-GB" sz="1200" dirty="0"/>
-                        <a:t>2018</a:t>
-                      </a:r>
-                    </a:p>
-                  </a:txBody>
-                  <a:tcPr/>
-                </a:tc>
-                <a:tc>
-                  <a:txBody>
-                    <a:bodyPr/>
-                    <a:lstStyle/>
-                    <a:p>
-                      <a:pPr algn="r"/>
-                      <a:r>
-                        <a:rPr lang="en-GB" sz="1200" dirty="0"/>
-                        <a:t>99,100.01</a:t>
-                      </a:r>
-                    </a:p>
-                  </a:txBody>
-                  <a:tcPr/>
-                </a:tc>
-                <a:extLst>
-                  <a:ext uri="{0D108BD9-81ED-4DB2-BD59-A6C34878D82A}">
-                    <a16:rowId xmlns:a16="http://schemas.microsoft.com/office/drawing/2014/main" val="708152160"/>
-                  </a:ext>
-                </a:extLst>
-              </a:tr>
-              <a:tr h="252000">
-                <a:tc>
-                  <a:txBody>
-                    <a:bodyPr/>
-                    <a:lstStyle/>
-                    <a:p>
-                      <a:r>
-                        <a:rPr lang="en-GB" sz="1200" dirty="0"/>
-                        <a:t>Ace Chemical</a:t>
-                      </a:r>
-                    </a:p>
-                  </a:txBody>
-                  <a:tcPr/>
-                </a:tc>
-                <a:tc>
-                  <a:txBody>
-                    <a:bodyPr/>
-                    <a:lstStyle/>
-                    <a:p>
-                      <a:pPr algn="r"/>
-                      <a:r>
-                        <a:rPr lang="en-GB" sz="1200" dirty="0"/>
-                        <a:t>Q3</a:t>
-                      </a:r>
-                    </a:p>
-                  </a:txBody>
-                  <a:tcPr/>
-                </a:tc>
-                <a:tc>
-                  <a:txBody>
-                    <a:bodyPr/>
-                    <a:lstStyle/>
-                    <a:p>
-                      <a:pPr algn="r"/>
-                      <a:r>
-                        <a:rPr lang="en-GB" sz="1200" dirty="0"/>
-                        <a:t>2018</a:t>
-                      </a:r>
-                    </a:p>
-                  </a:txBody>
-                  <a:tcPr/>
-                </a:tc>
-                <a:tc>
-                  <a:txBody>
-                    <a:bodyPr/>
-                    <a:lstStyle/>
-                    <a:p>
-                      <a:pPr algn="r"/>
-                      <a:r>
-                        <a:rPr lang="en-GB" sz="1200" dirty="0"/>
-                        <a:t>42,424.42</a:t>
-                      </a:r>
-                    </a:p>
-                  </a:txBody>
-                  <a:tcPr/>
-                </a:tc>
-                <a:extLst>
-                  <a:ext uri="{0D108BD9-81ED-4DB2-BD59-A6C34878D82A}">
-                    <a16:rowId xmlns:a16="http://schemas.microsoft.com/office/drawing/2014/main" val="3386596275"/>
-                  </a:ext>
-                </a:extLst>
-              </a:tr>
-              <a:tr h="252000">
-                <a:tc>
-                  <a:txBody>
-                    <a:bodyPr/>
-                    <a:lstStyle/>
-                    <a:p>
-                      <a:r>
-                        <a:rPr lang="en-GB" sz="1200" dirty="0"/>
-                        <a:t>Ace Chemical</a:t>
-                      </a:r>
-                    </a:p>
-                  </a:txBody>
-                  <a:tcPr/>
-                </a:tc>
-                <a:tc>
-                  <a:txBody>
-                    <a:bodyPr/>
-                    <a:lstStyle/>
-                    <a:p>
-                      <a:pPr algn="r"/>
-                      <a:r>
-                        <a:rPr lang="en-GB" sz="1200" dirty="0"/>
-                        <a:t>Q4</a:t>
-                      </a:r>
-                    </a:p>
-                  </a:txBody>
-                  <a:tcPr/>
-                </a:tc>
-                <a:tc>
-                  <a:txBody>
-                    <a:bodyPr/>
-                    <a:lstStyle/>
-                    <a:p>
-                      <a:pPr algn="r"/>
-                      <a:r>
-                        <a:rPr lang="en-GB" sz="1200" dirty="0"/>
-                        <a:t>2018</a:t>
-                      </a:r>
-                    </a:p>
-                  </a:txBody>
-                  <a:tcPr/>
-                </a:tc>
-                <a:tc>
-                  <a:txBody>
-                    <a:bodyPr/>
-                    <a:lstStyle/>
-                    <a:p>
-                      <a:pPr marL="0" marR="0" lvl="0" indent="0" algn="r" defTabSz="914400" rtl="0" eaLnBrk="1" fontAlgn="auto" latinLnBrk="0" hangingPunct="1">
-                        <a:lnSpc>
-                          <a:spcPct val="100000"/>
-                        </a:lnSpc>
-                        <a:spcBef>
-                          <a:spcPts val="0"/>
-                        </a:spcBef>
-                        <a:spcAft>
-                          <a:spcPts val="0"/>
-                        </a:spcAft>
-                        <a:buClrTx/>
-                        <a:buSzTx/>
-                        <a:buFontTx/>
-                        <a:buNone/>
-                        <a:tabLst/>
-                        <a:defRPr/>
-                      </a:pPr>
-                      <a:r>
-                        <a:rPr lang="en-GB" sz="1200" dirty="0"/>
-                        <a:t>79,234.56</a:t>
-                      </a:r>
-                    </a:p>
-                  </a:txBody>
-                  <a:tcPr/>
-                </a:tc>
-                <a:extLst>
-                  <a:ext uri="{0D108BD9-81ED-4DB2-BD59-A6C34878D82A}">
-                    <a16:rowId xmlns:a16="http://schemas.microsoft.com/office/drawing/2014/main" val="3857513955"/>
-                  </a:ext>
-                </a:extLst>
-              </a:tr>
-              <a:tr h="252000">
-                <a:tc>
-                  <a:txBody>
-                    <a:bodyPr/>
-                    <a:lstStyle/>
-                    <a:p>
-                      <a:r>
-                        <a:rPr lang="en-GB" sz="1200" dirty="0"/>
-                        <a:t>Ace Chemical</a:t>
-                      </a:r>
-                    </a:p>
-                  </a:txBody>
-                  <a:tcPr/>
-                </a:tc>
-                <a:tc>
-                  <a:txBody>
-                    <a:bodyPr/>
-                    <a:lstStyle/>
-                    <a:p>
-                      <a:pPr algn="r"/>
-                      <a:r>
-                        <a:rPr lang="en-GB" sz="1200" dirty="0"/>
-                        <a:t>Q1</a:t>
-                      </a:r>
-                    </a:p>
-                  </a:txBody>
-                  <a:tcPr/>
-                </a:tc>
-                <a:tc>
-                  <a:txBody>
-                    <a:bodyPr/>
-                    <a:lstStyle/>
-                    <a:p>
-                      <a:pPr algn="r"/>
-                      <a:r>
-                        <a:rPr lang="en-GB" sz="1200" dirty="0"/>
-                        <a:t>2019</a:t>
-                      </a:r>
-                    </a:p>
-                  </a:txBody>
-                  <a:tcPr/>
-                </a:tc>
-                <a:tc>
-                  <a:txBody>
-                    <a:bodyPr/>
-                    <a:lstStyle/>
-                    <a:p>
-                      <a:pPr marL="0" marR="0" lvl="0" indent="0" algn="r" defTabSz="914400" rtl="0" eaLnBrk="1" fontAlgn="auto" latinLnBrk="0" hangingPunct="1">
-                        <a:lnSpc>
-                          <a:spcPct val="100000"/>
-                        </a:lnSpc>
-                        <a:spcBef>
-                          <a:spcPts val="0"/>
-                        </a:spcBef>
-                        <a:spcAft>
-                          <a:spcPts val="0"/>
-                        </a:spcAft>
-                        <a:buClrTx/>
-                        <a:buSzTx/>
-                        <a:buFontTx/>
-                        <a:buNone/>
-                        <a:tabLst/>
-                        <a:defRPr/>
-                      </a:pPr>
-                      <a:r>
-                        <a:rPr lang="en-GB" sz="1200" dirty="0"/>
-                        <a:t>101,501.29</a:t>
-                      </a:r>
-                    </a:p>
-                  </a:txBody>
-                  <a:tcPr/>
-                </a:tc>
-                <a:extLst>
-                  <a:ext uri="{0D108BD9-81ED-4DB2-BD59-A6C34878D82A}">
-                    <a16:rowId xmlns:a16="http://schemas.microsoft.com/office/drawing/2014/main" val="476811471"/>
-                  </a:ext>
-                </a:extLst>
-              </a:tr>
-              <a:tr h="252000">
-                <a:tc>
-                  <a:txBody>
-                    <a:bodyPr/>
-                    <a:lstStyle/>
-                    <a:p>
-                      <a:r>
-                        <a:rPr lang="en-GB" sz="1200" dirty="0"/>
-                        <a:t>Ace Chemical</a:t>
-                      </a:r>
-                    </a:p>
-                  </a:txBody>
-                  <a:tcPr/>
-                </a:tc>
-                <a:tc>
-                  <a:txBody>
-                    <a:bodyPr/>
-                    <a:lstStyle/>
-                    <a:p>
-                      <a:pPr algn="r"/>
-                      <a:r>
-                        <a:rPr lang="en-GB" sz="1200" dirty="0"/>
-                        <a:t>Q2</a:t>
-                      </a:r>
-                    </a:p>
-                  </a:txBody>
-                  <a:tcPr/>
-                </a:tc>
-                <a:tc>
-                  <a:txBody>
-                    <a:bodyPr/>
-                    <a:lstStyle/>
-                    <a:p>
-                      <a:pPr algn="r"/>
-                      <a:r>
-                        <a:rPr lang="en-GB" sz="1200" dirty="0"/>
-                        <a:t>2019</a:t>
-                      </a:r>
-                    </a:p>
-                  </a:txBody>
-                  <a:tcPr/>
-                </a:tc>
-                <a:tc>
-                  <a:txBody>
-                    <a:bodyPr/>
-                    <a:lstStyle/>
-                    <a:p>
-                      <a:pPr marL="0" marR="0" lvl="0" indent="0" algn="r" defTabSz="914400" rtl="0" eaLnBrk="1" fontAlgn="auto" latinLnBrk="0" hangingPunct="1">
-                        <a:lnSpc>
-                          <a:spcPct val="100000"/>
-                        </a:lnSpc>
-                        <a:spcBef>
-                          <a:spcPts val="0"/>
-                        </a:spcBef>
-                        <a:spcAft>
-                          <a:spcPts val="0"/>
-                        </a:spcAft>
-                        <a:buClrTx/>
-                        <a:buSzTx/>
-                        <a:buFontTx/>
-                        <a:buNone/>
-                        <a:tabLst/>
-                        <a:defRPr/>
-                      </a:pPr>
-                      <a:r>
-                        <a:rPr lang="en-GB" sz="1200" dirty="0"/>
-                        <a:t>89,900.42</a:t>
-                      </a:r>
-                    </a:p>
-                  </a:txBody>
-                  <a:tcPr/>
-                </a:tc>
-                <a:extLst>
-                  <a:ext uri="{0D108BD9-81ED-4DB2-BD59-A6C34878D82A}">
-                    <a16:rowId xmlns:a16="http://schemas.microsoft.com/office/drawing/2014/main" val="2033748623"/>
-                  </a:ext>
-                </a:extLst>
-              </a:tr>
-              <a:tr h="252000">
-                <a:tc>
-                  <a:txBody>
-                    <a:bodyPr/>
-                    <a:lstStyle/>
-                    <a:p>
-                      <a:r>
-                        <a:rPr lang="en-GB" sz="1200" dirty="0"/>
-                        <a:t>Ace Chemical</a:t>
-                      </a:r>
-                    </a:p>
-                  </a:txBody>
-                  <a:tcPr/>
-                </a:tc>
-                <a:tc>
-                  <a:txBody>
-                    <a:bodyPr/>
-                    <a:lstStyle/>
-                    <a:p>
-                      <a:pPr algn="r"/>
-                      <a:r>
-                        <a:rPr lang="en-GB" sz="1200" dirty="0"/>
-                        <a:t>Q3</a:t>
-                      </a:r>
-                    </a:p>
-                  </a:txBody>
-                  <a:tcPr/>
-                </a:tc>
-                <a:tc>
-                  <a:txBody>
-                    <a:bodyPr/>
-                    <a:lstStyle/>
-                    <a:p>
-                      <a:pPr algn="r"/>
-                      <a:r>
-                        <a:rPr lang="en-GB" sz="1200" dirty="0"/>
-                        <a:t>2019</a:t>
-                      </a:r>
-                    </a:p>
-                  </a:txBody>
-                  <a:tcPr/>
-                </a:tc>
-                <a:tc>
-                  <a:txBody>
-                    <a:bodyPr/>
-                    <a:lstStyle/>
-                    <a:p>
-                      <a:pPr marL="0" marR="0" lvl="0" indent="0" algn="r" defTabSz="914400" rtl="0" eaLnBrk="1" fontAlgn="auto" latinLnBrk="0" hangingPunct="1">
-                        <a:lnSpc>
-                          <a:spcPct val="100000"/>
-                        </a:lnSpc>
-                        <a:spcBef>
-                          <a:spcPts val="0"/>
-                        </a:spcBef>
-                        <a:spcAft>
-                          <a:spcPts val="0"/>
-                        </a:spcAft>
-                        <a:buClrTx/>
-                        <a:buSzTx/>
-                        <a:buFontTx/>
-                        <a:buNone/>
-                        <a:tabLst/>
-                        <a:defRPr/>
-                      </a:pPr>
-                      <a:r>
-                        <a:rPr lang="en-GB" sz="1200" dirty="0"/>
-                        <a:t>56,789.00</a:t>
-                      </a:r>
-                    </a:p>
-                  </a:txBody>
-                  <a:tcPr/>
-                </a:tc>
-                <a:extLst>
-                  <a:ext uri="{0D108BD9-81ED-4DB2-BD59-A6C34878D82A}">
-                    <a16:rowId xmlns:a16="http://schemas.microsoft.com/office/drawing/2014/main" val="2814637146"/>
-                  </a:ext>
-                </a:extLst>
-              </a:tr>
-              <a:tr h="252000">
-                <a:tc>
-                  <a:txBody>
-                    <a:bodyPr/>
-                    <a:lstStyle/>
-                    <a:p>
-                      <a:r>
-                        <a:rPr lang="en-GB" sz="1200" dirty="0"/>
-                        <a:t>Ace Chemical</a:t>
-                      </a:r>
-                    </a:p>
-                  </a:txBody>
-                  <a:tcPr/>
-                </a:tc>
-                <a:tc>
-                  <a:txBody>
-                    <a:bodyPr/>
-                    <a:lstStyle/>
-                    <a:p>
-                      <a:pPr algn="r"/>
-                      <a:r>
-                        <a:rPr lang="en-GB" sz="1200" dirty="0"/>
-                        <a:t>Q4</a:t>
-                      </a:r>
-                    </a:p>
-                  </a:txBody>
-                  <a:tcPr/>
-                </a:tc>
-                <a:tc>
-                  <a:txBody>
-                    <a:bodyPr/>
-                    <a:lstStyle/>
-                    <a:p>
-                      <a:pPr algn="r"/>
-                      <a:r>
-                        <a:rPr lang="en-GB" sz="1200" dirty="0"/>
-                        <a:t>2019</a:t>
-                      </a:r>
-                    </a:p>
-                  </a:txBody>
-                  <a:tcPr/>
-                </a:tc>
-                <a:tc>
-                  <a:txBody>
-                    <a:bodyPr/>
-                    <a:lstStyle/>
-                    <a:p>
-                      <a:pPr marL="0" marR="0" lvl="0" indent="0" algn="r" defTabSz="914400" rtl="0" eaLnBrk="1" fontAlgn="auto" latinLnBrk="0" hangingPunct="1">
-                        <a:lnSpc>
-                          <a:spcPct val="100000"/>
-                        </a:lnSpc>
-                        <a:spcBef>
-                          <a:spcPts val="0"/>
-                        </a:spcBef>
-                        <a:spcAft>
-                          <a:spcPts val="0"/>
-                        </a:spcAft>
-                        <a:buClrTx/>
-                        <a:buSzTx/>
-                        <a:buFontTx/>
-                        <a:buNone/>
-                        <a:tabLst/>
-                        <a:defRPr/>
-                      </a:pPr>
-                      <a:r>
-                        <a:rPr lang="en-GB" sz="1200" dirty="0"/>
-                        <a:t>90,909.09</a:t>
-                      </a:r>
-                    </a:p>
-                  </a:txBody>
-                  <a:tcPr/>
-                </a:tc>
-                <a:extLst>
-                  <a:ext uri="{0D108BD9-81ED-4DB2-BD59-A6C34878D82A}">
-                    <a16:rowId xmlns:a16="http://schemas.microsoft.com/office/drawing/2014/main" val="1521377253"/>
-                  </a:ext>
-                </a:extLst>
-              </a:tr>
-              <a:tr h="252000">
-                <a:tc>
-                  <a:txBody>
-                    <a:bodyPr/>
-                    <a:lstStyle/>
-                    <a:p>
-                      <a:r>
-                        <a:rPr lang="en-GB" sz="1200" dirty="0"/>
-                        <a:t>Acme Corp</a:t>
-                      </a:r>
-                    </a:p>
-                  </a:txBody>
-                  <a:tcPr/>
-                </a:tc>
-                <a:tc>
-                  <a:txBody>
-                    <a:bodyPr/>
-                    <a:lstStyle/>
-                    <a:p>
-                      <a:pPr algn="r"/>
-                      <a:r>
-                        <a:rPr lang="en-GB" sz="1200" dirty="0"/>
-                        <a:t>Q1</a:t>
-                      </a:r>
-                    </a:p>
-                  </a:txBody>
-                  <a:tcPr/>
-                </a:tc>
-                <a:tc>
-                  <a:txBody>
-                    <a:bodyPr/>
-                    <a:lstStyle/>
-                    <a:p>
-                      <a:pPr algn="r"/>
-                      <a:r>
-                        <a:rPr lang="en-GB" sz="1200" dirty="0"/>
-                        <a:t>2018</a:t>
-                      </a:r>
-                    </a:p>
-                  </a:txBody>
-                  <a:tcPr/>
-                </a:tc>
-                <a:tc>
-                  <a:txBody>
-                    <a:bodyPr/>
-                    <a:lstStyle/>
-                    <a:p>
-                      <a:pPr marL="0" marR="0" lvl="0" indent="0" algn="r" defTabSz="914400" rtl="0" eaLnBrk="1" fontAlgn="auto" latinLnBrk="0" hangingPunct="1">
-                        <a:lnSpc>
-                          <a:spcPct val="100000"/>
-                        </a:lnSpc>
-                        <a:spcBef>
-                          <a:spcPts val="0"/>
-                        </a:spcBef>
-                        <a:spcAft>
-                          <a:spcPts val="0"/>
-                        </a:spcAft>
-                        <a:buClrTx/>
-                        <a:buSzTx/>
-                        <a:buFontTx/>
-                        <a:buNone/>
-                        <a:tabLst/>
-                        <a:defRPr/>
-                      </a:pPr>
-                      <a:r>
-                        <a:rPr lang="en-GB" sz="1200" dirty="0"/>
-                        <a:t>29,306.67</a:t>
-                      </a:r>
-                    </a:p>
-                  </a:txBody>
-                  <a:tcPr/>
-                </a:tc>
-                <a:extLst>
-                  <a:ext uri="{0D108BD9-81ED-4DB2-BD59-A6C34878D82A}">
-                    <a16:rowId xmlns:a16="http://schemas.microsoft.com/office/drawing/2014/main" val="971399320"/>
-                  </a:ext>
-                </a:extLst>
-              </a:tr>
-            </a:tbl>
-          </a:graphicData>
-        </a:graphic>
-      </p:graphicFrame>
-      <p:sp>
-        <p:nvSpPr>
-          <p:cNvPr id="11" name="Arrow: Right 10">
-            <a:extLst>
-              <a:ext uri="{FF2B5EF4-FFF2-40B4-BE49-F238E27FC236}">
-                <a16:creationId xmlns:a16="http://schemas.microsoft.com/office/drawing/2014/main" id="{ABD7D646-F65C-4CF4-9E03-3E7937CABA83}"/>
-              </a:ext>
-            </a:extLst>
-          </p:cNvPr>
-          <p:cNvSpPr/>
-          <p:nvPr/>
-        </p:nvSpPr>
-        <p:spPr bwMode="auto">
-          <a:xfrm rot="5400000">
-            <a:off x="4310240" y="2863828"/>
-            <a:ext cx="587311" cy="500332"/>
-          </a:xfrm>
-          <a:prstGeom prst="rightArrow">
-            <a:avLst/>
-          </a:prstGeom>
-          <a:solidFill>
-            <a:srgbClr val="C00000"/>
-          </a:solidFill>
-          <a:ln w="9525" algn="ctr">
-            <a:noFill/>
-            <a:round/>
-            <a:headEnd/>
-            <a:tailEnd/>
-          </a:ln>
-        </p:spPr>
-        <p:txBody>
-          <a:bodyPr wrap="square" rtlCol="0" anchor="ctr">
-            <a:spAutoFit/>
-          </a:bodyPr>
-          <a:lstStyle/>
-          <a:p>
-            <a:pPr algn="ctr"/>
-            <a:endParaRPr lang="en-GB" sz="1400" dirty="0">
-              <a:solidFill>
-                <a:schemeClr val="tx1"/>
-              </a:solidFill>
-              <a:latin typeface="+mn-lt"/>
-            </a:endParaRPr>
-          </a:p>
-        </p:txBody>
-      </p:sp>
-    </p:spTree>
-    <p:extLst>
-      <p:ext uri="{BB962C8B-B14F-4D97-AF65-F5344CB8AC3E}">
-        <p14:creationId xmlns:p14="http://schemas.microsoft.com/office/powerpoint/2010/main" val="371087245"/>
-      </p:ext>
-    </p:extLst>
-  </p:cSld>
-  <p:clrMapOvr>
-    <a:masterClrMapping/>
-  </p:clrMapOvr>
-</p:sld>
-</file>
-
-<file path=ppt/slides/slide32.xml><?xml version="1.0" encoding="utf-8"?>
-<p:sld xmlns:a="http://schemas.openxmlformats.org/drawingml/2006/main" xmlns:r="http://schemas.openxmlformats.org/officeDocument/2006/relationships" xmlns:p="http://schemas.openxmlformats.org/presentationml/2006/main">
-  <p:cSld>
-    <p:spTree>
-      <p:nvGrpSpPr>
-        <p:cNvPr id="1" name=""/>
-        <p:cNvGrpSpPr/>
-        <p:nvPr/>
-      </p:nvGrpSpPr>
-      <p:grpSpPr>
-        <a:xfrm>
-          <a:off x="0" y="0"/>
-          <a:ext cx="0" cy="0"/>
-          <a:chOff x="0" y="0"/>
-          <a:chExt cx="0" cy="0"/>
-        </a:xfrm>
-      </p:grpSpPr>
-      <p:sp>
-        <p:nvSpPr>
-          <p:cNvPr id="2" name="Content Placeholder 1">
-            <a:extLst>
-              <a:ext uri="{FF2B5EF4-FFF2-40B4-BE49-F238E27FC236}">
-                <a16:creationId xmlns:a16="http://schemas.microsoft.com/office/drawing/2014/main" id="{69BC487D-CE76-4A9B-B567-3BF6506D63E3}"/>
-              </a:ext>
-            </a:extLst>
-          </p:cNvPr>
-          <p:cNvSpPr>
-            <a:spLocks noGrp="1"/>
-          </p:cNvSpPr>
-          <p:nvPr>
-            <p:ph idx="1"/>
-          </p:nvPr>
-        </p:nvSpPr>
-        <p:spPr/>
-        <p:txBody>
-          <a:bodyPr/>
-          <a:lstStyle/>
-          <a:p>
-            <a:r>
-              <a:rPr lang="en-US" dirty="0"/>
-              <a:t>Variables are stored in both rows and columns</a:t>
-            </a:r>
-          </a:p>
-        </p:txBody>
-      </p:sp>
-      <p:sp>
-        <p:nvSpPr>
-          <p:cNvPr id="3" name="Title 2">
-            <a:extLst>
-              <a:ext uri="{FF2B5EF4-FFF2-40B4-BE49-F238E27FC236}">
-                <a16:creationId xmlns:a16="http://schemas.microsoft.com/office/drawing/2014/main" id="{B0DD6C6D-50D1-4DF3-A4C6-478B08F627E4}"/>
-              </a:ext>
-            </a:extLst>
-          </p:cNvPr>
-          <p:cNvSpPr>
-            <a:spLocks noGrp="1"/>
-          </p:cNvSpPr>
-          <p:nvPr>
-            <p:ph type="title"/>
-          </p:nvPr>
-        </p:nvSpPr>
-        <p:spPr/>
-        <p:txBody>
-          <a:bodyPr/>
-          <a:lstStyle/>
-          <a:p>
-            <a:r>
-              <a:rPr lang="en-GB" dirty="0"/>
-              <a:t>Variables in Rows and Columns</a:t>
-            </a:r>
-          </a:p>
-        </p:txBody>
-      </p:sp>
-      <p:graphicFrame>
-        <p:nvGraphicFramePr>
-          <p:cNvPr id="9" name="Table 4">
-            <a:extLst>
-              <a:ext uri="{FF2B5EF4-FFF2-40B4-BE49-F238E27FC236}">
-                <a16:creationId xmlns:a16="http://schemas.microsoft.com/office/drawing/2014/main" id="{73561ED3-5777-4171-8BC6-99EC478AA695}"/>
-              </a:ext>
-            </a:extLst>
-          </p:cNvPr>
-          <p:cNvGraphicFramePr>
-            <a:graphicFrameLocks noGrp="1"/>
-          </p:cNvGraphicFramePr>
-          <p:nvPr>
-            <p:extLst/>
-          </p:nvPr>
-        </p:nvGraphicFramePr>
-        <p:xfrm>
-          <a:off x="265896" y="1646988"/>
-          <a:ext cx="8448088" cy="1554480"/>
-        </p:xfrm>
-        <a:graphic>
-          <a:graphicData uri="http://schemas.openxmlformats.org/drawingml/2006/table">
-            <a:tbl>
-              <a:tblPr firstRow="1" bandRow="1">
-                <a:tableStyleId>{21E4AEA4-8DFA-4A89-87EB-49C32662AFE0}</a:tableStyleId>
-              </a:tblPr>
-              <a:tblGrid>
-                <a:gridCol w="1008000">
-                  <a:extLst>
-                    <a:ext uri="{9D8B030D-6E8A-4147-A177-3AD203B41FA5}">
-                      <a16:colId xmlns:a16="http://schemas.microsoft.com/office/drawing/2014/main" val="4290543523"/>
-                    </a:ext>
-                  </a:extLst>
-                </a:gridCol>
-                <a:gridCol w="684000">
-                  <a:extLst>
-                    <a:ext uri="{9D8B030D-6E8A-4147-A177-3AD203B41FA5}">
-                      <a16:colId xmlns:a16="http://schemas.microsoft.com/office/drawing/2014/main" val="2083693311"/>
-                    </a:ext>
-                  </a:extLst>
-                </a:gridCol>
-                <a:gridCol w="844511">
-                  <a:extLst>
-                    <a:ext uri="{9D8B030D-6E8A-4147-A177-3AD203B41FA5}">
-                      <a16:colId xmlns:a16="http://schemas.microsoft.com/office/drawing/2014/main" val="2469491338"/>
-                    </a:ext>
-                  </a:extLst>
-                </a:gridCol>
-                <a:gridCol w="844511">
-                  <a:extLst>
-                    <a:ext uri="{9D8B030D-6E8A-4147-A177-3AD203B41FA5}">
-                      <a16:colId xmlns:a16="http://schemas.microsoft.com/office/drawing/2014/main" val="1138640855"/>
-                    </a:ext>
-                  </a:extLst>
-                </a:gridCol>
-                <a:gridCol w="844511">
-                  <a:extLst>
-                    <a:ext uri="{9D8B030D-6E8A-4147-A177-3AD203B41FA5}">
-                      <a16:colId xmlns:a16="http://schemas.microsoft.com/office/drawing/2014/main" val="255819374"/>
-                    </a:ext>
-                  </a:extLst>
-                </a:gridCol>
-                <a:gridCol w="844511">
-                  <a:extLst>
-                    <a:ext uri="{9D8B030D-6E8A-4147-A177-3AD203B41FA5}">
-                      <a16:colId xmlns:a16="http://schemas.microsoft.com/office/drawing/2014/main" val="308014653"/>
-                    </a:ext>
-                  </a:extLst>
-                </a:gridCol>
-                <a:gridCol w="844511">
-                  <a:extLst>
-                    <a:ext uri="{9D8B030D-6E8A-4147-A177-3AD203B41FA5}">
-                      <a16:colId xmlns:a16="http://schemas.microsoft.com/office/drawing/2014/main" val="3520251065"/>
-                    </a:ext>
-                  </a:extLst>
-                </a:gridCol>
-                <a:gridCol w="844511">
-                  <a:extLst>
-                    <a:ext uri="{9D8B030D-6E8A-4147-A177-3AD203B41FA5}">
-                      <a16:colId xmlns:a16="http://schemas.microsoft.com/office/drawing/2014/main" val="925936685"/>
-                    </a:ext>
-                  </a:extLst>
-                </a:gridCol>
-                <a:gridCol w="844511">
-                  <a:extLst>
-                    <a:ext uri="{9D8B030D-6E8A-4147-A177-3AD203B41FA5}">
-                      <a16:colId xmlns:a16="http://schemas.microsoft.com/office/drawing/2014/main" val="1198886386"/>
-                    </a:ext>
-                  </a:extLst>
-                </a:gridCol>
-                <a:gridCol w="844511">
-                  <a:extLst>
-                    <a:ext uri="{9D8B030D-6E8A-4147-A177-3AD203B41FA5}">
-                      <a16:colId xmlns:a16="http://schemas.microsoft.com/office/drawing/2014/main" val="1323901315"/>
-                    </a:ext>
-                  </a:extLst>
-                </a:gridCol>
-              </a:tblGrid>
-              <a:tr h="252000">
-                <a:tc>
-                  <a:txBody>
-                    <a:bodyPr/>
-                    <a:lstStyle/>
-                    <a:p>
-                      <a:r>
-                        <a:rPr lang="en-GB" sz="1100" dirty="0"/>
-                        <a:t>Company</a:t>
-                      </a:r>
-                    </a:p>
-                  </a:txBody>
-                  <a:tcPr marL="36000" marR="36000"/>
-                </a:tc>
-                <a:tc>
-                  <a:txBody>
-                    <a:bodyPr/>
-                    <a:lstStyle/>
-                    <a:p>
-                      <a:pPr algn="l"/>
-                      <a:endParaRPr lang="en-GB" sz="1100" dirty="0"/>
-                    </a:p>
-                  </a:txBody>
-                  <a:tcPr marL="36000" marR="36000"/>
-                </a:tc>
-                <a:tc>
-                  <a:txBody>
-                    <a:bodyPr/>
-                    <a:lstStyle/>
-                    <a:p>
-                      <a:pPr algn="r"/>
-                      <a:r>
-                        <a:rPr lang="en-GB" sz="1100" dirty="0"/>
-                        <a:t>1Q2018</a:t>
-                      </a:r>
-                    </a:p>
-                  </a:txBody>
-                  <a:tcPr marL="36000" marR="36000"/>
-                </a:tc>
-                <a:tc>
-                  <a:txBody>
-                    <a:bodyPr/>
-                    <a:lstStyle/>
-                    <a:p>
-                      <a:pPr algn="r"/>
-                      <a:r>
-                        <a:rPr lang="en-GB" sz="1100" dirty="0"/>
-                        <a:t>2Q2018</a:t>
-                      </a:r>
-                    </a:p>
-                  </a:txBody>
-                  <a:tcPr marL="36000" marR="36000"/>
-                </a:tc>
-                <a:tc>
-                  <a:txBody>
-                    <a:bodyPr/>
-                    <a:lstStyle/>
-                    <a:p>
-                      <a:pPr algn="r"/>
-                      <a:r>
-                        <a:rPr lang="en-GB" sz="1100" dirty="0"/>
-                        <a:t>3Q2018</a:t>
-                      </a:r>
-                    </a:p>
-                  </a:txBody>
-                  <a:tcPr marL="36000" marR="36000"/>
-                </a:tc>
-                <a:tc>
-                  <a:txBody>
-                    <a:bodyPr/>
-                    <a:lstStyle/>
-                    <a:p>
-                      <a:pPr algn="r"/>
-                      <a:r>
-                        <a:rPr lang="en-GB" sz="1100" dirty="0"/>
-                        <a:t>4Q2018</a:t>
-                      </a:r>
-                    </a:p>
-                  </a:txBody>
-                  <a:tcPr marL="36000" marR="36000"/>
-                </a:tc>
-                <a:tc>
-                  <a:txBody>
-                    <a:bodyPr/>
-                    <a:lstStyle/>
-                    <a:p>
-                      <a:pPr algn="r"/>
-                      <a:r>
-                        <a:rPr lang="en-GB" sz="1100" dirty="0"/>
-                        <a:t>1Q2019</a:t>
-                      </a:r>
-                    </a:p>
-                  </a:txBody>
-                  <a:tcPr marL="36000" marR="36000"/>
-                </a:tc>
-                <a:tc>
-                  <a:txBody>
-                    <a:bodyPr/>
-                    <a:lstStyle/>
-                    <a:p>
-                      <a:pPr algn="r"/>
-                      <a:r>
-                        <a:rPr lang="en-GB" sz="1100" dirty="0"/>
-                        <a:t>2Q2019</a:t>
-                      </a:r>
-                    </a:p>
-                  </a:txBody>
-                  <a:tcPr marL="36000" marR="36000"/>
-                </a:tc>
-                <a:tc>
-                  <a:txBody>
-                    <a:bodyPr/>
-                    <a:lstStyle/>
-                    <a:p>
-                      <a:pPr algn="r"/>
-                      <a:r>
-                        <a:rPr lang="en-GB" sz="1100" dirty="0"/>
-                        <a:t>3Q2019</a:t>
-                      </a:r>
-                    </a:p>
-                  </a:txBody>
-                  <a:tcPr marL="36000" marR="36000"/>
-                </a:tc>
-                <a:tc>
-                  <a:txBody>
-                    <a:bodyPr/>
-                    <a:lstStyle/>
-                    <a:p>
-                      <a:pPr algn="r"/>
-                      <a:r>
-                        <a:rPr lang="en-GB" sz="1100" dirty="0"/>
-                        <a:t>4Q2019</a:t>
-                      </a:r>
-                    </a:p>
-                  </a:txBody>
-                  <a:tcPr marL="36000" marR="36000"/>
-                </a:tc>
-                <a:extLst>
-                  <a:ext uri="{0D108BD9-81ED-4DB2-BD59-A6C34878D82A}">
-                    <a16:rowId xmlns:a16="http://schemas.microsoft.com/office/drawing/2014/main" val="999084664"/>
-                  </a:ext>
-                </a:extLst>
-              </a:tr>
-              <a:tr h="252000">
-                <a:tc>
-                  <a:txBody>
-                    <a:bodyPr/>
-                    <a:lstStyle/>
-                    <a:p>
-                      <a:r>
-                        <a:rPr lang="en-GB" sz="1100" dirty="0"/>
-                        <a:t>Ace Chemical</a:t>
-                      </a:r>
-                    </a:p>
-                  </a:txBody>
-                  <a:tcPr marL="36000" marR="36000"/>
-                </a:tc>
-                <a:tc>
-                  <a:txBody>
-                    <a:bodyPr/>
-                    <a:lstStyle/>
-                    <a:p>
-                      <a:pPr algn="l"/>
-                      <a:r>
-                        <a:rPr lang="en-GB" sz="1100" dirty="0"/>
-                        <a:t>Income</a:t>
-                      </a:r>
-                    </a:p>
-                  </a:txBody>
-                  <a:tcPr marL="36000" marR="36000"/>
-                </a:tc>
-                <a:tc>
-                  <a:txBody>
-                    <a:bodyPr/>
-                    <a:lstStyle/>
-                    <a:p>
-                      <a:pPr algn="r"/>
-                      <a:r>
-                        <a:rPr lang="en-GB" sz="1100" dirty="0"/>
-                        <a:t>123,456.78</a:t>
-                      </a:r>
-                    </a:p>
-                  </a:txBody>
-                  <a:tcPr marL="36000" marR="36000"/>
-                </a:tc>
-                <a:tc>
-                  <a:txBody>
-                    <a:bodyPr/>
-                    <a:lstStyle/>
-                    <a:p>
-                      <a:pPr algn="r"/>
-                      <a:r>
-                        <a:rPr lang="en-GB" sz="1100" dirty="0"/>
-                        <a:t>99,100.01</a:t>
-                      </a:r>
-                    </a:p>
-                  </a:txBody>
-                  <a:tcPr marL="36000" marR="36000"/>
-                </a:tc>
-                <a:tc>
-                  <a:txBody>
-                    <a:bodyPr/>
-                    <a:lstStyle/>
-                    <a:p>
-                      <a:pPr algn="r"/>
-                      <a:r>
-                        <a:rPr lang="en-GB" sz="1100" dirty="0"/>
-                        <a:t>42,424.42</a:t>
-                      </a:r>
-                    </a:p>
-                  </a:txBody>
-                  <a:tcPr marL="36000" marR="36000"/>
-                </a:tc>
-                <a:tc>
-                  <a:txBody>
-                    <a:bodyPr/>
-                    <a:lstStyle/>
-                    <a:p>
-                      <a:pPr algn="r"/>
-                      <a:r>
-                        <a:rPr lang="en-GB" sz="1100" dirty="0"/>
-                        <a:t>79,234.56</a:t>
-                      </a:r>
-                    </a:p>
-                  </a:txBody>
-                  <a:tcPr marL="36000" marR="36000"/>
-                </a:tc>
-                <a:tc>
-                  <a:txBody>
-                    <a:bodyPr/>
-                    <a:lstStyle/>
-                    <a:p>
-                      <a:pPr algn="r"/>
-                      <a:r>
-                        <a:rPr lang="en-GB" sz="1100" dirty="0"/>
-                        <a:t>101,501.29</a:t>
-                      </a:r>
-                    </a:p>
-                  </a:txBody>
-                  <a:tcPr marL="36000" marR="36000"/>
-                </a:tc>
-                <a:tc>
-                  <a:txBody>
-                    <a:bodyPr/>
-                    <a:lstStyle/>
-                    <a:p>
-                      <a:pPr algn="r"/>
-                      <a:r>
-                        <a:rPr lang="en-GB" sz="1100" dirty="0"/>
-                        <a:t>89,900.42</a:t>
-                      </a:r>
-                    </a:p>
-                  </a:txBody>
-                  <a:tcPr marL="36000" marR="36000"/>
-                </a:tc>
-                <a:tc>
-                  <a:txBody>
-                    <a:bodyPr/>
-                    <a:lstStyle/>
-                    <a:p>
-                      <a:pPr algn="r"/>
-                      <a:r>
-                        <a:rPr lang="en-GB" sz="1100" dirty="0"/>
-                        <a:t>56,789.00</a:t>
-                      </a:r>
-                    </a:p>
-                  </a:txBody>
-                  <a:tcPr marL="36000" marR="36000"/>
-                </a:tc>
-                <a:tc>
-                  <a:txBody>
-                    <a:bodyPr/>
-                    <a:lstStyle/>
-                    <a:p>
-                      <a:pPr algn="r"/>
-                      <a:r>
-                        <a:rPr lang="en-GB" sz="1100" dirty="0"/>
-                        <a:t>90,909.09</a:t>
-                      </a:r>
-                    </a:p>
-                  </a:txBody>
-                  <a:tcPr marL="36000" marR="36000"/>
-                </a:tc>
-                <a:extLst>
-                  <a:ext uri="{0D108BD9-81ED-4DB2-BD59-A6C34878D82A}">
-                    <a16:rowId xmlns:a16="http://schemas.microsoft.com/office/drawing/2014/main" val="458146934"/>
-                  </a:ext>
-                </a:extLst>
-              </a:tr>
-              <a:tr h="252000">
-                <a:tc>
-                  <a:txBody>
-                    <a:bodyPr/>
-                    <a:lstStyle/>
-                    <a:p>
-                      <a:endParaRPr lang="en-GB" sz="1100" dirty="0"/>
-                    </a:p>
-                  </a:txBody>
-                  <a:tcPr marL="36000" marR="36000"/>
-                </a:tc>
-                <a:tc>
-                  <a:txBody>
-                    <a:bodyPr/>
-                    <a:lstStyle/>
-                    <a:p>
-                      <a:pPr algn="l"/>
-                      <a:r>
-                        <a:rPr lang="en-GB" sz="1100" dirty="0"/>
-                        <a:t>Profit</a:t>
-                      </a:r>
-                    </a:p>
-                  </a:txBody>
-                  <a:tcPr marL="36000" marR="36000"/>
-                </a:tc>
-                <a:tc>
-                  <a:txBody>
-                    <a:bodyPr/>
-                    <a:lstStyle/>
-                    <a:p>
-                      <a:pPr algn="r"/>
-                      <a:r>
-                        <a:rPr lang="en-GB" sz="1100" dirty="0"/>
-                        <a:t>23,456.77</a:t>
-                      </a:r>
-                    </a:p>
-                  </a:txBody>
-                  <a:tcPr marL="36000" marR="36000"/>
-                </a:tc>
-                <a:tc>
-                  <a:txBody>
-                    <a:bodyPr/>
-                    <a:lstStyle/>
-                    <a:p>
-                      <a:pPr algn="r"/>
-                      <a:r>
-                        <a:rPr lang="en-GB" sz="1100" dirty="0"/>
-                        <a:t>80,000.11</a:t>
-                      </a:r>
-                    </a:p>
-                  </a:txBody>
-                  <a:tcPr marL="36000" marR="36000"/>
-                </a:tc>
-                <a:tc>
-                  <a:txBody>
-                    <a:bodyPr/>
-                    <a:lstStyle/>
-                    <a:p>
-                      <a:pPr algn="r"/>
-                      <a:r>
-                        <a:rPr lang="en-GB" sz="1100" dirty="0"/>
-                        <a:t>-21,222.22</a:t>
-                      </a:r>
-                    </a:p>
-                  </a:txBody>
-                  <a:tcPr marL="36000" marR="36000"/>
-                </a:tc>
-                <a:tc>
-                  <a:txBody>
-                    <a:bodyPr/>
-                    <a:lstStyle/>
-                    <a:p>
-                      <a:pPr algn="r"/>
-                      <a:r>
-                        <a:rPr lang="en-GB" sz="1100" dirty="0"/>
-                        <a:t>…</a:t>
-                      </a:r>
-                    </a:p>
-                  </a:txBody>
-                  <a:tcPr marL="36000" marR="36000"/>
-                </a:tc>
-                <a:tc>
-                  <a:txBody>
-                    <a:bodyPr/>
-                    <a:lstStyle/>
-                    <a:p>
-                      <a:pPr algn="r"/>
-                      <a:r>
-                        <a:rPr lang="en-GB" sz="1100" dirty="0"/>
-                        <a:t>…</a:t>
-                      </a:r>
-                    </a:p>
-                  </a:txBody>
-                  <a:tcPr marL="36000" marR="36000"/>
-                </a:tc>
-                <a:tc>
-                  <a:txBody>
-                    <a:bodyPr/>
-                    <a:lstStyle/>
-                    <a:p>
-                      <a:pPr algn="r"/>
-                      <a:r>
-                        <a:rPr lang="en-GB" sz="1100" dirty="0"/>
-                        <a:t>…</a:t>
-                      </a:r>
-                    </a:p>
-                  </a:txBody>
-                  <a:tcPr marL="36000" marR="36000"/>
-                </a:tc>
-                <a:tc>
-                  <a:txBody>
-                    <a:bodyPr/>
-                    <a:lstStyle/>
-                    <a:p>
-                      <a:pPr algn="r"/>
-                      <a:r>
-                        <a:rPr lang="en-GB" sz="1100" dirty="0"/>
-                        <a:t>…</a:t>
-                      </a:r>
-                    </a:p>
-                  </a:txBody>
-                  <a:tcPr marL="36000" marR="36000"/>
-                </a:tc>
-                <a:tc>
-                  <a:txBody>
-                    <a:bodyPr/>
-                    <a:lstStyle/>
-                    <a:p>
-                      <a:pPr algn="r"/>
-                      <a:r>
-                        <a:rPr lang="en-GB" sz="1100" dirty="0"/>
-                        <a:t>…</a:t>
-                      </a:r>
-                    </a:p>
-                  </a:txBody>
-                  <a:tcPr marL="36000" marR="36000"/>
-                </a:tc>
-                <a:extLst>
-                  <a:ext uri="{0D108BD9-81ED-4DB2-BD59-A6C34878D82A}">
-                    <a16:rowId xmlns:a16="http://schemas.microsoft.com/office/drawing/2014/main" val="2928785462"/>
-                  </a:ext>
-                </a:extLst>
-              </a:tr>
-              <a:tr h="252000">
-                <a:tc>
-                  <a:txBody>
-                    <a:bodyPr/>
-                    <a:lstStyle/>
-                    <a:p>
-                      <a:r>
-                        <a:rPr lang="en-GB" sz="1100" dirty="0"/>
-                        <a:t>Acme Corp</a:t>
-                      </a:r>
-                    </a:p>
-                  </a:txBody>
-                  <a:tcPr marL="36000" marR="36000"/>
-                </a:tc>
-                <a:tc>
-                  <a:txBody>
-                    <a:bodyPr/>
-                    <a:lstStyle/>
-                    <a:p>
-                      <a:pPr algn="l"/>
-                      <a:r>
-                        <a:rPr lang="en-GB" sz="1100" dirty="0"/>
-                        <a:t>Income</a:t>
-                      </a:r>
-                    </a:p>
-                  </a:txBody>
-                  <a:tcPr marL="36000" marR="36000"/>
-                </a:tc>
-                <a:tc>
-                  <a:txBody>
-                    <a:bodyPr/>
-                    <a:lstStyle/>
-                    <a:p>
-                      <a:pPr algn="r"/>
-                      <a:r>
-                        <a:rPr lang="en-GB" sz="1100" dirty="0"/>
-                        <a:t>29,306.67</a:t>
-                      </a:r>
-                    </a:p>
-                  </a:txBody>
-                  <a:tcPr marL="36000" marR="36000"/>
-                </a:tc>
-                <a:tc>
-                  <a:txBody>
-                    <a:bodyPr/>
-                    <a:lstStyle/>
-                    <a:p>
-                      <a:pPr algn="r"/>
-                      <a:r>
-                        <a:rPr lang="en-GB" sz="1100" dirty="0"/>
-                        <a:t>…</a:t>
-                      </a:r>
-                    </a:p>
-                  </a:txBody>
-                  <a:tcPr marL="36000" marR="36000"/>
-                </a:tc>
-                <a:tc>
-                  <a:txBody>
-                    <a:bodyPr/>
-                    <a:lstStyle/>
-                    <a:p>
-                      <a:pPr algn="r"/>
-                      <a:r>
-                        <a:rPr lang="en-GB" sz="1100" dirty="0"/>
-                        <a:t>…</a:t>
-                      </a:r>
-                    </a:p>
-                  </a:txBody>
-                  <a:tcPr marL="36000" marR="36000"/>
-                </a:tc>
-                <a:tc>
-                  <a:txBody>
-                    <a:bodyPr/>
-                    <a:lstStyle/>
-                    <a:p>
-                      <a:pPr algn="r"/>
-                      <a:r>
-                        <a:rPr lang="en-GB" sz="1100" dirty="0"/>
-                        <a:t>…</a:t>
-                      </a:r>
-                    </a:p>
-                  </a:txBody>
-                  <a:tcPr marL="36000" marR="36000"/>
-                </a:tc>
-                <a:tc>
-                  <a:txBody>
-                    <a:bodyPr/>
-                    <a:lstStyle/>
-                    <a:p>
-                      <a:pPr algn="r"/>
-                      <a:r>
-                        <a:rPr lang="en-GB" sz="1100" dirty="0"/>
-                        <a:t>…</a:t>
-                      </a:r>
-                    </a:p>
-                  </a:txBody>
-                  <a:tcPr marL="36000" marR="36000"/>
-                </a:tc>
-                <a:tc>
-                  <a:txBody>
-                    <a:bodyPr/>
-                    <a:lstStyle/>
-                    <a:p>
-                      <a:pPr algn="r"/>
-                      <a:r>
-                        <a:rPr lang="en-GB" sz="1100" dirty="0"/>
-                        <a:t>…</a:t>
-                      </a:r>
-                    </a:p>
-                  </a:txBody>
-                  <a:tcPr marL="36000" marR="36000"/>
-                </a:tc>
-                <a:tc>
-                  <a:txBody>
-                    <a:bodyPr/>
-                    <a:lstStyle/>
-                    <a:p>
-                      <a:pPr algn="r"/>
-                      <a:r>
-                        <a:rPr lang="en-GB" sz="1100" dirty="0"/>
-                        <a:t>…</a:t>
-                      </a:r>
-                    </a:p>
-                  </a:txBody>
-                  <a:tcPr marL="36000" marR="36000"/>
-                </a:tc>
-                <a:tc>
-                  <a:txBody>
-                    <a:bodyPr/>
-                    <a:lstStyle/>
-                    <a:p>
-                      <a:pPr algn="r"/>
-                      <a:r>
-                        <a:rPr lang="en-GB" sz="1100" dirty="0"/>
-                        <a:t>…</a:t>
-                      </a:r>
-                    </a:p>
-                  </a:txBody>
-                  <a:tcPr marL="36000" marR="36000"/>
-                </a:tc>
-                <a:extLst>
-                  <a:ext uri="{0D108BD9-81ED-4DB2-BD59-A6C34878D82A}">
-                    <a16:rowId xmlns:a16="http://schemas.microsoft.com/office/drawing/2014/main" val="708152160"/>
-                  </a:ext>
-                </a:extLst>
-              </a:tr>
-              <a:tr h="252000">
-                <a:tc>
-                  <a:txBody>
-                    <a:bodyPr/>
-                    <a:lstStyle/>
-                    <a:p>
-                      <a:endParaRPr lang="en-GB" sz="1100" dirty="0"/>
-                    </a:p>
-                  </a:txBody>
-                  <a:tcPr marL="36000" marR="36000"/>
-                </a:tc>
-                <a:tc>
-                  <a:txBody>
-                    <a:bodyPr/>
-                    <a:lstStyle/>
-                    <a:p>
-                      <a:pPr algn="l"/>
-                      <a:r>
-                        <a:rPr lang="en-GB" sz="1100" dirty="0"/>
-                        <a:t>Profit</a:t>
-                      </a:r>
-                    </a:p>
-                  </a:txBody>
-                  <a:tcPr marL="36000" marR="36000"/>
-                </a:tc>
-                <a:tc>
-                  <a:txBody>
-                    <a:bodyPr/>
-                    <a:lstStyle/>
-                    <a:p>
-                      <a:pPr algn="r"/>
-                      <a:r>
-                        <a:rPr lang="en-GB" sz="1100" dirty="0"/>
-                        <a:t>…</a:t>
-                      </a:r>
-                    </a:p>
-                  </a:txBody>
-                  <a:tcPr marL="36000" marR="36000"/>
-                </a:tc>
-                <a:tc>
-                  <a:txBody>
-                    <a:bodyPr/>
-                    <a:lstStyle/>
-                    <a:p>
-                      <a:pPr algn="r"/>
-                      <a:r>
-                        <a:rPr lang="en-GB" sz="1100" dirty="0"/>
-                        <a:t>…</a:t>
-                      </a:r>
-                    </a:p>
-                  </a:txBody>
-                  <a:tcPr marL="36000" marR="36000"/>
-                </a:tc>
-                <a:tc>
-                  <a:txBody>
-                    <a:bodyPr/>
-                    <a:lstStyle/>
-                    <a:p>
-                      <a:pPr algn="r"/>
-                      <a:r>
-                        <a:rPr lang="en-GB" sz="1100" dirty="0"/>
-                        <a:t>…</a:t>
-                      </a:r>
-                    </a:p>
-                  </a:txBody>
-                  <a:tcPr marL="36000" marR="36000"/>
-                </a:tc>
-                <a:tc>
-                  <a:txBody>
-                    <a:bodyPr/>
-                    <a:lstStyle/>
-                    <a:p>
-                      <a:pPr algn="r"/>
-                      <a:r>
-                        <a:rPr lang="en-GB" sz="1100" dirty="0"/>
-                        <a:t>…</a:t>
-                      </a:r>
-                    </a:p>
-                  </a:txBody>
-                  <a:tcPr marL="36000" marR="36000"/>
-                </a:tc>
-                <a:tc>
-                  <a:txBody>
-                    <a:bodyPr/>
-                    <a:lstStyle/>
-                    <a:p>
-                      <a:pPr algn="r"/>
-                      <a:r>
-                        <a:rPr lang="en-GB" sz="1100" dirty="0"/>
-                        <a:t>…</a:t>
-                      </a:r>
-                    </a:p>
-                  </a:txBody>
-                  <a:tcPr marL="36000" marR="36000"/>
-                </a:tc>
-                <a:tc>
-                  <a:txBody>
-                    <a:bodyPr/>
-                    <a:lstStyle/>
-                    <a:p>
-                      <a:pPr algn="r"/>
-                      <a:r>
-                        <a:rPr lang="en-GB" sz="1100" dirty="0"/>
-                        <a:t>…</a:t>
-                      </a:r>
-                    </a:p>
-                  </a:txBody>
-                  <a:tcPr marL="36000" marR="36000"/>
-                </a:tc>
-                <a:tc>
-                  <a:txBody>
-                    <a:bodyPr/>
-                    <a:lstStyle/>
-                    <a:p>
-                      <a:pPr algn="r"/>
-                      <a:r>
-                        <a:rPr lang="en-GB" sz="1100" dirty="0"/>
-                        <a:t>…</a:t>
-                      </a:r>
-                    </a:p>
-                  </a:txBody>
-                  <a:tcPr marL="36000" marR="36000"/>
-                </a:tc>
-                <a:tc>
-                  <a:txBody>
-                    <a:bodyPr/>
-                    <a:lstStyle/>
-                    <a:p>
-                      <a:pPr algn="r"/>
-                      <a:r>
-                        <a:rPr lang="en-GB" sz="1100" dirty="0"/>
-                        <a:t>…</a:t>
-                      </a:r>
-                    </a:p>
-                  </a:txBody>
-                  <a:tcPr marL="36000" marR="36000"/>
-                </a:tc>
-                <a:extLst>
-                  <a:ext uri="{0D108BD9-81ED-4DB2-BD59-A6C34878D82A}">
-                    <a16:rowId xmlns:a16="http://schemas.microsoft.com/office/drawing/2014/main" val="3386596275"/>
-                  </a:ext>
-                </a:extLst>
-              </a:tr>
-              <a:tr h="252000">
-                <a:tc>
-                  <a:txBody>
-                    <a:bodyPr/>
-                    <a:lstStyle/>
-                    <a:p>
-                      <a:r>
-                        <a:rPr lang="en-GB" sz="1100" dirty="0"/>
-                        <a:t>…</a:t>
-                      </a:r>
-                    </a:p>
-                  </a:txBody>
-                  <a:tcPr marL="36000" marR="36000"/>
-                </a:tc>
-                <a:tc>
-                  <a:txBody>
-                    <a:bodyPr/>
-                    <a:lstStyle/>
-                    <a:p>
-                      <a:pPr algn="l"/>
-                      <a:r>
-                        <a:rPr lang="en-GB" sz="1100" dirty="0"/>
-                        <a:t>…</a:t>
-                      </a:r>
-                    </a:p>
-                  </a:txBody>
-                  <a:tcPr marL="36000" marR="36000"/>
-                </a:tc>
-                <a:tc>
-                  <a:txBody>
-                    <a:bodyPr/>
-                    <a:lstStyle/>
-                    <a:p>
-                      <a:pPr algn="r"/>
-                      <a:r>
-                        <a:rPr lang="en-GB" sz="1100" dirty="0"/>
-                        <a:t>…</a:t>
-                      </a:r>
-                    </a:p>
-                  </a:txBody>
-                  <a:tcPr marL="36000" marR="36000"/>
-                </a:tc>
-                <a:tc>
-                  <a:txBody>
-                    <a:bodyPr/>
-                    <a:lstStyle/>
-                    <a:p>
-                      <a:pPr algn="r"/>
-                      <a:r>
-                        <a:rPr lang="en-GB" sz="1100" dirty="0"/>
-                        <a:t>…</a:t>
-                      </a:r>
-                    </a:p>
-                  </a:txBody>
-                  <a:tcPr marL="36000" marR="36000"/>
-                </a:tc>
-                <a:tc>
-                  <a:txBody>
-                    <a:bodyPr/>
-                    <a:lstStyle/>
-                    <a:p>
-                      <a:pPr algn="r"/>
-                      <a:r>
-                        <a:rPr lang="en-GB" sz="1100" dirty="0"/>
-                        <a:t>…</a:t>
-                      </a:r>
-                    </a:p>
-                  </a:txBody>
-                  <a:tcPr marL="36000" marR="36000"/>
-                </a:tc>
-                <a:tc>
-                  <a:txBody>
-                    <a:bodyPr/>
-                    <a:lstStyle/>
-                    <a:p>
-                      <a:pPr algn="r"/>
-                      <a:r>
-                        <a:rPr lang="en-GB" sz="1100" dirty="0"/>
-                        <a:t>…</a:t>
-                      </a:r>
-                    </a:p>
-                  </a:txBody>
-                  <a:tcPr marL="36000" marR="36000"/>
-                </a:tc>
-                <a:tc>
-                  <a:txBody>
-                    <a:bodyPr/>
-                    <a:lstStyle/>
-                    <a:p>
-                      <a:pPr algn="r"/>
-                      <a:r>
-                        <a:rPr lang="en-GB" sz="1100" dirty="0"/>
-                        <a:t>…</a:t>
-                      </a:r>
-                    </a:p>
-                  </a:txBody>
-                  <a:tcPr marL="36000" marR="36000"/>
-                </a:tc>
-                <a:tc>
-                  <a:txBody>
-                    <a:bodyPr/>
-                    <a:lstStyle/>
-                    <a:p>
-                      <a:pPr algn="r"/>
-                      <a:r>
-                        <a:rPr lang="en-GB" sz="1100" dirty="0"/>
-                        <a:t>…</a:t>
-                      </a:r>
-                    </a:p>
-                  </a:txBody>
-                  <a:tcPr marL="36000" marR="36000"/>
-                </a:tc>
-                <a:tc>
-                  <a:txBody>
-                    <a:bodyPr/>
-                    <a:lstStyle/>
-                    <a:p>
-                      <a:pPr algn="r"/>
-                      <a:r>
-                        <a:rPr lang="en-GB" sz="1100" dirty="0"/>
-                        <a:t>…</a:t>
-                      </a:r>
-                    </a:p>
-                  </a:txBody>
-                  <a:tcPr marL="36000" marR="36000"/>
-                </a:tc>
-                <a:tc>
-                  <a:txBody>
-                    <a:bodyPr/>
-                    <a:lstStyle/>
-                    <a:p>
-                      <a:pPr algn="r"/>
-                      <a:r>
-                        <a:rPr lang="en-GB" sz="1100" dirty="0"/>
-                        <a:t>…</a:t>
-                      </a:r>
-                    </a:p>
-                  </a:txBody>
-                  <a:tcPr marL="36000" marR="36000"/>
-                </a:tc>
-                <a:extLst>
-                  <a:ext uri="{0D108BD9-81ED-4DB2-BD59-A6C34878D82A}">
-                    <a16:rowId xmlns:a16="http://schemas.microsoft.com/office/drawing/2014/main" val="451698186"/>
-                  </a:ext>
-                </a:extLst>
-              </a:tr>
-            </a:tbl>
-          </a:graphicData>
-        </a:graphic>
-      </p:graphicFrame>
-      <p:graphicFrame>
-        <p:nvGraphicFramePr>
-          <p:cNvPr id="10" name="Table 4">
-            <a:extLst>
-              <a:ext uri="{FF2B5EF4-FFF2-40B4-BE49-F238E27FC236}">
-                <a16:creationId xmlns:a16="http://schemas.microsoft.com/office/drawing/2014/main" id="{0D532530-F724-4596-B70B-5A7FC7CC44E1}"/>
-              </a:ext>
-            </a:extLst>
-          </p:cNvPr>
-          <p:cNvGraphicFramePr>
-            <a:graphicFrameLocks noGrp="1"/>
-          </p:cNvGraphicFramePr>
-          <p:nvPr>
-            <p:extLst/>
-          </p:nvPr>
-        </p:nvGraphicFramePr>
-        <p:xfrm>
-          <a:off x="2425031" y="3582757"/>
-          <a:ext cx="4357728" cy="2756880"/>
-        </p:xfrm>
-        <a:graphic>
-          <a:graphicData uri="http://schemas.openxmlformats.org/drawingml/2006/table">
-            <a:tbl>
-              <a:tblPr firstRow="1" bandRow="1">
-                <a:tableStyleId>{21E4AEA4-8DFA-4A89-87EB-49C32662AFE0}</a:tableStyleId>
-              </a:tblPr>
-              <a:tblGrid>
-                <a:gridCol w="1152000">
-                  <a:extLst>
-                    <a:ext uri="{9D8B030D-6E8A-4147-A177-3AD203B41FA5}">
-                      <a16:colId xmlns:a16="http://schemas.microsoft.com/office/drawing/2014/main" val="4290543523"/>
-                    </a:ext>
-                  </a:extLst>
-                </a:gridCol>
-                <a:gridCol w="792000">
-                  <a:extLst>
-                    <a:ext uri="{9D8B030D-6E8A-4147-A177-3AD203B41FA5}">
-                      <a16:colId xmlns:a16="http://schemas.microsoft.com/office/drawing/2014/main" val="2469491338"/>
-                    </a:ext>
-                  </a:extLst>
-                </a:gridCol>
-                <a:gridCol w="541728">
-                  <a:extLst>
-                    <a:ext uri="{9D8B030D-6E8A-4147-A177-3AD203B41FA5}">
-                      <a16:colId xmlns:a16="http://schemas.microsoft.com/office/drawing/2014/main" val="1138640855"/>
-                    </a:ext>
-                  </a:extLst>
-                </a:gridCol>
-                <a:gridCol w="936000">
-                  <a:extLst>
-                    <a:ext uri="{9D8B030D-6E8A-4147-A177-3AD203B41FA5}">
-                      <a16:colId xmlns:a16="http://schemas.microsoft.com/office/drawing/2014/main" val="255819374"/>
-                    </a:ext>
-                  </a:extLst>
-                </a:gridCol>
-                <a:gridCol w="936000">
-                  <a:extLst>
-                    <a:ext uri="{9D8B030D-6E8A-4147-A177-3AD203B41FA5}">
-                      <a16:colId xmlns:a16="http://schemas.microsoft.com/office/drawing/2014/main" val="97017539"/>
-                    </a:ext>
-                  </a:extLst>
-                </a:gridCol>
-              </a:tblGrid>
-              <a:tr h="288000">
-                <a:tc>
-                  <a:txBody>
-                    <a:bodyPr/>
-                    <a:lstStyle/>
-                    <a:p>
-                      <a:r>
-                        <a:rPr lang="en-GB" sz="1200" dirty="0"/>
-                        <a:t>Company</a:t>
-                      </a:r>
-                    </a:p>
-                  </a:txBody>
-                  <a:tcPr/>
-                </a:tc>
-                <a:tc>
-                  <a:txBody>
-                    <a:bodyPr/>
-                    <a:lstStyle/>
-                    <a:p>
-                      <a:pPr algn="r"/>
-                      <a:r>
-                        <a:rPr lang="en-GB" sz="1200" dirty="0"/>
-                        <a:t>Quarter</a:t>
-                      </a:r>
-                    </a:p>
-                  </a:txBody>
-                  <a:tcPr/>
-                </a:tc>
-                <a:tc>
-                  <a:txBody>
-                    <a:bodyPr/>
-                    <a:lstStyle/>
-                    <a:p>
-                      <a:pPr algn="r"/>
-                      <a:r>
-                        <a:rPr lang="en-GB" sz="1200" dirty="0"/>
-                        <a:t>Year</a:t>
-                      </a:r>
-                    </a:p>
-                  </a:txBody>
-                  <a:tcPr/>
-                </a:tc>
-                <a:tc>
-                  <a:txBody>
-                    <a:bodyPr/>
-                    <a:lstStyle/>
-                    <a:p>
-                      <a:pPr algn="r"/>
-                      <a:r>
-                        <a:rPr lang="en-GB" sz="1200" dirty="0"/>
-                        <a:t>Income</a:t>
-                      </a:r>
-                    </a:p>
-                  </a:txBody>
-                  <a:tcPr/>
-                </a:tc>
-                <a:tc>
-                  <a:txBody>
-                    <a:bodyPr/>
-                    <a:lstStyle/>
-                    <a:p>
-                      <a:pPr algn="r"/>
-                      <a:r>
-                        <a:rPr lang="en-GB" sz="1200" dirty="0"/>
-                        <a:t>Profit</a:t>
-                      </a:r>
-                    </a:p>
-                  </a:txBody>
-                  <a:tcPr/>
-                </a:tc>
-                <a:extLst>
-                  <a:ext uri="{0D108BD9-81ED-4DB2-BD59-A6C34878D82A}">
-                    <a16:rowId xmlns:a16="http://schemas.microsoft.com/office/drawing/2014/main" val="999084664"/>
-                  </a:ext>
-                </a:extLst>
-              </a:tr>
-              <a:tr h="252000">
-                <a:tc>
-                  <a:txBody>
-                    <a:bodyPr/>
-                    <a:lstStyle/>
-                    <a:p>
-                      <a:r>
-                        <a:rPr lang="en-GB" sz="1200" dirty="0"/>
-                        <a:t>Ace Chemical</a:t>
-                      </a:r>
-                    </a:p>
-                  </a:txBody>
-                  <a:tcPr/>
-                </a:tc>
-                <a:tc>
-                  <a:txBody>
-                    <a:bodyPr/>
-                    <a:lstStyle/>
-                    <a:p>
-                      <a:pPr algn="r"/>
-                      <a:r>
-                        <a:rPr lang="en-GB" sz="1200" dirty="0"/>
-                        <a:t>Q1</a:t>
-                      </a:r>
-                    </a:p>
-                  </a:txBody>
-                  <a:tcPr/>
-                </a:tc>
-                <a:tc>
-                  <a:txBody>
-                    <a:bodyPr/>
-                    <a:lstStyle/>
-                    <a:p>
-                      <a:pPr algn="r"/>
-                      <a:r>
-                        <a:rPr lang="en-GB" sz="1200" dirty="0"/>
-                        <a:t>2018</a:t>
-                      </a:r>
-                    </a:p>
-                  </a:txBody>
-                  <a:tcPr/>
-                </a:tc>
-                <a:tc>
-                  <a:txBody>
-                    <a:bodyPr/>
-                    <a:lstStyle/>
-                    <a:p>
-                      <a:pPr algn="r"/>
-                      <a:r>
-                        <a:rPr lang="en-GB" sz="1200" dirty="0"/>
-                        <a:t>123,456.78</a:t>
-                      </a:r>
-                    </a:p>
-                  </a:txBody>
-                  <a:tcPr/>
-                </a:tc>
-                <a:tc>
-                  <a:txBody>
-                    <a:bodyPr/>
-                    <a:lstStyle/>
-                    <a:p>
-                      <a:pPr algn="r"/>
-                      <a:r>
-                        <a:rPr lang="en-GB" sz="1200" dirty="0"/>
-                        <a:t>23,456.78</a:t>
-                      </a:r>
-                    </a:p>
-                  </a:txBody>
-                  <a:tcPr/>
-                </a:tc>
-                <a:extLst>
-                  <a:ext uri="{0D108BD9-81ED-4DB2-BD59-A6C34878D82A}">
-                    <a16:rowId xmlns:a16="http://schemas.microsoft.com/office/drawing/2014/main" val="458146934"/>
-                  </a:ext>
-                </a:extLst>
-              </a:tr>
-              <a:tr h="252000">
-                <a:tc>
-                  <a:txBody>
-                    <a:bodyPr/>
-                    <a:lstStyle/>
-                    <a:p>
-                      <a:r>
-                        <a:rPr lang="en-GB" sz="1200" dirty="0"/>
-                        <a:t>Ace Chemical</a:t>
-                      </a:r>
-                    </a:p>
-                  </a:txBody>
-                  <a:tcPr/>
-                </a:tc>
-                <a:tc>
-                  <a:txBody>
-                    <a:bodyPr/>
-                    <a:lstStyle/>
-                    <a:p>
-                      <a:pPr algn="r"/>
-                      <a:r>
-                        <a:rPr lang="en-GB" sz="1200" dirty="0"/>
-                        <a:t>Q2</a:t>
-                      </a:r>
-                    </a:p>
-                  </a:txBody>
-                  <a:tcPr/>
-                </a:tc>
-                <a:tc>
-                  <a:txBody>
-                    <a:bodyPr/>
-                    <a:lstStyle/>
-                    <a:p>
-                      <a:pPr algn="r"/>
-                      <a:r>
-                        <a:rPr lang="en-GB" sz="1200" dirty="0"/>
-                        <a:t>2018</a:t>
-                      </a:r>
-                    </a:p>
-                  </a:txBody>
-                  <a:tcPr/>
-                </a:tc>
-                <a:tc>
-                  <a:txBody>
-                    <a:bodyPr/>
-                    <a:lstStyle/>
-                    <a:p>
-                      <a:pPr algn="r"/>
-                      <a:r>
-                        <a:rPr lang="en-GB" sz="1200" dirty="0"/>
-                        <a:t>99,100.01</a:t>
-                      </a:r>
-                    </a:p>
-                  </a:txBody>
-                  <a:tcPr/>
-                </a:tc>
-                <a:tc>
-                  <a:txBody>
-                    <a:bodyPr/>
-                    <a:lstStyle/>
-                    <a:p>
-                      <a:pPr algn="r"/>
-                      <a:r>
-                        <a:rPr lang="en-GB" sz="1200" dirty="0"/>
-                        <a:t>80,000.11</a:t>
-                      </a:r>
-                    </a:p>
-                  </a:txBody>
-                  <a:tcPr/>
-                </a:tc>
-                <a:extLst>
-                  <a:ext uri="{0D108BD9-81ED-4DB2-BD59-A6C34878D82A}">
-                    <a16:rowId xmlns:a16="http://schemas.microsoft.com/office/drawing/2014/main" val="708152160"/>
-                  </a:ext>
-                </a:extLst>
-              </a:tr>
-              <a:tr h="252000">
-                <a:tc>
-                  <a:txBody>
-                    <a:bodyPr/>
-                    <a:lstStyle/>
-                    <a:p>
-                      <a:r>
-                        <a:rPr lang="en-GB" sz="1200" dirty="0"/>
-                        <a:t>Ace Chemical</a:t>
-                      </a:r>
-                    </a:p>
-                  </a:txBody>
-                  <a:tcPr/>
-                </a:tc>
-                <a:tc>
-                  <a:txBody>
-                    <a:bodyPr/>
-                    <a:lstStyle/>
-                    <a:p>
-                      <a:pPr algn="r"/>
-                      <a:r>
-                        <a:rPr lang="en-GB" sz="1200" dirty="0"/>
-                        <a:t>Q3</a:t>
-                      </a:r>
-                    </a:p>
-                  </a:txBody>
-                  <a:tcPr/>
-                </a:tc>
-                <a:tc>
-                  <a:txBody>
-                    <a:bodyPr/>
-                    <a:lstStyle/>
-                    <a:p>
-                      <a:pPr algn="r"/>
-                      <a:r>
-                        <a:rPr lang="en-GB" sz="1200" dirty="0"/>
-                        <a:t>2018</a:t>
-                      </a:r>
-                    </a:p>
-                  </a:txBody>
-                  <a:tcPr/>
-                </a:tc>
-                <a:tc>
-                  <a:txBody>
-                    <a:bodyPr/>
-                    <a:lstStyle/>
-                    <a:p>
-                      <a:pPr algn="r"/>
-                      <a:r>
-                        <a:rPr lang="en-GB" sz="1200" dirty="0"/>
-                        <a:t>42,424.42</a:t>
-                      </a:r>
-                    </a:p>
-                  </a:txBody>
-                  <a:tcPr/>
-                </a:tc>
-                <a:tc>
-                  <a:txBody>
-                    <a:bodyPr/>
-                    <a:lstStyle/>
-                    <a:p>
-                      <a:pPr algn="r"/>
-                      <a:r>
-                        <a:rPr lang="en-GB" sz="1200" dirty="0"/>
-                        <a:t>-21,222.22</a:t>
-                      </a:r>
-                    </a:p>
-                  </a:txBody>
-                  <a:tcPr/>
-                </a:tc>
-                <a:extLst>
-                  <a:ext uri="{0D108BD9-81ED-4DB2-BD59-A6C34878D82A}">
-                    <a16:rowId xmlns:a16="http://schemas.microsoft.com/office/drawing/2014/main" val="3386596275"/>
-                  </a:ext>
-                </a:extLst>
-              </a:tr>
-              <a:tr h="252000">
-                <a:tc>
-                  <a:txBody>
-                    <a:bodyPr/>
-                    <a:lstStyle/>
-                    <a:p>
-                      <a:r>
-                        <a:rPr lang="en-GB" sz="1200" dirty="0"/>
-                        <a:t>Ace Chemical</a:t>
-                      </a:r>
-                    </a:p>
-                  </a:txBody>
-                  <a:tcPr/>
-                </a:tc>
-                <a:tc>
-                  <a:txBody>
-                    <a:bodyPr/>
-                    <a:lstStyle/>
-                    <a:p>
-                      <a:pPr algn="r"/>
-                      <a:r>
-                        <a:rPr lang="en-GB" sz="1200" dirty="0"/>
-                        <a:t>Q4</a:t>
-                      </a:r>
-                    </a:p>
-                  </a:txBody>
-                  <a:tcPr/>
-                </a:tc>
-                <a:tc>
-                  <a:txBody>
-                    <a:bodyPr/>
-                    <a:lstStyle/>
-                    <a:p>
-                      <a:pPr algn="r"/>
-                      <a:r>
-                        <a:rPr lang="en-GB" sz="1200" dirty="0"/>
-                        <a:t>2018</a:t>
-                      </a:r>
-                    </a:p>
-                  </a:txBody>
-                  <a:tcPr/>
-                </a:tc>
-                <a:tc>
-                  <a:txBody>
-                    <a:bodyPr/>
-                    <a:lstStyle/>
-                    <a:p>
-                      <a:pPr marL="0" marR="0" lvl="0" indent="0" algn="r" defTabSz="914400" rtl="0" eaLnBrk="1" fontAlgn="auto" latinLnBrk="0" hangingPunct="1">
-                        <a:lnSpc>
-                          <a:spcPct val="100000"/>
-                        </a:lnSpc>
-                        <a:spcBef>
-                          <a:spcPts val="0"/>
-                        </a:spcBef>
-                        <a:spcAft>
-                          <a:spcPts val="0"/>
-                        </a:spcAft>
-                        <a:buClrTx/>
-                        <a:buSzTx/>
-                        <a:buFontTx/>
-                        <a:buNone/>
-                        <a:tabLst/>
-                        <a:defRPr/>
-                      </a:pPr>
-                      <a:r>
-                        <a:rPr lang="en-GB" sz="1200" dirty="0"/>
-                        <a:t>79,234.56</a:t>
-                      </a:r>
-                    </a:p>
-                  </a:txBody>
-                  <a:tcPr/>
-                </a:tc>
-                <a:tc>
-                  <a:txBody>
-                    <a:bodyPr/>
-                    <a:lstStyle/>
-                    <a:p>
-                      <a:pPr marL="0" marR="0" lvl="0" indent="0" algn="r" defTabSz="914400" rtl="0" eaLnBrk="1" fontAlgn="auto" latinLnBrk="0" hangingPunct="1">
-                        <a:lnSpc>
-                          <a:spcPct val="100000"/>
-                        </a:lnSpc>
-                        <a:spcBef>
-                          <a:spcPts val="0"/>
-                        </a:spcBef>
-                        <a:spcAft>
-                          <a:spcPts val="0"/>
-                        </a:spcAft>
-                        <a:buClrTx/>
-                        <a:buSzTx/>
-                        <a:buFontTx/>
-                        <a:buNone/>
-                        <a:tabLst/>
-                        <a:defRPr/>
-                      </a:pPr>
-                      <a:r>
-                        <a:rPr lang="en-GB" sz="1200" dirty="0"/>
-                        <a:t>…</a:t>
-                      </a:r>
-                    </a:p>
-                  </a:txBody>
-                  <a:tcPr/>
-                </a:tc>
-                <a:extLst>
-                  <a:ext uri="{0D108BD9-81ED-4DB2-BD59-A6C34878D82A}">
-                    <a16:rowId xmlns:a16="http://schemas.microsoft.com/office/drawing/2014/main" val="3857513955"/>
-                  </a:ext>
-                </a:extLst>
-              </a:tr>
-              <a:tr h="252000">
-                <a:tc>
-                  <a:txBody>
-                    <a:bodyPr/>
-                    <a:lstStyle/>
-                    <a:p>
-                      <a:r>
-                        <a:rPr lang="en-GB" sz="1200" dirty="0"/>
-                        <a:t>Ace Chemical</a:t>
-                      </a:r>
-                    </a:p>
-                  </a:txBody>
-                  <a:tcPr/>
-                </a:tc>
-                <a:tc>
-                  <a:txBody>
-                    <a:bodyPr/>
-                    <a:lstStyle/>
-                    <a:p>
-                      <a:pPr algn="r"/>
-                      <a:r>
-                        <a:rPr lang="en-GB" sz="1200" dirty="0"/>
-                        <a:t>Q1</a:t>
-                      </a:r>
-                    </a:p>
-                  </a:txBody>
-                  <a:tcPr/>
-                </a:tc>
-                <a:tc>
-                  <a:txBody>
-                    <a:bodyPr/>
-                    <a:lstStyle/>
-                    <a:p>
-                      <a:pPr algn="r"/>
-                      <a:r>
-                        <a:rPr lang="en-GB" sz="1200" dirty="0"/>
-                        <a:t>2019</a:t>
-                      </a:r>
-                    </a:p>
-                  </a:txBody>
-                  <a:tcPr/>
-                </a:tc>
-                <a:tc>
-                  <a:txBody>
-                    <a:bodyPr/>
-                    <a:lstStyle/>
-                    <a:p>
-                      <a:pPr marL="0" marR="0" lvl="0" indent="0" algn="r" defTabSz="914400" rtl="0" eaLnBrk="1" fontAlgn="auto" latinLnBrk="0" hangingPunct="1">
-                        <a:lnSpc>
-                          <a:spcPct val="100000"/>
-                        </a:lnSpc>
-                        <a:spcBef>
-                          <a:spcPts val="0"/>
-                        </a:spcBef>
-                        <a:spcAft>
-                          <a:spcPts val="0"/>
-                        </a:spcAft>
-                        <a:buClrTx/>
-                        <a:buSzTx/>
-                        <a:buFontTx/>
-                        <a:buNone/>
-                        <a:tabLst/>
-                        <a:defRPr/>
-                      </a:pPr>
-                      <a:r>
-                        <a:rPr lang="en-GB" sz="1200" dirty="0"/>
-                        <a:t>101,501.29</a:t>
-                      </a:r>
-                    </a:p>
-                  </a:txBody>
-                  <a:tcPr/>
-                </a:tc>
-                <a:tc>
-                  <a:txBody>
-                    <a:bodyPr/>
-                    <a:lstStyle/>
-                    <a:p>
-                      <a:pPr marL="0" marR="0" lvl="0" indent="0" algn="r" defTabSz="914400" rtl="0" eaLnBrk="1" fontAlgn="auto" latinLnBrk="0" hangingPunct="1">
-                        <a:lnSpc>
-                          <a:spcPct val="100000"/>
-                        </a:lnSpc>
-                        <a:spcBef>
-                          <a:spcPts val="0"/>
-                        </a:spcBef>
-                        <a:spcAft>
-                          <a:spcPts val="0"/>
-                        </a:spcAft>
-                        <a:buClrTx/>
-                        <a:buSzTx/>
-                        <a:buFontTx/>
-                        <a:buNone/>
-                        <a:tabLst/>
-                        <a:defRPr/>
-                      </a:pPr>
-                      <a:r>
-                        <a:rPr lang="en-GB" sz="1200" dirty="0"/>
-                        <a:t>…</a:t>
-                      </a:r>
-                    </a:p>
-                  </a:txBody>
-                  <a:tcPr/>
-                </a:tc>
-                <a:extLst>
-                  <a:ext uri="{0D108BD9-81ED-4DB2-BD59-A6C34878D82A}">
-                    <a16:rowId xmlns:a16="http://schemas.microsoft.com/office/drawing/2014/main" val="476811471"/>
-                  </a:ext>
-                </a:extLst>
-              </a:tr>
-              <a:tr h="252000">
-                <a:tc>
-                  <a:txBody>
-                    <a:bodyPr/>
-                    <a:lstStyle/>
-                    <a:p>
-                      <a:r>
-                        <a:rPr lang="en-GB" sz="1200" dirty="0"/>
-                        <a:t>Ace Chemical</a:t>
-                      </a:r>
-                    </a:p>
-                  </a:txBody>
-                  <a:tcPr/>
-                </a:tc>
-                <a:tc>
-                  <a:txBody>
-                    <a:bodyPr/>
-                    <a:lstStyle/>
-                    <a:p>
-                      <a:pPr algn="r"/>
-                      <a:r>
-                        <a:rPr lang="en-GB" sz="1200" dirty="0"/>
-                        <a:t>Q2</a:t>
-                      </a:r>
-                    </a:p>
-                  </a:txBody>
-                  <a:tcPr/>
-                </a:tc>
-                <a:tc>
-                  <a:txBody>
-                    <a:bodyPr/>
-                    <a:lstStyle/>
-                    <a:p>
-                      <a:pPr algn="r"/>
-                      <a:r>
-                        <a:rPr lang="en-GB" sz="1200" dirty="0"/>
-                        <a:t>2019</a:t>
-                      </a:r>
-                    </a:p>
-                  </a:txBody>
-                  <a:tcPr/>
-                </a:tc>
-                <a:tc>
-                  <a:txBody>
-                    <a:bodyPr/>
-                    <a:lstStyle/>
-                    <a:p>
-                      <a:pPr marL="0" marR="0" lvl="0" indent="0" algn="r" defTabSz="914400" rtl="0" eaLnBrk="1" fontAlgn="auto" latinLnBrk="0" hangingPunct="1">
-                        <a:lnSpc>
-                          <a:spcPct val="100000"/>
-                        </a:lnSpc>
-                        <a:spcBef>
-                          <a:spcPts val="0"/>
-                        </a:spcBef>
-                        <a:spcAft>
-                          <a:spcPts val="0"/>
-                        </a:spcAft>
-                        <a:buClrTx/>
-                        <a:buSzTx/>
-                        <a:buFontTx/>
-                        <a:buNone/>
-                        <a:tabLst/>
-                        <a:defRPr/>
-                      </a:pPr>
-                      <a:r>
-                        <a:rPr lang="en-GB" sz="1200" dirty="0"/>
-                        <a:t>89,900.42</a:t>
-                      </a:r>
-                    </a:p>
-                  </a:txBody>
-                  <a:tcPr/>
-                </a:tc>
-                <a:tc>
-                  <a:txBody>
-                    <a:bodyPr/>
-                    <a:lstStyle/>
-                    <a:p>
-                      <a:pPr marL="0" marR="0" lvl="0" indent="0" algn="r" defTabSz="914400" rtl="0" eaLnBrk="1" fontAlgn="auto" latinLnBrk="0" hangingPunct="1">
-                        <a:lnSpc>
-                          <a:spcPct val="100000"/>
-                        </a:lnSpc>
-                        <a:spcBef>
-                          <a:spcPts val="0"/>
-                        </a:spcBef>
-                        <a:spcAft>
-                          <a:spcPts val="0"/>
-                        </a:spcAft>
-                        <a:buClrTx/>
-                        <a:buSzTx/>
-                        <a:buFontTx/>
-                        <a:buNone/>
-                        <a:tabLst/>
-                        <a:defRPr/>
-                      </a:pPr>
-                      <a:r>
-                        <a:rPr lang="en-GB" sz="1200" dirty="0"/>
-                        <a:t>…</a:t>
-                      </a:r>
-                    </a:p>
-                  </a:txBody>
-                  <a:tcPr/>
-                </a:tc>
-                <a:extLst>
-                  <a:ext uri="{0D108BD9-81ED-4DB2-BD59-A6C34878D82A}">
-                    <a16:rowId xmlns:a16="http://schemas.microsoft.com/office/drawing/2014/main" val="2033748623"/>
-                  </a:ext>
-                </a:extLst>
-              </a:tr>
-              <a:tr h="252000">
-                <a:tc>
-                  <a:txBody>
-                    <a:bodyPr/>
-                    <a:lstStyle/>
-                    <a:p>
-                      <a:r>
-                        <a:rPr lang="en-GB" sz="1200" dirty="0"/>
-                        <a:t>Ace Chemical</a:t>
-                      </a:r>
-                    </a:p>
-                  </a:txBody>
-                  <a:tcPr/>
-                </a:tc>
-                <a:tc>
-                  <a:txBody>
-                    <a:bodyPr/>
-                    <a:lstStyle/>
-                    <a:p>
-                      <a:pPr algn="r"/>
-                      <a:r>
-                        <a:rPr lang="en-GB" sz="1200" dirty="0"/>
-                        <a:t>Q3</a:t>
-                      </a:r>
-                    </a:p>
-                  </a:txBody>
-                  <a:tcPr/>
-                </a:tc>
-                <a:tc>
-                  <a:txBody>
-                    <a:bodyPr/>
-                    <a:lstStyle/>
-                    <a:p>
-                      <a:pPr algn="r"/>
-                      <a:r>
-                        <a:rPr lang="en-GB" sz="1200" dirty="0"/>
-                        <a:t>2019</a:t>
-                      </a:r>
-                    </a:p>
-                  </a:txBody>
-                  <a:tcPr/>
-                </a:tc>
-                <a:tc>
-                  <a:txBody>
-                    <a:bodyPr/>
-                    <a:lstStyle/>
-                    <a:p>
-                      <a:pPr marL="0" marR="0" lvl="0" indent="0" algn="r" defTabSz="914400" rtl="0" eaLnBrk="1" fontAlgn="auto" latinLnBrk="0" hangingPunct="1">
-                        <a:lnSpc>
-                          <a:spcPct val="100000"/>
-                        </a:lnSpc>
-                        <a:spcBef>
-                          <a:spcPts val="0"/>
-                        </a:spcBef>
-                        <a:spcAft>
-                          <a:spcPts val="0"/>
-                        </a:spcAft>
-                        <a:buClrTx/>
-                        <a:buSzTx/>
-                        <a:buFontTx/>
-                        <a:buNone/>
-                        <a:tabLst/>
-                        <a:defRPr/>
-                      </a:pPr>
-                      <a:r>
-                        <a:rPr lang="en-GB" sz="1200" dirty="0"/>
-                        <a:t>56,789.00</a:t>
-                      </a:r>
-                    </a:p>
-                  </a:txBody>
-                  <a:tcPr/>
-                </a:tc>
-                <a:tc>
-                  <a:txBody>
-                    <a:bodyPr/>
-                    <a:lstStyle/>
-                    <a:p>
-                      <a:pPr marL="0" marR="0" lvl="0" indent="0" algn="r" defTabSz="914400" rtl="0" eaLnBrk="1" fontAlgn="auto" latinLnBrk="0" hangingPunct="1">
-                        <a:lnSpc>
-                          <a:spcPct val="100000"/>
-                        </a:lnSpc>
-                        <a:spcBef>
-                          <a:spcPts val="0"/>
-                        </a:spcBef>
-                        <a:spcAft>
-                          <a:spcPts val="0"/>
-                        </a:spcAft>
-                        <a:buClrTx/>
-                        <a:buSzTx/>
-                        <a:buFontTx/>
-                        <a:buNone/>
-                        <a:tabLst/>
-                        <a:defRPr/>
-                      </a:pPr>
-                      <a:r>
-                        <a:rPr lang="en-GB" sz="1200" dirty="0"/>
-                        <a:t>…</a:t>
-                      </a:r>
-                    </a:p>
-                  </a:txBody>
-                  <a:tcPr/>
-                </a:tc>
-                <a:extLst>
-                  <a:ext uri="{0D108BD9-81ED-4DB2-BD59-A6C34878D82A}">
-                    <a16:rowId xmlns:a16="http://schemas.microsoft.com/office/drawing/2014/main" val="2814637146"/>
-                  </a:ext>
-                </a:extLst>
-              </a:tr>
-              <a:tr h="252000">
-                <a:tc>
-                  <a:txBody>
-                    <a:bodyPr/>
-                    <a:lstStyle/>
-                    <a:p>
-                      <a:r>
-                        <a:rPr lang="en-GB" sz="1200" dirty="0"/>
-                        <a:t>Ace Chemical</a:t>
-                      </a:r>
-                    </a:p>
-                  </a:txBody>
-                  <a:tcPr/>
-                </a:tc>
-                <a:tc>
-                  <a:txBody>
-                    <a:bodyPr/>
-                    <a:lstStyle/>
-                    <a:p>
-                      <a:pPr algn="r"/>
-                      <a:r>
-                        <a:rPr lang="en-GB" sz="1200" dirty="0"/>
-                        <a:t>Q4</a:t>
-                      </a:r>
-                    </a:p>
-                  </a:txBody>
-                  <a:tcPr/>
-                </a:tc>
-                <a:tc>
-                  <a:txBody>
-                    <a:bodyPr/>
-                    <a:lstStyle/>
-                    <a:p>
-                      <a:pPr algn="r"/>
-                      <a:r>
-                        <a:rPr lang="en-GB" sz="1200" dirty="0"/>
-                        <a:t>2019</a:t>
-                      </a:r>
-                    </a:p>
-                  </a:txBody>
-                  <a:tcPr/>
-                </a:tc>
-                <a:tc>
-                  <a:txBody>
-                    <a:bodyPr/>
-                    <a:lstStyle/>
-                    <a:p>
-                      <a:pPr marL="0" marR="0" lvl="0" indent="0" algn="r" defTabSz="914400" rtl="0" eaLnBrk="1" fontAlgn="auto" latinLnBrk="0" hangingPunct="1">
-                        <a:lnSpc>
-                          <a:spcPct val="100000"/>
-                        </a:lnSpc>
-                        <a:spcBef>
-                          <a:spcPts val="0"/>
-                        </a:spcBef>
-                        <a:spcAft>
-                          <a:spcPts val="0"/>
-                        </a:spcAft>
-                        <a:buClrTx/>
-                        <a:buSzTx/>
-                        <a:buFontTx/>
-                        <a:buNone/>
-                        <a:tabLst/>
-                        <a:defRPr/>
-                      </a:pPr>
-                      <a:r>
-                        <a:rPr lang="en-GB" sz="1200" dirty="0"/>
-                        <a:t>90,909.09</a:t>
-                      </a:r>
-                    </a:p>
-                  </a:txBody>
-                  <a:tcPr/>
-                </a:tc>
-                <a:tc>
-                  <a:txBody>
-                    <a:bodyPr/>
-                    <a:lstStyle/>
-                    <a:p>
-                      <a:pPr marL="0" marR="0" lvl="0" indent="0" algn="r" defTabSz="914400" rtl="0" eaLnBrk="1" fontAlgn="auto" latinLnBrk="0" hangingPunct="1">
-                        <a:lnSpc>
-                          <a:spcPct val="100000"/>
-                        </a:lnSpc>
-                        <a:spcBef>
-                          <a:spcPts val="0"/>
-                        </a:spcBef>
-                        <a:spcAft>
-                          <a:spcPts val="0"/>
-                        </a:spcAft>
-                        <a:buClrTx/>
-                        <a:buSzTx/>
-                        <a:buFontTx/>
-                        <a:buNone/>
-                        <a:tabLst/>
-                        <a:defRPr/>
-                      </a:pPr>
-                      <a:r>
-                        <a:rPr lang="en-GB" sz="1200" dirty="0"/>
-                        <a:t>…</a:t>
-                      </a:r>
-                    </a:p>
-                  </a:txBody>
-                  <a:tcPr/>
-                </a:tc>
-                <a:extLst>
-                  <a:ext uri="{0D108BD9-81ED-4DB2-BD59-A6C34878D82A}">
-                    <a16:rowId xmlns:a16="http://schemas.microsoft.com/office/drawing/2014/main" val="1521377253"/>
-                  </a:ext>
-                </a:extLst>
-              </a:tr>
-              <a:tr h="252000">
-                <a:tc>
-                  <a:txBody>
-                    <a:bodyPr/>
-                    <a:lstStyle/>
-                    <a:p>
-                      <a:r>
-                        <a:rPr lang="en-GB" sz="1200" dirty="0"/>
-                        <a:t>Acme Corp</a:t>
-                      </a:r>
-                    </a:p>
-                  </a:txBody>
-                  <a:tcPr/>
-                </a:tc>
-                <a:tc>
-                  <a:txBody>
-                    <a:bodyPr/>
-                    <a:lstStyle/>
-                    <a:p>
-                      <a:pPr algn="r"/>
-                      <a:r>
-                        <a:rPr lang="en-GB" sz="1200" dirty="0"/>
-                        <a:t>Q1</a:t>
-                      </a:r>
-                    </a:p>
-                  </a:txBody>
-                  <a:tcPr/>
-                </a:tc>
-                <a:tc>
-                  <a:txBody>
-                    <a:bodyPr/>
-                    <a:lstStyle/>
-                    <a:p>
-                      <a:pPr algn="r"/>
-                      <a:r>
-                        <a:rPr lang="en-GB" sz="1200" dirty="0"/>
-                        <a:t>2018</a:t>
-                      </a:r>
-                    </a:p>
-                  </a:txBody>
-                  <a:tcPr/>
-                </a:tc>
-                <a:tc>
-                  <a:txBody>
-                    <a:bodyPr/>
-                    <a:lstStyle/>
-                    <a:p>
-                      <a:pPr marL="0" marR="0" lvl="0" indent="0" algn="r" defTabSz="914400" rtl="0" eaLnBrk="1" fontAlgn="auto" latinLnBrk="0" hangingPunct="1">
-                        <a:lnSpc>
-                          <a:spcPct val="100000"/>
-                        </a:lnSpc>
-                        <a:spcBef>
-                          <a:spcPts val="0"/>
-                        </a:spcBef>
-                        <a:spcAft>
-                          <a:spcPts val="0"/>
-                        </a:spcAft>
-                        <a:buClrTx/>
-                        <a:buSzTx/>
-                        <a:buFontTx/>
-                        <a:buNone/>
-                        <a:tabLst/>
-                        <a:defRPr/>
-                      </a:pPr>
-                      <a:r>
-                        <a:rPr lang="en-GB" sz="1200" dirty="0"/>
-                        <a:t>29,306.67</a:t>
-                      </a:r>
-                    </a:p>
-                  </a:txBody>
-                  <a:tcPr/>
-                </a:tc>
-                <a:tc>
-                  <a:txBody>
-                    <a:bodyPr/>
-                    <a:lstStyle/>
-                    <a:p>
-                      <a:pPr marL="0" marR="0" lvl="0" indent="0" algn="r" defTabSz="914400" rtl="0" eaLnBrk="1" fontAlgn="auto" latinLnBrk="0" hangingPunct="1">
-                        <a:lnSpc>
-                          <a:spcPct val="100000"/>
-                        </a:lnSpc>
-                        <a:spcBef>
-                          <a:spcPts val="0"/>
-                        </a:spcBef>
-                        <a:spcAft>
-                          <a:spcPts val="0"/>
-                        </a:spcAft>
-                        <a:buClrTx/>
-                        <a:buSzTx/>
-                        <a:buFontTx/>
-                        <a:buNone/>
-                        <a:tabLst/>
-                        <a:defRPr/>
-                      </a:pPr>
-                      <a:r>
-                        <a:rPr lang="en-GB" sz="1200" dirty="0"/>
-                        <a:t>…</a:t>
-                      </a:r>
-                    </a:p>
-                  </a:txBody>
-                  <a:tcPr/>
-                </a:tc>
-                <a:extLst>
-                  <a:ext uri="{0D108BD9-81ED-4DB2-BD59-A6C34878D82A}">
-                    <a16:rowId xmlns:a16="http://schemas.microsoft.com/office/drawing/2014/main" val="971399320"/>
-                  </a:ext>
-                </a:extLst>
-              </a:tr>
-            </a:tbl>
-          </a:graphicData>
-        </a:graphic>
-      </p:graphicFrame>
-      <p:sp>
-        <p:nvSpPr>
-          <p:cNvPr id="11" name="Arrow: Right 10">
-            <a:extLst>
-              <a:ext uri="{FF2B5EF4-FFF2-40B4-BE49-F238E27FC236}">
-                <a16:creationId xmlns:a16="http://schemas.microsoft.com/office/drawing/2014/main" id="{ABD7D646-F65C-4CF4-9E03-3E7937CABA83}"/>
-              </a:ext>
-            </a:extLst>
-          </p:cNvPr>
-          <p:cNvSpPr/>
-          <p:nvPr/>
-        </p:nvSpPr>
-        <p:spPr bwMode="auto">
-          <a:xfrm rot="5400000">
-            <a:off x="4310239" y="3001636"/>
-            <a:ext cx="587311" cy="500332"/>
-          </a:xfrm>
-          <a:prstGeom prst="rightArrow">
-            <a:avLst/>
-          </a:prstGeom>
-          <a:solidFill>
-            <a:srgbClr val="C00000"/>
-          </a:solidFill>
-          <a:ln w="9525" algn="ctr">
-            <a:noFill/>
-            <a:round/>
-            <a:headEnd/>
-            <a:tailEnd/>
-          </a:ln>
-        </p:spPr>
-        <p:txBody>
-          <a:bodyPr wrap="square" rtlCol="0" anchor="ctr">
-            <a:spAutoFit/>
-          </a:bodyPr>
-          <a:lstStyle/>
-          <a:p>
-            <a:pPr algn="ctr"/>
-            <a:endParaRPr lang="en-GB" sz="1400" dirty="0">
-              <a:solidFill>
-                <a:schemeClr val="tx1"/>
-              </a:solidFill>
-              <a:latin typeface="+mn-lt"/>
-            </a:endParaRPr>
-          </a:p>
-        </p:txBody>
-      </p:sp>
-    </p:spTree>
-    <p:extLst>
-      <p:ext uri="{BB962C8B-B14F-4D97-AF65-F5344CB8AC3E}">
-        <p14:creationId xmlns:p14="http://schemas.microsoft.com/office/powerpoint/2010/main" val="801613186"/>
-      </p:ext>
-    </p:extLst>
-  </p:cSld>
-  <p:clrMapOvr>
-    <a:masterClrMapping/>
-  </p:clrMapOvr>
-</p:sld>
-</file>
-
-<file path=ppt/slides/slide33.xml><?xml version="1.0" encoding="utf-8"?>
-<p:sld xmlns:a="http://schemas.openxmlformats.org/drawingml/2006/main" xmlns:r="http://schemas.openxmlformats.org/officeDocument/2006/relationships" xmlns:p="http://schemas.openxmlformats.org/presentationml/2006/main">
-  <p:cSld>
-    <p:spTree>
-      <p:nvGrpSpPr>
-        <p:cNvPr id="1" name=""/>
-        <p:cNvGrpSpPr/>
-        <p:nvPr/>
-      </p:nvGrpSpPr>
-      <p:grpSpPr>
-        <a:xfrm>
-          <a:off x="0" y="0"/>
-          <a:ext cx="0" cy="0"/>
-          <a:chOff x="0" y="0"/>
-          <a:chExt cx="0" cy="0"/>
-        </a:xfrm>
-      </p:grpSpPr>
-      <p:sp>
-        <p:nvSpPr>
-          <p:cNvPr id="2" name="Content Placeholder 1">
-            <a:extLst>
-              <a:ext uri="{FF2B5EF4-FFF2-40B4-BE49-F238E27FC236}">
-                <a16:creationId xmlns:a16="http://schemas.microsoft.com/office/drawing/2014/main" id="{CF45C800-1379-4EFE-B027-EFC38AC0CD0C}"/>
-              </a:ext>
-            </a:extLst>
-          </p:cNvPr>
-          <p:cNvSpPr>
-            <a:spLocks noGrp="1"/>
-          </p:cNvSpPr>
-          <p:nvPr>
-            <p:ph idx="1"/>
-          </p:nvPr>
-        </p:nvSpPr>
-        <p:spPr/>
-        <p:txBody>
-          <a:bodyPr/>
-          <a:lstStyle/>
-          <a:p>
-            <a:r>
-              <a:rPr lang="en-US" dirty="0"/>
-              <a:t>Multiple types of observational units are stored in the same table</a:t>
-            </a:r>
-          </a:p>
-          <a:p>
-            <a:pPr lvl="1"/>
-            <a:r>
-              <a:rPr lang="en-GB" dirty="0"/>
-              <a:t>The idea is analogous to data normalization in a relational database</a:t>
-            </a:r>
-          </a:p>
-          <a:p>
-            <a:pPr lvl="1"/>
-            <a:r>
-              <a:rPr lang="en-US" dirty="0"/>
-              <a:t>Tables frequently combine data about an observational unit with data about the values</a:t>
-            </a:r>
-          </a:p>
-          <a:p>
-            <a:pPr lvl="2"/>
-            <a:r>
-              <a:rPr lang="en-US" dirty="0"/>
-              <a:t>Should be split into two </a:t>
-            </a:r>
-            <a:r>
-              <a:rPr lang="en-US" i="1" dirty="0">
-                <a:latin typeface="Century Schoolbook" panose="02040604050505020304" pitchFamily="18" charset="0"/>
-              </a:rPr>
-              <a:t>tables</a:t>
-            </a:r>
-          </a:p>
-          <a:p>
-            <a:pPr lvl="1"/>
-            <a:r>
-              <a:rPr lang="en-US" dirty="0"/>
-              <a:t>However, while this aspect of Tidy Data is useful in cleaning data, it is usually undone when creating a reporting data set</a:t>
-            </a:r>
-          </a:p>
-          <a:p>
-            <a:pPr lvl="2"/>
-            <a:r>
-              <a:rPr lang="en-US" dirty="0"/>
-              <a:t>Separate tables are combined</a:t>
-            </a:r>
-          </a:p>
-          <a:p>
-            <a:r>
-              <a:rPr lang="en-US" dirty="0"/>
-              <a:t>A single observational unit is stored in multiple tables</a:t>
-            </a:r>
-          </a:p>
-          <a:p>
-            <a:pPr lvl="1"/>
-            <a:r>
-              <a:rPr lang="en-US" dirty="0"/>
-              <a:t>Common to split data across multiple files</a:t>
-            </a:r>
-          </a:p>
-          <a:p>
-            <a:pPr lvl="2"/>
-            <a:r>
-              <a:rPr lang="en-US" dirty="0"/>
-              <a:t>E.g., file per year, file per variable</a:t>
-            </a:r>
-          </a:p>
-          <a:p>
-            <a:endParaRPr lang="en-GB" dirty="0"/>
-          </a:p>
-        </p:txBody>
-      </p:sp>
-      <p:sp>
-        <p:nvSpPr>
-          <p:cNvPr id="3" name="Title 2">
-            <a:extLst>
-              <a:ext uri="{FF2B5EF4-FFF2-40B4-BE49-F238E27FC236}">
-                <a16:creationId xmlns:a16="http://schemas.microsoft.com/office/drawing/2014/main" id="{8DF42CE2-E5E4-46B0-87F1-E3FC4CC11193}"/>
-              </a:ext>
-            </a:extLst>
-          </p:cNvPr>
-          <p:cNvSpPr>
-            <a:spLocks noGrp="1"/>
-          </p:cNvSpPr>
-          <p:nvPr>
-            <p:ph type="title"/>
-          </p:nvPr>
-        </p:nvSpPr>
-        <p:spPr/>
-        <p:txBody>
-          <a:bodyPr/>
-          <a:lstStyle/>
-          <a:p>
-            <a:r>
-              <a:rPr lang="en-GB" dirty="0"/>
-              <a:t>Split and Combined Tables</a:t>
-            </a:r>
-          </a:p>
-        </p:txBody>
-      </p:sp>
-    </p:spTree>
-    <p:extLst>
-      <p:ext uri="{BB962C8B-B14F-4D97-AF65-F5344CB8AC3E}">
-        <p14:creationId xmlns:p14="http://schemas.microsoft.com/office/powerpoint/2010/main" val="2949609655"/>
-      </p:ext>
-    </p:extLst>
-  </p:cSld>
-  <p:clrMapOvr>
-    <a:masterClrMapping/>
-  </p:clrMapOvr>
-</p:sld>
-</file>
-
-<file path=ppt/slides/slide34.xml><?xml version="1.0" encoding="utf-8"?>
-<p:sld xmlns:a="http://schemas.openxmlformats.org/drawingml/2006/main" xmlns:r="http://schemas.openxmlformats.org/officeDocument/2006/relationships" xmlns:p="http://schemas.openxmlformats.org/presentationml/2006/main">
-  <p:cSld>
-    <p:spTree>
-      <p:nvGrpSpPr>
-        <p:cNvPr id="1" name=""/>
-        <p:cNvGrpSpPr/>
-        <p:nvPr/>
-      </p:nvGrpSpPr>
-      <p:grpSpPr>
-        <a:xfrm>
-          <a:off x="0" y="0"/>
-          <a:ext cx="0" cy="0"/>
-          <a:chOff x="0" y="0"/>
-          <a:chExt cx="0" cy="0"/>
-        </a:xfrm>
-      </p:grpSpPr>
-      <p:sp>
-        <p:nvSpPr>
-          <p:cNvPr id="2" name="Content Placeholder 1">
-            <a:extLst>
-              <a:ext uri="{FF2B5EF4-FFF2-40B4-BE49-F238E27FC236}">
-                <a16:creationId xmlns:a16="http://schemas.microsoft.com/office/drawing/2014/main" id="{4285F54A-A604-49D8-ABCA-62A8BF18613D}"/>
-              </a:ext>
-            </a:extLst>
-          </p:cNvPr>
-          <p:cNvSpPr>
-            <a:spLocks noGrp="1"/>
-          </p:cNvSpPr>
-          <p:nvPr>
-            <p:ph idx="1"/>
-          </p:nvPr>
-        </p:nvSpPr>
-        <p:spPr>
-          <a:xfrm>
-            <a:off x="595422" y="1056039"/>
-            <a:ext cx="8016949" cy="5065062"/>
-          </a:xfrm>
-        </p:spPr>
-        <p:txBody>
-          <a:bodyPr/>
-          <a:lstStyle/>
-          <a:p>
-            <a:r>
-              <a:rPr lang="en-GB" dirty="0"/>
-              <a:t>Compare two principal variables</a:t>
-            </a:r>
-          </a:p>
-          <a:p>
-            <a:pPr lvl="1"/>
-            <a:r>
-              <a:rPr lang="en-GB" dirty="0"/>
-              <a:t>Using a scatter or line graph superimposed on a </a:t>
-            </a:r>
-            <a:r>
-              <a:rPr lang="en-GB" dirty="0">
-                <a:latin typeface="Courier New" panose="02070309020205020404" pitchFamily="49" charset="0"/>
-                <a:cs typeface="Courier New" panose="02070309020205020404" pitchFamily="49" charset="0"/>
-              </a:rPr>
-              <a:t>FacetGrid</a:t>
-            </a:r>
-          </a:p>
-          <a:p>
-            <a:pPr lvl="2"/>
-            <a:r>
-              <a:rPr lang="en-GB" dirty="0">
-                <a:latin typeface="+mn-lt"/>
-                <a:cs typeface="Courier New" panose="02070309020205020404" pitchFamily="49" charset="0"/>
-              </a:rPr>
-              <a:t>Line graph automatically includes confidence interval by default</a:t>
-            </a:r>
-          </a:p>
-          <a:p>
-            <a:r>
-              <a:rPr lang="en-GB" dirty="0"/>
-              <a:t>Represent subsidiary variables</a:t>
-            </a:r>
-          </a:p>
-          <a:p>
-            <a:pPr lvl="1"/>
-            <a:r>
-              <a:rPr lang="en-GB" dirty="0"/>
-              <a:t>Not normal to use </a:t>
-            </a:r>
-            <a:r>
-              <a:rPr lang="en-GB" i="1" dirty="0">
-                <a:latin typeface="Century Schoolbook" panose="02040604050505020304" pitchFamily="18" charset="0"/>
-              </a:rPr>
-              <a:t>all</a:t>
-            </a:r>
-            <a:r>
-              <a:rPr lang="en-GB" dirty="0"/>
-              <a:t> of these to show different variables</a:t>
-            </a:r>
-          </a:p>
-          <a:p>
-            <a:pPr lvl="1"/>
-            <a:r>
-              <a:rPr lang="en-GB" dirty="0"/>
-              <a:t>Using size, color, or style (data point marker, line type)</a:t>
-            </a:r>
-          </a:p>
-          <a:p>
-            <a:pPr lvl="1"/>
-            <a:r>
-              <a:rPr lang="en-GB" dirty="0"/>
-              <a:t>By separating </a:t>
-            </a:r>
-            <a:r>
-              <a:rPr lang="en-GB" i="1" dirty="0">
-                <a:latin typeface="Century Schoolbook" panose="02040604050505020304" pitchFamily="18" charset="0"/>
-              </a:rPr>
-              <a:t>facets</a:t>
-            </a:r>
-            <a:r>
-              <a:rPr lang="en-GB" dirty="0">
-                <a:latin typeface="+mn-lt"/>
-              </a:rPr>
-              <a:t> (s</a:t>
-            </a:r>
-            <a:r>
-              <a:rPr lang="en-GB" dirty="0"/>
-              <a:t>ubplots arranged in a grid)</a:t>
-            </a:r>
-          </a:p>
-          <a:p>
-            <a:pPr lvl="1"/>
-            <a:endParaRPr lang="en-GB" dirty="0"/>
-          </a:p>
-        </p:txBody>
-      </p:sp>
-      <p:sp>
-        <p:nvSpPr>
-          <p:cNvPr id="3" name="Title 2">
-            <a:extLst>
-              <a:ext uri="{FF2B5EF4-FFF2-40B4-BE49-F238E27FC236}">
-                <a16:creationId xmlns:a16="http://schemas.microsoft.com/office/drawing/2014/main" id="{46520549-D0C9-4553-9A51-390117673D5E}"/>
-              </a:ext>
-            </a:extLst>
-          </p:cNvPr>
-          <p:cNvSpPr>
-            <a:spLocks noGrp="1"/>
-          </p:cNvSpPr>
-          <p:nvPr>
-            <p:ph type="title"/>
-          </p:nvPr>
-        </p:nvSpPr>
-        <p:spPr/>
-        <p:txBody>
-          <a:bodyPr/>
-          <a:lstStyle/>
-          <a:p>
-            <a:r>
-              <a:rPr lang="en-GB" dirty="0"/>
-              <a:t>Relational Plots</a:t>
-            </a:r>
-          </a:p>
-        </p:txBody>
-      </p:sp>
-      <p:sp>
-        <p:nvSpPr>
-          <p:cNvPr id="6" name="TextBox 5">
-            <a:extLst>
-              <a:ext uri="{FF2B5EF4-FFF2-40B4-BE49-F238E27FC236}">
-                <a16:creationId xmlns:a16="http://schemas.microsoft.com/office/drawing/2014/main" id="{7895179B-9645-4DC2-A32E-1F02E5E2193D}"/>
-              </a:ext>
-            </a:extLst>
-          </p:cNvPr>
-          <p:cNvSpPr txBox="1">
-            <a:spLocks noChangeArrowheads="1"/>
-          </p:cNvSpPr>
-          <p:nvPr/>
-        </p:nvSpPr>
-        <p:spPr bwMode="auto">
-          <a:xfrm>
-            <a:off x="595422" y="3257150"/>
-            <a:ext cx="4494163" cy="2677656"/>
-          </a:xfrm>
-          <a:prstGeom prst="rect">
-            <a:avLst/>
-          </a:prstGeom>
-          <a:noFill/>
-          <a:ln w="28575">
-            <a:solidFill>
-              <a:schemeClr val="accent2">
-                <a:lumMod val="20000"/>
-                <a:lumOff val="80000"/>
-              </a:schemeClr>
-            </a:solidFill>
-            <a:miter lim="800000"/>
-            <a:headEnd/>
-            <a:tailEnd/>
-          </a:ln>
-          <a:effectLst/>
-        </p:spPr>
-        <p:txBody>
-          <a:bodyPr wrap="square">
-            <a:spAutoFit/>
-          </a:bodyPr>
-          <a:lstStyle>
-            <a:lvl1pPr eaLnBrk="0" hangingPunct="0">
-              <a:defRPr sz="2400">
-                <a:solidFill>
-                  <a:schemeClr val="bg1"/>
-                </a:solidFill>
-                <a:latin typeface="Arial" panose="020B0604020202020204" pitchFamily="34" charset="0"/>
-                <a:ea typeface="MS PGothic" panose="020B0600070205080204" pitchFamily="34" charset="-128"/>
-              </a:defRPr>
-            </a:lvl1pPr>
-            <a:lvl2pPr marL="742950" indent="-285750" eaLnBrk="0" hangingPunct="0">
-              <a:defRPr sz="2400">
-                <a:solidFill>
-                  <a:schemeClr val="bg1"/>
-                </a:solidFill>
-                <a:latin typeface="Arial" panose="020B0604020202020204" pitchFamily="34" charset="0"/>
-                <a:ea typeface="MS PGothic" panose="020B0600070205080204" pitchFamily="34" charset="-128"/>
-              </a:defRPr>
-            </a:lvl2pPr>
-            <a:lvl3pPr marL="1143000" indent="-228600" eaLnBrk="0" hangingPunct="0">
-              <a:defRPr sz="2400">
-                <a:solidFill>
-                  <a:schemeClr val="bg1"/>
-                </a:solidFill>
-                <a:latin typeface="Arial" panose="020B0604020202020204" pitchFamily="34" charset="0"/>
-                <a:ea typeface="MS PGothic" panose="020B0600070205080204" pitchFamily="34" charset="-128"/>
-              </a:defRPr>
-            </a:lvl3pPr>
-            <a:lvl4pPr marL="1600200" indent="-228600" eaLnBrk="0" hangingPunct="0">
-              <a:defRPr sz="2400">
-                <a:solidFill>
-                  <a:schemeClr val="bg1"/>
-                </a:solidFill>
-                <a:latin typeface="Arial" panose="020B0604020202020204" pitchFamily="34" charset="0"/>
-                <a:ea typeface="MS PGothic" panose="020B0600070205080204" pitchFamily="34" charset="-128"/>
-              </a:defRPr>
-            </a:lvl4pPr>
-            <a:lvl5pPr marL="2057400" indent="-228600" eaLnBrk="0" hangingPunct="0">
-              <a:defRPr sz="2400">
-                <a:solidFill>
-                  <a:schemeClr val="bg1"/>
-                </a:solidFill>
-                <a:latin typeface="Arial" panose="020B0604020202020204" pitchFamily="34" charset="0"/>
-                <a:ea typeface="MS PGothic" panose="020B0600070205080204" pitchFamily="34" charset="-128"/>
-              </a:defRPr>
-            </a:lvl5pPr>
-            <a:lvl6pPr marL="2514600" indent="-228600" eaLnBrk="0" fontAlgn="base" hangingPunct="0">
-              <a:spcBef>
-                <a:spcPct val="0"/>
-              </a:spcBef>
-              <a:spcAft>
-                <a:spcPct val="0"/>
-              </a:spcAft>
-              <a:defRPr sz="2400">
-                <a:solidFill>
-                  <a:schemeClr val="bg1"/>
-                </a:solidFill>
-                <a:latin typeface="Arial" panose="020B0604020202020204" pitchFamily="34" charset="0"/>
-                <a:ea typeface="MS PGothic" panose="020B0600070205080204" pitchFamily="34" charset="-128"/>
-              </a:defRPr>
-            </a:lvl6pPr>
-            <a:lvl7pPr marL="2971800" indent="-228600" eaLnBrk="0" fontAlgn="base" hangingPunct="0">
-              <a:spcBef>
-                <a:spcPct val="0"/>
-              </a:spcBef>
-              <a:spcAft>
-                <a:spcPct val="0"/>
-              </a:spcAft>
-              <a:defRPr sz="2400">
-                <a:solidFill>
-                  <a:schemeClr val="bg1"/>
-                </a:solidFill>
-                <a:latin typeface="Arial" panose="020B0604020202020204" pitchFamily="34" charset="0"/>
-                <a:ea typeface="MS PGothic" panose="020B0600070205080204" pitchFamily="34" charset="-128"/>
-              </a:defRPr>
-            </a:lvl7pPr>
-            <a:lvl8pPr marL="3429000" indent="-228600" eaLnBrk="0" fontAlgn="base" hangingPunct="0">
-              <a:spcBef>
-                <a:spcPct val="0"/>
-              </a:spcBef>
-              <a:spcAft>
-                <a:spcPct val="0"/>
-              </a:spcAft>
-              <a:defRPr sz="2400">
-                <a:solidFill>
-                  <a:schemeClr val="bg1"/>
-                </a:solidFill>
-                <a:latin typeface="Arial" panose="020B0604020202020204" pitchFamily="34" charset="0"/>
-                <a:ea typeface="MS PGothic" panose="020B0600070205080204" pitchFamily="34" charset="-128"/>
-              </a:defRPr>
-            </a:lvl8pPr>
-            <a:lvl9pPr marL="3886200" indent="-228600" eaLnBrk="0" fontAlgn="base" hangingPunct="0">
-              <a:spcBef>
-                <a:spcPct val="0"/>
-              </a:spcBef>
-              <a:spcAft>
-                <a:spcPct val="0"/>
-              </a:spcAft>
-              <a:defRPr sz="2400">
-                <a:solidFill>
-                  <a:schemeClr val="bg1"/>
-                </a:solidFill>
-                <a:latin typeface="Arial" panose="020B0604020202020204" pitchFamily="34" charset="0"/>
-                <a:ea typeface="MS PGothic" panose="020B0600070205080204" pitchFamily="34" charset="-128"/>
-              </a:defRPr>
-            </a:lvl9pPr>
-          </a:lstStyle>
-          <a:p>
-            <a:r>
-              <a:rPr lang="en-US" sz="1400" dirty="0">
-                <a:solidFill>
-                  <a:schemeClr val="tx1"/>
-                </a:solidFill>
-                <a:latin typeface="Courier New"/>
-                <a:cs typeface="Courier New"/>
-              </a:rPr>
-              <a:t>import seaborn as sns</a:t>
-            </a:r>
-          </a:p>
-          <a:p>
-            <a:r>
-              <a:rPr lang="en-US" sz="1400" dirty="0">
-                <a:solidFill>
-                  <a:schemeClr val="tx1"/>
-                </a:solidFill>
-                <a:latin typeface="Courier New"/>
-                <a:cs typeface="Courier New"/>
-              </a:rPr>
-              <a:t>sns.set(style = 'ticks')</a:t>
-            </a:r>
-          </a:p>
-          <a:p>
-            <a:r>
-              <a:rPr lang="en-US" sz="1400" dirty="0">
-                <a:solidFill>
-                  <a:schemeClr val="tx1"/>
-                </a:solidFill>
-                <a:latin typeface="Courier New"/>
-                <a:cs typeface="Courier New"/>
-              </a:rPr>
-              <a:t>tips = sns.load_dataset('tips')</a:t>
-            </a:r>
-          </a:p>
-          <a:p>
-            <a:r>
-              <a:rPr lang="en-US" sz="1400" dirty="0">
-                <a:solidFill>
-                  <a:schemeClr val="tx1"/>
-                </a:solidFill>
-                <a:latin typeface="Courier New"/>
-                <a:cs typeface="Courier New"/>
-              </a:rPr>
-              <a:t>g = sns.relplot(</a:t>
-            </a:r>
-          </a:p>
-          <a:p>
-            <a:r>
-              <a:rPr lang="en-US" sz="1400" dirty="0">
-                <a:solidFill>
-                  <a:schemeClr val="tx1"/>
-                </a:solidFill>
-                <a:latin typeface="Courier New"/>
-                <a:cs typeface="Courier New"/>
-              </a:rPr>
-              <a:t>  x = 'total_bill', </a:t>
-            </a:r>
-          </a:p>
-          <a:p>
-            <a:r>
-              <a:rPr lang="en-US" sz="1400" dirty="0">
-                <a:solidFill>
-                  <a:schemeClr val="tx1"/>
-                </a:solidFill>
-                <a:latin typeface="Courier New"/>
-                <a:cs typeface="Courier New"/>
-              </a:rPr>
-              <a:t>  y = 'tip', </a:t>
-            </a:r>
-          </a:p>
-          <a:p>
-            <a:r>
-              <a:rPr lang="en-US" sz="1400" dirty="0">
-                <a:solidFill>
-                  <a:schemeClr val="tx1"/>
-                </a:solidFill>
-                <a:latin typeface="Courier New"/>
-                <a:cs typeface="Courier New"/>
-              </a:rPr>
-              <a:t>  hue = 'time', </a:t>
-            </a:r>
-          </a:p>
-          <a:p>
-            <a:r>
-              <a:rPr lang="en-US" sz="1400" dirty="0">
-                <a:solidFill>
-                  <a:schemeClr val="tx1"/>
-                </a:solidFill>
-                <a:latin typeface="Courier New"/>
-                <a:cs typeface="Courier New"/>
-              </a:rPr>
-              <a:t>  size = 'size',</a:t>
-            </a:r>
-          </a:p>
-          <a:p>
-            <a:r>
-              <a:rPr lang="en-US" sz="1400" dirty="0">
-                <a:solidFill>
-                  <a:schemeClr val="tx1"/>
-                </a:solidFill>
-                <a:latin typeface="Courier New"/>
-                <a:cs typeface="Courier New"/>
-              </a:rPr>
-              <a:t>  palette = ['b', 'r'], </a:t>
-            </a:r>
-          </a:p>
-          <a:p>
-            <a:r>
-              <a:rPr lang="en-US" sz="1400" dirty="0">
-                <a:solidFill>
-                  <a:schemeClr val="tx1"/>
-                </a:solidFill>
-                <a:latin typeface="Courier New"/>
-                <a:cs typeface="Courier New"/>
-              </a:rPr>
-              <a:t>  sizes = (10, 100),</a:t>
-            </a:r>
-          </a:p>
-          <a:p>
-            <a:r>
-              <a:rPr lang="en-US" sz="1400" dirty="0">
-                <a:solidFill>
-                  <a:schemeClr val="tx1"/>
-                </a:solidFill>
-                <a:latin typeface="Courier New"/>
-                <a:cs typeface="Courier New"/>
-              </a:rPr>
-              <a:t>  col = 'time', </a:t>
-            </a:r>
-          </a:p>
-          <a:p>
-            <a:r>
-              <a:rPr lang="en-US" sz="1400" dirty="0">
-                <a:solidFill>
-                  <a:schemeClr val="tx1"/>
-                </a:solidFill>
-                <a:latin typeface="Courier New"/>
-                <a:cs typeface="Courier New"/>
-              </a:rPr>
-              <a:t>  data = tips)</a:t>
-            </a:r>
-          </a:p>
-        </p:txBody>
-      </p:sp>
-      <p:pic>
-        <p:nvPicPr>
-          <p:cNvPr id="5" name="Picture 4">
-            <a:extLst>
-              <a:ext uri="{FF2B5EF4-FFF2-40B4-BE49-F238E27FC236}">
-                <a16:creationId xmlns:a16="http://schemas.microsoft.com/office/drawing/2014/main" id="{3516B057-6572-4082-829F-824DB36714EF}"/>
-              </a:ext>
-            </a:extLst>
-          </p:cNvPr>
-          <p:cNvPicPr>
-            <a:picLocks noChangeAspect="1"/>
-          </p:cNvPicPr>
-          <p:nvPr/>
-        </p:nvPicPr>
-        <p:blipFill>
-          <a:blip r:embed="rId3">
-            <a:extLst>
-              <a:ext uri="{28A0092B-C50C-407E-A947-70E740481C1C}">
-                <a14:useLocalDpi xmlns:a14="http://schemas.microsoft.com/office/drawing/2010/main" val="0"/>
-              </a:ext>
-            </a:extLst>
-          </a:blip>
-          <a:stretch>
-            <a:fillRect/>
-          </a:stretch>
-        </p:blipFill>
-        <p:spPr>
-          <a:xfrm>
-            <a:off x="3169979" y="3963607"/>
-            <a:ext cx="5442392" cy="2409018"/>
-          </a:xfrm>
-          <a:prstGeom prst="rect">
-            <a:avLst/>
-          </a:prstGeom>
-          <a:effectLst>
-            <a:outerShdw blurRad="50800" dist="38100" dir="2700000" algn="tl" rotWithShape="0">
-              <a:prstClr val="black">
-                <a:alpha val="40000"/>
-              </a:prstClr>
-            </a:outerShdw>
-          </a:effectLst>
-        </p:spPr>
-      </p:pic>
-      <p:sp>
-        <p:nvSpPr>
-          <p:cNvPr id="7" name="Speech Bubble: Rectangle 6">
-            <a:extLst>
-              <a:ext uri="{FF2B5EF4-FFF2-40B4-BE49-F238E27FC236}">
-                <a16:creationId xmlns:a16="http://schemas.microsoft.com/office/drawing/2014/main" id="{ED928272-7028-4E43-B419-C7F55A2B28C3}"/>
-              </a:ext>
-            </a:extLst>
-          </p:cNvPr>
-          <p:cNvSpPr/>
-          <p:nvPr/>
-        </p:nvSpPr>
-        <p:spPr bwMode="auto">
-          <a:xfrm>
-            <a:off x="5393114" y="3372886"/>
-            <a:ext cx="1457864" cy="307777"/>
-          </a:xfrm>
-          <a:prstGeom prst="wedgeRectCallout">
-            <a:avLst>
-              <a:gd name="adj1" fmla="val 46779"/>
-              <a:gd name="adj2" fmla="val 146585"/>
-            </a:avLst>
-          </a:prstGeom>
-          <a:solidFill>
-            <a:schemeClr val="accent5"/>
-          </a:solidFill>
-          <a:ln w="9525" algn="ctr">
-            <a:noFill/>
-            <a:round/>
-            <a:headEnd/>
-            <a:tailEnd/>
-          </a:ln>
-        </p:spPr>
-        <p:txBody>
-          <a:bodyPr wrap="square" rtlCol="0" anchor="ctr">
-            <a:spAutoFit/>
-          </a:bodyPr>
-          <a:lstStyle/>
-          <a:p>
-            <a:pPr algn="ctr"/>
-            <a:r>
-              <a:rPr lang="en-GB" sz="1400" dirty="0">
-                <a:solidFill>
-                  <a:schemeClr val="tx1"/>
-                </a:solidFill>
-                <a:latin typeface="+mn-lt"/>
-              </a:rPr>
-              <a:t>Facet</a:t>
-            </a:r>
-          </a:p>
-        </p:txBody>
-      </p:sp>
-      <p:sp>
-        <p:nvSpPr>
-          <p:cNvPr id="9" name="Speech Bubble: Rectangle 8">
-            <a:extLst>
-              <a:ext uri="{FF2B5EF4-FFF2-40B4-BE49-F238E27FC236}">
-                <a16:creationId xmlns:a16="http://schemas.microsoft.com/office/drawing/2014/main" id="{FD7D62E3-1878-43F0-9C87-A8B0FF8C78E4}"/>
-              </a:ext>
-            </a:extLst>
-          </p:cNvPr>
-          <p:cNvSpPr/>
-          <p:nvPr/>
-        </p:nvSpPr>
-        <p:spPr bwMode="auto">
-          <a:xfrm>
-            <a:off x="5393114" y="3372885"/>
-            <a:ext cx="1457864" cy="307777"/>
-          </a:xfrm>
-          <a:prstGeom prst="wedgeRectCallout">
-            <a:avLst>
-              <a:gd name="adj1" fmla="val -78665"/>
-              <a:gd name="adj2" fmla="val 160600"/>
-            </a:avLst>
-          </a:prstGeom>
-          <a:solidFill>
-            <a:schemeClr val="accent5"/>
-          </a:solidFill>
-          <a:ln w="9525" algn="ctr">
-            <a:noFill/>
-            <a:round/>
-            <a:headEnd/>
-            <a:tailEnd/>
-          </a:ln>
-        </p:spPr>
-        <p:txBody>
-          <a:bodyPr wrap="square" rtlCol="0" anchor="ctr">
-            <a:spAutoFit/>
-          </a:bodyPr>
-          <a:lstStyle/>
-          <a:p>
-            <a:pPr algn="ctr"/>
-            <a:r>
-              <a:rPr lang="en-GB" sz="1400" dirty="0">
-                <a:solidFill>
-                  <a:schemeClr val="tx1"/>
-                </a:solidFill>
-                <a:latin typeface="+mn-lt"/>
-              </a:rPr>
-              <a:t>Facet</a:t>
-            </a:r>
-          </a:p>
-        </p:txBody>
-      </p:sp>
-      <p:sp>
-        <p:nvSpPr>
-          <p:cNvPr id="10" name="Speech Bubble: Rectangle 9">
-            <a:extLst>
-              <a:ext uri="{FF2B5EF4-FFF2-40B4-BE49-F238E27FC236}">
-                <a16:creationId xmlns:a16="http://schemas.microsoft.com/office/drawing/2014/main" id="{D0D6B892-5164-4AD0-BEB4-778F70FB3618}"/>
-              </a:ext>
-            </a:extLst>
-          </p:cNvPr>
-          <p:cNvSpPr/>
-          <p:nvPr/>
-        </p:nvSpPr>
-        <p:spPr bwMode="auto">
-          <a:xfrm>
-            <a:off x="793829" y="5984806"/>
-            <a:ext cx="2553220" cy="307777"/>
-          </a:xfrm>
-          <a:prstGeom prst="wedgeRectCallout">
-            <a:avLst>
-              <a:gd name="adj1" fmla="val -30819"/>
-              <a:gd name="adj2" fmla="val -103360"/>
-            </a:avLst>
-          </a:prstGeom>
-          <a:solidFill>
-            <a:schemeClr val="accent5"/>
-          </a:solidFill>
-          <a:ln w="9525" algn="ctr">
-            <a:noFill/>
-            <a:round/>
-            <a:headEnd/>
-            <a:tailEnd/>
-          </a:ln>
-        </p:spPr>
-        <p:txBody>
-          <a:bodyPr wrap="square" rtlCol="0" anchor="ctr">
-            <a:spAutoFit/>
-          </a:bodyPr>
-          <a:lstStyle/>
-          <a:p>
-            <a:pPr algn="ctr"/>
-            <a:r>
-              <a:rPr lang="en-GB" sz="1400" dirty="0">
-                <a:solidFill>
-                  <a:schemeClr val="tx1"/>
-                </a:solidFill>
-                <a:latin typeface="+mn-lt"/>
-              </a:rPr>
-              <a:t>Facet (may be </a:t>
-            </a:r>
-            <a:r>
-              <a:rPr lang="en-GB" sz="1400" dirty="0">
-                <a:solidFill>
-                  <a:schemeClr val="tx1"/>
-                </a:solidFill>
-                <a:latin typeface="Courier New" panose="02070309020205020404" pitchFamily="49" charset="0"/>
-                <a:cs typeface="Courier New" panose="02070309020205020404" pitchFamily="49" charset="0"/>
-              </a:rPr>
-              <a:t>row</a:t>
-            </a:r>
-            <a:r>
-              <a:rPr lang="en-GB" sz="1400" dirty="0">
-                <a:solidFill>
-                  <a:schemeClr val="tx1"/>
-                </a:solidFill>
-                <a:latin typeface="+mn-lt"/>
-              </a:rPr>
-              <a:t> or </a:t>
-            </a:r>
-            <a:r>
-              <a:rPr lang="en-GB" sz="1400" dirty="0">
-                <a:solidFill>
-                  <a:schemeClr val="tx1"/>
-                </a:solidFill>
-                <a:latin typeface="Courier New" panose="02070309020205020404" pitchFamily="49" charset="0"/>
-                <a:cs typeface="Courier New" panose="02070309020205020404" pitchFamily="49" charset="0"/>
-              </a:rPr>
-              <a:t>col</a:t>
-            </a:r>
-            <a:r>
-              <a:rPr lang="en-GB" sz="1400" dirty="0">
-                <a:solidFill>
-                  <a:schemeClr val="tx1"/>
-                </a:solidFill>
-                <a:latin typeface="+mn-lt"/>
-              </a:rPr>
-              <a:t>)</a:t>
-            </a:r>
-          </a:p>
-        </p:txBody>
-      </p:sp>
-    </p:spTree>
-    <p:extLst>
-      <p:ext uri="{BB962C8B-B14F-4D97-AF65-F5344CB8AC3E}">
-        <p14:creationId xmlns:p14="http://schemas.microsoft.com/office/powerpoint/2010/main" val="974712219"/>
-      </p:ext>
-    </p:extLst>
-  </p:cSld>
-  <p:clrMapOvr>
-    <a:masterClrMapping/>
-  </p:clrMapOvr>
-</p:sld>
-</file>
-
-<file path=ppt/slides/slide35.xml><?xml version="1.0" encoding="utf-8"?>
-<p:sld xmlns:a="http://schemas.openxmlformats.org/drawingml/2006/main" xmlns:r="http://schemas.openxmlformats.org/officeDocument/2006/relationships" xmlns:p="http://schemas.openxmlformats.org/presentationml/2006/main">
-  <p:cSld>
-    <p:spTree>
-      <p:nvGrpSpPr>
-        <p:cNvPr id="1" name=""/>
-        <p:cNvGrpSpPr/>
-        <p:nvPr/>
-      </p:nvGrpSpPr>
-      <p:grpSpPr>
-        <a:xfrm>
-          <a:off x="0" y="0"/>
-          <a:ext cx="0" cy="0"/>
-          <a:chOff x="0" y="0"/>
-          <a:chExt cx="0" cy="0"/>
-        </a:xfrm>
-      </p:grpSpPr>
-      <p:sp>
-        <p:nvSpPr>
-          <p:cNvPr id="2" name="Content Placeholder 1">
-            <a:extLst>
-              <a:ext uri="{FF2B5EF4-FFF2-40B4-BE49-F238E27FC236}">
                 <a16:creationId xmlns:a16="http://schemas.microsoft.com/office/drawing/2014/main" id="{7C66C2A7-1D2D-488B-9758-1425FA9C0FB8}"/>
               </a:ext>
             </a:extLst>
@@ -21588,7 +15421,7 @@
 </p:sld>
 </file>
 
-<file path=ppt/slides/slide36.xml><?xml version="1.0" encoding="utf-8"?>
+<file path=ppt/slides/slide31.xml><?xml version="1.0" encoding="utf-8"?>
 <p:sld xmlns:a="http://schemas.openxmlformats.org/drawingml/2006/main" xmlns:r="http://schemas.openxmlformats.org/officeDocument/2006/relationships" xmlns:p="http://schemas.openxmlformats.org/presentationml/2006/main">
   <p:cSld>
     <p:spTree>
@@ -22260,7 +16093,7 @@
 </p:sld>
 </file>
 
-<file path=ppt/slides/slide37.xml><?xml version="1.0" encoding="utf-8"?>
+<file path=ppt/slides/slide32.xml><?xml version="1.0" encoding="utf-8"?>
 <p:sld xmlns:a="http://schemas.openxmlformats.org/drawingml/2006/main" xmlns:r="http://schemas.openxmlformats.org/officeDocument/2006/relationships" xmlns:p="http://schemas.openxmlformats.org/presentationml/2006/main">
   <p:cSld>
     <p:spTree>
@@ -22591,7 +16424,7 @@
 </p:sld>
 </file>
 
-<file path=ppt/slides/slide38.xml><?xml version="1.0" encoding="utf-8"?>
+<file path=ppt/slides/slide33.xml><?xml version="1.0" encoding="utf-8"?>
 <p:sld xmlns:a="http://schemas.openxmlformats.org/drawingml/2006/main" xmlns:r="http://schemas.openxmlformats.org/officeDocument/2006/relationships" xmlns:p="http://schemas.openxmlformats.org/presentationml/2006/main">
   <p:cSld>
     <p:spTree>
@@ -22912,7 +16745,7 @@
 </p:sld>
 </file>
 
-<file path=ppt/slides/slide39.xml><?xml version="1.0" encoding="utf-8"?>
+<file path=ppt/slides/slide34.xml><?xml version="1.0" encoding="utf-8"?>
 <p:sld xmlns:a="http://schemas.openxmlformats.org/drawingml/2006/main" xmlns:r="http://schemas.openxmlformats.org/officeDocument/2006/relationships" xmlns:p="http://schemas.openxmlformats.org/presentationml/2006/main">
   <p:cSld>
     <p:spTree>
@@ -23094,226 +16927,7 @@
 </p:sld>
 </file>
 
-<file path=ppt/slides/slide4.xml><?xml version="1.0" encoding="utf-8"?>
-<p:sld xmlns:a="http://schemas.openxmlformats.org/drawingml/2006/main" xmlns:r="http://schemas.openxmlformats.org/officeDocument/2006/relationships" xmlns:p="http://schemas.openxmlformats.org/presentationml/2006/main">
-  <p:cSld>
-    <p:spTree>
-      <p:nvGrpSpPr>
-        <p:cNvPr id="1" name=""/>
-        <p:cNvGrpSpPr/>
-        <p:nvPr/>
-      </p:nvGrpSpPr>
-      <p:grpSpPr>
-        <a:xfrm>
-          <a:off x="0" y="0"/>
-          <a:ext cx="0" cy="0"/>
-          <a:chOff x="0" y="0"/>
-          <a:chExt cx="0" cy="0"/>
-        </a:xfrm>
-      </p:grpSpPr>
-      <p:sp>
-        <p:nvSpPr>
-          <p:cNvPr id="3" name="Content Placeholder 2"/>
-          <p:cNvSpPr>
-            <a:spLocks noGrp="1"/>
-          </p:cNvSpPr>
-          <p:nvPr>
-            <p:ph idx="1"/>
-          </p:nvPr>
-        </p:nvSpPr>
-        <p:spPr/>
-        <p:txBody>
-          <a:bodyPr/>
-          <a:lstStyle/>
-          <a:p>
-            <a:r>
-              <a:rPr lang="en-US" dirty="0">
-                <a:latin typeface="Courier New"/>
-                <a:cs typeface="Courier New"/>
-              </a:rPr>
-              <a:t>matplotlib</a:t>
-            </a:r>
-            <a:r>
-              <a:rPr lang="en-US" dirty="0">
-                <a:latin typeface="+mj-lt"/>
-                <a:cs typeface="Courier New"/>
-              </a:rPr>
-              <a:t> </a:t>
-            </a:r>
-            <a:r>
-              <a:rPr lang="en-US" dirty="0"/>
-              <a:t>is a plotting package designed for creating publication quality plots</a:t>
-            </a:r>
-          </a:p>
-          <a:p>
-            <a:pPr lvl="1"/>
-            <a:r>
-              <a:rPr lang="en-US" dirty="0"/>
-              <a:t>Has a number of add-on toolkits</a:t>
-            </a:r>
-          </a:p>
-          <a:p>
-            <a:pPr lvl="2"/>
-            <a:r>
-              <a:rPr lang="en-US" dirty="0"/>
-              <a:t>3D plots</a:t>
-            </a:r>
-          </a:p>
-          <a:p>
-            <a:pPr lvl="2"/>
-            <a:r>
-              <a:rPr lang="en-US" dirty="0"/>
-              <a:t>Mapping and projections</a:t>
-            </a:r>
-          </a:p>
-          <a:p>
-            <a:r>
-              <a:rPr lang="en-US" dirty="0">
-                <a:latin typeface="Courier New"/>
-                <a:cs typeface="Courier New"/>
-              </a:rPr>
-              <a:t>pyplot</a:t>
-            </a:r>
-            <a:r>
-              <a:rPr lang="en-US" dirty="0"/>
-              <a:t> is a module built on </a:t>
-            </a:r>
-            <a:r>
-              <a:rPr lang="en-US" dirty="0">
-                <a:latin typeface="Courier New"/>
-                <a:cs typeface="Courier New"/>
-              </a:rPr>
-              <a:t>matplotlib</a:t>
-            </a:r>
-            <a:r>
-              <a:rPr lang="en-US" dirty="0">
-                <a:latin typeface="+mn-lt"/>
-                <a:cs typeface="Courier New"/>
-              </a:rPr>
-              <a:t> </a:t>
-            </a:r>
-            <a:r>
-              <a:rPr lang="en-US" dirty="0"/>
-              <a:t>usually imported as</a:t>
-            </a:r>
-            <a:r>
-              <a:rPr lang="en-US" dirty="0">
-                <a:latin typeface="+mn-lt"/>
-                <a:cs typeface="Courier New"/>
-              </a:rPr>
-              <a:t> </a:t>
-            </a:r>
-            <a:r>
-              <a:rPr lang="en-US" dirty="0">
-                <a:latin typeface="Courier New"/>
-                <a:cs typeface="Courier New"/>
-              </a:rPr>
-              <a:t>plt</a:t>
-            </a:r>
-          </a:p>
-          <a:p>
-            <a:r>
-              <a:rPr lang="en-US" dirty="0">
-                <a:latin typeface="+mn-lt"/>
-                <a:cs typeface="Courier New"/>
-              </a:rPr>
-              <a:t>Run in </a:t>
-            </a:r>
-            <a:r>
-              <a:rPr lang="en-US" dirty="0">
-                <a:latin typeface="Courier New"/>
-                <a:cs typeface="Courier New"/>
-              </a:rPr>
-              <a:t>pylab</a:t>
-            </a:r>
-            <a:r>
-              <a:rPr lang="en-US" dirty="0">
-                <a:latin typeface="+mn-lt"/>
-                <a:cs typeface="Courier New"/>
-              </a:rPr>
-              <a:t> mode in IPython</a:t>
-            </a:r>
-          </a:p>
-          <a:p>
-            <a:r>
-              <a:rPr lang="en-US" dirty="0"/>
-              <a:t>In this chapter, we provide enough detail to begin working with </a:t>
-            </a:r>
-            <a:r>
-              <a:rPr lang="en-US" dirty="0">
-                <a:latin typeface="Courier New"/>
-                <a:cs typeface="Courier New"/>
-              </a:rPr>
-              <a:t>matplotlib</a:t>
-            </a:r>
-          </a:p>
-          <a:p>
-            <a:pPr lvl="1"/>
-            <a:r>
-              <a:rPr lang="en-US" dirty="0"/>
-              <a:t>Full documentation including extensive examples can be found at:</a:t>
-            </a:r>
-          </a:p>
-          <a:p>
-            <a:pPr lvl="2"/>
-            <a:r>
-              <a:rPr lang="en-US" dirty="0">
-                <a:latin typeface="+mj-lt"/>
-                <a:cs typeface="Courier New"/>
-                <a:hlinkClick r:id="rId3"/>
-              </a:rPr>
-              <a:t>http://matplotlib.org/2.0.0/index.html</a:t>
-            </a:r>
-            <a:r>
-              <a:rPr lang="en-US" dirty="0">
-                <a:latin typeface="+mj-lt"/>
-                <a:cs typeface="Courier New"/>
-              </a:rPr>
-              <a:t> </a:t>
-            </a:r>
-          </a:p>
-          <a:p>
-            <a:endParaRPr lang="en-US" dirty="0"/>
-          </a:p>
-        </p:txBody>
-      </p:sp>
-      <p:sp>
-        <p:nvSpPr>
-          <p:cNvPr id="2" name="Title 1"/>
-          <p:cNvSpPr>
-            <a:spLocks noGrp="1"/>
-          </p:cNvSpPr>
-          <p:nvPr>
-            <p:ph type="title"/>
-          </p:nvPr>
-        </p:nvSpPr>
-        <p:spPr/>
-        <p:txBody>
-          <a:bodyPr/>
-          <a:lstStyle/>
-          <a:p>
-            <a:pPr lvl="0"/>
-            <a:r>
-              <a:rPr lang="en-US" dirty="0"/>
-              <a:t>Introducing Matplotlib </a:t>
-            </a:r>
-          </a:p>
-        </p:txBody>
-      </p:sp>
-    </p:spTree>
-    <p:extLst>
-      <p:ext uri="{BB962C8B-B14F-4D97-AF65-F5344CB8AC3E}">
-        <p14:creationId xmlns:p14="http://schemas.microsoft.com/office/powerpoint/2010/main" val="1217732365"/>
-      </p:ext>
-    </p:extLst>
-  </p:cSld>
-  <p:clrMapOvr>
-    <a:masterClrMapping/>
-  </p:clrMapOvr>
-</p:sld>
-</file>
-
-<file path=ppt/slides/slide40.xml><?xml version="1.0" encoding="utf-8"?>
+<file path=ppt/slides/slide35.xml><?xml version="1.0" encoding="utf-8"?>
 <p:sld xmlns:a="http://schemas.openxmlformats.org/drawingml/2006/main" xmlns:r="http://schemas.openxmlformats.org/officeDocument/2006/relationships" xmlns:p="http://schemas.openxmlformats.org/presentationml/2006/main">
   <p:cSld>
     <p:spTree>
@@ -23630,7 +17244,7 @@
 </p:sld>
 </file>
 
-<file path=ppt/slides/slide41.xml><?xml version="1.0" encoding="utf-8"?>
+<file path=ppt/slides/slide36.xml><?xml version="1.0" encoding="utf-8"?>
 <p:sld xmlns:a="http://schemas.openxmlformats.org/drawingml/2006/main" xmlns:r="http://schemas.openxmlformats.org/officeDocument/2006/relationships" xmlns:p="http://schemas.openxmlformats.org/presentationml/2006/main">
   <p:cSld>
     <p:spTree>
@@ -23728,6 +17342,225 @@
     <p:extLst>
       <p:ext uri="{BB962C8B-B14F-4D97-AF65-F5344CB8AC3E}">
         <p14:creationId xmlns:p14="http://schemas.microsoft.com/office/powerpoint/2010/main" val="1161237632"/>
+      </p:ext>
+    </p:extLst>
+  </p:cSld>
+  <p:clrMapOvr>
+    <a:masterClrMapping/>
+  </p:clrMapOvr>
+</p:sld>
+</file>
+
+<file path=ppt/slides/slide4.xml><?xml version="1.0" encoding="utf-8"?>
+<p:sld xmlns:a="http://schemas.openxmlformats.org/drawingml/2006/main" xmlns:r="http://schemas.openxmlformats.org/officeDocument/2006/relationships" xmlns:p="http://schemas.openxmlformats.org/presentationml/2006/main">
+  <p:cSld>
+    <p:spTree>
+      <p:nvGrpSpPr>
+        <p:cNvPr id="1" name=""/>
+        <p:cNvGrpSpPr/>
+        <p:nvPr/>
+      </p:nvGrpSpPr>
+      <p:grpSpPr>
+        <a:xfrm>
+          <a:off x="0" y="0"/>
+          <a:ext cx="0" cy="0"/>
+          <a:chOff x="0" y="0"/>
+          <a:chExt cx="0" cy="0"/>
+        </a:xfrm>
+      </p:grpSpPr>
+      <p:sp>
+        <p:nvSpPr>
+          <p:cNvPr id="3" name="Content Placeholder 2"/>
+          <p:cNvSpPr>
+            <a:spLocks noGrp="1"/>
+          </p:cNvSpPr>
+          <p:nvPr>
+            <p:ph idx="1"/>
+          </p:nvPr>
+        </p:nvSpPr>
+        <p:spPr/>
+        <p:txBody>
+          <a:bodyPr/>
+          <a:lstStyle/>
+          <a:p>
+            <a:r>
+              <a:rPr lang="en-US" dirty="0">
+                <a:latin typeface="Courier New"/>
+                <a:cs typeface="Courier New"/>
+              </a:rPr>
+              <a:t>matplotlib</a:t>
+            </a:r>
+            <a:r>
+              <a:rPr lang="en-US" dirty="0">
+                <a:latin typeface="+mj-lt"/>
+                <a:cs typeface="Courier New"/>
+              </a:rPr>
+              <a:t> </a:t>
+            </a:r>
+            <a:r>
+              <a:rPr lang="en-US" dirty="0"/>
+              <a:t>is a plotting package designed for creating publication quality plots</a:t>
+            </a:r>
+          </a:p>
+          <a:p>
+            <a:pPr lvl="1"/>
+            <a:r>
+              <a:rPr lang="en-US" dirty="0"/>
+              <a:t>Has a number of add-on toolkits</a:t>
+            </a:r>
+          </a:p>
+          <a:p>
+            <a:pPr lvl="2"/>
+            <a:r>
+              <a:rPr lang="en-US" dirty="0"/>
+              <a:t>3D plots</a:t>
+            </a:r>
+          </a:p>
+          <a:p>
+            <a:pPr lvl="2"/>
+            <a:r>
+              <a:rPr lang="en-US" dirty="0"/>
+              <a:t>Mapping and projections</a:t>
+            </a:r>
+          </a:p>
+          <a:p>
+            <a:r>
+              <a:rPr lang="en-US" dirty="0">
+                <a:latin typeface="Courier New"/>
+                <a:cs typeface="Courier New"/>
+              </a:rPr>
+              <a:t>pyplot</a:t>
+            </a:r>
+            <a:r>
+              <a:rPr lang="en-US" dirty="0"/>
+              <a:t> is a module built on </a:t>
+            </a:r>
+            <a:r>
+              <a:rPr lang="en-US" dirty="0">
+                <a:latin typeface="Courier New"/>
+                <a:cs typeface="Courier New"/>
+              </a:rPr>
+              <a:t>matplotlib</a:t>
+            </a:r>
+            <a:r>
+              <a:rPr lang="en-US" dirty="0">
+                <a:latin typeface="+mn-lt"/>
+                <a:cs typeface="Courier New"/>
+              </a:rPr>
+              <a:t> </a:t>
+            </a:r>
+            <a:r>
+              <a:rPr lang="en-US" dirty="0"/>
+              <a:t>usually imported as</a:t>
+            </a:r>
+            <a:r>
+              <a:rPr lang="en-US" dirty="0">
+                <a:latin typeface="+mn-lt"/>
+                <a:cs typeface="Courier New"/>
+              </a:rPr>
+              <a:t> </a:t>
+            </a:r>
+            <a:r>
+              <a:rPr lang="en-US" dirty="0">
+                <a:latin typeface="Courier New"/>
+                <a:cs typeface="Courier New"/>
+              </a:rPr>
+              <a:t>plt</a:t>
+            </a:r>
+          </a:p>
+          <a:p>
+            <a:r>
+              <a:rPr lang="en-US" dirty="0">
+                <a:latin typeface="+mn-lt"/>
+                <a:cs typeface="Courier New"/>
+              </a:rPr>
+              <a:t>Run in </a:t>
+            </a:r>
+            <a:r>
+              <a:rPr lang="en-US" dirty="0">
+                <a:latin typeface="Courier New"/>
+                <a:cs typeface="Courier New"/>
+              </a:rPr>
+              <a:t>pylab</a:t>
+            </a:r>
+            <a:r>
+              <a:rPr lang="en-US" dirty="0">
+                <a:latin typeface="+mn-lt"/>
+                <a:cs typeface="Courier New"/>
+              </a:rPr>
+              <a:t> mode in IPython</a:t>
+            </a:r>
+          </a:p>
+          <a:p>
+            <a:r>
+              <a:rPr lang="en-US" dirty="0"/>
+              <a:t>In this chapter, we provide enough detail to begin working with </a:t>
+            </a:r>
+            <a:r>
+              <a:rPr lang="en-US" dirty="0">
+                <a:latin typeface="Courier New"/>
+                <a:cs typeface="Courier New"/>
+              </a:rPr>
+              <a:t>matplotlib</a:t>
+            </a:r>
+          </a:p>
+          <a:p>
+            <a:pPr lvl="1"/>
+            <a:r>
+              <a:rPr lang="en-US" dirty="0"/>
+              <a:t>Full documentation including extensive examples can be found at:</a:t>
+            </a:r>
+          </a:p>
+          <a:p>
+            <a:pPr lvl="2"/>
+            <a:r>
+              <a:rPr lang="en-US" dirty="0">
+                <a:latin typeface="+mj-lt"/>
+                <a:cs typeface="Courier New"/>
+                <a:hlinkClick r:id="rId3"/>
+              </a:rPr>
+              <a:t>http://matplotlib.org/2.0.0/index.html</a:t>
+            </a:r>
+            <a:r>
+              <a:rPr lang="en-US" dirty="0">
+                <a:latin typeface="+mj-lt"/>
+                <a:cs typeface="Courier New"/>
+              </a:rPr>
+              <a:t> </a:t>
+            </a:r>
+          </a:p>
+          <a:p>
+            <a:endParaRPr lang="en-US" dirty="0"/>
+          </a:p>
+        </p:txBody>
+      </p:sp>
+      <p:sp>
+        <p:nvSpPr>
+          <p:cNvPr id="2" name="Title 1"/>
+          <p:cNvSpPr>
+            <a:spLocks noGrp="1"/>
+          </p:cNvSpPr>
+          <p:nvPr>
+            <p:ph type="title"/>
+          </p:nvPr>
+        </p:nvSpPr>
+        <p:spPr/>
+        <p:txBody>
+          <a:bodyPr/>
+          <a:lstStyle/>
+          <a:p>
+            <a:pPr lvl="0"/>
+            <a:r>
+              <a:rPr lang="en-US" dirty="0"/>
+              <a:t>Introducing Matplotlib </a:t>
+            </a:r>
+          </a:p>
+        </p:txBody>
+      </p:sp>
+    </p:spTree>
+    <p:extLst>
+      <p:ext uri="{BB962C8B-B14F-4D97-AF65-F5344CB8AC3E}">
+        <p14:creationId xmlns:p14="http://schemas.microsoft.com/office/powerpoint/2010/main" val="1217732365"/>
       </p:ext>
     </p:extLst>
   </p:cSld>
@@ -27232,52 +21065,6 @@
 </file>
 
 <file path=customXml/item1.xml><?xml version="1.0" encoding="utf-8"?>
-<?mso-contentType ?>
-<spe:Receivers xmlns:spe="http://schemas.microsoft.com/sharepoint/events">
-  <Receiver>
-    <Name>Document ID Generator</Name>
-    <Synchronization>Synchronous</Synchronization>
-    <Type>10001</Type>
-    <SequenceNumber>1000</SequenceNumber>
-    <Assembly>Microsoft.Office.DocumentManagement, Version=14.0.0.0, Culture=neutral, PublicKeyToken=71e9bce111e9429c</Assembly>
-    <Class>Microsoft.Office.DocumentManagement.Internal.DocIdHandler</Class>
-    <Data/>
-    <Filter/>
-  </Receiver>
-  <Receiver>
-    <Name>Document ID Generator</Name>
-    <Synchronization>Synchronous</Synchronization>
-    <Type>10002</Type>
-    <SequenceNumber>1001</SequenceNumber>
-    <Assembly>Microsoft.Office.DocumentManagement, Version=14.0.0.0, Culture=neutral, PublicKeyToken=71e9bce111e9429c</Assembly>
-    <Class>Microsoft.Office.DocumentManagement.Internal.DocIdHandler</Class>
-    <Data/>
-    <Filter/>
-  </Receiver>
-  <Receiver>
-    <Name>Document ID Generator</Name>
-    <Synchronization>Synchronous</Synchronization>
-    <Type>10004</Type>
-    <SequenceNumber>1002</SequenceNumber>
-    <Assembly>Microsoft.Office.DocumentManagement, Version=14.0.0.0, Culture=neutral, PublicKeyToken=71e9bce111e9429c</Assembly>
-    <Class>Microsoft.Office.DocumentManagement.Internal.DocIdHandler</Class>
-    <Data/>
-    <Filter/>
-  </Receiver>
-  <Receiver>
-    <Name>Document ID Generator</Name>
-    <Synchronization>Synchronous</Synchronization>
-    <Type>10006</Type>
-    <SequenceNumber>1003</SequenceNumber>
-    <Assembly>Microsoft.Office.DocumentManagement, Version=14.0.0.0, Culture=neutral, PublicKeyToken=71e9bce111e9429c</Assembly>
-    <Class>Microsoft.Office.DocumentManagement.Internal.DocIdHandler</Class>
-    <Data/>
-    <Filter/>
-  </Receiver>
-</spe:Receivers>
-</file>
-
-<file path=customXml/item2.xml><?xml version="1.0" encoding="utf-8"?>
 <ct:contentTypeSchema xmlns:ct="http://schemas.microsoft.com/office/2006/metadata/contentType" xmlns:ma="http://schemas.microsoft.com/office/2006/metadata/properties/metaAttributes" ct:_="" ma:_="" ma:contentTypeName="Document" ma:contentTypeID="0x0101006B08A054FD435346B287BB258D6D8C2A" ma:contentTypeVersion="2" ma:contentTypeDescription="Create a new document." ma:contentTypeScope="" ma:versionID="6146b90b4382322d8952632f355192b7">
   <xsd:schema xmlns:xsd="http://www.w3.org/2001/XMLSchema" xmlns:xs="http://www.w3.org/2001/XMLSchema" xmlns:p="http://schemas.microsoft.com/office/2006/metadata/properties" xmlns:ns2="027ed24f-5970-4294-be5c-0919c5aaa214" xmlns:ns3="037063e9-a85e-4c78-8627-f1a9315663e5" targetNamespace="http://schemas.microsoft.com/office/2006/metadata/properties" ma:root="true" ma:fieldsID="b5d91f802dafd2e22aeea528efbe2d3e" ns2:_="" ns3:_="">
     <xsd:import namespace="027ed24f-5970-4294-be5c-0919c5aaa214"/>
@@ -27443,16 +21230,53 @@
 </ct:contentTypeSchema>
 </file>
 
-<file path=customXml/item3.xml><?xml version="1.0" encoding="utf-8"?>
+<file path=customXml/item2.xml><?xml version="1.0" encoding="utf-8"?>
 <?mso-contentType ?>
-<FormTemplates xmlns="http://schemas.microsoft.com/sharepoint/v3/contenttype/forms">
-  <Display>DocumentLibraryForm</Display>
-  <Edit>DocumentLibraryForm</Edit>
-  <New>DocumentLibraryForm</New>
-</FormTemplates>
+<spe:Receivers xmlns:spe="http://schemas.microsoft.com/sharepoint/events">
+  <Receiver>
+    <Name>Document ID Generator</Name>
+    <Synchronization>Synchronous</Synchronization>
+    <Type>10001</Type>
+    <SequenceNumber>1000</SequenceNumber>
+    <Assembly>Microsoft.Office.DocumentManagement, Version=14.0.0.0, Culture=neutral, PublicKeyToken=71e9bce111e9429c</Assembly>
+    <Class>Microsoft.Office.DocumentManagement.Internal.DocIdHandler</Class>
+    <Data/>
+    <Filter/>
+  </Receiver>
+  <Receiver>
+    <Name>Document ID Generator</Name>
+    <Synchronization>Synchronous</Synchronization>
+    <Type>10002</Type>
+    <SequenceNumber>1001</SequenceNumber>
+    <Assembly>Microsoft.Office.DocumentManagement, Version=14.0.0.0, Culture=neutral, PublicKeyToken=71e9bce111e9429c</Assembly>
+    <Class>Microsoft.Office.DocumentManagement.Internal.DocIdHandler</Class>
+    <Data/>
+    <Filter/>
+  </Receiver>
+  <Receiver>
+    <Name>Document ID Generator</Name>
+    <Synchronization>Synchronous</Synchronization>
+    <Type>10004</Type>
+    <SequenceNumber>1002</SequenceNumber>
+    <Assembly>Microsoft.Office.DocumentManagement, Version=14.0.0.0, Culture=neutral, PublicKeyToken=71e9bce111e9429c</Assembly>
+    <Class>Microsoft.Office.DocumentManagement.Internal.DocIdHandler</Class>
+    <Data/>
+    <Filter/>
+  </Receiver>
+  <Receiver>
+    <Name>Document ID Generator</Name>
+    <Synchronization>Synchronous</Synchronization>
+    <Type>10006</Type>
+    <SequenceNumber>1003</SequenceNumber>
+    <Assembly>Microsoft.Office.DocumentManagement, Version=14.0.0.0, Culture=neutral, PublicKeyToken=71e9bce111e9429c</Assembly>
+    <Class>Microsoft.Office.DocumentManagement.Internal.DocIdHandler</Class>
+    <Data/>
+    <Filter/>
+  </Receiver>
+</spe:Receivers>
 </file>
 
-<file path=customXml/item4.xml><?xml version="1.0" encoding="utf-8"?>
+<file path=customXml/item3.xml><?xml version="1.0" encoding="utf-8"?>
 <p:properties xmlns:p="http://schemas.microsoft.com/office/2006/metadata/properties" xmlns:xsi="http://www.w3.org/2001/XMLSchema-instance" xmlns:pc="http://schemas.microsoft.com/office/infopath/2007/PartnerControls">
   <documentManagement>
     <_dlc_DocId xmlns="037063e9-a85e-4c78-8627-f1a9315663e5">EVEA5JW6U4JV-6-9960</_dlc_DocId>
@@ -27466,15 +21290,16 @@
 </p:properties>
 </file>
 
-<file path=customXml/itemProps1.xml><?xml version="1.0" encoding="utf-8"?>
-<ds:datastoreItem xmlns:ds="http://schemas.openxmlformats.org/officeDocument/2006/customXml" ds:itemID="{B9043294-8302-4947-B882-02D6486F929C}">
-  <ds:schemaRefs>
-    <ds:schemaRef ds:uri="http://schemas.microsoft.com/sharepoint/events"/>
-  </ds:schemaRefs>
-</ds:datastoreItem>
+<file path=customXml/item4.xml><?xml version="1.0" encoding="utf-8"?>
+<?mso-contentType ?>
+<FormTemplates xmlns="http://schemas.microsoft.com/sharepoint/v3/contenttype/forms">
+  <Display>DocumentLibraryForm</Display>
+  <Edit>DocumentLibraryForm</Edit>
+  <New>DocumentLibraryForm</New>
+</FormTemplates>
 </file>
 
-<file path=customXml/itemProps2.xml><?xml version="1.0" encoding="utf-8"?>
+<file path=customXml/itemProps1.xml><?xml version="1.0" encoding="utf-8"?>
 <ds:datastoreItem xmlns:ds="http://schemas.openxmlformats.org/officeDocument/2006/customXml" ds:itemID="{22DC1111-121F-4086-B564-4B1C46DE4FF3}">
   <ds:schemaRefs>
     <ds:schemaRef ds:uri="http://schemas.microsoft.com/office/2006/metadata/contentType"/>
@@ -27493,21 +21318,35 @@
 </ds:datastoreItem>
 </file>
 
+<file path=customXml/itemProps2.xml><?xml version="1.0" encoding="utf-8"?>
+<ds:datastoreItem xmlns:ds="http://schemas.openxmlformats.org/officeDocument/2006/customXml" ds:itemID="{B9043294-8302-4947-B882-02D6486F929C}">
+  <ds:schemaRefs>
+    <ds:schemaRef ds:uri="http://schemas.microsoft.com/sharepoint/events"/>
+  </ds:schemaRefs>
+</ds:datastoreItem>
+</file>
+
 <file path=customXml/itemProps3.xml><?xml version="1.0" encoding="utf-8"?>
+<ds:datastoreItem xmlns:ds="http://schemas.openxmlformats.org/officeDocument/2006/customXml" ds:itemID="{F47B9207-CE5C-49AD-B414-15CBFA246D65}">
+  <ds:schemaRefs>
+    <ds:schemaRef ds:uri="http://schemas.microsoft.com/office/2006/documentManagement/types"/>
+    <ds:schemaRef ds:uri="http://purl.org/dc/elements/1.1/"/>
+    <ds:schemaRef ds:uri="037063e9-a85e-4c78-8627-f1a9315663e5"/>
+    <ds:schemaRef ds:uri="http://www.w3.org/XML/1998/namespace"/>
+    <ds:schemaRef ds:uri="http://schemas.microsoft.com/office/infopath/2007/PartnerControls"/>
+    <ds:schemaRef ds:uri="http://purl.org/dc/terms/"/>
+    <ds:schemaRef ds:uri="http://schemas.openxmlformats.org/package/2006/metadata/core-properties"/>
+    <ds:schemaRef ds:uri="027ed24f-5970-4294-be5c-0919c5aaa214"/>
+    <ds:schemaRef ds:uri="http://schemas.microsoft.com/office/2006/metadata/properties"/>
+    <ds:schemaRef ds:uri="http://purl.org/dc/dcmitype/"/>
+  </ds:schemaRefs>
+</ds:datastoreItem>
+</file>
+
+<file path=customXml/itemProps4.xml><?xml version="1.0" encoding="utf-8"?>
 <ds:datastoreItem xmlns:ds="http://schemas.openxmlformats.org/officeDocument/2006/customXml" ds:itemID="{2DA015F3-603C-4688-A5F3-81D587DAB8C9}">
   <ds:schemaRefs>
     <ds:schemaRef ds:uri="http://schemas.microsoft.com/sharepoint/v3/contenttype/forms"/>
   </ds:schemaRefs>
 </ds:datastoreItem>
-</file>
-
-<file path=customXml/itemProps4.xml><?xml version="1.0" encoding="utf-8"?>
-<ds:datastoreItem xmlns:ds="http://schemas.openxmlformats.org/officeDocument/2006/customXml" ds:itemID="{F47B9207-CE5C-49AD-B414-15CBFA246D65}">
-  <ds:schemaRefs>
-    <ds:schemaRef ds:uri="http://schemas.microsoft.com/office/2006/metadata/properties"/>
-    <ds:schemaRef ds:uri="http://schemas.microsoft.com/office/infopath/2007/PartnerControls"/>
-    <ds:schemaRef ds:uri="037063e9-a85e-4c78-8627-f1a9315663e5"/>
-    <ds:schemaRef ds:uri="027ed24f-5970-4294-be5c-0919c5aaa214"/>
-  </ds:schemaRefs>
-</ds:datastoreItem>
 </file>